--- a/mosaic-cheatsheet-gf.pptx
+++ b/mosaic-cheatsheet-gf.pptx
@@ -110,7 +110,7 @@
   </p:defaultTextStyle>
   <p:extLst>
     <p:ext uri="{EFAFB233-063F-42B5-8137-9DF3F51BA10A}">
-      <p15:sldGuideLst xmlns:p15="http://schemas.microsoft.com/office/powerpoint/2012/main">
+      <p15:sldGuideLst xmlns:p15="http://schemas.microsoft.com/office/powerpoint/2012/main" xmlns="">
         <p15:guide id="1" orient="horz" pos="3400">
           <p15:clr>
             <a:srgbClr val="A4A3A4"/>
@@ -3213,34 +3213,14 @@
               </a:lnSpc>
             </a:pPr>
             <a:r>
-              <a:rPr lang="en-US" sz="1600" b="1" spc="-1" dirty="0">
+              <a:rPr lang="en-US" sz="1600" b="1" spc="-1" smtClean="0">
                 <a:solidFill>
                   <a:srgbClr val="53585F"/>
                 </a:solidFill>
                 <a:latin typeface="Source Sans Pro"/>
                 <a:ea typeface="Source Sans Pro"/>
               </a:rPr>
-              <a:t>(</a:t>
-            </a:r>
-            <a:r>
-              <a:rPr lang="en-US" sz="1600" b="1" spc="-1" dirty="0" err="1">
-                <a:solidFill>
-                  <a:srgbClr val="53585F"/>
-                </a:solidFill>
-                <a:latin typeface="Source Sans Pro"/>
-                <a:ea typeface="Source Sans Pro"/>
-              </a:rPr>
-              <a:t>ggformula</a:t>
-            </a:r>
-            <a:r>
-              <a:rPr lang="en-US" sz="1600" b="1" spc="-1" dirty="0">
-                <a:solidFill>
-                  <a:srgbClr val="53585F"/>
-                </a:solidFill>
-                <a:latin typeface="Source Sans Pro"/>
-                <a:ea typeface="Source Sans Pro"/>
-              </a:rPr>
-              <a:t> version)</a:t>
+              <a:t>ggformula version</a:t>
             </a:r>
             <a:endParaRPr lang="en-US" sz="1600" b="0" strike="noStrike" spc="-1" dirty="0">
               <a:latin typeface="Arial"/>
@@ -3676,7 +3656,7 @@
                             <a:solidFill>
                               <a:srgbClr val="000000"/>
                             </a:solidFill>
-                            <a:latin typeface="Cambria Math" panose="02040503050406030204" pitchFamily="18" charset="0"/>
+                            <a:latin typeface="Cambria Math"/>
                             <a:ea typeface="Menlo"/>
                           </a:rPr>
                         </m:ctrlPr>
@@ -8486,7 +8466,7 @@
           <p:cNvPr id="3" name="Picture 2">
             <a:extLst>
               <a:ext uri="{FF2B5EF4-FFF2-40B4-BE49-F238E27FC236}">
-                <a16:creationId xmlns:a16="http://schemas.microsoft.com/office/drawing/2014/main" id="{F95F3426-C0E9-427D-98D7-76BA920BF8C3}"/>
+                <a16:creationId xmlns:a16="http://schemas.microsoft.com/office/drawing/2014/main" xmlns="" id="{F95F3426-C0E9-427D-98D7-76BA920BF8C3}"/>
               </a:ext>
             </a:extLst>
           </p:cNvPr>
@@ -14546,7 +14526,7 @@
           <p:cNvPr id="22" name="Picture 7">
             <a:extLst>
               <a:ext uri="{FF2B5EF4-FFF2-40B4-BE49-F238E27FC236}">
-                <a16:creationId xmlns:a16="http://schemas.microsoft.com/office/drawing/2014/main" id="{ABEA9727-35A0-42F8-B33C-2A392664FA00}"/>
+                <a16:creationId xmlns:a16="http://schemas.microsoft.com/office/drawing/2014/main" xmlns="" id="{ABEA9727-35A0-42F8-B33C-2A392664FA00}"/>
               </a:ext>
             </a:extLst>
           </p:cNvPr>
@@ -14575,7 +14555,7 @@
           <p:cNvPr id="23" name="CustomShape 13">
             <a:extLst>
               <a:ext uri="{FF2B5EF4-FFF2-40B4-BE49-F238E27FC236}">
-                <a16:creationId xmlns:a16="http://schemas.microsoft.com/office/drawing/2014/main" id="{828FB9A8-7DA7-4CEE-982B-D23549BEA427}"/>
+                <a16:creationId xmlns:a16="http://schemas.microsoft.com/office/drawing/2014/main" xmlns="" id="{828FB9A8-7DA7-4CEE-982B-D23549BEA427}"/>
               </a:ext>
             </a:extLst>
           </p:cNvPr>
@@ -15118,7 +15098,7 @@
           <p:cNvPr id="24" name="CustomShape 14">
             <a:extLst>
               <a:ext uri="{FF2B5EF4-FFF2-40B4-BE49-F238E27FC236}">
-                <a16:creationId xmlns:a16="http://schemas.microsoft.com/office/drawing/2014/main" id="{A63AE510-5460-4C62-8E97-9EEED1FB7CDD}"/>
+                <a16:creationId xmlns:a16="http://schemas.microsoft.com/office/drawing/2014/main" xmlns="" id="{A63AE510-5460-4C62-8E97-9EEED1FB7CDD}"/>
               </a:ext>
             </a:extLst>
           </p:cNvPr>
@@ -15204,7 +15184,7 @@
           <p:cNvPr id="5" name="Picture 4">
             <a:extLst>
               <a:ext uri="{FF2B5EF4-FFF2-40B4-BE49-F238E27FC236}">
-                <a16:creationId xmlns:a16="http://schemas.microsoft.com/office/drawing/2014/main" id="{D2D461C5-EE8C-400C-B03E-648CF0942D52}"/>
+                <a16:creationId xmlns:a16="http://schemas.microsoft.com/office/drawing/2014/main" xmlns="" id="{D2D461C5-EE8C-400C-B03E-648CF0942D52}"/>
               </a:ext>
             </a:extLst>
           </p:cNvPr>
@@ -15234,7 +15214,7 @@
           <p:cNvPr id="29" name="CustomShape 4">
             <a:extLst>
               <a:ext uri="{FF2B5EF4-FFF2-40B4-BE49-F238E27FC236}">
-                <a16:creationId xmlns:a16="http://schemas.microsoft.com/office/drawing/2014/main" id="{FA44E67C-3FF1-4558-AB14-26AE8A22A162}"/>
+                <a16:creationId xmlns:a16="http://schemas.microsoft.com/office/drawing/2014/main" xmlns="" id="{FA44E67C-3FF1-4558-AB14-26AE8A22A162}"/>
               </a:ext>
             </a:extLst>
           </p:cNvPr>
@@ -15367,7 +15347,7 @@
           <p:cNvPr id="30" name="CustomShape 5">
             <a:extLst>
               <a:ext uri="{FF2B5EF4-FFF2-40B4-BE49-F238E27FC236}">
-                <a16:creationId xmlns:a16="http://schemas.microsoft.com/office/drawing/2014/main" id="{C98A7EA2-6B6B-4EBA-BFFD-9DB57EF48BEA}"/>
+                <a16:creationId xmlns:a16="http://schemas.microsoft.com/office/drawing/2014/main" xmlns="" id="{C98A7EA2-6B6B-4EBA-BFFD-9DB57EF48BEA}"/>
               </a:ext>
             </a:extLst>
           </p:cNvPr>
@@ -15479,7 +15459,7 @@
           <p:cNvPr id="28" name="CustomShape 18">
             <a:extLst>
               <a:ext uri="{FF2B5EF4-FFF2-40B4-BE49-F238E27FC236}">
-                <a16:creationId xmlns:a16="http://schemas.microsoft.com/office/drawing/2014/main" id="{701AD63A-9BF8-47E6-BB75-C9953B3A77B1}"/>
+                <a16:creationId xmlns:a16="http://schemas.microsoft.com/office/drawing/2014/main" xmlns="" id="{701AD63A-9BF8-47E6-BB75-C9953B3A77B1}"/>
               </a:ext>
             </a:extLst>
           </p:cNvPr>
@@ -15545,7 +15525,7 @@
           <p:cNvPr id="31" name="CustomShape 11">
             <a:extLst>
               <a:ext uri="{FF2B5EF4-FFF2-40B4-BE49-F238E27FC236}">
-                <a16:creationId xmlns:a16="http://schemas.microsoft.com/office/drawing/2014/main" id="{99194DF0-5E93-4622-B563-F6AE81E8F2FF}"/>
+                <a16:creationId xmlns:a16="http://schemas.microsoft.com/office/drawing/2014/main" xmlns="" id="{99194DF0-5E93-4622-B563-F6AE81E8F2FF}"/>
               </a:ext>
             </a:extLst>
           </p:cNvPr>

--- a/mosaic-cheatsheet-gf.pptx
+++ b/mosaic-cheatsheet-gf.pptx
@@ -110,7 +110,7 @@
   </p:defaultTextStyle>
   <p:extLst>
     <p:ext uri="{EFAFB233-063F-42B5-8137-9DF3F51BA10A}">
-      <p15:sldGuideLst xmlns:p15="http://schemas.microsoft.com/office/powerpoint/2012/main" xmlns="">
+      <p15:sldGuideLst xmlns:p15="http://schemas.microsoft.com/office/powerpoint/2012/main">
         <p15:guide id="1" orient="horz" pos="3400">
           <p15:clr>
             <a:srgbClr val="A4A3A4"/>
@@ -3213,14 +3213,24 @@
               </a:lnSpc>
             </a:pPr>
             <a:r>
-              <a:rPr lang="en-US" sz="1600" b="1" spc="-1" smtClean="0">
+              <a:rPr lang="en-US" sz="1600" b="1" spc="-1" dirty="0" err="1">
                 <a:solidFill>
                   <a:srgbClr val="53585F"/>
                 </a:solidFill>
                 <a:latin typeface="Source Sans Pro"/>
                 <a:ea typeface="Source Sans Pro"/>
               </a:rPr>
-              <a:t>ggformula version</a:t>
+              <a:t>ggformula</a:t>
+            </a:r>
+            <a:r>
+              <a:rPr lang="en-US" sz="1600" b="1" spc="-1" dirty="0">
+                <a:solidFill>
+                  <a:srgbClr val="53585F"/>
+                </a:solidFill>
+                <a:latin typeface="Source Sans Pro"/>
+                <a:ea typeface="Source Sans Pro"/>
+              </a:rPr>
+              <a:t> version</a:t>
             </a:r>
             <a:endParaRPr lang="en-US" sz="1600" b="0" strike="noStrike" spc="-1" dirty="0">
               <a:latin typeface="Arial"/>
@@ -3656,7 +3666,7 @@
                             <a:solidFill>
                               <a:srgbClr val="000000"/>
                             </a:solidFill>
-                            <a:latin typeface="Cambria Math"/>
+                            <a:latin typeface="Cambria Math" panose="02040503050406030204" pitchFamily="18" charset="0"/>
                             <a:ea typeface="Menlo"/>
                           </a:rPr>
                         </m:ctrlPr>
@@ -6648,7 +6658,7 @@
         <p:spPr>
           <a:xfrm>
             <a:off x="10333391" y="666245"/>
-            <a:ext cx="3058696" cy="9173080"/>
+            <a:ext cx="3058696" cy="9324654"/>
           </a:xfrm>
           <a:prstGeom prst="rect">
             <a:avLst/>
@@ -7510,6 +7520,18 @@
                 <a:spcPct val="150000"/>
               </a:lnSpc>
             </a:pPr>
+            <a:endParaRPr lang="en-US" sz="1200" spc="-1" dirty="0">
+              <a:solidFill>
+                <a:srgbClr val="000000"/>
+              </a:solidFill>
+            </a:endParaRPr>
+          </a:p>
+          <a:p>
+            <a:pPr>
+              <a:lnSpc>
+                <a:spcPct val="150000"/>
+              </a:lnSpc>
+            </a:pPr>
             <a:r>
               <a:rPr lang="en-US" sz="1200" spc="-1" dirty="0">
                 <a:solidFill>
@@ -8068,7 +8090,7 @@
         <p:spPr>
           <a:xfrm>
             <a:off x="7109661" y="7400870"/>
-            <a:ext cx="3108960" cy="2590032"/>
+            <a:ext cx="3108960" cy="2831058"/>
           </a:xfrm>
           <a:prstGeom prst="rect">
             <a:avLst/>
@@ -8466,7 +8488,7 @@
           <p:cNvPr id="3" name="Picture 2">
             <a:extLst>
               <a:ext uri="{FF2B5EF4-FFF2-40B4-BE49-F238E27FC236}">
-                <a16:creationId xmlns:a16="http://schemas.microsoft.com/office/drawing/2014/main" xmlns="" id="{F95F3426-C0E9-427D-98D7-76BA920BF8C3}"/>
+                <a16:creationId xmlns:a16="http://schemas.microsoft.com/office/drawing/2014/main" id="{F95F3426-C0E9-427D-98D7-76BA920BF8C3}"/>
               </a:ext>
             </a:extLst>
           </p:cNvPr>
@@ -8676,7 +8698,7 @@
         </p:blipFill>
         <p:spPr bwMode="auto">
           <a:xfrm>
-            <a:off x="10935864" y="4767626"/>
+            <a:off x="10935864" y="4879456"/>
             <a:ext cx="1853750" cy="1828800"/>
           </a:xfrm>
           <a:prstGeom prst="rect">
@@ -9279,7 +9301,7 @@
         </p:nvSpPr>
         <p:spPr>
           <a:xfrm>
-            <a:off x="3657600" y="327888"/>
+            <a:off x="6902412" y="272878"/>
             <a:ext cx="3200400" cy="344520"/>
           </a:xfrm>
           <a:prstGeom prst="roundRect">
@@ -9472,7 +9494,7 @@
         </p:nvSpPr>
         <p:spPr>
           <a:xfrm>
-            <a:off x="332633" y="765059"/>
+            <a:off x="3577445" y="710049"/>
             <a:ext cx="3200400" cy="4519860"/>
           </a:xfrm>
           <a:prstGeom prst="rect">
@@ -9664,7 +9686,27 @@
                 <a:latin typeface="Courier New"/>
                 <a:ea typeface="Menlo"/>
               </a:rPr>
-              <a:t>tally(~ sex |substance, </a:t>
+              <a:t>tally(~ </a:t>
+            </a:r>
+            <a:r>
+              <a:rPr lang="en-US" sz="1200" b="1" strike="noStrike" spc="-1">
+                <a:solidFill>
+                  <a:srgbClr val="000000"/>
+                </a:solidFill>
+                <a:latin typeface="Courier New"/>
+                <a:ea typeface="Menlo"/>
+              </a:rPr>
+              <a:t>sex | substance</a:t>
+            </a:r>
+            <a:r>
+              <a:rPr lang="en-US" sz="1200" b="1" strike="noStrike" spc="-1" dirty="0">
+                <a:solidFill>
+                  <a:srgbClr val="000000"/>
+                </a:solidFill>
+                <a:latin typeface="Courier New"/>
+                <a:ea typeface="Menlo"/>
+              </a:rPr>
+              <a:t>, </a:t>
             </a:r>
             <a:endParaRPr lang="en-US" sz="1200" b="0" strike="noStrike" spc="-1" dirty="0">
               <a:latin typeface="Arial"/>
@@ -10109,7 +10151,7 @@
         </p:nvSpPr>
         <p:spPr>
           <a:xfrm>
-            <a:off x="336053" y="312285"/>
+            <a:off x="3580865" y="272878"/>
             <a:ext cx="3193560" cy="344520"/>
           </a:xfrm>
           <a:prstGeom prst="roundRect">
@@ -10169,7 +10211,7 @@
         </p:nvSpPr>
         <p:spPr>
           <a:xfrm>
-            <a:off x="3657600" y="791557"/>
+            <a:off x="6902412" y="710049"/>
             <a:ext cx="3108960" cy="6858000"/>
           </a:xfrm>
           <a:prstGeom prst="rect">
@@ -11497,398 +11539,13 @@
       </p:sp>
       <p:sp>
         <p:nvSpPr>
-          <p:cNvPr id="86" name="CustomShape 11"/>
-          <p:cNvSpPr/>
-          <p:nvPr/>
-        </p:nvSpPr>
-        <p:spPr>
-          <a:xfrm>
-            <a:off x="6949440" y="765059"/>
-            <a:ext cx="3200400" cy="3111241"/>
-          </a:xfrm>
-          <a:prstGeom prst="rect">
-            <a:avLst/>
-          </a:prstGeom>
-          <a:solidFill>
-            <a:srgbClr val="FFFFFF"/>
-          </a:solidFill>
-          <a:ln w="12600">
-            <a:solidFill>
-              <a:srgbClr val="A6AAA9"/>
-            </a:solidFill>
-            <a:miter/>
-          </a:ln>
-        </p:spPr>
-        <p:style>
-          <a:lnRef idx="0">
-            <a:scrgbClr r="0" g="0" b="0"/>
-          </a:lnRef>
-          <a:fillRef idx="0">
-            <a:scrgbClr r="0" g="0" b="0"/>
-          </a:fillRef>
-          <a:effectRef idx="0">
-            <a:scrgbClr r="0" g="0" b="0"/>
-          </a:effectRef>
-          <a:fontRef idx="minor"/>
-        </p:style>
-        <p:txBody>
-          <a:bodyPr lIns="91440" tIns="0" rIns="0" bIns="0" anchor="t" anchorCtr="0"/>
-          <a:lstStyle/>
-          <a:p>
-            <a:pPr>
-              <a:lnSpc>
-                <a:spcPct val="150000"/>
-              </a:lnSpc>
-            </a:pPr>
-            <a:r>
-              <a:rPr lang="en-US" sz="1200" b="0" strike="noStrike" spc="-1" dirty="0">
-                <a:solidFill>
-                  <a:srgbClr val="000000"/>
-                </a:solidFill>
-                <a:latin typeface="Arial"/>
-                <a:ea typeface="DejaVu Sans"/>
-              </a:rPr>
-              <a:t>From </a:t>
-            </a:r>
-            <a:r>
-              <a:rPr lang="en-US" sz="1200" b="0" strike="noStrike" spc="-1" err="1">
-                <a:solidFill>
-                  <a:srgbClr val="000000"/>
-                </a:solidFill>
-                <a:latin typeface="Courier New" panose="02070309020205020404" pitchFamily="49" charset="0"/>
-                <a:ea typeface="DejaVu Sans"/>
-                <a:cs typeface="Courier New" panose="02070309020205020404" pitchFamily="49" charset="0"/>
-              </a:rPr>
-              <a:t>dplyr</a:t>
-            </a:r>
-            <a:r>
-              <a:rPr lang="en-US" sz="1200" spc="-1">
-                <a:solidFill>
-                  <a:srgbClr val="000000"/>
-                </a:solidFill>
-                <a:ea typeface="DejaVu Sans"/>
-                <a:cs typeface="Courier New" panose="02070309020205020404" pitchFamily="49" charset="0"/>
-              </a:rPr>
-              <a:t> package</a:t>
-            </a:r>
-          </a:p>
-          <a:p>
-            <a:r>
-              <a:rPr lang="en-US" sz="1200" b="0" strike="noStrike" spc="-1">
-                <a:solidFill>
-                  <a:srgbClr val="000000"/>
-                </a:solidFill>
-                <a:latin typeface="Arial"/>
-                <a:ea typeface="DejaVu Sans"/>
-                <a:cs typeface="Courier New" panose="02070309020205020404" pitchFamily="49" charset="0"/>
-              </a:rPr>
-              <a:t>For details, see </a:t>
-            </a:r>
-            <a:r>
-              <a:rPr lang="en-US" sz="1200" b="1" spc="-1">
-                <a:latin typeface="Courier New"/>
-                <a:hlinkClick r:id="rId2"/>
-              </a:rPr>
-              <a:t>Tidyverse cheatsheet</a:t>
-            </a:r>
-            <a:endParaRPr lang="en-US" sz="1200" b="0" strike="noStrike" spc="-1" dirty="0">
-              <a:solidFill>
-                <a:srgbClr val="000000"/>
-              </a:solidFill>
-              <a:latin typeface="Arial"/>
-              <a:ea typeface="DejaVu Sans"/>
-            </a:endParaRPr>
-          </a:p>
-          <a:p>
-            <a:endParaRPr lang="en-US" sz="1200" b="0" strike="noStrike" spc="-1">
-              <a:solidFill>
-                <a:srgbClr val="000000"/>
-              </a:solidFill>
-              <a:latin typeface="Arial"/>
-              <a:ea typeface="DejaVu Sans"/>
-            </a:endParaRPr>
-          </a:p>
-          <a:p>
-            <a:r>
-              <a:rPr lang="en-US" sz="1200" b="0" strike="noStrike" spc="-1">
-                <a:solidFill>
-                  <a:srgbClr val="000000"/>
-                </a:solidFill>
-                <a:latin typeface="Arial"/>
-                <a:ea typeface="DejaVu Sans"/>
-              </a:rPr>
-              <a:t>Drop, rename, </a:t>
-            </a:r>
-            <a:r>
-              <a:rPr lang="en-US" sz="1200" b="0" strike="noStrike" spc="-1" dirty="0">
-                <a:solidFill>
-                  <a:srgbClr val="000000"/>
-                </a:solidFill>
-                <a:latin typeface="Arial"/>
-                <a:ea typeface="DejaVu Sans"/>
-              </a:rPr>
-              <a:t>or reorder variables</a:t>
-            </a:r>
-            <a:endParaRPr lang="en-US" sz="1200" b="0" strike="noStrike" spc="-1" dirty="0">
-              <a:latin typeface="Arial"/>
-            </a:endParaRPr>
-          </a:p>
-          <a:p>
-            <a:r>
-              <a:rPr lang="en-US" sz="1200" b="1" spc="-1" dirty="0">
-                <a:latin typeface="Courier New"/>
-              </a:rPr>
-              <a:t>select()</a:t>
-            </a:r>
-            <a:endParaRPr lang="en-US" sz="1200" strike="noStrike" spc="-1" dirty="0">
-              <a:latin typeface="Arial"/>
-            </a:endParaRPr>
-          </a:p>
-          <a:p>
-            <a:pPr>
-              <a:lnSpc>
-                <a:spcPct val="150000"/>
-              </a:lnSpc>
-            </a:pPr>
-            <a:r>
-              <a:rPr lang="en-US" sz="1200" b="0" strike="noStrike" spc="-1" dirty="0">
-                <a:solidFill>
-                  <a:srgbClr val="000000"/>
-                </a:solidFill>
-                <a:latin typeface="Arial"/>
-                <a:ea typeface="DejaVu Sans"/>
-              </a:rPr>
-              <a:t>Create new variables from existing ones</a:t>
-            </a:r>
-            <a:endParaRPr lang="en-US" sz="1200" b="0" strike="noStrike" spc="-1" dirty="0">
-              <a:latin typeface="Arial"/>
-            </a:endParaRPr>
-          </a:p>
-          <a:p>
-            <a:pPr>
-              <a:lnSpc>
-                <a:spcPts val="1000"/>
-              </a:lnSpc>
-            </a:pPr>
-            <a:r>
-              <a:rPr lang="en-US" sz="1200" b="1" strike="noStrike" spc="-1" dirty="0">
-                <a:latin typeface="Courier New"/>
-                <a:ea typeface="DejaVu Sans"/>
-              </a:rPr>
-              <a:t>mutate()</a:t>
-            </a:r>
-            <a:endParaRPr lang="en-US" sz="1200" b="1" strike="noStrike" spc="-1" dirty="0">
-              <a:latin typeface="Arial"/>
-            </a:endParaRPr>
-          </a:p>
-          <a:p>
-            <a:pPr>
-              <a:lnSpc>
-                <a:spcPct val="150000"/>
-              </a:lnSpc>
-            </a:pPr>
-            <a:r>
-              <a:rPr lang="en-US" sz="1200" spc="-1" dirty="0">
-                <a:latin typeface="Arial"/>
-                <a:ea typeface="DejaVu Sans"/>
-              </a:rPr>
-              <a:t>Retain</a:t>
-            </a:r>
-            <a:r>
-              <a:rPr lang="en-US" sz="1200" b="0" strike="noStrike" spc="-1" dirty="0">
-                <a:latin typeface="Arial"/>
-                <a:ea typeface="DejaVu Sans"/>
-              </a:rPr>
-              <a:t> specific rows from data </a:t>
-            </a:r>
-            <a:endParaRPr lang="en-US" sz="1200" b="0" strike="noStrike" spc="-1" dirty="0">
-              <a:latin typeface="Arial"/>
-            </a:endParaRPr>
-          </a:p>
-          <a:p>
-            <a:pPr>
-              <a:lnSpc>
-                <a:spcPts val="1000"/>
-              </a:lnSpc>
-            </a:pPr>
-            <a:r>
-              <a:rPr lang="en-US" sz="1200" b="1" strike="noStrike" spc="-1" dirty="0">
-                <a:latin typeface="Courier New"/>
-                <a:ea typeface="DejaVu Sans"/>
-              </a:rPr>
-              <a:t>filter() </a:t>
-            </a:r>
-            <a:endParaRPr lang="en-US" sz="1200" b="1" strike="noStrike" spc="-1" dirty="0">
-              <a:latin typeface="Arial"/>
-            </a:endParaRPr>
-          </a:p>
-          <a:p>
-            <a:pPr>
-              <a:lnSpc>
-                <a:spcPct val="150000"/>
-              </a:lnSpc>
-            </a:pPr>
-            <a:r>
-              <a:rPr lang="en-US" sz="1200" b="0" strike="noStrike" spc="-1" dirty="0">
-                <a:latin typeface="Arial"/>
-                <a:ea typeface="DejaVu Sans"/>
-              </a:rPr>
-              <a:t>Sort data rows</a:t>
-            </a:r>
-            <a:endParaRPr lang="en-US" sz="1200" b="0" strike="noStrike" spc="-1" dirty="0">
-              <a:latin typeface="Arial"/>
-            </a:endParaRPr>
-          </a:p>
-          <a:p>
-            <a:pPr>
-              <a:lnSpc>
-                <a:spcPts val="1000"/>
-              </a:lnSpc>
-            </a:pPr>
-            <a:r>
-              <a:rPr lang="en-US" sz="1200" b="1" strike="noStrike" spc="-1" dirty="0">
-                <a:latin typeface="Courier New"/>
-                <a:ea typeface="DejaVu Sans"/>
-              </a:rPr>
-              <a:t>arrange() </a:t>
-            </a:r>
-            <a:endParaRPr lang="en-US" sz="1200" b="1" strike="noStrike" spc="-1" dirty="0">
-              <a:latin typeface="Arial"/>
-            </a:endParaRPr>
-          </a:p>
-          <a:p>
-            <a:pPr>
-              <a:lnSpc>
-                <a:spcPct val="150000"/>
-              </a:lnSpc>
-            </a:pPr>
-            <a:r>
-              <a:rPr lang="en-US" sz="1200" b="0" strike="noStrike" spc="-1" dirty="0">
-                <a:latin typeface="Arial"/>
-                <a:ea typeface="DejaVu Sans"/>
-              </a:rPr>
-              <a:t>Compute summary statistics by group</a:t>
-            </a:r>
-            <a:endParaRPr lang="en-US" sz="1200" b="0" strike="noStrike" spc="-1" dirty="0">
-              <a:latin typeface="Arial"/>
-            </a:endParaRPr>
-          </a:p>
-          <a:p>
-            <a:pPr>
-              <a:lnSpc>
-                <a:spcPts val="1000"/>
-              </a:lnSpc>
-            </a:pPr>
-            <a:r>
-              <a:rPr lang="en-US" sz="1200" b="1" strike="noStrike" spc="-1" dirty="0" err="1">
-                <a:latin typeface="Courier New"/>
-                <a:ea typeface="DejaVu Sans"/>
-              </a:rPr>
-              <a:t>group_by</a:t>
-            </a:r>
-            <a:r>
-              <a:rPr lang="en-US" sz="1200" b="1" strike="noStrike" spc="-1" dirty="0">
-                <a:latin typeface="Courier New"/>
-                <a:ea typeface="DejaVu Sans"/>
-              </a:rPr>
-              <a:t>() </a:t>
-            </a:r>
-            <a:endParaRPr lang="en-US" sz="1200" b="1" strike="noStrike" spc="-1" dirty="0">
-              <a:latin typeface="Arial"/>
-            </a:endParaRPr>
-          </a:p>
-          <a:p>
-            <a:pPr>
-              <a:lnSpc>
-                <a:spcPct val="100000"/>
-              </a:lnSpc>
-            </a:pPr>
-            <a:r>
-              <a:rPr lang="en-US" sz="1200" b="1" strike="noStrike" spc="-1" dirty="0">
-                <a:latin typeface="Courier New"/>
-                <a:ea typeface="DejaVu Sans"/>
-              </a:rPr>
-              <a:t>summarize</a:t>
-            </a:r>
-            <a:r>
-              <a:rPr lang="en-US" sz="1200" b="1" strike="noStrike" spc="-1">
-                <a:latin typeface="Courier New"/>
-                <a:ea typeface="DejaVu Sans"/>
-              </a:rPr>
-              <a:t>() </a:t>
-            </a:r>
-          </a:p>
-        </p:txBody>
-      </p:sp>
-      <p:sp>
-        <p:nvSpPr>
-          <p:cNvPr id="87" name="CustomShape 12"/>
-          <p:cNvSpPr/>
-          <p:nvPr/>
-        </p:nvSpPr>
-        <p:spPr>
-          <a:xfrm>
-            <a:off x="6949440" y="327888"/>
-            <a:ext cx="3200400" cy="347472"/>
-          </a:xfrm>
-          <a:prstGeom prst="roundRect">
-            <a:avLst>
-              <a:gd name="adj" fmla="val 25876"/>
-            </a:avLst>
-          </a:prstGeom>
-          <a:solidFill>
-            <a:srgbClr val="A6AAA9"/>
-          </a:solidFill>
-          <a:ln w="12600">
-            <a:noFill/>
-          </a:ln>
-        </p:spPr>
-        <p:style>
-          <a:lnRef idx="0">
-            <a:scrgbClr r="0" g="0" b="0"/>
-          </a:lnRef>
-          <a:fillRef idx="0">
-            <a:scrgbClr r="0" g="0" b="0"/>
-          </a:fillRef>
-          <a:effectRef idx="0">
-            <a:scrgbClr r="0" g="0" b="0"/>
-          </a:effectRef>
-          <a:fontRef idx="minor"/>
-        </p:style>
-        <p:txBody>
-          <a:bodyPr lIns="0" tIns="0" rIns="0" bIns="0"/>
-          <a:lstStyle/>
-          <a:p>
-            <a:pPr algn="ctr">
-              <a:lnSpc>
-                <a:spcPct val="100000"/>
-              </a:lnSpc>
-            </a:pPr>
-            <a:r>
-              <a:rPr lang="en-US" sz="2000" b="0" strike="noStrike" spc="-1">
-                <a:solidFill>
-                  <a:srgbClr val="FFFFFF"/>
-                </a:solidFill>
-                <a:latin typeface="Source Sans Pro"/>
-                <a:ea typeface="Source Sans Pro"/>
-              </a:rPr>
-              <a:t>Data manipulation</a:t>
-            </a:r>
-            <a:endParaRPr lang="en-US" sz="2000" b="0" strike="noStrike" spc="-1" dirty="0">
-              <a:latin typeface="Arial"/>
-            </a:endParaRPr>
-          </a:p>
-        </p:txBody>
-      </p:sp>
-      <p:sp>
-        <p:nvSpPr>
           <p:cNvPr id="90" name="CustomShape 15"/>
           <p:cNvSpPr/>
           <p:nvPr/>
         </p:nvSpPr>
         <p:spPr>
           <a:xfrm>
-            <a:off x="10264576" y="312285"/>
+            <a:off x="10264576" y="272878"/>
             <a:ext cx="3200400" cy="694944"/>
           </a:xfrm>
           <a:prstGeom prst="roundRect">
@@ -11968,7 +11625,7 @@
         </p:nvSpPr>
         <p:spPr>
           <a:xfrm>
-            <a:off x="3657600" y="7772400"/>
+            <a:off x="6902412" y="7732993"/>
             <a:ext cx="3200400" cy="694440"/>
           </a:xfrm>
           <a:prstGeom prst="roundRect">
@@ -13234,7 +12891,7 @@
         </p:nvSpPr>
         <p:spPr>
           <a:xfrm>
-            <a:off x="336053" y="5379361"/>
+            <a:off x="3580865" y="5339954"/>
             <a:ext cx="3193560" cy="347040"/>
           </a:xfrm>
           <a:prstGeom prst="roundRect">
@@ -13294,7 +12951,7 @@
         </p:nvSpPr>
         <p:spPr>
           <a:xfrm>
-            <a:off x="334253" y="5831880"/>
+            <a:off x="3579065" y="5792473"/>
             <a:ext cx="3197160" cy="4480560"/>
           </a:xfrm>
           <a:prstGeom prst="rect">
@@ -14181,7 +13838,7 @@
         </p:nvSpPr>
         <p:spPr>
           <a:xfrm>
-            <a:off x="3651152" y="8549640"/>
+            <a:off x="6895964" y="8535673"/>
             <a:ext cx="3200400" cy="1737360"/>
           </a:xfrm>
           <a:prstGeom prst="rect">
@@ -14526,7 +14183,7 @@
           <p:cNvPr id="22" name="Picture 7">
             <a:extLst>
               <a:ext uri="{FF2B5EF4-FFF2-40B4-BE49-F238E27FC236}">
-                <a16:creationId xmlns:a16="http://schemas.microsoft.com/office/drawing/2014/main" xmlns="" id="{ABEA9727-35A0-42F8-B33C-2A392664FA00}"/>
+                <a16:creationId xmlns:a16="http://schemas.microsoft.com/office/drawing/2014/main" id="{ABEA9727-35A0-42F8-B33C-2A392664FA00}"/>
               </a:ext>
             </a:extLst>
           </p:cNvPr>
@@ -14534,12 +14191,12 @@
           <p:nvPr/>
         </p:nvPicPr>
         <p:blipFill>
-          <a:blip r:embed="rId3"/>
+          <a:blip r:embed="rId2"/>
           <a:stretch/>
         </p:blipFill>
         <p:spPr>
           <a:xfrm>
-            <a:off x="480683" y="3100870"/>
+            <a:off x="3725495" y="3061463"/>
             <a:ext cx="2856960" cy="1371240"/>
           </a:xfrm>
           <a:prstGeom prst="rect">
@@ -14550,641 +14207,12 @@
           </a:ln>
         </p:spPr>
       </p:pic>
-      <p:sp>
-        <p:nvSpPr>
-          <p:cNvPr id="23" name="CustomShape 13">
-            <a:extLst>
-              <a:ext uri="{FF2B5EF4-FFF2-40B4-BE49-F238E27FC236}">
-                <a16:creationId xmlns:a16="http://schemas.microsoft.com/office/drawing/2014/main" xmlns="" id="{828FB9A8-7DA7-4CEE-982B-D23549BEA427}"/>
-              </a:ext>
-            </a:extLst>
-          </p:cNvPr>
-          <p:cNvSpPr/>
-          <p:nvPr/>
-        </p:nvSpPr>
-        <p:spPr>
-          <a:xfrm>
-            <a:off x="6949440" y="6537960"/>
-            <a:ext cx="3200400" cy="3744419"/>
-          </a:xfrm>
-          <a:prstGeom prst="rect">
-            <a:avLst/>
-          </a:prstGeom>
-          <a:solidFill>
-            <a:srgbClr val="FFFFFF"/>
-          </a:solidFill>
-          <a:ln w="12600">
-            <a:solidFill>
-              <a:srgbClr val="A6AAA9"/>
-            </a:solidFill>
-            <a:miter/>
-          </a:ln>
-        </p:spPr>
-        <p:style>
-          <a:lnRef idx="0">
-            <a:scrgbClr r="0" g="0" b="0"/>
-          </a:lnRef>
-          <a:fillRef idx="0">
-            <a:scrgbClr r="0" g="0" b="0"/>
-          </a:fillRef>
-          <a:effectRef idx="0">
-            <a:scrgbClr r="0" g="0" b="0"/>
-          </a:effectRef>
-          <a:fontRef idx="minor"/>
-        </p:style>
-        <p:txBody>
-          <a:bodyPr lIns="91440" tIns="0" rIns="0" bIns="0" anchor="t" anchorCtr="0"/>
-          <a:lstStyle/>
-          <a:p>
-            <a:pPr>
-              <a:lnSpc>
-                <a:spcPct val="150000"/>
-              </a:lnSpc>
-            </a:pPr>
-            <a:r>
-              <a:rPr lang="en-US" sz="1200" b="0" strike="noStrike" spc="-1" dirty="0">
-                <a:solidFill>
-                  <a:srgbClr val="000000"/>
-                </a:solidFill>
-                <a:latin typeface="Arial"/>
-                <a:ea typeface="DejaVu Sans"/>
-              </a:rPr>
-              <a:t>Fix random number sequence</a:t>
-            </a:r>
-          </a:p>
-          <a:p>
-            <a:r>
-              <a:rPr lang="en-US" sz="1200" b="1" spc="-1" dirty="0" err="1">
-                <a:solidFill>
-                  <a:srgbClr val="000000"/>
-                </a:solidFill>
-                <a:latin typeface="Courier New"/>
-                <a:ea typeface="Menlo"/>
-              </a:rPr>
-              <a:t>set.seed</a:t>
-            </a:r>
-            <a:r>
-              <a:rPr lang="en-US" sz="1200" b="1" spc="-1" dirty="0">
-                <a:solidFill>
-                  <a:srgbClr val="000000"/>
-                </a:solidFill>
-                <a:latin typeface="Courier New"/>
-                <a:ea typeface="Menlo"/>
-              </a:rPr>
-              <a:t>(42)</a:t>
-            </a:r>
-            <a:endParaRPr lang="en-US" sz="1200" b="0" strike="noStrike" spc="-1" dirty="0">
-              <a:solidFill>
-                <a:srgbClr val="000000"/>
-              </a:solidFill>
-              <a:latin typeface="Arial"/>
-              <a:ea typeface="DejaVu Sans"/>
-            </a:endParaRPr>
-          </a:p>
-          <a:p>
-            <a:pPr>
-              <a:lnSpc>
-                <a:spcPct val="150000"/>
-              </a:lnSpc>
-            </a:pPr>
-            <a:r>
-              <a:rPr lang="en-US" sz="1200" b="0" strike="noStrike" spc="-1">
-                <a:solidFill>
-                  <a:srgbClr val="000000"/>
-                </a:solidFill>
-                <a:latin typeface="Arial"/>
-                <a:ea typeface="DejaVu Sans"/>
-              </a:rPr>
-              <a:t>Toss </a:t>
-            </a:r>
-            <a:r>
-              <a:rPr lang="en-US" sz="1200" b="0" strike="noStrike" spc="-1" dirty="0">
-                <a:solidFill>
-                  <a:srgbClr val="000000"/>
-                </a:solidFill>
-                <a:latin typeface="Arial"/>
-                <a:ea typeface="DejaVu Sans"/>
-              </a:rPr>
-              <a:t>coins</a:t>
-            </a:r>
-            <a:endParaRPr lang="en-US" sz="1200" b="0" strike="noStrike" spc="-1" dirty="0">
-              <a:latin typeface="Arial"/>
-            </a:endParaRPr>
-          </a:p>
-          <a:p>
-            <a:pPr>
-              <a:lnSpc>
-                <a:spcPct val="100000"/>
-              </a:lnSpc>
-            </a:pPr>
-            <a:r>
-              <a:rPr lang="en-US" sz="1100" b="1" strike="noStrike" spc="-1" dirty="0">
-                <a:solidFill>
-                  <a:srgbClr val="000000"/>
-                </a:solidFill>
-                <a:latin typeface="Courier New"/>
-                <a:ea typeface="Menlo"/>
-              </a:rPr>
-              <a:t>rflip(10) # default </a:t>
-            </a:r>
-            <a:r>
-              <a:rPr lang="en-US" sz="1100" b="1" strike="noStrike" spc="-1" dirty="0" err="1">
-                <a:solidFill>
-                  <a:srgbClr val="000000"/>
-                </a:solidFill>
-                <a:latin typeface="Courier New"/>
-                <a:ea typeface="Menlo"/>
-              </a:rPr>
-              <a:t>prob</a:t>
-            </a:r>
-            <a:r>
-              <a:rPr lang="en-US" sz="1100" b="1" strike="noStrike" spc="-1" dirty="0">
-                <a:solidFill>
-                  <a:srgbClr val="000000"/>
-                </a:solidFill>
-                <a:latin typeface="Courier New"/>
-                <a:ea typeface="Menlo"/>
-              </a:rPr>
-              <a:t> is 0.5</a:t>
-            </a:r>
-            <a:endParaRPr lang="en-US" sz="1100" b="0" strike="noStrike" spc="-1" dirty="0">
-              <a:latin typeface="Arial"/>
-            </a:endParaRPr>
-          </a:p>
-          <a:p>
-            <a:pPr>
-              <a:lnSpc>
-                <a:spcPct val="150000"/>
-              </a:lnSpc>
-            </a:pPr>
-            <a:r>
-              <a:rPr lang="en-US" sz="1200" b="0" strike="noStrike" spc="-1" dirty="0">
-                <a:solidFill>
-                  <a:srgbClr val="000000"/>
-                </a:solidFill>
-                <a:latin typeface="Arial"/>
-                <a:ea typeface="Menlo"/>
-              </a:rPr>
-              <a:t>Do something repeatedly</a:t>
-            </a:r>
-            <a:endParaRPr lang="en-US" sz="1200" b="0" strike="noStrike" spc="-1" dirty="0">
-              <a:latin typeface="Arial"/>
-            </a:endParaRPr>
-          </a:p>
-          <a:p>
-            <a:pPr>
-              <a:lnSpc>
-                <a:spcPct val="100000"/>
-              </a:lnSpc>
-            </a:pPr>
-            <a:r>
-              <a:rPr lang="en-US" sz="1100" b="1" strike="noStrike" spc="-1" dirty="0">
-                <a:solidFill>
-                  <a:srgbClr val="000000"/>
-                </a:solidFill>
-                <a:latin typeface="Courier New"/>
-                <a:ea typeface="Menlo"/>
-              </a:rPr>
-              <a:t>do(5) * rflip(10, </a:t>
-            </a:r>
-            <a:r>
-              <a:rPr lang="en-US" sz="1100" b="1" strike="noStrike" spc="-1" dirty="0" err="1">
-                <a:solidFill>
-                  <a:srgbClr val="000000"/>
-                </a:solidFill>
-                <a:latin typeface="Courier New"/>
-                <a:ea typeface="Menlo"/>
-              </a:rPr>
-              <a:t>prob</a:t>
-            </a:r>
-            <a:r>
-              <a:rPr lang="en-US" sz="1100" b="1" strike="noStrike" spc="-1" dirty="0">
-                <a:solidFill>
-                  <a:srgbClr val="000000"/>
-                </a:solidFill>
-                <a:latin typeface="Courier New"/>
-                <a:ea typeface="Menlo"/>
-              </a:rPr>
-              <a:t> = 0.75)</a:t>
-            </a:r>
-            <a:endParaRPr lang="en-US" sz="1100" b="0" strike="noStrike" spc="-1" dirty="0">
-              <a:latin typeface="Arial"/>
-            </a:endParaRPr>
-          </a:p>
-          <a:p>
-            <a:pPr>
-              <a:lnSpc>
-                <a:spcPct val="150000"/>
-              </a:lnSpc>
-            </a:pPr>
-            <a:r>
-              <a:rPr lang="en-US" sz="1200" b="0" strike="noStrike" spc="-1" dirty="0">
-                <a:solidFill>
-                  <a:srgbClr val="000000"/>
-                </a:solidFill>
-                <a:latin typeface="Arial"/>
-                <a:ea typeface="Menlo"/>
-              </a:rPr>
-              <a:t>Draw a simple random sample</a:t>
-            </a:r>
-            <a:endParaRPr lang="en-US" sz="1200" b="0" strike="noStrike" spc="-1" dirty="0">
-              <a:latin typeface="Arial"/>
-            </a:endParaRPr>
-          </a:p>
-          <a:p>
-            <a:pPr>
-              <a:lnSpc>
-                <a:spcPct val="100000"/>
-              </a:lnSpc>
-            </a:pPr>
-            <a:r>
-              <a:rPr lang="en-US" sz="1100" b="1" strike="noStrike" spc="-1" dirty="0">
-                <a:solidFill>
-                  <a:srgbClr val="000000"/>
-                </a:solidFill>
-                <a:latin typeface="Courier New"/>
-                <a:ea typeface="Menlo"/>
-              </a:rPr>
-              <a:t>sample(LETTERS, 10)</a:t>
-            </a:r>
-            <a:endParaRPr lang="en-US" sz="1100" b="0" strike="noStrike" spc="-1" dirty="0">
-              <a:latin typeface="Arial"/>
-            </a:endParaRPr>
-          </a:p>
-          <a:p>
-            <a:pPr>
-              <a:lnSpc>
-                <a:spcPct val="100000"/>
-              </a:lnSpc>
-            </a:pPr>
-            <a:r>
-              <a:rPr lang="en-US" sz="1100" b="1" strike="noStrike" spc="-1" dirty="0">
-                <a:solidFill>
-                  <a:srgbClr val="000000"/>
-                </a:solidFill>
-                <a:latin typeface="Courier New"/>
-                <a:ea typeface="Menlo"/>
-              </a:rPr>
-              <a:t>deal(Cards, 5) # poker hand</a:t>
-            </a:r>
-            <a:endParaRPr lang="en-US" sz="1100" b="0" strike="noStrike" spc="-1" dirty="0">
-              <a:latin typeface="Arial"/>
-            </a:endParaRPr>
-          </a:p>
-          <a:p>
-            <a:pPr>
-              <a:lnSpc>
-                <a:spcPct val="150000"/>
-              </a:lnSpc>
-            </a:pPr>
-            <a:r>
-              <a:rPr lang="en-US" sz="1200" b="0" strike="noStrike" spc="-1">
-                <a:solidFill>
-                  <a:srgbClr val="000000"/>
-                </a:solidFill>
-                <a:latin typeface="Arial"/>
-                <a:ea typeface="Menlo"/>
-              </a:rPr>
-              <a:t>Resample with </a:t>
-            </a:r>
-            <a:r>
-              <a:rPr lang="en-US" sz="1200" b="0" strike="noStrike" spc="-1" dirty="0">
-                <a:solidFill>
-                  <a:srgbClr val="000000"/>
-                </a:solidFill>
-                <a:latin typeface="Arial"/>
-                <a:ea typeface="Menlo"/>
-              </a:rPr>
-              <a:t>replacement</a:t>
-            </a:r>
-            <a:endParaRPr lang="en-US" sz="1200" b="0" strike="noStrike" spc="-1" dirty="0">
-              <a:latin typeface="Arial"/>
-            </a:endParaRPr>
-          </a:p>
-          <a:p>
-            <a:pPr>
-              <a:lnSpc>
-                <a:spcPct val="100000"/>
-              </a:lnSpc>
-            </a:pPr>
-            <a:r>
-              <a:rPr lang="en-US" sz="1100" b="1" strike="noStrike" spc="-1" dirty="0">
-                <a:solidFill>
-                  <a:srgbClr val="000000"/>
-                </a:solidFill>
-                <a:latin typeface="Courier New"/>
-                <a:ea typeface="Menlo"/>
-              </a:rPr>
-              <a:t>Small &lt;- sample(</a:t>
-            </a:r>
-            <a:r>
-              <a:rPr lang="en-US" sz="1100" b="1" strike="noStrike" spc="-1" dirty="0" err="1">
-                <a:solidFill>
-                  <a:srgbClr val="000000"/>
-                </a:solidFill>
-                <a:latin typeface="Courier New"/>
-                <a:ea typeface="Menlo"/>
-              </a:rPr>
-              <a:t>KidsFeet</a:t>
-            </a:r>
-            <a:r>
-              <a:rPr lang="en-US" sz="1100" b="1" strike="noStrike" spc="-1" dirty="0">
-                <a:solidFill>
-                  <a:srgbClr val="000000"/>
-                </a:solidFill>
-                <a:latin typeface="Courier New"/>
-                <a:ea typeface="Menlo"/>
-              </a:rPr>
-              <a:t>, 10)</a:t>
-            </a:r>
-            <a:endParaRPr lang="en-US" sz="1100" b="0" strike="noStrike" spc="-1" dirty="0">
-              <a:latin typeface="Arial"/>
-            </a:endParaRPr>
-          </a:p>
-          <a:p>
-            <a:pPr>
-              <a:lnSpc>
-                <a:spcPct val="100000"/>
-              </a:lnSpc>
-            </a:pPr>
-            <a:r>
-              <a:rPr lang="en-US" sz="1100" b="1" strike="noStrike" spc="-1" dirty="0">
-                <a:solidFill>
-                  <a:srgbClr val="000000"/>
-                </a:solidFill>
-                <a:latin typeface="Courier New"/>
-                <a:ea typeface="Menlo"/>
-              </a:rPr>
-              <a:t>resample(Small)</a:t>
-            </a:r>
-            <a:endParaRPr lang="en-US" sz="1100" b="0" strike="noStrike" spc="-1" dirty="0">
-              <a:latin typeface="Arial"/>
-            </a:endParaRPr>
-          </a:p>
-          <a:p>
-            <a:pPr>
-              <a:lnSpc>
-                <a:spcPct val="150000"/>
-              </a:lnSpc>
-            </a:pPr>
-            <a:r>
-              <a:rPr lang="en-US" sz="1200" b="0" strike="noStrike" spc="-1" dirty="0">
-                <a:solidFill>
-                  <a:srgbClr val="000000"/>
-                </a:solidFill>
-                <a:latin typeface="Arial"/>
-                <a:ea typeface="Menlo"/>
-              </a:rPr>
-              <a:t>Random permutation (shuffling)</a:t>
-            </a:r>
-            <a:endParaRPr lang="en-US" sz="1200" b="0" strike="noStrike" spc="-1" dirty="0">
-              <a:latin typeface="Arial"/>
-            </a:endParaRPr>
-          </a:p>
-          <a:p>
-            <a:pPr>
-              <a:lnSpc>
-                <a:spcPct val="100000"/>
-              </a:lnSpc>
-            </a:pPr>
-            <a:r>
-              <a:rPr lang="en-US" sz="1100" b="1" strike="noStrike" spc="-1" dirty="0">
-                <a:solidFill>
-                  <a:srgbClr val="000000"/>
-                </a:solidFill>
-                <a:latin typeface="Courier New"/>
-                <a:ea typeface="Menlo"/>
-              </a:rPr>
-              <a:t>shuffle(Cards) </a:t>
-            </a:r>
-            <a:endParaRPr lang="en-US" sz="1100" b="0" strike="noStrike" spc="-1" dirty="0">
-              <a:latin typeface="Arial"/>
-            </a:endParaRPr>
-          </a:p>
-          <a:p>
-            <a:pPr>
-              <a:lnSpc>
-                <a:spcPct val="150000"/>
-              </a:lnSpc>
-            </a:pPr>
-            <a:r>
-              <a:rPr lang="en-US" sz="1200" b="0" strike="noStrike" spc="-1" dirty="0">
-                <a:solidFill>
-                  <a:srgbClr val="000000"/>
-                </a:solidFill>
-                <a:latin typeface="Arial"/>
-                <a:ea typeface="Menlo"/>
-              </a:rPr>
-              <a:t>Random values from distributions</a:t>
-            </a:r>
-            <a:endParaRPr lang="en-US" sz="1200" b="0" strike="noStrike" spc="-1" dirty="0">
-              <a:latin typeface="Arial"/>
-            </a:endParaRPr>
-          </a:p>
-          <a:p>
-            <a:pPr>
-              <a:lnSpc>
-                <a:spcPct val="100000"/>
-              </a:lnSpc>
-            </a:pPr>
-            <a:r>
-              <a:rPr lang="en-US" sz="1100" b="1" strike="noStrike" spc="-1" dirty="0" err="1">
-                <a:solidFill>
-                  <a:srgbClr val="000000"/>
-                </a:solidFill>
-                <a:latin typeface="Courier New"/>
-                <a:ea typeface="Menlo"/>
-              </a:rPr>
-              <a:t>rbinom</a:t>
-            </a:r>
-            <a:r>
-              <a:rPr lang="en-US" sz="1100" b="1" strike="noStrike" spc="-1" dirty="0">
-                <a:solidFill>
-                  <a:srgbClr val="000000"/>
-                </a:solidFill>
-                <a:latin typeface="Courier New"/>
-                <a:ea typeface="Menlo"/>
-              </a:rPr>
-              <a:t>(5, size = 10, </a:t>
-            </a:r>
-            <a:r>
-              <a:rPr lang="en-US" sz="1100" b="1" strike="noStrike" spc="-1" dirty="0" err="1">
-                <a:solidFill>
-                  <a:srgbClr val="000000"/>
-                </a:solidFill>
-                <a:latin typeface="Courier New"/>
-                <a:ea typeface="Menlo"/>
-              </a:rPr>
-              <a:t>prob</a:t>
-            </a:r>
-            <a:r>
-              <a:rPr lang="en-US" sz="1100" b="1" strike="noStrike" spc="-1" dirty="0">
-                <a:solidFill>
-                  <a:srgbClr val="000000"/>
-                </a:solidFill>
-                <a:latin typeface="Courier New"/>
-                <a:ea typeface="Menlo"/>
-              </a:rPr>
-              <a:t> = 0.7)</a:t>
-            </a:r>
-            <a:endParaRPr lang="en-US" sz="1100" b="0" strike="noStrike" spc="-1" dirty="0">
-              <a:latin typeface="Arial"/>
-            </a:endParaRPr>
-          </a:p>
-          <a:p>
-            <a:pPr>
-              <a:lnSpc>
-                <a:spcPct val="100000"/>
-              </a:lnSpc>
-            </a:pPr>
-            <a:r>
-              <a:rPr lang="en-US" sz="1100" b="1" strike="noStrike" spc="-1" dirty="0" err="1">
-                <a:solidFill>
-                  <a:srgbClr val="000000"/>
-                </a:solidFill>
-                <a:latin typeface="Courier New"/>
-                <a:ea typeface="Menlo"/>
-              </a:rPr>
-              <a:t>rnorm</a:t>
-            </a:r>
-            <a:r>
-              <a:rPr lang="en-US" sz="1100" b="1" strike="noStrike" spc="-1" dirty="0">
-                <a:solidFill>
-                  <a:srgbClr val="000000"/>
-                </a:solidFill>
-                <a:latin typeface="Courier New"/>
-                <a:ea typeface="Menlo"/>
-              </a:rPr>
-              <a:t>(5, mean = 10, </a:t>
-            </a:r>
-            <a:r>
-              <a:rPr lang="en-US" sz="1100" b="1" strike="noStrike" spc="-1" dirty="0" err="1">
-                <a:solidFill>
-                  <a:srgbClr val="000000"/>
-                </a:solidFill>
-                <a:latin typeface="Courier New"/>
-                <a:ea typeface="Menlo"/>
-              </a:rPr>
-              <a:t>sd</a:t>
-            </a:r>
-            <a:r>
-              <a:rPr lang="en-US" sz="1100" b="1" strike="noStrike" spc="-1" dirty="0">
-                <a:solidFill>
-                  <a:srgbClr val="000000"/>
-                </a:solidFill>
-                <a:latin typeface="Courier New"/>
-                <a:ea typeface="Menlo"/>
-              </a:rPr>
-              <a:t> = 2)</a:t>
-            </a:r>
-            <a:endParaRPr lang="en-US" sz="1100" b="0" strike="noStrike" spc="-1" dirty="0">
-              <a:latin typeface="Arial"/>
-            </a:endParaRPr>
-          </a:p>
-          <a:p>
-            <a:pPr>
-              <a:lnSpc>
-                <a:spcPct val="120000"/>
-              </a:lnSpc>
-            </a:pPr>
-            <a:endParaRPr lang="en-US" sz="1100" b="0" strike="noStrike" spc="-1" dirty="0">
-              <a:latin typeface="Arial"/>
-            </a:endParaRPr>
-          </a:p>
-        </p:txBody>
-      </p:sp>
-      <p:sp>
-        <p:nvSpPr>
-          <p:cNvPr id="24" name="CustomShape 14">
-            <a:extLst>
-              <a:ext uri="{FF2B5EF4-FFF2-40B4-BE49-F238E27FC236}">
-                <a16:creationId xmlns:a16="http://schemas.microsoft.com/office/drawing/2014/main" xmlns="" id="{A63AE510-5460-4C62-8E97-9EEED1FB7CDD}"/>
-              </a:ext>
-            </a:extLst>
-          </p:cNvPr>
-          <p:cNvSpPr/>
-          <p:nvPr/>
-        </p:nvSpPr>
-        <p:spPr>
-          <a:xfrm>
-            <a:off x="6949440" y="5760720"/>
-            <a:ext cx="3200400" cy="711302"/>
-          </a:xfrm>
-          <a:prstGeom prst="roundRect">
-            <a:avLst>
-              <a:gd name="adj" fmla="val 25876"/>
-            </a:avLst>
-          </a:prstGeom>
-          <a:solidFill>
-            <a:srgbClr val="A6AAA9"/>
-          </a:solidFill>
-          <a:ln w="12600">
-            <a:noFill/>
-          </a:ln>
-        </p:spPr>
-        <p:style>
-          <a:lnRef idx="0">
-            <a:scrgbClr r="0" g="0" b="0"/>
-          </a:lnRef>
-          <a:fillRef idx="0">
-            <a:scrgbClr r="0" g="0" b="0"/>
-          </a:fillRef>
-          <a:effectRef idx="0">
-            <a:scrgbClr r="0" g="0" b="0"/>
-          </a:effectRef>
-          <a:fontRef idx="minor"/>
-        </p:style>
-        <p:txBody>
-          <a:bodyPr lIns="0" tIns="0" rIns="0" bIns="0"/>
-          <a:lstStyle/>
-          <a:p>
-            <a:pPr algn="ctr">
-              <a:lnSpc>
-                <a:spcPct val="100000"/>
-              </a:lnSpc>
-            </a:pPr>
-            <a:r>
-              <a:rPr lang="en-US" sz="2000" b="0" strike="noStrike" spc="-1" dirty="0">
-                <a:solidFill>
-                  <a:srgbClr val="FFFFFF"/>
-                </a:solidFill>
-                <a:latin typeface="Source Sans Pro"/>
-                <a:ea typeface="Source Sans Pro"/>
-              </a:rPr>
-              <a:t>Randomization and</a:t>
-            </a:r>
-            <a:endParaRPr lang="en-US" sz="2000" b="0" strike="noStrike" spc="-1" dirty="0">
-              <a:latin typeface="Arial"/>
-            </a:endParaRPr>
-          </a:p>
-          <a:p>
-            <a:pPr algn="ctr">
-              <a:lnSpc>
-                <a:spcPct val="100000"/>
-              </a:lnSpc>
-            </a:pPr>
-            <a:r>
-              <a:rPr lang="en-US" sz="2000" b="0" strike="noStrike" spc="-1" dirty="0">
-                <a:solidFill>
-                  <a:srgbClr val="FFFFFF"/>
-                </a:solidFill>
-                <a:latin typeface="Source Sans Pro"/>
-                <a:ea typeface="Source Sans Pro"/>
-              </a:rPr>
-              <a:t>simulation</a:t>
-            </a:r>
-            <a:endParaRPr lang="en-US" sz="2000" b="0" strike="noStrike" spc="-1" dirty="0">
-              <a:latin typeface="Arial"/>
-            </a:endParaRPr>
-          </a:p>
-        </p:txBody>
-      </p:sp>
       <p:pic>
         <p:nvPicPr>
           <p:cNvPr id="5" name="Picture 4">
             <a:extLst>
               <a:ext uri="{FF2B5EF4-FFF2-40B4-BE49-F238E27FC236}">
-                <a16:creationId xmlns:a16="http://schemas.microsoft.com/office/drawing/2014/main" xmlns="" id="{D2D461C5-EE8C-400C-B03E-648CF0942D52}"/>
+                <a16:creationId xmlns:a16="http://schemas.microsoft.com/office/drawing/2014/main" id="{D2D461C5-EE8C-400C-B03E-648CF0942D52}"/>
               </a:ext>
             </a:extLst>
           </p:cNvPr>
@@ -15194,14 +14222,14 @@
           <p:nvPr/>
         </p:nvPicPr>
         <p:blipFill>
-          <a:blip r:embed="rId4"/>
+          <a:blip r:embed="rId3"/>
           <a:stretch>
             <a:fillRect/>
           </a:stretch>
         </p:blipFill>
         <p:spPr>
           <a:xfrm>
-            <a:off x="10683360" y="8595360"/>
+            <a:off x="10683359" y="8612297"/>
             <a:ext cx="2306952" cy="1573616"/>
           </a:xfrm>
           <a:prstGeom prst="rect">
@@ -15214,7 +14242,7 @@
           <p:cNvPr id="29" name="CustomShape 4">
             <a:extLst>
               <a:ext uri="{FF2B5EF4-FFF2-40B4-BE49-F238E27FC236}">
-                <a16:creationId xmlns:a16="http://schemas.microsoft.com/office/drawing/2014/main" xmlns="" id="{FA44E67C-3FF1-4558-AB14-26AE8A22A162}"/>
+                <a16:creationId xmlns:a16="http://schemas.microsoft.com/office/drawing/2014/main" id="{FA44E67C-3FF1-4558-AB14-26AE8A22A162}"/>
               </a:ext>
             </a:extLst>
           </p:cNvPr>
@@ -15307,7 +14335,7 @@
                 </a:uFill>
                 <a:latin typeface="Source Sans Pro Light"/>
                 <a:ea typeface="Source Sans Pro Light"/>
-                <a:hlinkClick r:id="rId5"/>
+                <a:hlinkClick r:id="rId4"/>
               </a:rPr>
               <a:t>CC BY </a:t>
             </a:r>
@@ -15347,7 +14375,7 @@
           <p:cNvPr id="30" name="CustomShape 5">
             <a:extLst>
               <a:ext uri="{FF2B5EF4-FFF2-40B4-BE49-F238E27FC236}">
-                <a16:creationId xmlns:a16="http://schemas.microsoft.com/office/drawing/2014/main" xmlns="" id="{C98A7EA2-6B6B-4EBA-BFFD-9DB57EF48BEA}"/>
+                <a16:creationId xmlns:a16="http://schemas.microsoft.com/office/drawing/2014/main" id="{C98A7EA2-6B6B-4EBA-BFFD-9DB57EF48BEA}"/>
               </a:ext>
             </a:extLst>
           </p:cNvPr>
@@ -15454,12 +14482,120 @@
           </a:p>
         </p:txBody>
       </p:sp>
+      <p:pic>
+        <p:nvPicPr>
+          <p:cNvPr id="2050" name="Picture 2"/>
+          <p:cNvPicPr>
+            <a:picLocks noChangeAspect="1" noChangeArrowheads="1"/>
+          </p:cNvPicPr>
+          <p:nvPr/>
+        </p:nvPicPr>
+        <p:blipFill>
+          <a:blip r:embed="rId5" cstate="print">
+            <a:extLst>
+              <a:ext uri="{28A0092B-C50C-407E-A947-70E740481C1C}">
+                <a14:useLocalDpi xmlns:a14="http://schemas.microsoft.com/office/drawing/2010/main" val="0"/>
+              </a:ext>
+            </a:extLst>
+          </a:blip>
+          <a:srcRect/>
+          <a:stretch>
+            <a:fillRect/>
+          </a:stretch>
+        </p:blipFill>
+        <p:spPr bwMode="auto">
+          <a:xfrm>
+            <a:off x="7734841" y="2338033"/>
+            <a:ext cx="1390313" cy="1371600"/>
+          </a:xfrm>
+          <a:prstGeom prst="rect">
+            <a:avLst/>
+          </a:prstGeom>
+          <a:noFill/>
+          <a:ln>
+            <a:noFill/>
+          </a:ln>
+          <a:extLst>
+            <a:ext uri="{909E8E84-426E-40DD-AFC4-6F175D3DCCD1}">
+              <a14:hiddenFill xmlns:a14="http://schemas.microsoft.com/office/drawing/2010/main">
+                <a:solidFill>
+                  <a:schemeClr val="accent1"/>
+                </a:solidFill>
+              </a14:hiddenFill>
+            </a:ext>
+            <a:ext uri="{91240B29-F687-4F45-9708-019B960494DF}">
+              <a14:hiddenLine xmlns:a14="http://schemas.microsoft.com/office/drawing/2010/main" w="9525">
+                <a:solidFill>
+                  <a:schemeClr val="tx1"/>
+                </a:solidFill>
+                <a:miter lim="800000"/>
+                <a:headEnd/>
+                <a:tailEnd/>
+              </a14:hiddenLine>
+            </a:ext>
+          </a:extLst>
+        </p:spPr>
+      </p:pic>
+      <p:pic>
+        <p:nvPicPr>
+          <p:cNvPr id="1026" name="Picture 2"/>
+          <p:cNvPicPr>
+            <a:picLocks noChangeAspect="1" noChangeArrowheads="1"/>
+          </p:cNvPicPr>
+          <p:nvPr/>
+        </p:nvPicPr>
+        <p:blipFill>
+          <a:blip r:embed="rId6" cstate="print">
+            <a:extLst>
+              <a:ext uri="{28A0092B-C50C-407E-A947-70E740481C1C}">
+                <a14:useLocalDpi xmlns:a14="http://schemas.microsoft.com/office/drawing/2010/main" val="0"/>
+              </a:ext>
+            </a:extLst>
+          </a:blip>
+          <a:srcRect/>
+          <a:stretch>
+            <a:fillRect/>
+          </a:stretch>
+        </p:blipFill>
+        <p:spPr bwMode="auto">
+          <a:xfrm>
+            <a:off x="10956302" y="3100870"/>
+            <a:ext cx="1761067" cy="1737360"/>
+          </a:xfrm>
+          <a:prstGeom prst="rect">
+            <a:avLst/>
+          </a:prstGeom>
+          <a:noFill/>
+          <a:ln>
+            <a:noFill/>
+          </a:ln>
+          <a:extLst>
+            <a:ext uri="{909E8E84-426E-40DD-AFC4-6F175D3DCCD1}">
+              <a14:hiddenFill xmlns:a14="http://schemas.microsoft.com/office/drawing/2010/main">
+                <a:solidFill>
+                  <a:schemeClr val="accent1"/>
+                </a:solidFill>
+              </a14:hiddenFill>
+            </a:ext>
+            <a:ext uri="{91240B29-F687-4F45-9708-019B960494DF}">
+              <a14:hiddenLine xmlns:a14="http://schemas.microsoft.com/office/drawing/2010/main" w="9525">
+                <a:solidFill>
+                  <a:schemeClr val="tx1"/>
+                </a:solidFill>
+                <a:miter lim="800000"/>
+                <a:headEnd/>
+                <a:tailEnd/>
+              </a14:hiddenLine>
+            </a:ext>
+          </a:extLst>
+        </p:spPr>
+      </p:pic>
       <p:sp>
         <p:nvSpPr>
-          <p:cNvPr id="28" name="CustomShape 18">
+          <p:cNvPr id="32" name="CustomShape 11">
             <a:extLst>
               <a:ext uri="{FF2B5EF4-FFF2-40B4-BE49-F238E27FC236}">
-                <a16:creationId xmlns:a16="http://schemas.microsoft.com/office/drawing/2014/main" xmlns="" id="{701AD63A-9BF8-47E6-BB75-C9953B3A77B1}"/>
+                <a16:creationId xmlns:a16="http://schemas.microsoft.com/office/drawing/2014/main" id="{7DD4CB21-5494-4EEF-8F4C-00425B92FBE6}"/>
               </a:ext>
             </a:extLst>
           </p:cNvPr>
@@ -15468,7 +14604,1030 @@
         </p:nvSpPr>
         <p:spPr>
           <a:xfrm>
-            <a:off x="6949440" y="3931920"/>
+            <a:off x="215281" y="710049"/>
+            <a:ext cx="3200400" cy="3111241"/>
+          </a:xfrm>
+          <a:prstGeom prst="rect">
+            <a:avLst/>
+          </a:prstGeom>
+          <a:solidFill>
+            <a:srgbClr val="FFFFFF"/>
+          </a:solidFill>
+          <a:ln w="12600">
+            <a:solidFill>
+              <a:srgbClr val="A6AAA9"/>
+            </a:solidFill>
+            <a:miter/>
+          </a:ln>
+        </p:spPr>
+        <p:style>
+          <a:lnRef idx="0">
+            <a:scrgbClr r="0" g="0" b="0"/>
+          </a:lnRef>
+          <a:fillRef idx="0">
+            <a:scrgbClr r="0" g="0" b="0"/>
+          </a:fillRef>
+          <a:effectRef idx="0">
+            <a:scrgbClr r="0" g="0" b="0"/>
+          </a:effectRef>
+          <a:fontRef idx="minor"/>
+        </p:style>
+        <p:txBody>
+          <a:bodyPr lIns="91440" tIns="0" rIns="0" bIns="0" anchor="t" anchorCtr="0"/>
+          <a:lstStyle/>
+          <a:p>
+            <a:pPr>
+              <a:lnSpc>
+                <a:spcPct val="150000"/>
+              </a:lnSpc>
+            </a:pPr>
+            <a:r>
+              <a:rPr lang="en-US" sz="1200" b="0" strike="noStrike" spc="-1" dirty="0">
+                <a:solidFill>
+                  <a:srgbClr val="000000"/>
+                </a:solidFill>
+                <a:latin typeface="Arial"/>
+                <a:ea typeface="DejaVu Sans"/>
+              </a:rPr>
+              <a:t>From </a:t>
+            </a:r>
+            <a:r>
+              <a:rPr lang="en-US" sz="1200" b="0" strike="noStrike" spc="-1" dirty="0" err="1">
+                <a:solidFill>
+                  <a:srgbClr val="000000"/>
+                </a:solidFill>
+                <a:latin typeface="Courier New" panose="02070309020205020404" pitchFamily="49" charset="0"/>
+                <a:ea typeface="DejaVu Sans"/>
+                <a:cs typeface="Courier New" panose="02070309020205020404" pitchFamily="49" charset="0"/>
+              </a:rPr>
+              <a:t>dplyr</a:t>
+            </a:r>
+            <a:r>
+              <a:rPr lang="en-US" sz="1200" spc="-1" dirty="0">
+                <a:solidFill>
+                  <a:srgbClr val="000000"/>
+                </a:solidFill>
+                <a:ea typeface="DejaVu Sans"/>
+                <a:cs typeface="Courier New" panose="02070309020205020404" pitchFamily="49" charset="0"/>
+              </a:rPr>
+              <a:t> package</a:t>
+            </a:r>
+          </a:p>
+          <a:p>
+            <a:r>
+              <a:rPr lang="en-US" sz="1200" b="0" strike="noStrike" spc="-1" dirty="0">
+                <a:solidFill>
+                  <a:srgbClr val="000000"/>
+                </a:solidFill>
+                <a:latin typeface="Arial"/>
+                <a:ea typeface="DejaVu Sans"/>
+                <a:cs typeface="Courier New" panose="02070309020205020404" pitchFamily="49" charset="0"/>
+              </a:rPr>
+              <a:t>For details, see </a:t>
+            </a:r>
+            <a:r>
+              <a:rPr lang="en-US" sz="1200" b="1" spc="-1" dirty="0" err="1">
+                <a:latin typeface="Courier New"/>
+                <a:hlinkClick r:id="rId7"/>
+              </a:rPr>
+              <a:t>Tidyverse</a:t>
+            </a:r>
+            <a:r>
+              <a:rPr lang="en-US" sz="1200" b="1" spc="-1" dirty="0">
+                <a:latin typeface="Courier New"/>
+                <a:hlinkClick r:id="rId7"/>
+              </a:rPr>
+              <a:t> </a:t>
+            </a:r>
+            <a:r>
+              <a:rPr lang="en-US" sz="1200" b="1" spc="-1" dirty="0" err="1">
+                <a:latin typeface="Courier New"/>
+                <a:hlinkClick r:id="rId7"/>
+              </a:rPr>
+              <a:t>cheatsheet</a:t>
+            </a:r>
+            <a:endParaRPr lang="en-US" sz="1200" b="0" strike="noStrike" spc="-1" dirty="0">
+              <a:solidFill>
+                <a:srgbClr val="000000"/>
+              </a:solidFill>
+              <a:latin typeface="Arial"/>
+              <a:ea typeface="DejaVu Sans"/>
+            </a:endParaRPr>
+          </a:p>
+          <a:p>
+            <a:endParaRPr lang="en-US" sz="1200" b="0" strike="noStrike" spc="-1" dirty="0">
+              <a:solidFill>
+                <a:srgbClr val="000000"/>
+              </a:solidFill>
+              <a:latin typeface="Arial"/>
+              <a:ea typeface="DejaVu Sans"/>
+            </a:endParaRPr>
+          </a:p>
+          <a:p>
+            <a:r>
+              <a:rPr lang="en-US" sz="1200" b="0" strike="noStrike" spc="-1" dirty="0">
+                <a:solidFill>
+                  <a:srgbClr val="000000"/>
+                </a:solidFill>
+                <a:latin typeface="Arial"/>
+                <a:ea typeface="DejaVu Sans"/>
+              </a:rPr>
+              <a:t>Drop, rename, or reorder variables</a:t>
+            </a:r>
+            <a:endParaRPr lang="en-US" sz="1200" b="0" strike="noStrike" spc="-1" dirty="0">
+              <a:latin typeface="Arial"/>
+            </a:endParaRPr>
+          </a:p>
+          <a:p>
+            <a:r>
+              <a:rPr lang="en-US" sz="1200" b="1" spc="-1" dirty="0">
+                <a:latin typeface="Courier New"/>
+              </a:rPr>
+              <a:t>select()</a:t>
+            </a:r>
+            <a:endParaRPr lang="en-US" sz="1200" strike="noStrike" spc="-1" dirty="0">
+              <a:latin typeface="Arial"/>
+            </a:endParaRPr>
+          </a:p>
+          <a:p>
+            <a:pPr>
+              <a:lnSpc>
+                <a:spcPct val="150000"/>
+              </a:lnSpc>
+            </a:pPr>
+            <a:r>
+              <a:rPr lang="en-US" sz="1200" b="0" strike="noStrike" spc="-1" dirty="0">
+                <a:solidFill>
+                  <a:srgbClr val="000000"/>
+                </a:solidFill>
+                <a:latin typeface="Arial"/>
+                <a:ea typeface="DejaVu Sans"/>
+              </a:rPr>
+              <a:t>Create new variables from existing ones</a:t>
+            </a:r>
+            <a:endParaRPr lang="en-US" sz="1200" b="0" strike="noStrike" spc="-1" dirty="0">
+              <a:latin typeface="Arial"/>
+            </a:endParaRPr>
+          </a:p>
+          <a:p>
+            <a:pPr>
+              <a:lnSpc>
+                <a:spcPts val="1000"/>
+              </a:lnSpc>
+            </a:pPr>
+            <a:r>
+              <a:rPr lang="en-US" sz="1200" b="1" strike="noStrike" spc="-1" dirty="0">
+                <a:latin typeface="Courier New"/>
+                <a:ea typeface="DejaVu Sans"/>
+              </a:rPr>
+              <a:t>mutate()</a:t>
+            </a:r>
+            <a:endParaRPr lang="en-US" sz="1200" b="1" strike="noStrike" spc="-1" dirty="0">
+              <a:latin typeface="Arial"/>
+            </a:endParaRPr>
+          </a:p>
+          <a:p>
+            <a:pPr>
+              <a:lnSpc>
+                <a:spcPct val="150000"/>
+              </a:lnSpc>
+            </a:pPr>
+            <a:r>
+              <a:rPr lang="en-US" sz="1200" spc="-1" dirty="0">
+                <a:latin typeface="Arial"/>
+                <a:ea typeface="DejaVu Sans"/>
+              </a:rPr>
+              <a:t>Retain</a:t>
+            </a:r>
+            <a:r>
+              <a:rPr lang="en-US" sz="1200" b="0" strike="noStrike" spc="-1" dirty="0">
+                <a:latin typeface="Arial"/>
+                <a:ea typeface="DejaVu Sans"/>
+              </a:rPr>
+              <a:t> specific rows from data </a:t>
+            </a:r>
+            <a:endParaRPr lang="en-US" sz="1200" b="0" strike="noStrike" spc="-1" dirty="0">
+              <a:latin typeface="Arial"/>
+            </a:endParaRPr>
+          </a:p>
+          <a:p>
+            <a:pPr>
+              <a:lnSpc>
+                <a:spcPts val="1000"/>
+              </a:lnSpc>
+            </a:pPr>
+            <a:r>
+              <a:rPr lang="en-US" sz="1200" b="1" strike="noStrike" spc="-1" dirty="0">
+                <a:latin typeface="Courier New"/>
+                <a:ea typeface="DejaVu Sans"/>
+              </a:rPr>
+              <a:t>filter() </a:t>
+            </a:r>
+            <a:endParaRPr lang="en-US" sz="1200" b="1" strike="noStrike" spc="-1" dirty="0">
+              <a:latin typeface="Arial"/>
+            </a:endParaRPr>
+          </a:p>
+          <a:p>
+            <a:pPr>
+              <a:lnSpc>
+                <a:spcPct val="150000"/>
+              </a:lnSpc>
+            </a:pPr>
+            <a:r>
+              <a:rPr lang="en-US" sz="1200" b="0" strike="noStrike" spc="-1" dirty="0">
+                <a:latin typeface="Arial"/>
+                <a:ea typeface="DejaVu Sans"/>
+              </a:rPr>
+              <a:t>Sort data rows</a:t>
+            </a:r>
+            <a:endParaRPr lang="en-US" sz="1200" b="0" strike="noStrike" spc="-1" dirty="0">
+              <a:latin typeface="Arial"/>
+            </a:endParaRPr>
+          </a:p>
+          <a:p>
+            <a:pPr>
+              <a:lnSpc>
+                <a:spcPts val="1000"/>
+              </a:lnSpc>
+            </a:pPr>
+            <a:r>
+              <a:rPr lang="en-US" sz="1200" b="1" strike="noStrike" spc="-1" dirty="0">
+                <a:latin typeface="Courier New"/>
+                <a:ea typeface="DejaVu Sans"/>
+              </a:rPr>
+              <a:t>arrange() </a:t>
+            </a:r>
+            <a:endParaRPr lang="en-US" sz="1200" b="1" strike="noStrike" spc="-1" dirty="0">
+              <a:latin typeface="Arial"/>
+            </a:endParaRPr>
+          </a:p>
+          <a:p>
+            <a:pPr>
+              <a:lnSpc>
+                <a:spcPct val="150000"/>
+              </a:lnSpc>
+            </a:pPr>
+            <a:r>
+              <a:rPr lang="en-US" sz="1200" b="0" strike="noStrike" spc="-1" dirty="0">
+                <a:latin typeface="Arial"/>
+                <a:ea typeface="DejaVu Sans"/>
+              </a:rPr>
+              <a:t>Compute summary statistics by group</a:t>
+            </a:r>
+            <a:endParaRPr lang="en-US" sz="1200" b="0" strike="noStrike" spc="-1" dirty="0">
+              <a:latin typeface="Arial"/>
+            </a:endParaRPr>
+          </a:p>
+          <a:p>
+            <a:pPr>
+              <a:lnSpc>
+                <a:spcPts val="1000"/>
+              </a:lnSpc>
+            </a:pPr>
+            <a:r>
+              <a:rPr lang="en-US" sz="1200" b="1" strike="noStrike" spc="-1" dirty="0" err="1">
+                <a:latin typeface="Courier New"/>
+                <a:ea typeface="DejaVu Sans"/>
+              </a:rPr>
+              <a:t>group_by</a:t>
+            </a:r>
+            <a:r>
+              <a:rPr lang="en-US" sz="1200" b="1" strike="noStrike" spc="-1" dirty="0">
+                <a:latin typeface="Courier New"/>
+                <a:ea typeface="DejaVu Sans"/>
+              </a:rPr>
+              <a:t>() </a:t>
+            </a:r>
+            <a:endParaRPr lang="en-US" sz="1200" b="1" strike="noStrike" spc="-1" dirty="0">
+              <a:latin typeface="Arial"/>
+            </a:endParaRPr>
+          </a:p>
+          <a:p>
+            <a:pPr>
+              <a:lnSpc>
+                <a:spcPct val="100000"/>
+              </a:lnSpc>
+            </a:pPr>
+            <a:r>
+              <a:rPr lang="en-US" sz="1200" b="1" strike="noStrike" spc="-1" dirty="0">
+                <a:latin typeface="Courier New"/>
+                <a:ea typeface="DejaVu Sans"/>
+              </a:rPr>
+              <a:t>summarize() </a:t>
+            </a:r>
+          </a:p>
+        </p:txBody>
+      </p:sp>
+      <p:sp>
+        <p:nvSpPr>
+          <p:cNvPr id="33" name="CustomShape 12">
+            <a:extLst>
+              <a:ext uri="{FF2B5EF4-FFF2-40B4-BE49-F238E27FC236}">
+                <a16:creationId xmlns:a16="http://schemas.microsoft.com/office/drawing/2014/main" id="{136D446F-62AC-4126-B127-FB18EB3AF018}"/>
+              </a:ext>
+            </a:extLst>
+          </p:cNvPr>
+          <p:cNvSpPr/>
+          <p:nvPr/>
+        </p:nvSpPr>
+        <p:spPr>
+          <a:xfrm>
+            <a:off x="215281" y="272878"/>
+            <a:ext cx="3200400" cy="347472"/>
+          </a:xfrm>
+          <a:prstGeom prst="roundRect">
+            <a:avLst>
+              <a:gd name="adj" fmla="val 25876"/>
+            </a:avLst>
+          </a:prstGeom>
+          <a:solidFill>
+            <a:srgbClr val="A6AAA9"/>
+          </a:solidFill>
+          <a:ln w="12600">
+            <a:noFill/>
+          </a:ln>
+        </p:spPr>
+        <p:style>
+          <a:lnRef idx="0">
+            <a:scrgbClr r="0" g="0" b="0"/>
+          </a:lnRef>
+          <a:fillRef idx="0">
+            <a:scrgbClr r="0" g="0" b="0"/>
+          </a:fillRef>
+          <a:effectRef idx="0">
+            <a:scrgbClr r="0" g="0" b="0"/>
+          </a:effectRef>
+          <a:fontRef idx="minor"/>
+        </p:style>
+        <p:txBody>
+          <a:bodyPr lIns="0" tIns="0" rIns="0" bIns="0"/>
+          <a:lstStyle/>
+          <a:p>
+            <a:pPr algn="ctr">
+              <a:lnSpc>
+                <a:spcPct val="100000"/>
+              </a:lnSpc>
+            </a:pPr>
+            <a:r>
+              <a:rPr lang="en-US" sz="2000" b="0" strike="noStrike" spc="-1" dirty="0">
+                <a:solidFill>
+                  <a:srgbClr val="FFFFFF"/>
+                </a:solidFill>
+                <a:latin typeface="Source Sans Pro"/>
+                <a:ea typeface="Source Sans Pro"/>
+              </a:rPr>
+              <a:t>Data manipulation</a:t>
+            </a:r>
+            <a:endParaRPr lang="en-US" sz="2000" b="0" strike="noStrike" spc="-1" dirty="0">
+              <a:latin typeface="Arial"/>
+            </a:endParaRPr>
+          </a:p>
+        </p:txBody>
+      </p:sp>
+      <p:sp>
+        <p:nvSpPr>
+          <p:cNvPr id="34" name="CustomShape 13">
+            <a:extLst>
+              <a:ext uri="{FF2B5EF4-FFF2-40B4-BE49-F238E27FC236}">
+                <a16:creationId xmlns:a16="http://schemas.microsoft.com/office/drawing/2014/main" id="{50726162-5B28-4131-ACFF-63BA1E8C88EE}"/>
+              </a:ext>
+            </a:extLst>
+          </p:cNvPr>
+          <p:cNvSpPr/>
+          <p:nvPr/>
+        </p:nvSpPr>
+        <p:spPr>
+          <a:xfrm>
+            <a:off x="215281" y="6528614"/>
+            <a:ext cx="3200400" cy="3744419"/>
+          </a:xfrm>
+          <a:prstGeom prst="rect">
+            <a:avLst/>
+          </a:prstGeom>
+          <a:solidFill>
+            <a:srgbClr val="FFFFFF"/>
+          </a:solidFill>
+          <a:ln w="12600">
+            <a:solidFill>
+              <a:srgbClr val="A6AAA9"/>
+            </a:solidFill>
+            <a:miter/>
+          </a:ln>
+        </p:spPr>
+        <p:style>
+          <a:lnRef idx="0">
+            <a:scrgbClr r="0" g="0" b="0"/>
+          </a:lnRef>
+          <a:fillRef idx="0">
+            <a:scrgbClr r="0" g="0" b="0"/>
+          </a:fillRef>
+          <a:effectRef idx="0">
+            <a:scrgbClr r="0" g="0" b="0"/>
+          </a:effectRef>
+          <a:fontRef idx="minor"/>
+        </p:style>
+        <p:txBody>
+          <a:bodyPr lIns="91440" tIns="0" rIns="0" bIns="0" anchor="t" anchorCtr="0"/>
+          <a:lstStyle/>
+          <a:p>
+            <a:pPr>
+              <a:lnSpc>
+                <a:spcPct val="150000"/>
+              </a:lnSpc>
+            </a:pPr>
+            <a:r>
+              <a:rPr lang="en-US" sz="1200" b="0" strike="noStrike" spc="-1" dirty="0">
+                <a:solidFill>
+                  <a:srgbClr val="000000"/>
+                </a:solidFill>
+                <a:latin typeface="Arial"/>
+                <a:ea typeface="DejaVu Sans"/>
+              </a:rPr>
+              <a:t>Fix random number sequence</a:t>
+            </a:r>
+          </a:p>
+          <a:p>
+            <a:r>
+              <a:rPr lang="en-US" sz="1200" b="1" spc="-1" dirty="0" err="1">
+                <a:solidFill>
+                  <a:srgbClr val="000000"/>
+                </a:solidFill>
+                <a:latin typeface="Courier New"/>
+                <a:ea typeface="Menlo"/>
+              </a:rPr>
+              <a:t>set.seed</a:t>
+            </a:r>
+            <a:r>
+              <a:rPr lang="en-US" sz="1200" b="1" spc="-1" dirty="0">
+                <a:solidFill>
+                  <a:srgbClr val="000000"/>
+                </a:solidFill>
+                <a:latin typeface="Courier New"/>
+                <a:ea typeface="Menlo"/>
+              </a:rPr>
+              <a:t>(42)</a:t>
+            </a:r>
+            <a:endParaRPr lang="en-US" sz="1200" b="0" strike="noStrike" spc="-1" dirty="0">
+              <a:solidFill>
+                <a:srgbClr val="000000"/>
+              </a:solidFill>
+              <a:latin typeface="Arial"/>
+              <a:ea typeface="DejaVu Sans"/>
+            </a:endParaRPr>
+          </a:p>
+          <a:p>
+            <a:pPr>
+              <a:lnSpc>
+                <a:spcPct val="150000"/>
+              </a:lnSpc>
+            </a:pPr>
+            <a:r>
+              <a:rPr lang="en-US" sz="1200" b="0" strike="noStrike" spc="-1">
+                <a:solidFill>
+                  <a:srgbClr val="000000"/>
+                </a:solidFill>
+                <a:latin typeface="Arial"/>
+                <a:ea typeface="DejaVu Sans"/>
+              </a:rPr>
+              <a:t>Toss </a:t>
+            </a:r>
+            <a:r>
+              <a:rPr lang="en-US" sz="1200" b="0" strike="noStrike" spc="-1" dirty="0">
+                <a:solidFill>
+                  <a:srgbClr val="000000"/>
+                </a:solidFill>
+                <a:latin typeface="Arial"/>
+                <a:ea typeface="DejaVu Sans"/>
+              </a:rPr>
+              <a:t>coins</a:t>
+            </a:r>
+            <a:endParaRPr lang="en-US" sz="1200" b="0" strike="noStrike" spc="-1" dirty="0">
+              <a:latin typeface="Arial"/>
+            </a:endParaRPr>
+          </a:p>
+          <a:p>
+            <a:pPr>
+              <a:lnSpc>
+                <a:spcPct val="100000"/>
+              </a:lnSpc>
+            </a:pPr>
+            <a:r>
+              <a:rPr lang="en-US" sz="1100" b="1" strike="noStrike" spc="-1" dirty="0">
+                <a:solidFill>
+                  <a:srgbClr val="000000"/>
+                </a:solidFill>
+                <a:latin typeface="Courier New"/>
+                <a:ea typeface="Menlo"/>
+              </a:rPr>
+              <a:t>rflip(10) # default </a:t>
+            </a:r>
+            <a:r>
+              <a:rPr lang="en-US" sz="1100" b="1" strike="noStrike" spc="-1" dirty="0" err="1">
+                <a:solidFill>
+                  <a:srgbClr val="000000"/>
+                </a:solidFill>
+                <a:latin typeface="Courier New"/>
+                <a:ea typeface="Menlo"/>
+              </a:rPr>
+              <a:t>prob</a:t>
+            </a:r>
+            <a:r>
+              <a:rPr lang="en-US" sz="1100" b="1" strike="noStrike" spc="-1" dirty="0">
+                <a:solidFill>
+                  <a:srgbClr val="000000"/>
+                </a:solidFill>
+                <a:latin typeface="Courier New"/>
+                <a:ea typeface="Menlo"/>
+              </a:rPr>
+              <a:t> is 0.5</a:t>
+            </a:r>
+            <a:endParaRPr lang="en-US" sz="1100" b="0" strike="noStrike" spc="-1" dirty="0">
+              <a:latin typeface="Arial"/>
+            </a:endParaRPr>
+          </a:p>
+          <a:p>
+            <a:pPr>
+              <a:lnSpc>
+                <a:spcPct val="150000"/>
+              </a:lnSpc>
+            </a:pPr>
+            <a:r>
+              <a:rPr lang="en-US" sz="1200" b="0" strike="noStrike" spc="-1" dirty="0">
+                <a:solidFill>
+                  <a:srgbClr val="000000"/>
+                </a:solidFill>
+                <a:latin typeface="Arial"/>
+                <a:ea typeface="Menlo"/>
+              </a:rPr>
+              <a:t>Do something repeatedly</a:t>
+            </a:r>
+            <a:endParaRPr lang="en-US" sz="1200" b="0" strike="noStrike" spc="-1" dirty="0">
+              <a:latin typeface="Arial"/>
+            </a:endParaRPr>
+          </a:p>
+          <a:p>
+            <a:pPr>
+              <a:lnSpc>
+                <a:spcPct val="100000"/>
+              </a:lnSpc>
+            </a:pPr>
+            <a:r>
+              <a:rPr lang="en-US" sz="1100" b="1" strike="noStrike" spc="-1" dirty="0">
+                <a:solidFill>
+                  <a:srgbClr val="000000"/>
+                </a:solidFill>
+                <a:latin typeface="Courier New"/>
+                <a:ea typeface="Menlo"/>
+              </a:rPr>
+              <a:t>do(5) * rflip(10, </a:t>
+            </a:r>
+            <a:r>
+              <a:rPr lang="en-US" sz="1100" b="1" strike="noStrike" spc="-1" dirty="0" err="1">
+                <a:solidFill>
+                  <a:srgbClr val="000000"/>
+                </a:solidFill>
+                <a:latin typeface="Courier New"/>
+                <a:ea typeface="Menlo"/>
+              </a:rPr>
+              <a:t>prob</a:t>
+            </a:r>
+            <a:r>
+              <a:rPr lang="en-US" sz="1100" b="1" strike="noStrike" spc="-1" dirty="0">
+                <a:solidFill>
+                  <a:srgbClr val="000000"/>
+                </a:solidFill>
+                <a:latin typeface="Courier New"/>
+                <a:ea typeface="Menlo"/>
+              </a:rPr>
+              <a:t> = 0.75)</a:t>
+            </a:r>
+            <a:endParaRPr lang="en-US" sz="1100" b="0" strike="noStrike" spc="-1" dirty="0">
+              <a:latin typeface="Arial"/>
+            </a:endParaRPr>
+          </a:p>
+          <a:p>
+            <a:pPr>
+              <a:lnSpc>
+                <a:spcPct val="150000"/>
+              </a:lnSpc>
+            </a:pPr>
+            <a:r>
+              <a:rPr lang="en-US" sz="1200" b="0" strike="noStrike" spc="-1" dirty="0">
+                <a:solidFill>
+                  <a:srgbClr val="000000"/>
+                </a:solidFill>
+                <a:latin typeface="Arial"/>
+                <a:ea typeface="Menlo"/>
+              </a:rPr>
+              <a:t>Draw a simple random sample</a:t>
+            </a:r>
+            <a:endParaRPr lang="en-US" sz="1200" b="0" strike="noStrike" spc="-1" dirty="0">
+              <a:latin typeface="Arial"/>
+            </a:endParaRPr>
+          </a:p>
+          <a:p>
+            <a:pPr>
+              <a:lnSpc>
+                <a:spcPct val="100000"/>
+              </a:lnSpc>
+            </a:pPr>
+            <a:r>
+              <a:rPr lang="en-US" sz="1100" b="1" strike="noStrike" spc="-1" dirty="0">
+                <a:solidFill>
+                  <a:srgbClr val="000000"/>
+                </a:solidFill>
+                <a:latin typeface="Courier New"/>
+                <a:ea typeface="Menlo"/>
+              </a:rPr>
+              <a:t>sample(LETTERS, 10)</a:t>
+            </a:r>
+            <a:endParaRPr lang="en-US" sz="1100" b="0" strike="noStrike" spc="-1" dirty="0">
+              <a:latin typeface="Arial"/>
+            </a:endParaRPr>
+          </a:p>
+          <a:p>
+            <a:pPr>
+              <a:lnSpc>
+                <a:spcPct val="100000"/>
+              </a:lnSpc>
+            </a:pPr>
+            <a:r>
+              <a:rPr lang="en-US" sz="1100" b="1" strike="noStrike" spc="-1" dirty="0">
+                <a:solidFill>
+                  <a:srgbClr val="000000"/>
+                </a:solidFill>
+                <a:latin typeface="Courier New"/>
+                <a:ea typeface="Menlo"/>
+              </a:rPr>
+              <a:t>deal(Cards, 5) # poker hand</a:t>
+            </a:r>
+            <a:endParaRPr lang="en-US" sz="1100" b="0" strike="noStrike" spc="-1" dirty="0">
+              <a:latin typeface="Arial"/>
+            </a:endParaRPr>
+          </a:p>
+          <a:p>
+            <a:pPr>
+              <a:lnSpc>
+                <a:spcPct val="150000"/>
+              </a:lnSpc>
+            </a:pPr>
+            <a:r>
+              <a:rPr lang="en-US" sz="1200" b="0" strike="noStrike" spc="-1">
+                <a:solidFill>
+                  <a:srgbClr val="000000"/>
+                </a:solidFill>
+                <a:latin typeface="Arial"/>
+                <a:ea typeface="Menlo"/>
+              </a:rPr>
+              <a:t>Resample with </a:t>
+            </a:r>
+            <a:r>
+              <a:rPr lang="en-US" sz="1200" b="0" strike="noStrike" spc="-1" dirty="0">
+                <a:solidFill>
+                  <a:srgbClr val="000000"/>
+                </a:solidFill>
+                <a:latin typeface="Arial"/>
+                <a:ea typeface="Menlo"/>
+              </a:rPr>
+              <a:t>replacement</a:t>
+            </a:r>
+            <a:endParaRPr lang="en-US" sz="1200" b="0" strike="noStrike" spc="-1" dirty="0">
+              <a:latin typeface="Arial"/>
+            </a:endParaRPr>
+          </a:p>
+          <a:p>
+            <a:pPr>
+              <a:lnSpc>
+                <a:spcPct val="100000"/>
+              </a:lnSpc>
+            </a:pPr>
+            <a:r>
+              <a:rPr lang="en-US" sz="1100" b="1" strike="noStrike" spc="-1" dirty="0">
+                <a:solidFill>
+                  <a:srgbClr val="000000"/>
+                </a:solidFill>
+                <a:latin typeface="Courier New"/>
+                <a:ea typeface="Menlo"/>
+              </a:rPr>
+              <a:t>Small &lt;- sample(</a:t>
+            </a:r>
+            <a:r>
+              <a:rPr lang="en-US" sz="1100" b="1" strike="noStrike" spc="-1" dirty="0" err="1">
+                <a:solidFill>
+                  <a:srgbClr val="000000"/>
+                </a:solidFill>
+                <a:latin typeface="Courier New"/>
+                <a:ea typeface="Menlo"/>
+              </a:rPr>
+              <a:t>KidsFeet</a:t>
+            </a:r>
+            <a:r>
+              <a:rPr lang="en-US" sz="1100" b="1" strike="noStrike" spc="-1" dirty="0">
+                <a:solidFill>
+                  <a:srgbClr val="000000"/>
+                </a:solidFill>
+                <a:latin typeface="Courier New"/>
+                <a:ea typeface="Menlo"/>
+              </a:rPr>
+              <a:t>, 10)</a:t>
+            </a:r>
+            <a:endParaRPr lang="en-US" sz="1100" b="0" strike="noStrike" spc="-1" dirty="0">
+              <a:latin typeface="Arial"/>
+            </a:endParaRPr>
+          </a:p>
+          <a:p>
+            <a:pPr>
+              <a:lnSpc>
+                <a:spcPct val="100000"/>
+              </a:lnSpc>
+            </a:pPr>
+            <a:r>
+              <a:rPr lang="en-US" sz="1100" b="1" strike="noStrike" spc="-1" dirty="0">
+                <a:solidFill>
+                  <a:srgbClr val="000000"/>
+                </a:solidFill>
+                <a:latin typeface="Courier New"/>
+                <a:ea typeface="Menlo"/>
+              </a:rPr>
+              <a:t>resample(Small)</a:t>
+            </a:r>
+            <a:endParaRPr lang="en-US" sz="1100" b="0" strike="noStrike" spc="-1" dirty="0">
+              <a:latin typeface="Arial"/>
+            </a:endParaRPr>
+          </a:p>
+          <a:p>
+            <a:pPr>
+              <a:lnSpc>
+                <a:spcPct val="150000"/>
+              </a:lnSpc>
+            </a:pPr>
+            <a:r>
+              <a:rPr lang="en-US" sz="1200" b="0" strike="noStrike" spc="-1" dirty="0">
+                <a:solidFill>
+                  <a:srgbClr val="000000"/>
+                </a:solidFill>
+                <a:latin typeface="Arial"/>
+                <a:ea typeface="Menlo"/>
+              </a:rPr>
+              <a:t>Random permutation (shuffling)</a:t>
+            </a:r>
+            <a:endParaRPr lang="en-US" sz="1200" b="0" strike="noStrike" spc="-1" dirty="0">
+              <a:latin typeface="Arial"/>
+            </a:endParaRPr>
+          </a:p>
+          <a:p>
+            <a:pPr>
+              <a:lnSpc>
+                <a:spcPct val="100000"/>
+              </a:lnSpc>
+            </a:pPr>
+            <a:r>
+              <a:rPr lang="en-US" sz="1100" b="1" strike="noStrike" spc="-1" dirty="0">
+                <a:solidFill>
+                  <a:srgbClr val="000000"/>
+                </a:solidFill>
+                <a:latin typeface="Courier New"/>
+                <a:ea typeface="Menlo"/>
+              </a:rPr>
+              <a:t>shuffle(Cards) </a:t>
+            </a:r>
+            <a:endParaRPr lang="en-US" sz="1100" b="0" strike="noStrike" spc="-1" dirty="0">
+              <a:latin typeface="Arial"/>
+            </a:endParaRPr>
+          </a:p>
+          <a:p>
+            <a:pPr>
+              <a:lnSpc>
+                <a:spcPct val="150000"/>
+              </a:lnSpc>
+            </a:pPr>
+            <a:r>
+              <a:rPr lang="en-US" sz="1200" b="0" strike="noStrike" spc="-1" dirty="0">
+                <a:solidFill>
+                  <a:srgbClr val="000000"/>
+                </a:solidFill>
+                <a:latin typeface="Arial"/>
+                <a:ea typeface="Menlo"/>
+              </a:rPr>
+              <a:t>Random values from distributions</a:t>
+            </a:r>
+            <a:endParaRPr lang="en-US" sz="1200" b="0" strike="noStrike" spc="-1" dirty="0">
+              <a:latin typeface="Arial"/>
+            </a:endParaRPr>
+          </a:p>
+          <a:p>
+            <a:pPr>
+              <a:lnSpc>
+                <a:spcPct val="100000"/>
+              </a:lnSpc>
+            </a:pPr>
+            <a:r>
+              <a:rPr lang="en-US" sz="1100" b="1" strike="noStrike" spc="-1" dirty="0" err="1">
+                <a:solidFill>
+                  <a:srgbClr val="000000"/>
+                </a:solidFill>
+                <a:latin typeface="Courier New"/>
+                <a:ea typeface="Menlo"/>
+              </a:rPr>
+              <a:t>rbinom</a:t>
+            </a:r>
+            <a:r>
+              <a:rPr lang="en-US" sz="1100" b="1" strike="noStrike" spc="-1" dirty="0">
+                <a:solidFill>
+                  <a:srgbClr val="000000"/>
+                </a:solidFill>
+                <a:latin typeface="Courier New"/>
+                <a:ea typeface="Menlo"/>
+              </a:rPr>
+              <a:t>(5, size = 10, </a:t>
+            </a:r>
+            <a:r>
+              <a:rPr lang="en-US" sz="1100" b="1" strike="noStrike" spc="-1" dirty="0" err="1">
+                <a:solidFill>
+                  <a:srgbClr val="000000"/>
+                </a:solidFill>
+                <a:latin typeface="Courier New"/>
+                <a:ea typeface="Menlo"/>
+              </a:rPr>
+              <a:t>prob</a:t>
+            </a:r>
+            <a:r>
+              <a:rPr lang="en-US" sz="1100" b="1" strike="noStrike" spc="-1" dirty="0">
+                <a:solidFill>
+                  <a:srgbClr val="000000"/>
+                </a:solidFill>
+                <a:latin typeface="Courier New"/>
+                <a:ea typeface="Menlo"/>
+              </a:rPr>
+              <a:t> = 0.7)</a:t>
+            </a:r>
+            <a:endParaRPr lang="en-US" sz="1100" b="0" strike="noStrike" spc="-1" dirty="0">
+              <a:latin typeface="Arial"/>
+            </a:endParaRPr>
+          </a:p>
+          <a:p>
+            <a:pPr>
+              <a:lnSpc>
+                <a:spcPct val="100000"/>
+              </a:lnSpc>
+            </a:pPr>
+            <a:r>
+              <a:rPr lang="en-US" sz="1100" b="1" strike="noStrike" spc="-1" dirty="0" err="1">
+                <a:solidFill>
+                  <a:srgbClr val="000000"/>
+                </a:solidFill>
+                <a:latin typeface="Courier New"/>
+                <a:ea typeface="Menlo"/>
+              </a:rPr>
+              <a:t>rnorm</a:t>
+            </a:r>
+            <a:r>
+              <a:rPr lang="en-US" sz="1100" b="1" strike="noStrike" spc="-1" dirty="0">
+                <a:solidFill>
+                  <a:srgbClr val="000000"/>
+                </a:solidFill>
+                <a:latin typeface="Courier New"/>
+                <a:ea typeface="Menlo"/>
+              </a:rPr>
+              <a:t>(5, mean = 10, </a:t>
+            </a:r>
+            <a:r>
+              <a:rPr lang="en-US" sz="1100" b="1" strike="noStrike" spc="-1" dirty="0" err="1">
+                <a:solidFill>
+                  <a:srgbClr val="000000"/>
+                </a:solidFill>
+                <a:latin typeface="Courier New"/>
+                <a:ea typeface="Menlo"/>
+              </a:rPr>
+              <a:t>sd</a:t>
+            </a:r>
+            <a:r>
+              <a:rPr lang="en-US" sz="1100" b="1" strike="noStrike" spc="-1" dirty="0">
+                <a:solidFill>
+                  <a:srgbClr val="000000"/>
+                </a:solidFill>
+                <a:latin typeface="Courier New"/>
+                <a:ea typeface="Menlo"/>
+              </a:rPr>
+              <a:t> = 2)</a:t>
+            </a:r>
+            <a:endParaRPr lang="en-US" sz="1100" b="0" strike="noStrike" spc="-1" dirty="0">
+              <a:latin typeface="Arial"/>
+            </a:endParaRPr>
+          </a:p>
+          <a:p>
+            <a:pPr>
+              <a:lnSpc>
+                <a:spcPct val="120000"/>
+              </a:lnSpc>
+            </a:pPr>
+            <a:endParaRPr lang="en-US" sz="1100" b="0" strike="noStrike" spc="-1" dirty="0">
+              <a:latin typeface="Arial"/>
+            </a:endParaRPr>
+          </a:p>
+        </p:txBody>
+      </p:sp>
+      <p:sp>
+        <p:nvSpPr>
+          <p:cNvPr id="35" name="CustomShape 14">
+            <a:extLst>
+              <a:ext uri="{FF2B5EF4-FFF2-40B4-BE49-F238E27FC236}">
+                <a16:creationId xmlns:a16="http://schemas.microsoft.com/office/drawing/2014/main" id="{54FB45DF-FF93-4AF3-B1A8-71CD2943E523}"/>
+              </a:ext>
+            </a:extLst>
+          </p:cNvPr>
+          <p:cNvSpPr/>
+          <p:nvPr/>
+        </p:nvSpPr>
+        <p:spPr>
+          <a:xfrm>
+            <a:off x="215281" y="5705710"/>
+            <a:ext cx="3200400" cy="711302"/>
+          </a:xfrm>
+          <a:prstGeom prst="roundRect">
+            <a:avLst>
+              <a:gd name="adj" fmla="val 25876"/>
+            </a:avLst>
+          </a:prstGeom>
+          <a:solidFill>
+            <a:srgbClr val="A6AAA9"/>
+          </a:solidFill>
+          <a:ln w="12600">
+            <a:noFill/>
+          </a:ln>
+        </p:spPr>
+        <p:style>
+          <a:lnRef idx="0">
+            <a:scrgbClr r="0" g="0" b="0"/>
+          </a:lnRef>
+          <a:fillRef idx="0">
+            <a:scrgbClr r="0" g="0" b="0"/>
+          </a:fillRef>
+          <a:effectRef idx="0">
+            <a:scrgbClr r="0" g="0" b="0"/>
+          </a:effectRef>
+          <a:fontRef idx="minor"/>
+        </p:style>
+        <p:txBody>
+          <a:bodyPr lIns="0" tIns="0" rIns="0" bIns="0"/>
+          <a:lstStyle/>
+          <a:p>
+            <a:pPr algn="ctr">
+              <a:lnSpc>
+                <a:spcPct val="100000"/>
+              </a:lnSpc>
+            </a:pPr>
+            <a:r>
+              <a:rPr lang="en-US" sz="2000" b="0" strike="noStrike" spc="-1" dirty="0">
+                <a:solidFill>
+                  <a:srgbClr val="FFFFFF"/>
+                </a:solidFill>
+                <a:latin typeface="Source Sans Pro"/>
+                <a:ea typeface="Source Sans Pro"/>
+              </a:rPr>
+              <a:t>Randomization and</a:t>
+            </a:r>
+            <a:endParaRPr lang="en-US" sz="2000" b="0" strike="noStrike" spc="-1" dirty="0">
+              <a:latin typeface="Arial"/>
+            </a:endParaRPr>
+          </a:p>
+          <a:p>
+            <a:pPr algn="ctr">
+              <a:lnSpc>
+                <a:spcPct val="100000"/>
+              </a:lnSpc>
+            </a:pPr>
+            <a:r>
+              <a:rPr lang="en-US" sz="2000" b="0" strike="noStrike" spc="-1" dirty="0">
+                <a:solidFill>
+                  <a:srgbClr val="FFFFFF"/>
+                </a:solidFill>
+                <a:latin typeface="Source Sans Pro"/>
+                <a:ea typeface="Source Sans Pro"/>
+              </a:rPr>
+              <a:t>simulation</a:t>
+            </a:r>
+            <a:endParaRPr lang="en-US" sz="2000" b="0" strike="noStrike" spc="-1" dirty="0">
+              <a:latin typeface="Arial"/>
+            </a:endParaRPr>
+          </a:p>
+        </p:txBody>
+      </p:sp>
+      <p:sp>
+        <p:nvSpPr>
+          <p:cNvPr id="36" name="CustomShape 18">
+            <a:extLst>
+              <a:ext uri="{FF2B5EF4-FFF2-40B4-BE49-F238E27FC236}">
+                <a16:creationId xmlns:a16="http://schemas.microsoft.com/office/drawing/2014/main" id="{1822A551-1DC0-4CA0-BE33-D13C157AE72B}"/>
+              </a:ext>
+            </a:extLst>
+          </p:cNvPr>
+          <p:cNvSpPr/>
+          <p:nvPr/>
+        </p:nvSpPr>
+        <p:spPr>
+          <a:xfrm>
+            <a:off x="215281" y="3876910"/>
             <a:ext cx="3200400" cy="347040"/>
           </a:xfrm>
           <a:prstGeom prst="roundRect">
@@ -15522,10 +15681,10 @@
       </p:sp>
       <p:sp>
         <p:nvSpPr>
-          <p:cNvPr id="31" name="CustomShape 11">
+          <p:cNvPr id="37" name="CustomShape 11">
             <a:extLst>
               <a:ext uri="{FF2B5EF4-FFF2-40B4-BE49-F238E27FC236}">
-                <a16:creationId xmlns:a16="http://schemas.microsoft.com/office/drawing/2014/main" xmlns="" id="{99194DF0-5E93-4622-B563-F6AE81E8F2FF}"/>
+                <a16:creationId xmlns:a16="http://schemas.microsoft.com/office/drawing/2014/main" id="{209F34DB-99E0-4FC1-B232-61460803BE76}"/>
               </a:ext>
             </a:extLst>
           </p:cNvPr>
@@ -15534,7 +15693,7 @@
         </p:nvSpPr>
         <p:spPr>
           <a:xfrm>
-            <a:off x="6949440" y="4343460"/>
+            <a:off x="215281" y="4288450"/>
             <a:ext cx="3200400" cy="1363445"/>
           </a:xfrm>
           <a:prstGeom prst="rect">
@@ -15704,114 +15863,6 @@
           </a:p>
         </p:txBody>
       </p:sp>
-      <p:pic>
-        <p:nvPicPr>
-          <p:cNvPr id="2050" name="Picture 2"/>
-          <p:cNvPicPr>
-            <a:picLocks noChangeAspect="1" noChangeArrowheads="1"/>
-          </p:cNvPicPr>
-          <p:nvPr/>
-        </p:nvPicPr>
-        <p:blipFill>
-          <a:blip r:embed="rId6" cstate="print">
-            <a:extLst>
-              <a:ext uri="{28A0092B-C50C-407E-A947-70E740481C1C}">
-                <a14:useLocalDpi xmlns:a14="http://schemas.microsoft.com/office/drawing/2010/main" val="0"/>
-              </a:ext>
-            </a:extLst>
-          </a:blip>
-          <a:srcRect/>
-          <a:stretch>
-            <a:fillRect/>
-          </a:stretch>
-        </p:blipFill>
-        <p:spPr bwMode="auto">
-          <a:xfrm>
-            <a:off x="4490029" y="2377440"/>
-            <a:ext cx="1390313" cy="1371600"/>
-          </a:xfrm>
-          <a:prstGeom prst="rect">
-            <a:avLst/>
-          </a:prstGeom>
-          <a:noFill/>
-          <a:ln>
-            <a:noFill/>
-          </a:ln>
-          <a:extLst>
-            <a:ext uri="{909E8E84-426E-40DD-AFC4-6F175D3DCCD1}">
-              <a14:hiddenFill xmlns:a14="http://schemas.microsoft.com/office/drawing/2010/main">
-                <a:solidFill>
-                  <a:schemeClr val="accent1"/>
-                </a:solidFill>
-              </a14:hiddenFill>
-            </a:ext>
-            <a:ext uri="{91240B29-F687-4F45-9708-019B960494DF}">
-              <a14:hiddenLine xmlns:a14="http://schemas.microsoft.com/office/drawing/2010/main" w="9525">
-                <a:solidFill>
-                  <a:schemeClr val="tx1"/>
-                </a:solidFill>
-                <a:miter lim="800000"/>
-                <a:headEnd/>
-                <a:tailEnd/>
-              </a14:hiddenLine>
-            </a:ext>
-          </a:extLst>
-        </p:spPr>
-      </p:pic>
-      <p:pic>
-        <p:nvPicPr>
-          <p:cNvPr id="1026" name="Picture 2"/>
-          <p:cNvPicPr>
-            <a:picLocks noChangeAspect="1" noChangeArrowheads="1"/>
-          </p:cNvPicPr>
-          <p:nvPr/>
-        </p:nvPicPr>
-        <p:blipFill>
-          <a:blip r:embed="rId7" cstate="print">
-            <a:extLst>
-              <a:ext uri="{28A0092B-C50C-407E-A947-70E740481C1C}">
-                <a14:useLocalDpi xmlns:a14="http://schemas.microsoft.com/office/drawing/2010/main" val="0"/>
-              </a:ext>
-            </a:extLst>
-          </a:blip>
-          <a:srcRect/>
-          <a:stretch>
-            <a:fillRect/>
-          </a:stretch>
-        </p:blipFill>
-        <p:spPr bwMode="auto">
-          <a:xfrm>
-            <a:off x="10956302" y="3100870"/>
-            <a:ext cx="1761067" cy="1737360"/>
-          </a:xfrm>
-          <a:prstGeom prst="rect">
-            <a:avLst/>
-          </a:prstGeom>
-          <a:noFill/>
-          <a:ln>
-            <a:noFill/>
-          </a:ln>
-          <a:extLst>
-            <a:ext uri="{909E8E84-426E-40DD-AFC4-6F175D3DCCD1}">
-              <a14:hiddenFill xmlns:a14="http://schemas.microsoft.com/office/drawing/2010/main">
-                <a:solidFill>
-                  <a:schemeClr val="accent1"/>
-                </a:solidFill>
-              </a14:hiddenFill>
-            </a:ext>
-            <a:ext uri="{91240B29-F687-4F45-9708-019B960494DF}">
-              <a14:hiddenLine xmlns:a14="http://schemas.microsoft.com/office/drawing/2010/main" w="9525">
-                <a:solidFill>
-                  <a:schemeClr val="tx1"/>
-                </a:solidFill>
-                <a:miter lim="800000"/>
-                <a:headEnd/>
-                <a:tailEnd/>
-              </a14:hiddenLine>
-            </a:ext>
-          </a:extLst>
-        </p:spPr>
-      </p:pic>
     </p:spTree>
   </p:cSld>
   <p:clrMapOvr>

--- a/mosaic-cheatsheet-gf.pptx
+++ b/mosaic-cheatsheet-gf.pptx
@@ -457,7 +457,7 @@
           <a:bodyPr/>
           <a:lstStyle/>
           <a:p>
-            <a:endParaRPr lang="en-US" sz="2100" spc="-1">
+            <a:endParaRPr lang="en-US" sz="2100" spc="-1" dirty="0">
               <a:latin typeface="Arial"/>
             </a:endParaRPr>
           </a:p>
@@ -2879,17 +2879,27 @@
                 <a:latin typeface="Source Sans Pro Light"/>
                 <a:ea typeface="Source Sans Pro Light"/>
               </a:rPr>
-              <a:t> &amp; DT Kaplan •  Updated</a:t>
-            </a:r>
-            <a:r>
-              <a:rPr lang="en-US" sz="900" b="0" strike="noStrike" spc="-1">
+              <a:t> &amp; DT Kaplan •  Updated: </a:t>
+            </a:r>
+            <a:r>
+              <a:rPr lang="en-US" sz="900" spc="-1" dirty="0">
                 <a:solidFill>
                   <a:srgbClr val="000000"/>
                 </a:solidFill>
                 <a:latin typeface="Source Sans Pro Light"/>
                 <a:ea typeface="Source Sans Pro Light"/>
               </a:rPr>
-              <a:t>: 07/18</a:t>
+              <a:t>07/</a:t>
+            </a:r>
+            <a:r>
+              <a:rPr lang="en-US" sz="900" b="0" strike="noStrike" spc="-1" dirty="0">
+                <a:solidFill>
+                  <a:srgbClr val="000000"/>
+                </a:solidFill>
+                <a:latin typeface="Source Sans Pro Light"/>
+                <a:ea typeface="Source Sans Pro Light"/>
+              </a:rPr>
+              <a:t>18</a:t>
             </a:r>
             <a:endParaRPr lang="en-US" sz="900" b="0" strike="noStrike" spc="-1" dirty="0">
               <a:latin typeface="Arial"/>
@@ -2905,7 +2915,7 @@
         </p:nvSpPr>
         <p:spPr>
           <a:xfrm>
-            <a:off x="10333391" y="272519"/>
+            <a:off x="10437744" y="272519"/>
             <a:ext cx="3200400" cy="352945"/>
           </a:xfrm>
           <a:prstGeom prst="roundRect">
@@ -4535,7 +4545,7 @@
                 <a:latin typeface="Arial"/>
                 <a:ea typeface="Menlo"/>
               </a:rPr>
-              <a:t>includes; for example</a:t>
+              <a:t>inclusion; for example</a:t>
             </a:r>
           </a:p>
           <a:p>
@@ -4818,8 +4828,8 @@
         </p:nvSpPr>
         <p:spPr>
           <a:xfrm>
-            <a:off x="6990480" y="3890224"/>
-            <a:ext cx="3200400" cy="6100675"/>
+            <a:off x="6978450" y="3853307"/>
+            <a:ext cx="3200400" cy="6378621"/>
           </a:xfrm>
           <a:prstGeom prst="rect">
             <a:avLst/>
@@ -4992,6 +5002,104 @@
               </a:rPr>
               <a:t>)</a:t>
             </a:r>
+          </a:p>
+          <a:p>
+            <a:pPr>
+              <a:spcBef>
+                <a:spcPts val="600"/>
+              </a:spcBef>
+            </a:pPr>
+            <a:r>
+              <a:rPr lang="en-US" sz="1200" spc="-1" dirty="0">
+                <a:solidFill>
+                  <a:srgbClr val="000000"/>
+                </a:solidFill>
+                <a:ea typeface="Menlo"/>
+              </a:rPr>
+              <a:t>Bar graph of percentages</a:t>
+            </a:r>
+            <a:endParaRPr lang="en-US" sz="1200" spc="-1" dirty="0"/>
+          </a:p>
+          <a:p>
+            <a:pPr>
+              <a:lnSpc>
+                <a:spcPct val="100000"/>
+              </a:lnSpc>
+            </a:pPr>
+            <a:r>
+              <a:rPr lang="en-US" sz="1200" b="1" spc="-1" dirty="0" err="1">
+                <a:solidFill>
+                  <a:srgbClr val="000000"/>
+                </a:solidFill>
+                <a:latin typeface="Courier New"/>
+                <a:ea typeface="Menlo"/>
+              </a:rPr>
+              <a:t>gf_percents</a:t>
+            </a:r>
+            <a:r>
+              <a:rPr lang="en-US" sz="1200" b="1" spc="-1" dirty="0">
+                <a:solidFill>
+                  <a:srgbClr val="000000"/>
+                </a:solidFill>
+                <a:latin typeface="Courier New"/>
+                <a:ea typeface="Menlo"/>
+              </a:rPr>
+              <a:t>(~ sex, </a:t>
+            </a:r>
+          </a:p>
+          <a:p>
+            <a:pPr>
+              <a:lnSpc>
+                <a:spcPct val="100000"/>
+              </a:lnSpc>
+            </a:pPr>
+            <a:r>
+              <a:rPr lang="en-US" sz="1200" b="1" spc="-1" dirty="0">
+                <a:solidFill>
+                  <a:srgbClr val="000000"/>
+                </a:solidFill>
+                <a:latin typeface="Courier New"/>
+                <a:ea typeface="Menlo"/>
+              </a:rPr>
+              <a:t>  data = </a:t>
+            </a:r>
+            <a:r>
+              <a:rPr lang="en-US" sz="1200" b="1" spc="-1" dirty="0" err="1">
+                <a:solidFill>
+                  <a:srgbClr val="000000"/>
+                </a:solidFill>
+                <a:latin typeface="Courier New"/>
+                <a:ea typeface="Menlo"/>
+              </a:rPr>
+              <a:t>HELPrct</a:t>
+            </a:r>
+            <a:r>
+              <a:rPr lang="en-US" sz="1200" b="1" spc="-1" dirty="0">
+                <a:solidFill>
+                  <a:srgbClr val="000000"/>
+                </a:solidFill>
+                <a:latin typeface="Courier New"/>
+                <a:ea typeface="Menlo"/>
+              </a:rPr>
+              <a:t>, fill = "cyan", </a:t>
+            </a:r>
+          </a:p>
+          <a:p>
+            <a:pPr>
+              <a:lnSpc>
+                <a:spcPct val="100000"/>
+              </a:lnSpc>
+            </a:pPr>
+            <a:r>
+              <a:rPr lang="en-US" sz="1200" b="1" spc="-1" dirty="0">
+                <a:solidFill>
+                  <a:srgbClr val="000000"/>
+                </a:solidFill>
+                <a:latin typeface="Courier New"/>
+                <a:ea typeface="Menlo"/>
+              </a:rPr>
+              <a:t>  color = "black")</a:t>
+            </a:r>
             <a:endParaRPr lang="en-US" sz="1200" b="0" strike="noStrike" spc="-1" dirty="0">
               <a:latin typeface="Arial"/>
             </a:endParaRPr>
@@ -4999,72 +5107,15 @@
           <a:p>
             <a:pPr>
               <a:lnSpc>
-                <a:spcPct val="100000"/>
-              </a:lnSpc>
-            </a:pPr>
-            <a:r>
-              <a:rPr lang="en-US" sz="1200" b="1" spc="-1">
-                <a:solidFill>
-                  <a:srgbClr val="000000"/>
-                </a:solidFill>
-                <a:latin typeface="Courier New"/>
-                <a:ea typeface="Menlo"/>
-              </a:rPr>
-              <a:t>gf_percents(~ sex, data =     </a:t>
-            </a:r>
-          </a:p>
-          <a:p>
-            <a:pPr>
-              <a:lnSpc>
-                <a:spcPct val="100000"/>
-              </a:lnSpc>
-            </a:pPr>
-            <a:r>
-              <a:rPr lang="en-US" sz="1200" b="1" spc="-1">
-                <a:solidFill>
-                  <a:srgbClr val="000000"/>
-                </a:solidFill>
-                <a:latin typeface="Courier New"/>
-                <a:ea typeface="Menlo"/>
-              </a:rPr>
-              <a:t>  HELPrct, fill = "cyan", </a:t>
-            </a:r>
-          </a:p>
-          <a:p>
-            <a:pPr>
-              <a:lnSpc>
-                <a:spcPct val="100000"/>
-              </a:lnSpc>
-            </a:pPr>
-            <a:r>
-              <a:rPr lang="en-US" sz="1200" b="1" spc="-1">
-                <a:solidFill>
-                  <a:srgbClr val="000000"/>
-                </a:solidFill>
-                <a:latin typeface="Courier New"/>
-                <a:ea typeface="Menlo"/>
-              </a:rPr>
-              <a:t>  color = "black")</a:t>
-            </a:r>
-            <a:endParaRPr lang="en-US" sz="1200" b="0" strike="noStrike" spc="-1" dirty="0">
-              <a:latin typeface="Arial"/>
-            </a:endParaRPr>
-          </a:p>
-          <a:p>
-            <a:pPr>
-              <a:lnSpc>
                 <a:spcPct val="120000"/>
               </a:lnSpc>
             </a:pPr>
             <a:r>
-              <a:rPr lang="en-US" sz="1200" b="0" strike="noStrike" spc="-1">
+              <a:rPr lang="en-US" sz="1200" b="0" strike="noStrike" spc="-1" dirty="0">
                 <a:latin typeface="Arial"/>
               </a:rPr>
               <a:t>`</a:t>
             </a:r>
-            <a:endParaRPr lang="en-US" sz="1200" b="0" strike="noStrike" spc="-1" dirty="0">
-              <a:latin typeface="Arial"/>
-            </a:endParaRPr>
           </a:p>
         </p:txBody>
       </p:sp>
@@ -5676,7 +5727,7 @@
               </a:lnSpc>
             </a:pPr>
             <a:r>
-              <a:rPr lang="en-US" sz="1200" spc="-1">
+              <a:rPr lang="en-US" sz="1200" spc="-1" dirty="0">
                 <a:solidFill>
                   <a:srgbClr val="000000"/>
                 </a:solidFill>
@@ -5686,15 +5737,65 @@
               <a:t> </a:t>
             </a:r>
             <a:r>
-              <a:rPr lang="en-US" sz="1200" b="0" strike="noStrike" spc="-1">
+              <a:rPr lang="en-US" sz="1200" b="0" strike="noStrike" spc="-1" dirty="0">
                 <a:solidFill>
                   <a:srgbClr val="000000"/>
                 </a:solidFill>
                 <a:latin typeface="Arial"/>
                 <a:ea typeface="DejaVu Sans"/>
               </a:rPr>
-              <a:t> modeling operations</a:t>
-            </a:r>
+              <a:t> modeling operations.</a:t>
+            </a:r>
+            <a:endParaRPr lang="en-US" sz="1200" b="0" strike="noStrike" spc="-1" dirty="0">
+              <a:latin typeface="Arial"/>
+            </a:endParaRPr>
+          </a:p>
+          <a:p>
+            <a:pPr>
+              <a:lnSpc>
+                <a:spcPct val="120000"/>
+              </a:lnSpc>
+            </a:pPr>
+            <a:r>
+              <a:rPr lang="en-US" sz="1200" b="1" strike="noStrike" spc="-1" dirty="0">
+                <a:solidFill>
+                  <a:srgbClr val="000000"/>
+                </a:solidFill>
+                <a:latin typeface="Courier New"/>
+                <a:ea typeface="DejaVu Sans"/>
+              </a:rPr>
+              <a:t>goal(y ~ x, data = </a:t>
+            </a:r>
+            <a:r>
+              <a:rPr lang="en-US" sz="1200" b="1" strike="noStrike" spc="-1" dirty="0" err="1">
+                <a:solidFill>
+                  <a:srgbClr val="000000"/>
+                </a:solidFill>
+                <a:latin typeface="Courier New"/>
+                <a:ea typeface="DejaVu Sans"/>
+              </a:rPr>
+              <a:t>mydata</a:t>
+            </a:r>
+            <a:r>
+              <a:rPr lang="en-US" sz="1200" b="1" strike="noStrike" spc="-1" dirty="0">
+                <a:solidFill>
+                  <a:srgbClr val="000000"/>
+                </a:solidFill>
+                <a:latin typeface="Courier New"/>
+                <a:ea typeface="DejaVu Sans"/>
+              </a:rPr>
+              <a:t>)</a:t>
+            </a:r>
+            <a:endParaRPr lang="en-US" sz="1200" b="0" strike="noStrike" spc="-1" dirty="0">
+              <a:latin typeface="Arial"/>
+            </a:endParaRPr>
+          </a:p>
+          <a:p>
+            <a:pPr>
+              <a:lnSpc>
+                <a:spcPct val="100000"/>
+              </a:lnSpc>
+            </a:pPr>
             <a:r>
               <a:rPr lang="en-US" sz="1200" b="0" strike="noStrike" spc="-1" dirty="0">
                 <a:solidFill>
@@ -5703,77 +5804,7 @@
                 <a:latin typeface="Arial"/>
                 <a:ea typeface="DejaVu Sans"/>
               </a:rPr>
-              <a:t>.</a:t>
-            </a:r>
-            <a:endParaRPr lang="en-US" sz="1200" b="0" strike="noStrike" spc="-1" dirty="0">
-              <a:latin typeface="Arial"/>
-            </a:endParaRPr>
-          </a:p>
-          <a:p>
-            <a:pPr>
-              <a:lnSpc>
-                <a:spcPct val="120000"/>
-              </a:lnSpc>
-            </a:pPr>
-            <a:r>
-              <a:rPr lang="en-US" sz="1200" b="1" strike="noStrike" spc="-1" dirty="0">
-                <a:solidFill>
-                  <a:srgbClr val="000000"/>
-                </a:solidFill>
-                <a:latin typeface="Courier New"/>
-                <a:ea typeface="DejaVu Sans"/>
-              </a:rPr>
-              <a:t>goal(y ~ x, data = </a:t>
-            </a:r>
-            <a:r>
-              <a:rPr lang="en-US" sz="1200" b="1" strike="noStrike" spc="-1" dirty="0" err="1">
-                <a:solidFill>
-                  <a:srgbClr val="000000"/>
-                </a:solidFill>
-                <a:latin typeface="Courier New"/>
-                <a:ea typeface="DejaVu Sans"/>
-              </a:rPr>
-              <a:t>mydata</a:t>
-            </a:r>
-            <a:r>
-              <a:rPr lang="en-US" sz="1200" b="1" strike="noStrike" spc="-1" dirty="0">
-                <a:solidFill>
-                  <a:srgbClr val="000000"/>
-                </a:solidFill>
-                <a:latin typeface="Courier New"/>
-                <a:ea typeface="DejaVu Sans"/>
-              </a:rPr>
-              <a:t>)</a:t>
-            </a:r>
-            <a:endParaRPr lang="en-US" sz="1200" b="0" strike="noStrike" spc="-1" dirty="0">
-              <a:latin typeface="Arial"/>
-            </a:endParaRPr>
-          </a:p>
-          <a:p>
-            <a:pPr>
-              <a:lnSpc>
-                <a:spcPct val="100000"/>
-              </a:lnSpc>
-            </a:pPr>
-            <a:r>
-              <a:rPr lang="en-US" sz="1200" b="0" strike="noStrike" spc="-1" dirty="0">
-                <a:solidFill>
-                  <a:srgbClr val="000000"/>
-                </a:solidFill>
-                <a:latin typeface="Arial"/>
-                <a:ea typeface="DejaVu Sans"/>
-              </a:rPr>
-              <a:t>Read as </a:t>
-            </a:r>
-            <a:r>
-              <a:rPr lang="en-US" sz="1200" b="0" strike="noStrike" spc="-1">
-                <a:solidFill>
-                  <a:srgbClr val="000000"/>
-                </a:solidFill>
-                <a:latin typeface="Arial"/>
-                <a:ea typeface="DejaVu Sans"/>
-              </a:rPr>
-              <a:t>“Calculate </a:t>
+              <a:t>Read as “Calculate </a:t>
             </a:r>
             <a:r>
               <a:rPr lang="en-US" sz="1200" b="1" strike="noStrike" spc="-1" dirty="0">
@@ -6013,20 +6044,10 @@
                 <a:latin typeface="Courier New"/>
                 <a:ea typeface="DejaVu Sans"/>
               </a:rPr>
-              <a:t>goal(y ~ x | z</a:t>
-            </a:r>
-            <a:r>
-              <a:rPr lang="en-US" sz="1200" b="1" strike="noStrike" spc="-1">
-                <a:solidFill>
-                  <a:srgbClr val="000000"/>
-                </a:solidFill>
-                <a:latin typeface="Courier New"/>
-                <a:ea typeface="DejaVu Sans"/>
-              </a:rPr>
-              <a:t>, </a:t>
-            </a:r>
-            <a:r>
-              <a:rPr lang="en-US" sz="1200" b="1" spc="-1">
+              <a:t>goal(y ~ x | z, </a:t>
+            </a:r>
+            <a:r>
+              <a:rPr lang="en-US" sz="1200" b="1" spc="-1" dirty="0">
                 <a:solidFill>
                   <a:srgbClr val="000000"/>
                 </a:solidFill>
@@ -6036,24 +6057,14 @@
               <a:t>color</a:t>
             </a:r>
             <a:r>
-              <a:rPr lang="en-US" sz="1200" b="1" strike="noStrike" spc="-1">
-                <a:solidFill>
-                  <a:srgbClr val="000000"/>
-                </a:solidFill>
-                <a:latin typeface="Courier New"/>
-                <a:ea typeface="DejaVu Sans"/>
-              </a:rPr>
-              <a:t> = ~ w</a:t>
-            </a:r>
-            <a:r>
-              <a:rPr lang="en-US" sz="1200" b="1" strike="noStrike" spc="-1" dirty="0">
-                <a:solidFill>
-                  <a:srgbClr val="000000"/>
-                </a:solidFill>
-                <a:latin typeface="Courier New"/>
-                <a:ea typeface="DejaVu Sans"/>
-              </a:rPr>
-              <a:t>,</a:t>
+              <a:rPr lang="en-US" sz="1200" b="1" strike="noStrike" spc="-1" dirty="0">
+                <a:solidFill>
+                  <a:srgbClr val="000000"/>
+                </a:solidFill>
+                <a:latin typeface="Courier New"/>
+                <a:ea typeface="DejaVu Sans"/>
+              </a:rPr>
+              <a:t> = ~ w,</a:t>
             </a:r>
             <a:endParaRPr lang="en-US" sz="1200" b="0" strike="noStrike" spc="-1" dirty="0">
               <a:latin typeface="Arial"/>
@@ -6313,7 +6324,7 @@
                 <a:latin typeface="Arial"/>
                 <a:ea typeface="DejaVu Sans"/>
               </a:rPr>
-              <a:t> : color-by variable (</a:t>
+              <a:t> : color-by formula (</a:t>
             </a:r>
             <a:r>
               <a:rPr lang="en-US" sz="1200" b="0" i="1" strike="noStrike" spc="-1" dirty="0">
@@ -6447,23 +6458,32 @@
               </a:lnSpc>
             </a:pPr>
             <a:r>
-              <a:rPr lang="en-US" sz="1200" b="1" spc="-1">
-                <a:solidFill>
-                  <a:srgbClr val="000000"/>
-                </a:solidFill>
-                <a:latin typeface="Courier New"/>
-              </a:rPr>
-              <a:t>gf_point(wage ~ educ | sex, </a:t>
-            </a:r>
-          </a:p>
-          <a:p>
-            <a:pPr>
-              <a:lnSpc>
-                <a:spcPct val="100000"/>
-              </a:lnSpc>
-            </a:pPr>
-            <a:r>
-              <a:rPr lang="en-US" sz="1200" b="1" spc="-1">
+              <a:rPr lang="en-US" sz="1200" b="1" spc="-1" dirty="0" err="1">
+                <a:solidFill>
+                  <a:srgbClr val="000000"/>
+                </a:solidFill>
+                <a:latin typeface="Courier New"/>
+              </a:rPr>
+              <a:t>gf_point</a:t>
+            </a:r>
+            <a:r>
+              <a:rPr lang="en-US" sz="1200" b="1" spc="-1" dirty="0">
+                <a:solidFill>
+                  <a:srgbClr val="000000"/>
+                </a:solidFill>
+                <a:latin typeface="Courier New"/>
+              </a:rPr>
+              <a:t>(wage ~ educ | sex, </a:t>
+            </a:r>
+          </a:p>
+          <a:p>
+            <a:pPr>
+              <a:lnSpc>
+                <a:spcPct val="100000"/>
+              </a:lnSpc>
+            </a:pPr>
+            <a:r>
+              <a:rPr lang="en-US" sz="1200" b="1" spc="-1" dirty="0">
                 <a:solidFill>
                   <a:srgbClr val="000000"/>
                 </a:solidFill>
@@ -6592,7 +6612,7 @@
                 <a:spcPct val="100000"/>
               </a:lnSpc>
             </a:pPr>
-            <a:endParaRPr lang="en-US" sz="1200" b="1" spc="-1">
+            <a:endParaRPr lang="en-US" sz="1200" b="1" spc="-1" dirty="0">
               <a:solidFill>
                 <a:srgbClr val="000000"/>
               </a:solidFill>
@@ -6605,7 +6625,7 @@
                 <a:spcPct val="100000"/>
               </a:lnSpc>
             </a:pPr>
-            <a:endParaRPr lang="en-US" sz="1200" b="1" spc="-1">
+            <a:endParaRPr lang="en-US" sz="1200" b="1" spc="-1" dirty="0">
               <a:solidFill>
                 <a:srgbClr val="000000"/>
               </a:solidFill>
@@ -6619,23 +6639,32 @@
               </a:lnSpc>
             </a:pPr>
             <a:r>
-              <a:rPr lang="en-US" sz="1200" b="1" spc="-1">
-                <a:solidFill>
-                  <a:srgbClr val="000000"/>
-                </a:solidFill>
-                <a:latin typeface="Courier New"/>
-              </a:rPr>
-              <a:t>gf_point(wage ~ educ, </a:t>
-            </a:r>
-          </a:p>
-          <a:p>
-            <a:pPr>
-              <a:lnSpc>
-                <a:spcPct val="100000"/>
-              </a:lnSpc>
-            </a:pPr>
-            <a:r>
-              <a:rPr lang="en-US" sz="1200" b="1" spc="-1">
+              <a:rPr lang="en-US" sz="1200" b="1" spc="-1" dirty="0" err="1">
+                <a:solidFill>
+                  <a:srgbClr val="000000"/>
+                </a:solidFill>
+                <a:latin typeface="Courier New"/>
+              </a:rPr>
+              <a:t>gf_point</a:t>
+            </a:r>
+            <a:r>
+              <a:rPr lang="en-US" sz="1200" b="1" spc="-1" dirty="0">
+                <a:solidFill>
+                  <a:srgbClr val="000000"/>
+                </a:solidFill>
+                <a:latin typeface="Courier New"/>
+              </a:rPr>
+              <a:t>(wage ~ educ, </a:t>
+            </a:r>
+          </a:p>
+          <a:p>
+            <a:pPr>
+              <a:lnSpc>
+                <a:spcPct val="100000"/>
+              </a:lnSpc>
+            </a:pPr>
+            <a:r>
+              <a:rPr lang="en-US" sz="1200" b="1" spc="-1" dirty="0">
                 <a:solidFill>
                   <a:srgbClr val="000000"/>
                 </a:solidFill>
@@ -6657,8 +6686,8 @@
         </p:nvSpPr>
         <p:spPr>
           <a:xfrm>
-            <a:off x="10333391" y="666245"/>
-            <a:ext cx="3058696" cy="9324654"/>
+            <a:off x="10423440" y="729719"/>
+            <a:ext cx="3108960" cy="9502209"/>
           </a:xfrm>
           <a:prstGeom prst="rect">
             <a:avLst/>
@@ -7291,7 +7320,7 @@
                 </a:solidFill>
                 <a:latin typeface="Courier New"/>
               </a:rPr>
-              <a:t>gf_dhistogram</a:t>
+              <a:t>gf_histogram</a:t>
             </a:r>
             <a:r>
               <a:rPr lang="en-US" sz="1200" b="1" spc="-1" dirty="0">
@@ -7318,7 +7347,7 @@
                 </a:solidFill>
                 <a:latin typeface="Courier New"/>
               </a:rPr>
-              <a:t>, data =   </a:t>
+              <a:t>, </a:t>
             </a:r>
           </a:p>
           <a:p>
@@ -7334,7 +7363,7 @@
                 </a:solidFill>
                 <a:latin typeface="Courier New"/>
               </a:rPr>
-              <a:t>  </a:t>
+              <a:t>  data = </a:t>
             </a:r>
             <a:r>
               <a:rPr lang="en-US" sz="1200" b="1" spc="-1" dirty="0" err="1">
@@ -7352,15 +7381,42 @@
                 </a:solidFill>
                 <a:latin typeface="Courier New"/>
               </a:rPr>
-              <a:t>, bins = 12)</a:t>
-            </a:r>
-            <a:endParaRPr lang="en-US" sz="1200" b="1" strike="noStrike" spc="-1" dirty="0">
-              <a:solidFill>
-                <a:srgbClr val="000000"/>
-              </a:solidFill>
-              <a:latin typeface="Courier New"/>
-              <a:ea typeface="DejaVu Sans"/>
-            </a:endParaRPr>
+              <a:t>, </a:t>
+            </a:r>
+            <a:r>
+              <a:rPr lang="en-US" sz="1200" b="1" spc="-1" dirty="0" err="1">
+                <a:solidFill>
+                  <a:srgbClr val="000000"/>
+                </a:solidFill>
+                <a:latin typeface="Courier New"/>
+              </a:rPr>
+              <a:t>binwidth</a:t>
+            </a:r>
+            <a:r>
+              <a:rPr lang="en-US" sz="1200" b="1" spc="-1" dirty="0">
+                <a:solidFill>
+                  <a:srgbClr val="000000"/>
+                </a:solidFill>
+                <a:latin typeface="Courier New"/>
+              </a:rPr>
+              <a:t> = 5,  </a:t>
+            </a:r>
+          </a:p>
+          <a:p>
+            <a:pPr>
+              <a:lnSpc>
+                <a:spcPct val="100000"/>
+              </a:lnSpc>
+            </a:pPr>
+            <a:r>
+              <a:rPr lang="en-US" sz="1200" b="1" spc="-1" dirty="0">
+                <a:solidFill>
+                  <a:srgbClr val="000000"/>
+                </a:solidFill>
+                <a:latin typeface="Courier New"/>
+              </a:rPr>
+              <a:t>  center = 2.5)</a:t>
+            </a:r>
           </a:p>
           <a:p>
             <a:pPr>
@@ -7527,11 +7583,6 @@
             </a:endParaRPr>
           </a:p>
           <a:p>
-            <a:pPr>
-              <a:lnSpc>
-                <a:spcPct val="150000"/>
-              </a:lnSpc>
-            </a:pPr>
             <a:r>
               <a:rPr lang="en-US" sz="1200" spc="-1" dirty="0">
                 <a:solidFill>
@@ -7606,9 +7657,9 @@
           </a:p>
           <a:p>
             <a:pPr>
-              <a:lnSpc>
-                <a:spcPct val="150000"/>
-              </a:lnSpc>
+              <a:spcBef>
+                <a:spcPts val="600"/>
+              </a:spcBef>
             </a:pPr>
             <a:r>
               <a:rPr lang="en-US" sz="1200" b="0" strike="noStrike" spc="-1" dirty="0">
@@ -7703,9 +7754,9 @@
           </a:p>
           <a:p>
             <a:pPr>
-              <a:lnSpc>
-                <a:spcPct val="100000"/>
-              </a:lnSpc>
+              <a:spcBef>
+                <a:spcPts val="600"/>
+              </a:spcBef>
             </a:pPr>
             <a:r>
               <a:rPr lang="en-US" sz="1200" b="0" strike="noStrike" spc="-1" dirty="0">
@@ -7766,7 +7817,7 @@
                 <a:latin typeface="Courier New"/>
                 <a:ea typeface="DejaVu Sans"/>
               </a:rPr>
-              <a:t>t.test</a:t>
+              <a:t>t_test</a:t>
             </a:r>
             <a:r>
               <a:rPr lang="en-US" sz="1200" b="1" strike="noStrike" spc="-1" dirty="0">
@@ -7851,12 +7902,12 @@
           </a:p>
           <a:p>
             <a:pPr>
-              <a:lnSpc>
-                <a:spcPct val="150000"/>
-              </a:lnSpc>
-            </a:pPr>
-            <a:r>
-              <a:rPr lang="en-US" sz="1200" b="0" strike="noStrike" spc="-1" dirty="0">
+              <a:spcBef>
+                <a:spcPts val="600"/>
+              </a:spcBef>
+            </a:pPr>
+            <a:r>
+              <a:rPr lang="en-US" sz="1200" strike="noStrike" spc="-1" dirty="0">
                 <a:solidFill>
                   <a:srgbClr val="000000"/>
                 </a:solidFill>
@@ -7876,7 +7927,7 @@
               <a:t>p</a:t>
             </a:r>
             <a:r>
-              <a:rPr lang="en-US" sz="1200" b="0" strike="noStrike" spc="-1" dirty="0">
+              <a:rPr lang="en-US" sz="1200" strike="noStrike" spc="-1" dirty="0">
                 <a:solidFill>
                   <a:srgbClr val="000000"/>
                 </a:solidFill>
@@ -7885,7 +7936,7 @@
               </a:rPr>
               <a:t>-values</a:t>
             </a:r>
-            <a:endParaRPr lang="en-US" sz="1200" b="0" strike="noStrike" spc="-1" dirty="0">
+            <a:endParaRPr lang="en-US" sz="1200" strike="noStrike" spc="-1" dirty="0">
               <a:latin typeface="Arial"/>
             </a:endParaRPr>
           </a:p>
@@ -7945,17 +7996,85 @@
               </a:rPr>
               <a:t>(result)</a:t>
             </a:r>
+          </a:p>
+          <a:p>
+            <a:pPr>
+              <a:spcBef>
+                <a:spcPts val="600"/>
+              </a:spcBef>
+            </a:pPr>
+            <a:r>
+              <a:rPr lang="en-US" sz="1200" spc="-1" dirty="0">
+                <a:solidFill>
+                  <a:srgbClr val="000000"/>
+                </a:solidFill>
+              </a:rPr>
+              <a:t>Paired </a:t>
+            </a:r>
+            <a:r>
+              <a:rPr lang="en-US" sz="1200" i="1" spc="-1" dirty="0">
+                <a:solidFill>
+                  <a:srgbClr val="000000"/>
+                </a:solidFill>
+                <a:latin typeface="Times New Roman" panose="02020603050405020304" pitchFamily="18" charset="0"/>
+                <a:cs typeface="Times New Roman" panose="02020603050405020304" pitchFamily="18" charset="0"/>
+              </a:rPr>
+              <a:t>t</a:t>
+            </a:r>
+            <a:r>
+              <a:rPr lang="en-US" sz="1200" spc="-1" dirty="0">
+                <a:solidFill>
+                  <a:srgbClr val="000000"/>
+                </a:solidFill>
+              </a:rPr>
+              <a:t>-test</a:t>
+            </a:r>
+            <a:endParaRPr lang="en-US" sz="1200" spc="-1" dirty="0"/>
+          </a:p>
+          <a:p>
+            <a:pPr>
+              <a:lnSpc>
+                <a:spcPct val="100000"/>
+              </a:lnSpc>
+            </a:pPr>
+            <a:r>
+              <a:rPr lang="en-US" sz="1200" b="1" spc="-1" dirty="0" err="1">
+                <a:solidFill>
+                  <a:srgbClr val="000000"/>
+                </a:solidFill>
+                <a:latin typeface="Courier New"/>
+                <a:ea typeface="Menlo"/>
+              </a:rPr>
+              <a:t>t_test</a:t>
+            </a:r>
+            <a:r>
+              <a:rPr lang="en-US" sz="1200" b="1" spc="-1" dirty="0">
+                <a:solidFill>
+                  <a:srgbClr val="000000"/>
+                </a:solidFill>
+                <a:latin typeface="Courier New"/>
+                <a:ea typeface="Menlo"/>
+              </a:rPr>
+              <a:t>(extra ~ group, </a:t>
+            </a:r>
+          </a:p>
+          <a:p>
+            <a:pPr>
+              <a:lnSpc>
+                <a:spcPct val="100000"/>
+              </a:lnSpc>
+            </a:pPr>
+            <a:r>
+              <a:rPr lang="en-US" sz="1200" b="1" spc="-1" dirty="0">
+                <a:solidFill>
+                  <a:srgbClr val="000000"/>
+                </a:solidFill>
+                <a:latin typeface="Courier New"/>
+                <a:ea typeface="Menlo"/>
+              </a:rPr>
+              <a:t>  data = sleep, paired = TRUE)</a:t>
+            </a:r>
             <a:endParaRPr lang="en-US" sz="1200" b="1" strike="noStrike" spc="-1" dirty="0">
-              <a:latin typeface="Arial"/>
-            </a:endParaRPr>
-          </a:p>
-          <a:p>
-            <a:pPr>
-              <a:lnSpc>
-                <a:spcPct val="100000"/>
-              </a:lnSpc>
-            </a:pPr>
-            <a:endParaRPr lang="en-US" sz="1200" b="0" strike="noStrike" spc="-1" dirty="0">
               <a:latin typeface="Arial"/>
             </a:endParaRPr>
           </a:p>
@@ -8089,7 +8208,7 @@
         </p:nvSpPr>
         <p:spPr>
           <a:xfrm>
-            <a:off x="7109661" y="7400870"/>
+            <a:off x="7088628" y="7342529"/>
             <a:ext cx="3108960" cy="2831058"/>
           </a:xfrm>
           <a:prstGeom prst="rect">
@@ -8278,7 +8397,7 @@
               </a:lnSpc>
             </a:pPr>
             <a:r>
-              <a:rPr lang="en-US" sz="1200" b="1" strike="noStrike" spc="-1" dirty="0">
+              <a:rPr lang="en-US" sz="1200" b="1" spc="-1" dirty="0">
                 <a:solidFill>
                   <a:srgbClr val="000000"/>
                 </a:solidFill>
@@ -8287,18 +8406,15 @@
               </a:rPr>
               <a:t>result2 &lt;- </a:t>
             </a:r>
-            <a:endParaRPr lang="en-US" sz="1200" b="0" strike="noStrike" spc="-1" dirty="0">
-              <a:latin typeface="Arial"/>
-            </a:endParaRPr>
-          </a:p>
-          <a:p>
-            <a:pPr>
-              <a:lnSpc>
-                <a:spcPct val="100000"/>
-              </a:lnSpc>
-            </a:pPr>
-            <a:r>
-              <a:rPr lang="en-US" sz="1200" b="1" strike="noStrike" spc="-1" dirty="0">
+          </a:p>
+          <a:p>
+            <a:pPr>
+              <a:lnSpc>
+                <a:spcPct val="100000"/>
+              </a:lnSpc>
+            </a:pPr>
+            <a:r>
+              <a:rPr lang="en-US" sz="1200" b="1" spc="-1" dirty="0">
                 <a:solidFill>
                   <a:srgbClr val="000000"/>
                 </a:solidFill>
@@ -8308,7 +8424,7 @@
               <a:t>  </a:t>
             </a:r>
             <a:r>
-              <a:rPr lang="en-US" sz="1200" b="1" strike="noStrike" spc="-1" dirty="0" err="1">
+              <a:rPr lang="en-US" sz="1200" b="1" spc="-1" dirty="0" err="1">
                 <a:solidFill>
                   <a:srgbClr val="000000"/>
                 </a:solidFill>
@@ -8318,7 +8434,7 @@
               <a:t>prop.test</a:t>
             </a:r>
             <a:r>
-              <a:rPr lang="en-US" sz="1200" b="1" strike="noStrike" spc="-1" dirty="0">
+              <a:rPr lang="en-US" sz="1200" b="1" spc="-1" dirty="0">
                 <a:solidFill>
                   <a:srgbClr val="000000"/>
                 </a:solidFill>
@@ -8327,28 +8443,59 @@
               </a:rPr>
               <a:t>(~ (homeless == </a:t>
             </a:r>
-            <a:endParaRPr lang="en-US" sz="1200" b="0" strike="noStrike" spc="-1" dirty="0">
-              <a:latin typeface="Arial"/>
-            </a:endParaRPr>
-          </a:p>
-          <a:p>
-            <a:pPr>
-              <a:lnSpc>
-                <a:spcPct val="100000"/>
-              </a:lnSpc>
-            </a:pPr>
-            <a:r>
-              <a:rPr lang="en-US" sz="1200" b="1" strike="noStrike" spc="-1" dirty="0">
-                <a:solidFill>
-                  <a:srgbClr val="000000"/>
-                </a:solidFill>
-                <a:latin typeface="Courier New"/>
-                <a:ea typeface="Menlo"/>
-              </a:rPr>
-              <a:t>  "homeless"), data = </a:t>
-            </a:r>
-            <a:r>
-              <a:rPr lang="en-US" sz="1200" b="1" strike="noStrike" spc="-1" dirty="0" err="1">
+          </a:p>
+          <a:p>
+            <a:pPr>
+              <a:lnSpc>
+                <a:spcPct val="100000"/>
+              </a:lnSpc>
+            </a:pPr>
+            <a:r>
+              <a:rPr lang="en-US" sz="1200" b="1" spc="-1" dirty="0">
+                <a:solidFill>
+                  <a:srgbClr val="000000"/>
+                </a:solidFill>
+                <a:latin typeface="Courier New"/>
+                <a:ea typeface="Menlo"/>
+              </a:rPr>
+              <a:t>  "homeless"), p = 0.4,</a:t>
+            </a:r>
+          </a:p>
+          <a:p>
+            <a:pPr>
+              <a:lnSpc>
+                <a:spcPct val="100000"/>
+              </a:lnSpc>
+            </a:pPr>
+            <a:r>
+              <a:rPr lang="en-US" sz="1200" b="1" spc="-1" dirty="0">
+                <a:solidFill>
+                  <a:srgbClr val="000000"/>
+                </a:solidFill>
+                <a:latin typeface="Courier New"/>
+                <a:ea typeface="Menlo"/>
+              </a:rPr>
+              <a:t>  alternative = "less", </a:t>
+            </a:r>
+          </a:p>
+          <a:p>
+            <a:pPr>
+              <a:lnSpc>
+                <a:spcPct val="100000"/>
+              </a:lnSpc>
+            </a:pPr>
+            <a:r>
+              <a:rPr lang="en-US" sz="1200" b="1" spc="-1" dirty="0">
+                <a:solidFill>
+                  <a:srgbClr val="000000"/>
+                </a:solidFill>
+                <a:latin typeface="Courier New"/>
+                <a:ea typeface="Menlo"/>
+              </a:rPr>
+              <a:t>  data = </a:t>
+            </a:r>
+            <a:r>
+              <a:rPr lang="en-US" sz="1200" b="1" spc="-1" dirty="0" err="1">
                 <a:solidFill>
                   <a:srgbClr val="000000"/>
                 </a:solidFill>
@@ -8358,7 +8505,7 @@
               <a:t>HELPrct</a:t>
             </a:r>
             <a:r>
-              <a:rPr lang="en-US" sz="1200" b="1" strike="noStrike" spc="-1" dirty="0">
+              <a:rPr lang="en-US" sz="1200" b="1" spc="-1" dirty="0">
                 <a:solidFill>
                   <a:srgbClr val="000000"/>
                 </a:solidFill>
@@ -8367,9 +8514,6 @@
               </a:rPr>
               <a:t>)</a:t>
             </a:r>
-            <a:endParaRPr lang="en-US" sz="1200" b="0" strike="noStrike" spc="-1" dirty="0">
-              <a:latin typeface="Arial"/>
-            </a:endParaRPr>
           </a:p>
           <a:p>
             <a:pPr>
@@ -8515,60 +8659,6 @@
       </p:pic>
       <p:pic>
         <p:nvPicPr>
-          <p:cNvPr id="4" name="Picture 2"/>
-          <p:cNvPicPr>
-            <a:picLocks noChangeArrowheads="1"/>
-          </p:cNvPicPr>
-          <p:nvPr/>
-        </p:nvPicPr>
-        <p:blipFill>
-          <a:blip r:embed="rId6">
-            <a:extLst>
-              <a:ext uri="{28A0092B-C50C-407E-A947-70E740481C1C}">
-                <a14:useLocalDpi xmlns:a14="http://schemas.microsoft.com/office/drawing/2010/main" val="0"/>
-              </a:ext>
-            </a:extLst>
-          </a:blip>
-          <a:srcRect/>
-          <a:stretch>
-            <a:fillRect/>
-          </a:stretch>
-        </p:blipFill>
-        <p:spPr bwMode="auto">
-          <a:xfrm>
-            <a:off x="3900990" y="8344787"/>
-            <a:ext cx="2780625" cy="1828800"/>
-          </a:xfrm>
-          <a:prstGeom prst="rect">
-            <a:avLst/>
-          </a:prstGeom>
-          <a:noFill/>
-          <a:ln>
-            <a:noFill/>
-          </a:ln>
-          <a:extLst>
-            <a:ext uri="{909E8E84-426E-40DD-AFC4-6F175D3DCCD1}">
-              <a14:hiddenFill xmlns:a14="http://schemas.microsoft.com/office/drawing/2010/main">
-                <a:solidFill>
-                  <a:schemeClr val="accent1"/>
-                </a:solidFill>
-              </a14:hiddenFill>
-            </a:ext>
-            <a:ext uri="{91240B29-F687-4F45-9708-019B960494DF}">
-              <a14:hiddenLine xmlns:a14="http://schemas.microsoft.com/office/drawing/2010/main" w="9525">
-                <a:solidFill>
-                  <a:schemeClr val="tx1"/>
-                </a:solidFill>
-                <a:miter lim="800000"/>
-                <a:headEnd/>
-                <a:tailEnd/>
-              </a14:hiddenLine>
-            </a:ext>
-          </a:extLst>
-        </p:spPr>
-      </p:pic>
-      <p:pic>
-        <p:nvPicPr>
           <p:cNvPr id="1027" name="Picture 3"/>
           <p:cNvPicPr>
             <a:picLocks noChangeAspect="1" noChangeArrowheads="1"/>
@@ -8576,7 +8666,7 @@
           <p:nvPr/>
         </p:nvPicPr>
         <p:blipFill>
-          <a:blip r:embed="rId7">
+          <a:blip r:embed="rId6">
             <a:extLst>
               <a:ext uri="{28A0092B-C50C-407E-A947-70E740481C1C}">
                 <a14:useLocalDpi xmlns:a14="http://schemas.microsoft.com/office/drawing/2010/main" val="0"/>
@@ -8625,12 +8715,12 @@
         <p:nvPicPr>
           <p:cNvPr id="1028" name="Picture 4"/>
           <p:cNvPicPr>
-            <a:picLocks noChangeArrowheads="1"/>
+            <a:picLocks noChangeAspect="1" noChangeArrowheads="1"/>
           </p:cNvPicPr>
           <p:nvPr/>
         </p:nvPicPr>
         <p:blipFill>
-          <a:blip r:embed="rId8" cstate="print">
+          <a:blip r:embed="rId7" cstate="print">
             <a:extLst>
               <a:ext uri="{28A0092B-C50C-407E-A947-70E740481C1C}">
                 <a14:useLocalDpi xmlns:a14="http://schemas.microsoft.com/office/drawing/2010/main" val="0"/>
@@ -8644,62 +8734,8 @@
         </p:blipFill>
         <p:spPr bwMode="auto">
           <a:xfrm>
-            <a:off x="7663805" y="5710481"/>
-            <a:ext cx="1807407" cy="1554480"/>
-          </a:xfrm>
-          <a:prstGeom prst="rect">
-            <a:avLst/>
-          </a:prstGeom>
-          <a:noFill/>
-          <a:ln>
-            <a:noFill/>
-          </a:ln>
-          <a:extLst>
-            <a:ext uri="{909E8E84-426E-40DD-AFC4-6F175D3DCCD1}">
-              <a14:hiddenFill xmlns:a14="http://schemas.microsoft.com/office/drawing/2010/main">
-                <a:solidFill>
-                  <a:schemeClr val="accent1"/>
-                </a:solidFill>
-              </a14:hiddenFill>
-            </a:ext>
-            <a:ext uri="{91240B29-F687-4F45-9708-019B960494DF}">
-              <a14:hiddenLine xmlns:a14="http://schemas.microsoft.com/office/drawing/2010/main" w="9525">
-                <a:solidFill>
-                  <a:schemeClr val="tx1"/>
-                </a:solidFill>
-                <a:miter lim="800000"/>
-                <a:headEnd/>
-                <a:tailEnd/>
-              </a14:hiddenLine>
-            </a:ext>
-          </a:extLst>
-        </p:spPr>
-      </p:pic>
-      <p:pic>
-        <p:nvPicPr>
-          <p:cNvPr id="1029" name="Picture 5"/>
-          <p:cNvPicPr>
-            <a:picLocks noChangeAspect="1" noChangeArrowheads="1"/>
-          </p:cNvPicPr>
-          <p:nvPr/>
-        </p:nvPicPr>
-        <p:blipFill>
-          <a:blip r:embed="rId9" cstate="print">
-            <a:extLst>
-              <a:ext uri="{28A0092B-C50C-407E-A947-70E740481C1C}">
-                <a14:useLocalDpi xmlns:a14="http://schemas.microsoft.com/office/drawing/2010/main" val="0"/>
-              </a:ext>
-            </a:extLst>
-          </a:blip>
-          <a:srcRect/>
-          <a:stretch>
-            <a:fillRect/>
-          </a:stretch>
-        </p:blipFill>
-        <p:spPr bwMode="auto">
-          <a:xfrm>
-            <a:off x="10935864" y="4879456"/>
-            <a:ext cx="1853750" cy="1828800"/>
+            <a:off x="7611205" y="5856270"/>
+            <a:ext cx="1500727" cy="1480028"/>
           </a:xfrm>
           <a:prstGeom prst="rect">
             <a:avLst/>
@@ -8797,8 +8833,8 @@
         </p:nvSpPr>
         <p:spPr>
           <a:xfrm>
-            <a:off x="7028977" y="729719"/>
-            <a:ext cx="3228120" cy="2515768"/>
+            <a:off x="6976872" y="729719"/>
+            <a:ext cx="3200400" cy="2515768"/>
           </a:xfrm>
           <a:prstGeom prst="rect">
             <a:avLst/>
@@ -9175,6 +9211,66 @@
           </a:p>
         </p:txBody>
       </p:sp>
+      <p:pic>
+        <p:nvPicPr>
+          <p:cNvPr id="2" name="Picture 1">
+            <a:extLst>
+              <a:ext uri="{FF2B5EF4-FFF2-40B4-BE49-F238E27FC236}">
+                <a16:creationId xmlns:a16="http://schemas.microsoft.com/office/drawing/2014/main" id="{E14C93C7-58D0-4334-B953-92B8FAB5D41E}"/>
+              </a:ext>
+            </a:extLst>
+          </p:cNvPr>
+          <p:cNvPicPr>
+            <a:picLocks noChangeAspect="1"/>
+          </p:cNvPicPr>
+          <p:nvPr/>
+        </p:nvPicPr>
+        <p:blipFill>
+          <a:blip r:embed="rId8"/>
+          <a:stretch>
+            <a:fillRect/>
+          </a:stretch>
+        </p:blipFill>
+        <p:spPr>
+          <a:xfrm>
+            <a:off x="4025962" y="8312214"/>
+            <a:ext cx="2447362" cy="1861373"/>
+          </a:xfrm>
+          <a:prstGeom prst="rect">
+            <a:avLst/>
+          </a:prstGeom>
+        </p:spPr>
+      </p:pic>
+      <p:pic>
+        <p:nvPicPr>
+          <p:cNvPr id="5" name="Picture 4">
+            <a:extLst>
+              <a:ext uri="{FF2B5EF4-FFF2-40B4-BE49-F238E27FC236}">
+                <a16:creationId xmlns:a16="http://schemas.microsoft.com/office/drawing/2014/main" id="{2F59B7DE-7EC0-4060-BE69-7FCCAF2C9092}"/>
+              </a:ext>
+            </a:extLst>
+          </p:cNvPr>
+          <p:cNvPicPr>
+            <a:picLocks noChangeAspect="1"/>
+          </p:cNvPicPr>
+          <p:nvPr/>
+        </p:nvPicPr>
+        <p:blipFill>
+          <a:blip r:embed="rId9"/>
+          <a:stretch>
+            <a:fillRect/>
+          </a:stretch>
+        </p:blipFill>
+        <p:spPr>
+          <a:xfrm>
+            <a:off x="10516944" y="4949175"/>
+            <a:ext cx="2704762" cy="2057143"/>
+          </a:xfrm>
+          <a:prstGeom prst="rect">
+            <a:avLst/>
+          </a:prstGeom>
+        </p:spPr>
+      </p:pic>
     </p:spTree>
   </p:cSld>
   <p:clrMapOvr>
@@ -11625,7 +11721,7 @@
         </p:nvSpPr>
         <p:spPr>
           <a:xfrm>
-            <a:off x="6902412" y="7732993"/>
+            <a:off x="6895964" y="7636376"/>
             <a:ext cx="3200400" cy="694440"/>
           </a:xfrm>
           <a:prstGeom prst="roundRect">
@@ -11803,7 +11899,7 @@
               </a:lnSpc>
             </a:pPr>
             <a:r>
-              <a:rPr lang="en-US" sz="1100" b="1" strike="noStrike" spc="-1" err="1">
+              <a:rPr lang="en-US" sz="1100" b="1" strike="noStrike" spc="-1" dirty="0" err="1">
                 <a:solidFill>
                   <a:srgbClr val="000000"/>
                 </a:solidFill>
@@ -11813,7 +11909,7 @@
               <a:t>favstats</a:t>
             </a:r>
             <a:r>
-              <a:rPr lang="en-US" sz="1100" b="1" strike="noStrike" spc="-1">
+              <a:rPr lang="en-US" sz="1100" b="1" strike="noStrike" spc="-1" dirty="0">
                 <a:solidFill>
                   <a:srgbClr val="000000"/>
                 </a:solidFill>
@@ -11823,7 +11919,7 @@
               <a:t>(~</a:t>
             </a:r>
             <a:r>
-              <a:rPr lang="en-US" sz="1100" b="1" spc="-1">
+              <a:rPr lang="en-US" sz="1100" b="1" spc="-1" dirty="0">
                 <a:solidFill>
                   <a:srgbClr val="000000"/>
                 </a:solidFill>
@@ -11833,16 +11929,6 @@
               <a:t>length</a:t>
             </a:r>
             <a:r>
-              <a:rPr lang="en-US" sz="1100" b="1" strike="noStrike" spc="-1">
-                <a:solidFill>
-                  <a:srgbClr val="000000"/>
-                </a:solidFill>
-                <a:latin typeface="Courier New"/>
-                <a:ea typeface="DejaVu Sans"/>
-              </a:rPr>
-              <a:t> </a:t>
-            </a:r>
-            <a:r>
               <a:rPr lang="en-US" sz="1100" b="1" strike="noStrike" spc="-1" dirty="0">
                 <a:solidFill>
                   <a:srgbClr val="000000"/>
@@ -11850,7 +11936,7 @@
                 <a:latin typeface="Courier New"/>
                 <a:ea typeface="DejaVu Sans"/>
               </a:rPr>
-              <a:t>| sex, </a:t>
+              <a:t> | sex, </a:t>
             </a:r>
           </a:p>
           <a:p>
@@ -11870,14 +11956,34 @@
               <a:t>  </a:t>
             </a:r>
             <a:r>
-              <a:rPr lang="en-US" sz="1100" b="1" strike="noStrike" spc="-1">
-                <a:solidFill>
-                  <a:srgbClr val="000000"/>
-                </a:solidFill>
-                <a:latin typeface="Courier New"/>
-                <a:ea typeface="DejaVu Sans"/>
-              </a:rPr>
-              <a:t>data = KidsFeet)</a:t>
+              <a:rPr lang="en-US" sz="1100" b="1" strike="noStrike" spc="-1" dirty="0">
+                <a:solidFill>
+                  <a:srgbClr val="000000"/>
+                </a:solidFill>
+                <a:latin typeface="Courier New"/>
+                <a:ea typeface="DejaVu Sans"/>
+              </a:rPr>
+              <a:t>data = </a:t>
+            </a:r>
+            <a:r>
+              <a:rPr lang="en-US" sz="1100" b="1" strike="noStrike" spc="-1" dirty="0" err="1">
+                <a:solidFill>
+                  <a:srgbClr val="000000"/>
+                </a:solidFill>
+                <a:latin typeface="Courier New"/>
+                <a:ea typeface="DejaVu Sans"/>
+              </a:rPr>
+              <a:t>KidsFeet</a:t>
+            </a:r>
+            <a:r>
+              <a:rPr lang="en-US" sz="1100" b="1" strike="noStrike" spc="-1" dirty="0">
+                <a:solidFill>
+                  <a:srgbClr val="000000"/>
+                </a:solidFill>
+                <a:latin typeface="Courier New"/>
+                <a:ea typeface="DejaVu Sans"/>
+              </a:rPr>
+              <a:t>)</a:t>
             </a:r>
             <a:endParaRPr lang="en-US" sz="1100" b="0" strike="noStrike" spc="-1" dirty="0">
               <a:latin typeface="Arial"/>
@@ -11890,7 +11996,7 @@
               </a:lnSpc>
             </a:pPr>
             <a:r>
-              <a:rPr lang="en-US" sz="1200" spc="-1">
+              <a:rPr lang="en-US" sz="1200" spc="-1" dirty="0">
                 <a:solidFill>
                   <a:srgbClr val="000000"/>
                 </a:solidFill>
@@ -11905,7 +12011,7 @@
               </a:lnSpc>
             </a:pPr>
             <a:r>
-              <a:rPr lang="pt-BR" sz="1100" b="1" spc="-1">
+              <a:rPr lang="pt-BR" sz="1100" b="1" spc="-1" dirty="0">
                 <a:solidFill>
                   <a:srgbClr val="000000"/>
                 </a:solidFill>
@@ -11922,7 +12028,7 @@
               </a:lnSpc>
             </a:pPr>
             <a:r>
-              <a:rPr lang="pt-BR" sz="1100" b="1" spc="-1">
+              <a:rPr lang="pt-BR" sz="1100" b="1" spc="-1" dirty="0">
                 <a:solidFill>
                   <a:srgbClr val="000000"/>
                 </a:solidFill>
@@ -11932,41 +12038,71 @@
               <a:t>      data =  </a:t>
             </a:r>
             <a:r>
-              <a:rPr lang="en-US" sz="1100" b="1" spc="-1">
-                <a:solidFill>
-                  <a:srgbClr val="000000"/>
-                </a:solidFill>
-                <a:latin typeface="Courier New"/>
-                <a:ea typeface="Menlo"/>
-              </a:rPr>
-              <a:t>KidsFeet) %&gt;%  </a:t>
-            </a:r>
-          </a:p>
-          <a:p>
-            <a:pPr>
-              <a:lnSpc>
-                <a:spcPct val="100000"/>
-              </a:lnSpc>
-            </a:pPr>
-            <a:r>
-              <a:rPr lang="en-US" sz="1100" b="1" spc="-1">
-                <a:solidFill>
-                  <a:srgbClr val="000000"/>
-                </a:solidFill>
-                <a:latin typeface="Courier New"/>
-                <a:ea typeface="Menlo"/>
-              </a:rPr>
-              <a:t>  gf_labs(x = "Normal quantile",</a:t>
-            </a:r>
-          </a:p>
-          <a:p>
-            <a:pPr>
-              <a:lnSpc>
-                <a:spcPct val="100000"/>
-              </a:lnSpc>
-            </a:pPr>
-            <a:r>
-              <a:rPr lang="en-US" sz="1100" b="1" spc="-1">
+              <a:rPr lang="en-US" sz="1100" b="1" spc="-1" dirty="0" err="1">
+                <a:solidFill>
+                  <a:srgbClr val="000000"/>
+                </a:solidFill>
+                <a:latin typeface="Courier New"/>
+                <a:ea typeface="Menlo"/>
+              </a:rPr>
+              <a:t>KidsFeet</a:t>
+            </a:r>
+            <a:r>
+              <a:rPr lang="en-US" sz="1100" b="1" spc="-1" dirty="0">
+                <a:solidFill>
+                  <a:srgbClr val="000000"/>
+                </a:solidFill>
+                <a:latin typeface="Courier New"/>
+                <a:ea typeface="Menlo"/>
+              </a:rPr>
+              <a:t>) %&gt;%  </a:t>
+            </a:r>
+          </a:p>
+          <a:p>
+            <a:pPr>
+              <a:lnSpc>
+                <a:spcPct val="100000"/>
+              </a:lnSpc>
+            </a:pPr>
+            <a:r>
+              <a:rPr lang="en-US" sz="1100" b="1" spc="-1" dirty="0">
+                <a:solidFill>
+                  <a:srgbClr val="000000"/>
+                </a:solidFill>
+                <a:latin typeface="Courier New"/>
+                <a:ea typeface="Menlo"/>
+              </a:rPr>
+              <a:t>  </a:t>
+            </a:r>
+            <a:r>
+              <a:rPr lang="en-US" sz="1100" b="1" spc="-1" dirty="0" err="1">
+                <a:solidFill>
+                  <a:srgbClr val="000000"/>
+                </a:solidFill>
+                <a:latin typeface="Courier New"/>
+                <a:ea typeface="Menlo"/>
+              </a:rPr>
+              <a:t>gf_labs</a:t>
+            </a:r>
+            <a:r>
+              <a:rPr lang="en-US" sz="1100" b="1" spc="-1" dirty="0">
+                <a:solidFill>
+                  <a:srgbClr val="000000"/>
+                </a:solidFill>
+                <a:latin typeface="Courier New"/>
+                <a:ea typeface="Menlo"/>
+              </a:rPr>
+              <a:t>(x = "Normal quantile",</a:t>
+            </a:r>
+          </a:p>
+          <a:p>
+            <a:pPr>
+              <a:lnSpc>
+                <a:spcPct val="100000"/>
+              </a:lnSpc>
+            </a:pPr>
+            <a:r>
+              <a:rPr lang="en-US" sz="1100" b="1" spc="-1" dirty="0">
                 <a:solidFill>
                   <a:srgbClr val="000000"/>
                 </a:solidFill>
@@ -11983,14 +12119,34 @@
               </a:lnSpc>
             </a:pPr>
             <a:r>
-              <a:rPr lang="en-US" sz="1100" b="1" spc="-1">
-                <a:solidFill>
-                  <a:srgbClr val="000000"/>
-                </a:solidFill>
-                <a:latin typeface="Courier New"/>
-                <a:ea typeface="Menlo"/>
-              </a:rPr>
-              <a:t>  gf_qqline()</a:t>
+              <a:rPr lang="en-US" sz="1100" b="1" spc="-1" dirty="0">
+                <a:solidFill>
+                  <a:srgbClr val="000000"/>
+                </a:solidFill>
+                <a:latin typeface="Courier New"/>
+                <a:ea typeface="Menlo"/>
+              </a:rPr>
+              <a:t>  </a:t>
+            </a:r>
+            <a:r>
+              <a:rPr lang="en-US" sz="1100" b="1" spc="-1" dirty="0" err="1">
+                <a:solidFill>
+                  <a:srgbClr val="000000"/>
+                </a:solidFill>
+                <a:latin typeface="Courier New"/>
+                <a:ea typeface="Menlo"/>
+              </a:rPr>
+              <a:t>gf_qqline</a:t>
+            </a:r>
+            <a:r>
+              <a:rPr lang="en-US" sz="1100" b="1" spc="-1" dirty="0">
+                <a:solidFill>
+                  <a:srgbClr val="000000"/>
+                </a:solidFill>
+                <a:latin typeface="Courier New"/>
+                <a:ea typeface="Menlo"/>
+              </a:rPr>
+              <a:t>()</a:t>
             </a:r>
             <a:endParaRPr lang="en-US" sz="1100" b="1" spc="-1" dirty="0">
               <a:solidFill>
@@ -12112,7 +12268,7 @@
                 <a:spcPct val="150000"/>
               </a:lnSpc>
             </a:pPr>
-            <a:endParaRPr lang="en-US" sz="1200" b="0" strike="noStrike" spc="-1">
+            <a:endParaRPr lang="en-US" sz="1200" b="0" strike="noStrike" spc="-1" dirty="0">
               <a:solidFill>
                 <a:srgbClr val="000000"/>
               </a:solidFill>
@@ -12126,7 +12282,7 @@
                 <a:spcPct val="100000"/>
               </a:lnSpc>
             </a:pPr>
-            <a:endParaRPr lang="en-US" sz="1200" b="1" spc="-1">
+            <a:endParaRPr lang="en-US" sz="1200" b="1" spc="-1" dirty="0">
               <a:solidFill>
                 <a:srgbClr val="000000"/>
               </a:solidFill>
@@ -12140,7 +12296,7 @@
                 <a:spcPct val="100000"/>
               </a:lnSpc>
             </a:pPr>
-            <a:endParaRPr lang="en-US" sz="1200" b="1" spc="-1">
+            <a:endParaRPr lang="en-US" sz="1200" b="1" spc="-1" dirty="0">
               <a:solidFill>
                 <a:srgbClr val="000000"/>
               </a:solidFill>
@@ -12155,33 +12311,83 @@
               </a:lnSpc>
             </a:pPr>
             <a:r>
-              <a:rPr lang="en-US" sz="1200" b="1" spc="-1">
-                <a:solidFill>
-                  <a:srgbClr val="000000"/>
-                </a:solidFill>
-                <a:latin typeface="Courier New"/>
-                <a:ea typeface="Menlo"/>
-              </a:rPr>
-              <a:t>gf_boxplot(cesd ~ substance, </a:t>
-            </a:r>
-          </a:p>
-          <a:p>
-            <a:pPr>
-              <a:lnSpc>
-                <a:spcPct val="100000"/>
-              </a:lnSpc>
-            </a:pPr>
-            <a:r>
-              <a:rPr lang="en-US" sz="1200" b="1" spc="-1">
-                <a:solidFill>
-                  <a:srgbClr val="000000"/>
-                </a:solidFill>
-                <a:latin typeface="Courier New"/>
-                <a:ea typeface="Menlo"/>
-              </a:rPr>
-              <a:t>  data = HELPrct)</a:t>
-            </a:r>
-            <a:endParaRPr lang="en-US" sz="1200" spc="-1">
+              <a:rPr lang="en-US" sz="1200" b="1" spc="-1" dirty="0" err="1">
+                <a:solidFill>
+                  <a:srgbClr val="000000"/>
+                </a:solidFill>
+                <a:latin typeface="Courier New"/>
+                <a:ea typeface="Menlo"/>
+              </a:rPr>
+              <a:t>gf_boxplot</a:t>
+            </a:r>
+            <a:r>
+              <a:rPr lang="en-US" sz="1200" b="1" spc="-1" dirty="0">
+                <a:solidFill>
+                  <a:srgbClr val="000000"/>
+                </a:solidFill>
+                <a:latin typeface="Courier New"/>
+                <a:ea typeface="Menlo"/>
+              </a:rPr>
+              <a:t>(</a:t>
+            </a:r>
+            <a:r>
+              <a:rPr lang="en-US" sz="1200" b="1" spc="-1" dirty="0" err="1">
+                <a:solidFill>
+                  <a:srgbClr val="000000"/>
+                </a:solidFill>
+                <a:latin typeface="Courier New"/>
+                <a:ea typeface="Menlo"/>
+              </a:rPr>
+              <a:t>cesd</a:t>
+            </a:r>
+            <a:r>
+              <a:rPr lang="en-US" sz="1200" b="1" spc="-1" dirty="0">
+                <a:solidFill>
+                  <a:srgbClr val="000000"/>
+                </a:solidFill>
+                <a:latin typeface="Courier New"/>
+                <a:ea typeface="Menlo"/>
+              </a:rPr>
+              <a:t> ~ substance, </a:t>
+            </a:r>
+          </a:p>
+          <a:p>
+            <a:pPr>
+              <a:lnSpc>
+                <a:spcPct val="100000"/>
+              </a:lnSpc>
+            </a:pPr>
+            <a:r>
+              <a:rPr lang="en-US" sz="1200" b="1" spc="-1" dirty="0">
+                <a:solidFill>
+                  <a:srgbClr val="000000"/>
+                </a:solidFill>
+                <a:latin typeface="Courier New"/>
+                <a:ea typeface="Menlo"/>
+              </a:rPr>
+              <a:t>  data = </a:t>
+            </a:r>
+            <a:r>
+              <a:rPr lang="en-US" sz="1200" b="1" spc="-1" dirty="0" err="1">
+                <a:solidFill>
+                  <a:srgbClr val="000000"/>
+                </a:solidFill>
+                <a:latin typeface="Courier New"/>
+                <a:ea typeface="Menlo"/>
+              </a:rPr>
+              <a:t>HELPrct</a:t>
+            </a:r>
+            <a:r>
+              <a:rPr lang="en-US" sz="1200" b="1" spc="-1" dirty="0">
+                <a:solidFill>
+                  <a:srgbClr val="000000"/>
+                </a:solidFill>
+                <a:latin typeface="Courier New"/>
+                <a:ea typeface="Menlo"/>
+              </a:rPr>
+              <a:t>)</a:t>
+            </a:r>
+            <a:endParaRPr lang="en-US" sz="1200" spc="-1" dirty="0">
               <a:solidFill>
                 <a:srgbClr val="000000"/>
               </a:solidFill>
@@ -12196,7 +12402,7 @@
               </a:lnSpc>
             </a:pPr>
             <a:r>
-              <a:rPr lang="en-US" sz="1200" b="0" strike="noStrike" spc="-1">
+              <a:rPr lang="en-US" sz="1200" b="0" strike="noStrike" spc="-1" dirty="0">
                 <a:solidFill>
                   <a:srgbClr val="000000"/>
                 </a:solidFill>
@@ -12254,17 +12460,17 @@
                 <a:latin typeface="Courier New"/>
                 <a:ea typeface="Menlo"/>
               </a:rPr>
-              <a:t>result </a:t>
-            </a:r>
-            <a:r>
-              <a:rPr lang="en-US" sz="1100" b="1" strike="noStrike" spc="-1">
-                <a:solidFill>
-                  <a:srgbClr val="000000"/>
-                </a:solidFill>
-                <a:latin typeface="Courier New"/>
-                <a:ea typeface="Menlo"/>
-              </a:rPr>
-              <a:t>&lt;- t_test(cesd </a:t>
+              <a:t>result &lt;- </a:t>
+            </a:r>
+            <a:r>
+              <a:rPr lang="en-US" sz="1100" b="1" strike="noStrike" spc="-1" dirty="0" err="1">
+                <a:solidFill>
+                  <a:srgbClr val="000000"/>
+                </a:solidFill>
+                <a:latin typeface="Courier New"/>
+                <a:ea typeface="Menlo"/>
+              </a:rPr>
+              <a:t>t_test</a:t>
             </a:r>
             <a:r>
               <a:rPr lang="en-US" sz="1100" b="1" strike="noStrike" spc="-1" dirty="0">
@@ -12274,7 +12480,27 @@
                 <a:latin typeface="Courier New"/>
                 <a:ea typeface="Menlo"/>
               </a:rPr>
-              <a:t>~ sex, </a:t>
+              <a:t>(</a:t>
+            </a:r>
+            <a:r>
+              <a:rPr lang="en-US" sz="1100" b="1" strike="noStrike" spc="-1" dirty="0" err="1">
+                <a:solidFill>
+                  <a:srgbClr val="000000"/>
+                </a:solidFill>
+                <a:latin typeface="Courier New"/>
+                <a:ea typeface="Menlo"/>
+              </a:rPr>
+              <a:t>cesd</a:t>
+            </a:r>
+            <a:r>
+              <a:rPr lang="en-US" sz="1100" b="1" strike="noStrike" spc="-1" dirty="0">
+                <a:solidFill>
+                  <a:srgbClr val="000000"/>
+                </a:solidFill>
+                <a:latin typeface="Courier New"/>
+                <a:ea typeface="Menlo"/>
+              </a:rPr>
+              <a:t> ~ sex, </a:t>
             </a:r>
             <a:endParaRPr lang="en-US" sz="1100" b="0" strike="noStrike" spc="-1" dirty="0">
               <a:latin typeface="Arial"/>
@@ -12287,16 +12513,6 @@
               </a:lnSpc>
             </a:pPr>
             <a:r>
-              <a:rPr lang="en-US" sz="1100" b="1" strike="noStrike" spc="-1">
-                <a:solidFill>
-                  <a:srgbClr val="000000"/>
-                </a:solidFill>
-                <a:latin typeface="Courier New"/>
-                <a:ea typeface="Menlo"/>
-              </a:rPr>
-              <a:t>  data </a:t>
-            </a:r>
-            <a:r>
               <a:rPr lang="en-US" sz="1100" b="1" strike="noStrike" spc="-1" dirty="0">
                 <a:solidFill>
                   <a:srgbClr val="000000"/>
@@ -12304,7 +12520,7 @@
                 <a:latin typeface="Courier New"/>
                 <a:ea typeface="Menlo"/>
               </a:rPr>
-              <a:t>= </a:t>
+              <a:t>  data = </a:t>
             </a:r>
             <a:r>
               <a:rPr lang="en-US" sz="1100" b="1" strike="noStrike" spc="-1" dirty="0" err="1">
@@ -12317,7 +12533,7 @@
               <a:t>HELPrct</a:t>
             </a:r>
             <a:r>
-              <a:rPr lang="en-US" sz="1100" b="1" strike="noStrike" spc="-1">
+              <a:rPr lang="en-US" sz="1100" b="1" strike="noStrike" spc="-1" dirty="0">
                 <a:solidFill>
                   <a:srgbClr val="000000"/>
                 </a:solidFill>
@@ -12334,7 +12550,7 @@
               </a:lnSpc>
             </a:pPr>
             <a:r>
-              <a:rPr lang="en-US" sz="1100" b="1" spc="-1">
+              <a:rPr lang="en-US" sz="1100" b="1" spc="-1" dirty="0">
                 <a:solidFill>
                   <a:srgbClr val="000000"/>
                 </a:solidFill>
@@ -12343,7 +12559,7 @@
               </a:rPr>
               <a:t>result # view results</a:t>
             </a:r>
-            <a:endParaRPr lang="en-US" sz="1100" b="1" strike="noStrike" spc="-1">
+            <a:endParaRPr lang="en-US" sz="1100" b="1" strike="noStrike" spc="-1" dirty="0">
               <a:solidFill>
                 <a:srgbClr val="000000"/>
               </a:solidFill>
@@ -12358,14 +12574,14 @@
               </a:lnSpc>
             </a:pPr>
             <a:r>
-              <a:rPr lang="en-US" sz="1100" b="1" strike="noStrike" spc="-1">
-                <a:solidFill>
-                  <a:srgbClr val="000000"/>
-                </a:solidFill>
-                <a:latin typeface="Courier New"/>
-                <a:ea typeface="Menlo"/>
-              </a:rPr>
-              <a:t>confint(result</a:t>
+              <a:rPr lang="en-US" sz="1100" b="1" strike="noStrike" spc="-1" dirty="0" err="1">
+                <a:solidFill>
+                  <a:srgbClr val="000000"/>
+                </a:solidFill>
+                <a:latin typeface="Courier New"/>
+                <a:ea typeface="Menlo"/>
+              </a:rPr>
+              <a:t>confint</a:t>
             </a:r>
             <a:r>
               <a:rPr lang="en-US" sz="1100" b="1" strike="noStrike" spc="-1" dirty="0">
@@ -12375,6 +12591,136 @@
                 <a:latin typeface="Courier New"/>
                 <a:ea typeface="Menlo"/>
               </a:rPr>
+              <a:t>(result)</a:t>
+            </a:r>
+            <a:endParaRPr lang="en-US" sz="1100" b="0" strike="noStrike" spc="-1" dirty="0">
+              <a:latin typeface="Arial"/>
+            </a:endParaRPr>
+          </a:p>
+          <a:p>
+            <a:pPr>
+              <a:lnSpc>
+                <a:spcPct val="150000"/>
+              </a:lnSpc>
+            </a:pPr>
+            <a:r>
+              <a:rPr lang="en-US" sz="1200" b="0" strike="noStrike" spc="-1" dirty="0">
+                <a:solidFill>
+                  <a:srgbClr val="000000"/>
+                </a:solidFill>
+                <a:latin typeface="Arial"/>
+                <a:ea typeface="DejaVu Sans"/>
+              </a:rPr>
+              <a:t>More than two levels (Analysis of variance)</a:t>
+            </a:r>
+            <a:endParaRPr lang="en-US" sz="1200" b="0" strike="noStrike" spc="-1" dirty="0">
+              <a:latin typeface="Arial"/>
+            </a:endParaRPr>
+          </a:p>
+          <a:p>
+            <a:pPr>
+              <a:lnSpc>
+                <a:spcPct val="100000"/>
+              </a:lnSpc>
+            </a:pPr>
+            <a:r>
+              <a:rPr lang="en-US" sz="1200" b="0" strike="noStrike" spc="-1" dirty="0">
+                <a:solidFill>
+                  <a:srgbClr val="000000"/>
+                </a:solidFill>
+                <a:latin typeface="Arial"/>
+                <a:ea typeface="DejaVu Sans"/>
+              </a:rPr>
+              <a:t>Numeric summaries</a:t>
+            </a:r>
+            <a:endParaRPr lang="en-US" sz="1200" b="0" strike="noStrike" spc="-1" dirty="0">
+              <a:latin typeface="Arial"/>
+            </a:endParaRPr>
+          </a:p>
+          <a:p>
+            <a:pPr>
+              <a:lnSpc>
+                <a:spcPct val="100000"/>
+              </a:lnSpc>
+            </a:pPr>
+            <a:r>
+              <a:rPr lang="en-US" sz="1100" b="1" strike="noStrike" spc="-1" dirty="0" err="1">
+                <a:solidFill>
+                  <a:srgbClr val="000000"/>
+                </a:solidFill>
+                <a:latin typeface="Courier New"/>
+                <a:ea typeface="Menlo"/>
+              </a:rPr>
+              <a:t>favstats</a:t>
+            </a:r>
+            <a:r>
+              <a:rPr lang="en-US" sz="1100" b="1" strike="noStrike" spc="-1" dirty="0">
+                <a:solidFill>
+                  <a:srgbClr val="000000"/>
+                </a:solidFill>
+                <a:latin typeface="Courier New"/>
+                <a:ea typeface="Menlo"/>
+              </a:rPr>
+              <a:t>(</a:t>
+            </a:r>
+            <a:r>
+              <a:rPr lang="en-US" sz="1100" b="1" strike="noStrike" spc="-1" dirty="0" err="1">
+                <a:solidFill>
+                  <a:srgbClr val="000000"/>
+                </a:solidFill>
+                <a:latin typeface="Courier New"/>
+                <a:ea typeface="Menlo"/>
+              </a:rPr>
+              <a:t>cesd</a:t>
+            </a:r>
+            <a:r>
+              <a:rPr lang="en-US" sz="1100" b="1" strike="noStrike" spc="-1" dirty="0">
+                <a:solidFill>
+                  <a:srgbClr val="000000"/>
+                </a:solidFill>
+                <a:latin typeface="Courier New"/>
+                <a:ea typeface="Menlo"/>
+              </a:rPr>
+              <a:t> ~ substance, </a:t>
+            </a:r>
+            <a:endParaRPr lang="en-US" sz="1100" b="0" strike="noStrike" spc="-1" dirty="0">
+              <a:latin typeface="Arial"/>
+            </a:endParaRPr>
+          </a:p>
+          <a:p>
+            <a:pPr>
+              <a:lnSpc>
+                <a:spcPct val="100000"/>
+              </a:lnSpc>
+            </a:pPr>
+            <a:r>
+              <a:rPr lang="en-US" sz="1100" b="1" strike="noStrike" spc="-1" dirty="0">
+                <a:solidFill>
+                  <a:srgbClr val="000000"/>
+                </a:solidFill>
+                <a:latin typeface="Courier New"/>
+                <a:ea typeface="Menlo"/>
+              </a:rPr>
+              <a:t>  data = </a:t>
+            </a:r>
+            <a:r>
+              <a:rPr lang="en-US" sz="1100" b="1" strike="noStrike" spc="-1" dirty="0" err="1">
+                <a:solidFill>
+                  <a:srgbClr val="000000"/>
+                </a:solidFill>
+                <a:latin typeface="Courier New"/>
+                <a:ea typeface="Menlo"/>
+              </a:rPr>
+              <a:t>HELPrct</a:t>
+            </a:r>
+            <a:r>
+              <a:rPr lang="en-US" sz="1100" b="1" strike="noStrike" spc="-1" dirty="0">
+                <a:solidFill>
+                  <a:srgbClr val="000000"/>
+                </a:solidFill>
+                <a:latin typeface="Courier New"/>
+                <a:ea typeface="Menlo"/>
+              </a:rPr>
               <a:t>)</a:t>
             </a:r>
             <a:endParaRPr lang="en-US" sz="1100" b="0" strike="noStrike" spc="-1" dirty="0">
@@ -12384,38 +12730,142 @@
           <a:p>
             <a:pPr>
               <a:lnSpc>
+                <a:spcPct val="100000"/>
+              </a:lnSpc>
+            </a:pPr>
+            <a:r>
+              <a:rPr lang="en-US" sz="1200" b="0" strike="noStrike" spc="-1" dirty="0">
+                <a:solidFill>
+                  <a:srgbClr val="000000"/>
+                </a:solidFill>
+                <a:latin typeface="Arial"/>
+                <a:ea typeface="DejaVu Sans"/>
+              </a:rPr>
+              <a:t>Fit and summarize model</a:t>
+            </a:r>
+            <a:endParaRPr lang="en-US" sz="1200" b="0" strike="noStrike" spc="-1" dirty="0">
+              <a:latin typeface="Arial"/>
+            </a:endParaRPr>
+          </a:p>
+          <a:p>
+            <a:pPr>
+              <a:lnSpc>
+                <a:spcPct val="100000"/>
+              </a:lnSpc>
+            </a:pPr>
+            <a:r>
+              <a:rPr lang="en-US" sz="1100" b="1" spc="-1" dirty="0">
+                <a:solidFill>
+                  <a:srgbClr val="000000"/>
+                </a:solidFill>
+                <a:latin typeface="Courier New"/>
+                <a:ea typeface="Menlo"/>
+              </a:rPr>
+              <a:t>mod &lt;- </a:t>
+            </a:r>
+            <a:r>
+              <a:rPr lang="en-US" sz="1100" b="1" spc="-1" dirty="0" err="1">
+                <a:solidFill>
+                  <a:srgbClr val="000000"/>
+                </a:solidFill>
+                <a:latin typeface="Courier New"/>
+                <a:ea typeface="Menlo"/>
+              </a:rPr>
+              <a:t>lm</a:t>
+            </a:r>
+            <a:r>
+              <a:rPr lang="en-US" sz="1100" b="1" spc="-1" dirty="0">
+                <a:solidFill>
+                  <a:srgbClr val="000000"/>
+                </a:solidFill>
+                <a:latin typeface="Courier New"/>
+                <a:ea typeface="Menlo"/>
+              </a:rPr>
+              <a:t>(age ~ substance, </a:t>
+            </a:r>
+          </a:p>
+          <a:p>
+            <a:pPr>
+              <a:lnSpc>
+                <a:spcPct val="100000"/>
+              </a:lnSpc>
+            </a:pPr>
+            <a:r>
+              <a:rPr lang="en-US" sz="1100" b="1" spc="-1" dirty="0">
+                <a:solidFill>
+                  <a:srgbClr val="000000"/>
+                </a:solidFill>
+                <a:latin typeface="Courier New"/>
+                <a:ea typeface="Menlo"/>
+              </a:rPr>
+              <a:t>  data = </a:t>
+            </a:r>
+            <a:r>
+              <a:rPr lang="en-US" sz="1100" b="1" spc="-1" dirty="0" err="1">
+                <a:solidFill>
+                  <a:srgbClr val="000000"/>
+                </a:solidFill>
+                <a:latin typeface="Courier New"/>
+                <a:ea typeface="Menlo"/>
+              </a:rPr>
+              <a:t>HELPrct</a:t>
+            </a:r>
+            <a:r>
+              <a:rPr lang="en-US" sz="1100" b="1" spc="-1" dirty="0">
+                <a:solidFill>
+                  <a:srgbClr val="000000"/>
+                </a:solidFill>
+                <a:latin typeface="Courier New"/>
+                <a:ea typeface="Menlo"/>
+              </a:rPr>
+              <a:t>)</a:t>
+            </a:r>
+          </a:p>
+          <a:p>
+            <a:pPr>
+              <a:lnSpc>
+                <a:spcPct val="100000"/>
+              </a:lnSpc>
+            </a:pPr>
+            <a:r>
+              <a:rPr lang="en-US" sz="1100" b="1" spc="-1" dirty="0" err="1">
+                <a:solidFill>
+                  <a:srgbClr val="000000"/>
+                </a:solidFill>
+                <a:latin typeface="Courier New"/>
+                <a:ea typeface="Menlo"/>
+              </a:rPr>
+              <a:t>anova</a:t>
+            </a:r>
+            <a:r>
+              <a:rPr lang="en-US" sz="1100" b="1" strike="noStrike" spc="-1" dirty="0">
+                <a:solidFill>
+                  <a:srgbClr val="000000"/>
+                </a:solidFill>
+                <a:latin typeface="Courier New"/>
+                <a:ea typeface="Menlo"/>
+              </a:rPr>
+              <a:t>(mod)</a:t>
+            </a:r>
+            <a:endParaRPr lang="en-US" sz="1100" b="0" strike="noStrike" spc="-1" dirty="0">
+              <a:latin typeface="Arial"/>
+            </a:endParaRPr>
+          </a:p>
+          <a:p>
+            <a:pPr>
+              <a:lnSpc>
                 <a:spcPct val="150000"/>
               </a:lnSpc>
             </a:pPr>
             <a:r>
-              <a:rPr lang="en-US" sz="1200" b="0" strike="noStrike" spc="-1">
+              <a:rPr lang="en-US" sz="1200" b="0" strike="noStrike" spc="-1" dirty="0">
                 <a:solidFill>
                   <a:srgbClr val="000000"/>
                 </a:solidFill>
                 <a:latin typeface="Arial"/>
                 <a:ea typeface="DejaVu Sans"/>
               </a:rPr>
-              <a:t>More </a:t>
-            </a:r>
-            <a:r>
-              <a:rPr lang="en-US" sz="1200" b="0" strike="noStrike" spc="-1" dirty="0">
-                <a:solidFill>
-                  <a:srgbClr val="000000"/>
-                </a:solidFill>
-                <a:latin typeface="Arial"/>
-                <a:ea typeface="DejaVu Sans"/>
-              </a:rPr>
-              <a:t>than </a:t>
-            </a:r>
-            <a:r>
-              <a:rPr lang="en-US" sz="1200" b="0" strike="noStrike" spc="-1">
-                <a:solidFill>
-                  <a:srgbClr val="000000"/>
-                </a:solidFill>
-                <a:latin typeface="Arial"/>
-                <a:ea typeface="DejaVu Sans"/>
-              </a:rPr>
-              <a:t>two levels (Analysis of variance)</a:t>
+              <a:t>Which differences are significant? </a:t>
             </a:r>
             <a:endParaRPr lang="en-US" sz="1200" b="0" strike="noStrike" spc="-1" dirty="0">
               <a:latin typeface="Arial"/>
@@ -12428,435 +12878,15 @@
               </a:lnSpc>
             </a:pPr>
             <a:r>
-              <a:rPr lang="en-US" sz="1200" b="0" strike="noStrike" spc="-1" dirty="0">
-                <a:solidFill>
-                  <a:srgbClr val="000000"/>
-                </a:solidFill>
-                <a:latin typeface="Arial"/>
-                <a:ea typeface="DejaVu Sans"/>
-              </a:rPr>
-              <a:t>Numeric summaries</a:t>
-            </a:r>
-            <a:endParaRPr lang="en-US" sz="1200" b="0" strike="noStrike" spc="-1" dirty="0">
-              <a:latin typeface="Arial"/>
-            </a:endParaRPr>
-          </a:p>
-          <a:p>
-            <a:pPr>
-              <a:lnSpc>
-                <a:spcPct val="100000"/>
-              </a:lnSpc>
-            </a:pPr>
-            <a:r>
-              <a:rPr lang="en-US" sz="1100" b="1" strike="noStrike" spc="-1" dirty="0" err="1">
-                <a:solidFill>
-                  <a:srgbClr val="000000"/>
-                </a:solidFill>
-                <a:latin typeface="Courier New"/>
-                <a:ea typeface="Menlo"/>
-              </a:rPr>
-              <a:t>favstats</a:t>
-            </a:r>
-            <a:r>
-              <a:rPr lang="en-US" sz="1100" b="1" strike="noStrike" spc="-1" dirty="0">
-                <a:solidFill>
-                  <a:srgbClr val="000000"/>
-                </a:solidFill>
-                <a:latin typeface="Courier New"/>
-                <a:ea typeface="Menlo"/>
-              </a:rPr>
-              <a:t>(</a:t>
-            </a:r>
-            <a:r>
-              <a:rPr lang="en-US" sz="1100" b="1" strike="noStrike" spc="-1" dirty="0" err="1">
-                <a:solidFill>
-                  <a:srgbClr val="000000"/>
-                </a:solidFill>
-                <a:latin typeface="Courier New"/>
-                <a:ea typeface="Menlo"/>
-              </a:rPr>
-              <a:t>cesd</a:t>
-            </a:r>
-            <a:r>
-              <a:rPr lang="en-US" sz="1100" b="1" strike="noStrike" spc="-1" dirty="0">
-                <a:solidFill>
-                  <a:srgbClr val="000000"/>
-                </a:solidFill>
-                <a:latin typeface="Courier New"/>
-                <a:ea typeface="Menlo"/>
-              </a:rPr>
-              <a:t> ~ substance, </a:t>
-            </a:r>
-            <a:endParaRPr lang="en-US" sz="1100" b="0" strike="noStrike" spc="-1" dirty="0">
-              <a:latin typeface="Arial"/>
-            </a:endParaRPr>
-          </a:p>
-          <a:p>
-            <a:pPr>
-              <a:lnSpc>
-                <a:spcPct val="100000"/>
-              </a:lnSpc>
-            </a:pPr>
-            <a:r>
-              <a:rPr lang="en-US" sz="1100" b="1" strike="noStrike" spc="-1" dirty="0">
-                <a:solidFill>
-                  <a:srgbClr val="000000"/>
-                </a:solidFill>
-                <a:latin typeface="Courier New"/>
-                <a:ea typeface="Menlo"/>
-              </a:rPr>
-              <a:t>  data = </a:t>
-            </a:r>
-            <a:r>
-              <a:rPr lang="en-US" sz="1100" b="1" strike="noStrike" spc="-1" dirty="0" err="1">
-                <a:solidFill>
-                  <a:srgbClr val="000000"/>
-                </a:solidFill>
-                <a:latin typeface="Courier New"/>
-                <a:ea typeface="Menlo"/>
-              </a:rPr>
-              <a:t>HELPrct</a:t>
-            </a:r>
-            <a:r>
-              <a:rPr lang="en-US" sz="1100" b="1" strike="noStrike" spc="-1" dirty="0">
-                <a:solidFill>
-                  <a:srgbClr val="000000"/>
-                </a:solidFill>
-                <a:latin typeface="Courier New"/>
-                <a:ea typeface="Menlo"/>
-              </a:rPr>
-              <a:t>)</a:t>
-            </a:r>
-            <a:endParaRPr lang="en-US" sz="1100" b="0" strike="noStrike" spc="-1" dirty="0">
-              <a:latin typeface="Arial"/>
-            </a:endParaRPr>
-          </a:p>
-          <a:p>
-            <a:pPr>
-              <a:lnSpc>
-                <a:spcPct val="100000"/>
-              </a:lnSpc>
-            </a:pPr>
-            <a:r>
-              <a:rPr lang="en-US" sz="1200" b="0" strike="noStrike" spc="-1">
-                <a:solidFill>
-                  <a:srgbClr val="000000"/>
-                </a:solidFill>
-                <a:latin typeface="Arial"/>
-                <a:ea typeface="DejaVu Sans"/>
-              </a:rPr>
-              <a:t>Fit </a:t>
-            </a:r>
-            <a:r>
-              <a:rPr lang="en-US" sz="1200" b="0" strike="noStrike" spc="-1" dirty="0">
-                <a:solidFill>
-                  <a:srgbClr val="000000"/>
-                </a:solidFill>
-                <a:latin typeface="Arial"/>
-                <a:ea typeface="DejaVu Sans"/>
-              </a:rPr>
-              <a:t>and summarize model</a:t>
-            </a:r>
-            <a:endParaRPr lang="en-US" sz="1200" b="0" strike="noStrike" spc="-1" dirty="0">
-              <a:latin typeface="Arial"/>
-            </a:endParaRPr>
-          </a:p>
-          <a:p>
-            <a:pPr>
-              <a:lnSpc>
-                <a:spcPct val="100000"/>
-              </a:lnSpc>
-            </a:pPr>
-            <a:r>
-              <a:rPr lang="en-US" sz="1100" b="1" strike="noStrike" spc="-1" dirty="0" err="1">
-                <a:solidFill>
-                  <a:srgbClr val="000000"/>
-                </a:solidFill>
-                <a:latin typeface="Courier New"/>
-                <a:ea typeface="Menlo"/>
-              </a:rPr>
-              <a:t>modsubstance</a:t>
-            </a:r>
-            <a:r>
-              <a:rPr lang="en-US" sz="1100" b="1" strike="noStrike" spc="-1" dirty="0">
-                <a:solidFill>
-                  <a:srgbClr val="000000"/>
-                </a:solidFill>
-                <a:latin typeface="Courier New"/>
-                <a:ea typeface="Menlo"/>
-              </a:rPr>
-              <a:t> &lt;- </a:t>
-            </a:r>
-            <a:r>
-              <a:rPr lang="en-US" sz="1100" b="1" strike="noStrike" spc="-1" dirty="0" err="1">
-                <a:solidFill>
-                  <a:srgbClr val="000000"/>
-                </a:solidFill>
-                <a:latin typeface="Courier New"/>
-                <a:ea typeface="Menlo"/>
-              </a:rPr>
-              <a:t>lm</a:t>
-            </a:r>
-            <a:r>
-              <a:rPr lang="en-US" sz="1100" b="1" strike="noStrike" spc="-1" dirty="0">
-                <a:solidFill>
-                  <a:srgbClr val="000000"/>
-                </a:solidFill>
-                <a:latin typeface="Courier New"/>
-                <a:ea typeface="Menlo"/>
-              </a:rPr>
-              <a:t>(</a:t>
-            </a:r>
-            <a:r>
-              <a:rPr lang="en-US" sz="1100" b="1" strike="noStrike" spc="-1" dirty="0" err="1">
-                <a:solidFill>
-                  <a:srgbClr val="000000"/>
-                </a:solidFill>
-                <a:latin typeface="Courier New"/>
-                <a:ea typeface="Menlo"/>
-              </a:rPr>
-              <a:t>cesd</a:t>
-            </a:r>
-            <a:r>
-              <a:rPr lang="en-US" sz="1100" b="1" strike="noStrike" spc="-1" dirty="0">
-                <a:solidFill>
-                  <a:srgbClr val="000000"/>
-                </a:solidFill>
-                <a:latin typeface="Courier New"/>
-                <a:ea typeface="Menlo"/>
-              </a:rPr>
-              <a:t> ~ substance, </a:t>
-            </a:r>
-            <a:endParaRPr lang="en-US" sz="1100" b="0" strike="noStrike" spc="-1" dirty="0">
-              <a:latin typeface="Arial"/>
-            </a:endParaRPr>
-          </a:p>
-          <a:p>
-            <a:pPr>
-              <a:lnSpc>
-                <a:spcPct val="100000"/>
-              </a:lnSpc>
-            </a:pPr>
-            <a:r>
-              <a:rPr lang="en-US" sz="1100" b="1" strike="noStrike" spc="-1" dirty="0">
-                <a:solidFill>
-                  <a:srgbClr val="000000"/>
-                </a:solidFill>
-                <a:latin typeface="Courier New"/>
-                <a:ea typeface="Menlo"/>
-              </a:rPr>
-              <a:t>  data = </a:t>
-            </a:r>
-            <a:r>
-              <a:rPr lang="en-US" sz="1100" b="1" strike="noStrike" spc="-1" dirty="0" err="1">
-                <a:solidFill>
-                  <a:srgbClr val="000000"/>
-                </a:solidFill>
-                <a:latin typeface="Courier New"/>
-                <a:ea typeface="Menlo"/>
-              </a:rPr>
-              <a:t>HELPrct</a:t>
-            </a:r>
-            <a:r>
-              <a:rPr lang="en-US" sz="1100" b="1" strike="noStrike" spc="-1" dirty="0">
-                <a:solidFill>
-                  <a:srgbClr val="000000"/>
-                </a:solidFill>
-                <a:latin typeface="Courier New"/>
-                <a:ea typeface="Menlo"/>
-              </a:rPr>
-              <a:t>)</a:t>
-            </a:r>
-            <a:endParaRPr lang="en-US" sz="1100" b="0" strike="noStrike" spc="-1" dirty="0">
-              <a:latin typeface="Arial"/>
-            </a:endParaRPr>
-          </a:p>
-          <a:p>
-            <a:pPr>
-              <a:lnSpc>
-                <a:spcPct val="100000"/>
-              </a:lnSpc>
-            </a:pPr>
-            <a:r>
-              <a:rPr lang="en-US" sz="1100" b="1" strike="noStrike" spc="-1" dirty="0" err="1">
-                <a:solidFill>
-                  <a:srgbClr val="000000"/>
-                </a:solidFill>
-                <a:latin typeface="Courier New"/>
-                <a:ea typeface="Menlo"/>
-              </a:rPr>
-              <a:t>anova</a:t>
-            </a:r>
-            <a:r>
-              <a:rPr lang="en-US" sz="1100" b="1" strike="noStrike" spc="-1" dirty="0">
-                <a:solidFill>
-                  <a:srgbClr val="000000"/>
-                </a:solidFill>
-                <a:latin typeface="Courier New"/>
-                <a:ea typeface="Menlo"/>
-              </a:rPr>
-              <a:t>(</a:t>
-            </a:r>
-            <a:r>
-              <a:rPr lang="en-US" sz="1100" b="1" strike="noStrike" spc="-1" dirty="0" err="1">
-                <a:solidFill>
-                  <a:srgbClr val="000000"/>
-                </a:solidFill>
-                <a:latin typeface="Courier New"/>
-                <a:ea typeface="Menlo"/>
-              </a:rPr>
-              <a:t>modsubstance</a:t>
-            </a:r>
-            <a:r>
-              <a:rPr lang="en-US" sz="1100" b="1" strike="noStrike" spc="-1" dirty="0">
-                <a:solidFill>
-                  <a:srgbClr val="000000"/>
-                </a:solidFill>
-                <a:latin typeface="Courier New"/>
-                <a:ea typeface="Menlo"/>
-              </a:rPr>
-              <a:t>)</a:t>
-            </a:r>
-            <a:endParaRPr lang="en-US" sz="1100" b="0" strike="noStrike" spc="-1" dirty="0">
-              <a:latin typeface="Arial"/>
-            </a:endParaRPr>
-          </a:p>
-          <a:p>
-            <a:pPr>
-              <a:lnSpc>
-                <a:spcPct val="150000"/>
-              </a:lnSpc>
-            </a:pPr>
-            <a:r>
-              <a:rPr lang="en-US" sz="1200" b="0" strike="noStrike" spc="-1">
-                <a:solidFill>
-                  <a:srgbClr val="000000"/>
-                </a:solidFill>
-                <a:latin typeface="Arial"/>
-                <a:ea typeface="DejaVu Sans"/>
-              </a:rPr>
-              <a:t>Which </a:t>
-            </a:r>
-            <a:r>
-              <a:rPr lang="en-US" sz="1200" b="0" strike="noStrike" spc="-1" dirty="0">
-                <a:solidFill>
-                  <a:srgbClr val="000000"/>
-                </a:solidFill>
-                <a:latin typeface="Arial"/>
-                <a:ea typeface="DejaVu Sans"/>
-              </a:rPr>
-              <a:t>differences are significant? </a:t>
-            </a:r>
-            <a:endParaRPr lang="en-US" sz="1200" b="0" strike="noStrike" spc="-1" dirty="0">
-              <a:latin typeface="Arial"/>
-            </a:endParaRPr>
-          </a:p>
-          <a:p>
-            <a:pPr>
-              <a:lnSpc>
-                <a:spcPct val="100000"/>
-              </a:lnSpc>
-            </a:pPr>
-            <a:r>
-              <a:rPr lang="en-US" sz="1100" b="1" strike="noStrike" spc="-1" dirty="0">
-                <a:solidFill>
-                  <a:srgbClr val="000000"/>
-                </a:solidFill>
-                <a:latin typeface="Courier New"/>
-                <a:ea typeface="Menlo"/>
-              </a:rPr>
-              <a:t>pairwise &lt;- </a:t>
-            </a:r>
-            <a:r>
-              <a:rPr lang="en-US" sz="1100" b="1" strike="noStrike" spc="-1" dirty="0" err="1">
-                <a:solidFill>
-                  <a:srgbClr val="000000"/>
-                </a:solidFill>
-                <a:latin typeface="Courier New"/>
-                <a:ea typeface="Menlo"/>
-              </a:rPr>
-              <a:t>TukeyHSD</a:t>
-            </a:r>
-            <a:r>
-              <a:rPr lang="en-US" sz="1100" b="1" strike="noStrike" spc="-1" dirty="0">
-                <a:solidFill>
-                  <a:srgbClr val="000000"/>
-                </a:solidFill>
-                <a:latin typeface="Courier New"/>
-                <a:ea typeface="Menlo"/>
-              </a:rPr>
-              <a:t>(</a:t>
-            </a:r>
-            <a:r>
-              <a:rPr lang="en-US" sz="1100" b="1" strike="noStrike" spc="-1" dirty="0" err="1">
-                <a:solidFill>
-                  <a:srgbClr val="000000"/>
-                </a:solidFill>
-                <a:latin typeface="Courier New"/>
-                <a:ea typeface="Menlo"/>
-              </a:rPr>
-              <a:t>modsubstance</a:t>
-            </a:r>
-            <a:r>
-              <a:rPr lang="en-US" sz="1100" b="1" strike="noStrike" spc="-1" dirty="0">
-                <a:solidFill>
-                  <a:srgbClr val="000000"/>
-                </a:solidFill>
-                <a:latin typeface="Courier New"/>
-                <a:ea typeface="Menlo"/>
-              </a:rPr>
-              <a:t>)</a:t>
-            </a:r>
-            <a:endParaRPr lang="en-US" sz="1100" b="0" strike="noStrike" spc="-1" dirty="0">
-              <a:latin typeface="Arial"/>
-            </a:endParaRPr>
-          </a:p>
-          <a:p>
-            <a:pPr>
-              <a:lnSpc>
-                <a:spcPct val="100000"/>
-              </a:lnSpc>
-            </a:pPr>
-            <a:r>
-              <a:rPr lang="en-US" sz="1100" b="1" strike="noStrike" spc="-1" dirty="0" err="1">
-                <a:solidFill>
-                  <a:srgbClr val="000000"/>
-                </a:solidFill>
-                <a:latin typeface="Courier New"/>
-                <a:ea typeface="Menlo"/>
-              </a:rPr>
-              <a:t>mplot</a:t>
-            </a:r>
-            <a:r>
-              <a:rPr lang="en-US" sz="1100" b="1" strike="noStrike" spc="-1" dirty="0">
-                <a:solidFill>
-                  <a:srgbClr val="000000"/>
-                </a:solidFill>
-                <a:latin typeface="Courier New"/>
-                <a:ea typeface="Menlo"/>
-              </a:rPr>
-              <a:t>(pairwise)</a:t>
-            </a:r>
-            <a:endParaRPr lang="en-US" sz="1100" b="0" strike="noStrike" spc="-1" dirty="0">
-              <a:latin typeface="Arial"/>
-            </a:endParaRPr>
-          </a:p>
-          <a:p>
-            <a:pPr>
-              <a:lnSpc>
-                <a:spcPct val="100000"/>
-              </a:lnSpc>
-            </a:pPr>
-            <a:endParaRPr lang="en-US" sz="1100" b="0" strike="noStrike" spc="-1">
-              <a:latin typeface="Arial"/>
-            </a:endParaRPr>
-          </a:p>
-          <a:p>
-            <a:pPr>
-              <a:lnSpc>
-                <a:spcPct val="100000"/>
-              </a:lnSpc>
-            </a:pPr>
+              <a:rPr lang="da-DK" sz="1100" b="1" spc="-1" dirty="0">
+                <a:solidFill>
+                  <a:srgbClr val="000000"/>
+                </a:solidFill>
+                <a:latin typeface="Courier New"/>
+                <a:ea typeface="Menlo"/>
+              </a:rPr>
+              <a:t>mplot(TukeyHSD(mod))</a:t>
+            </a:r>
             <a:endParaRPr lang="en-US" sz="1100" b="0" strike="noStrike" spc="-1" dirty="0">
               <a:latin typeface="Arial"/>
             </a:endParaRPr>
@@ -13838,8 +13868,8 @@
         </p:nvSpPr>
         <p:spPr>
           <a:xfrm>
-            <a:off x="6895964" y="8535673"/>
-            <a:ext cx="3200400" cy="1737360"/>
+            <a:off x="6895964" y="8395615"/>
+            <a:ext cx="3200400" cy="1877418"/>
           </a:xfrm>
           <a:prstGeom prst="rect">
             <a:avLst/>
@@ -13867,14 +13897,9 @@
           <a:fontRef idx="minor"/>
         </p:style>
         <p:txBody>
-          <a:bodyPr lIns="0" tIns="91440" rIns="0" bIns="0" anchor="t" anchorCtr="1"/>
+          <a:bodyPr lIns="45720" tIns="91440" rIns="0" bIns="0" anchor="t" anchorCtr="0"/>
           <a:lstStyle/>
           <a:p>
-            <a:pPr>
-              <a:lnSpc>
-                <a:spcPct val="120000"/>
-              </a:lnSpc>
-            </a:pPr>
             <a:r>
               <a:rPr lang="en-US" sz="1200" b="0" strike="noStrike" spc="-1" dirty="0">
                 <a:solidFill>
@@ -13896,7 +13921,7 @@
               </a:lnSpc>
             </a:pPr>
             <a:r>
-              <a:rPr lang="en-US" sz="1150" b="1" spc="-1">
+              <a:rPr lang="en-US" sz="1200" b="1" spc="-1" dirty="0" err="1">
                 <a:solidFill>
                   <a:srgbClr val="000000"/>
                 </a:solidFill>
@@ -13906,74 +13931,161 @@
               <a:t>l</a:t>
             </a:r>
             <a:r>
-              <a:rPr lang="en-US" sz="1150" b="1" strike="noStrike" spc="-1">
-                <a:solidFill>
-                  <a:srgbClr val="000000"/>
-                </a:solidFill>
-                <a:latin typeface="Courier New"/>
-                <a:ea typeface="Menlo"/>
-              </a:rPr>
-              <a:t>ogit_mod &lt;- </a:t>
-            </a:r>
-            <a:endParaRPr lang="en-US" sz="1150" b="0" strike="noStrike" spc="-1">
-              <a:latin typeface="Arial"/>
-            </a:endParaRPr>
-          </a:p>
-          <a:p>
-            <a:pPr>
-              <a:lnSpc>
-                <a:spcPct val="100000"/>
-              </a:lnSpc>
-            </a:pPr>
-            <a:r>
-              <a:rPr lang="en-US" sz="1150" b="1" strike="noStrike" spc="-1">
-                <a:solidFill>
-                  <a:srgbClr val="000000"/>
-                </a:solidFill>
-                <a:latin typeface="Courier New"/>
-                <a:ea typeface="Menlo"/>
-              </a:rPr>
-              <a:t>  glm(homeless ~ age, </a:t>
-            </a:r>
-            <a:endParaRPr lang="en-US" sz="1150" b="0" strike="noStrike" spc="-1">
-              <a:latin typeface="Arial"/>
-            </a:endParaRPr>
-          </a:p>
-          <a:p>
-            <a:pPr>
-              <a:lnSpc>
-                <a:spcPct val="100000"/>
-              </a:lnSpc>
-            </a:pPr>
-            <a:r>
-              <a:rPr lang="en-US" sz="1150" b="1" strike="noStrike" spc="-1">
-                <a:solidFill>
-                  <a:srgbClr val="000000"/>
-                </a:solidFill>
-                <a:latin typeface="Courier New"/>
-                <a:ea typeface="Menlo"/>
-              </a:rPr>
-              <a:t>  family = binomial, data = HELPrct)</a:t>
-            </a:r>
-            <a:endParaRPr lang="en-US" sz="1150" b="0" strike="noStrike" spc="-1">
-              <a:latin typeface="Arial"/>
-            </a:endParaRPr>
-          </a:p>
-          <a:p>
-            <a:pPr>
-              <a:lnSpc>
-                <a:spcPct val="100000"/>
-              </a:lnSpc>
-            </a:pPr>
-            <a:r>
-              <a:rPr lang="en-US" sz="1150" b="1" strike="noStrike" spc="-1">
-                <a:solidFill>
-                  <a:srgbClr val="000000"/>
-                </a:solidFill>
-                <a:latin typeface="Courier New"/>
-                <a:ea typeface="Menlo"/>
-              </a:rPr>
-              <a:t>msummary(logit_mod)</a:t>
+              <a:rPr lang="en-US" sz="1200" b="1" strike="noStrike" spc="-1" dirty="0" err="1">
+                <a:solidFill>
+                  <a:srgbClr val="000000"/>
+                </a:solidFill>
+                <a:latin typeface="Courier New"/>
+                <a:ea typeface="Menlo"/>
+              </a:rPr>
+              <a:t>ogit_mod</a:t>
+            </a:r>
+            <a:r>
+              <a:rPr lang="en-US" sz="1200" b="1" strike="noStrike" spc="-1" dirty="0">
+                <a:solidFill>
+                  <a:srgbClr val="000000"/>
+                </a:solidFill>
+                <a:latin typeface="Courier New"/>
+                <a:ea typeface="Menlo"/>
+              </a:rPr>
+              <a:t> &lt;- </a:t>
+            </a:r>
+            <a:r>
+              <a:rPr lang="en-US" sz="1200" b="1" strike="noStrike" spc="-1" dirty="0" err="1">
+                <a:solidFill>
+                  <a:srgbClr val="000000"/>
+                </a:solidFill>
+                <a:latin typeface="Courier New"/>
+                <a:ea typeface="Menlo"/>
+              </a:rPr>
+              <a:t>glm</a:t>
+            </a:r>
+            <a:r>
+              <a:rPr lang="en-US" sz="1200" b="1" strike="noStrike" spc="-1" dirty="0">
+                <a:solidFill>
+                  <a:srgbClr val="000000"/>
+                </a:solidFill>
+                <a:latin typeface="Courier New"/>
+                <a:ea typeface="Menlo"/>
+              </a:rPr>
+              <a:t>(homeless ~ age, </a:t>
+            </a:r>
+            <a:endParaRPr lang="en-US" sz="1200" b="0" strike="noStrike" spc="-1" dirty="0">
+              <a:latin typeface="Arial"/>
+            </a:endParaRPr>
+          </a:p>
+          <a:p>
+            <a:pPr>
+              <a:lnSpc>
+                <a:spcPct val="100000"/>
+              </a:lnSpc>
+            </a:pPr>
+            <a:r>
+              <a:rPr lang="en-US" sz="1200" b="1" strike="noStrike" spc="-1" dirty="0">
+                <a:solidFill>
+                  <a:srgbClr val="000000"/>
+                </a:solidFill>
+                <a:latin typeface="Courier New"/>
+                <a:ea typeface="Menlo"/>
+              </a:rPr>
+              <a:t>  family = binomial, </a:t>
+            </a:r>
+          </a:p>
+          <a:p>
+            <a:pPr>
+              <a:lnSpc>
+                <a:spcPct val="100000"/>
+              </a:lnSpc>
+            </a:pPr>
+            <a:r>
+              <a:rPr lang="en-US" sz="1200" b="1" spc="-1" dirty="0">
+                <a:solidFill>
+                  <a:srgbClr val="000000"/>
+                </a:solidFill>
+                <a:latin typeface="Courier New"/>
+                <a:ea typeface="Menlo"/>
+              </a:rPr>
+              <a:t>  </a:t>
+            </a:r>
+            <a:r>
+              <a:rPr lang="en-US" sz="1200" b="1" strike="noStrike" spc="-1" dirty="0">
+                <a:solidFill>
+                  <a:srgbClr val="000000"/>
+                </a:solidFill>
+                <a:latin typeface="Courier New"/>
+                <a:ea typeface="Menlo"/>
+              </a:rPr>
+              <a:t>data = </a:t>
+            </a:r>
+            <a:r>
+              <a:rPr lang="en-US" sz="1200" b="1" strike="noStrike" spc="-1" dirty="0" err="1">
+                <a:solidFill>
+                  <a:srgbClr val="000000"/>
+                </a:solidFill>
+                <a:latin typeface="Courier New"/>
+                <a:ea typeface="Menlo"/>
+              </a:rPr>
+              <a:t>HELPrct</a:t>
+            </a:r>
+            <a:r>
+              <a:rPr lang="en-US" sz="1200" b="1" strike="noStrike" spc="-1" dirty="0">
+                <a:solidFill>
+                  <a:srgbClr val="000000"/>
+                </a:solidFill>
+                <a:latin typeface="Courier New"/>
+                <a:ea typeface="Menlo"/>
+              </a:rPr>
+              <a:t>)</a:t>
+            </a:r>
+            <a:endParaRPr lang="en-US" sz="1200" b="0" strike="noStrike" spc="-1" dirty="0">
+              <a:latin typeface="Arial"/>
+            </a:endParaRPr>
+          </a:p>
+          <a:p>
+            <a:pPr>
+              <a:lnSpc>
+                <a:spcPct val="100000"/>
+              </a:lnSpc>
+            </a:pPr>
+            <a:r>
+              <a:rPr lang="en-US" sz="1200" b="1" strike="noStrike" spc="-1" dirty="0" err="1">
+                <a:solidFill>
+                  <a:srgbClr val="000000"/>
+                </a:solidFill>
+                <a:latin typeface="Courier New"/>
+                <a:ea typeface="Menlo"/>
+              </a:rPr>
+              <a:t>msummary</a:t>
+            </a:r>
+            <a:r>
+              <a:rPr lang="en-US" sz="1200" b="1" strike="noStrike" spc="-1" dirty="0">
+                <a:solidFill>
+                  <a:srgbClr val="000000"/>
+                </a:solidFill>
+                <a:latin typeface="Courier New"/>
+                <a:ea typeface="Menlo"/>
+              </a:rPr>
+              <a:t>(</a:t>
+            </a:r>
+            <a:r>
+              <a:rPr lang="en-US" sz="1200" b="1" strike="noStrike" spc="-1" dirty="0" err="1">
+                <a:solidFill>
+                  <a:srgbClr val="000000"/>
+                </a:solidFill>
+                <a:latin typeface="Courier New"/>
+                <a:ea typeface="Menlo"/>
+              </a:rPr>
+              <a:t>logit_mod</a:t>
+            </a:r>
+            <a:r>
+              <a:rPr lang="en-US" sz="1200" b="1" strike="noStrike" spc="-1" dirty="0">
+                <a:solidFill>
+                  <a:srgbClr val="000000"/>
+                </a:solidFill>
+                <a:latin typeface="Courier New"/>
+                <a:ea typeface="Menlo"/>
+              </a:rPr>
+              <a:t>)</a:t>
             </a:r>
           </a:p>
           <a:p>
@@ -13983,24 +14095,14 @@
               </a:lnSpc>
             </a:pPr>
             <a:r>
-              <a:rPr lang="en-US" sz="1200" b="0" strike="noStrike" spc="-1">
+              <a:rPr lang="en-US" sz="1200" b="0" strike="noStrike" spc="-1" dirty="0">
                 <a:solidFill>
                   <a:srgbClr val="000000"/>
                 </a:solidFill>
                 <a:latin typeface="Arial"/>
                 <a:ea typeface="DejaVu Sans"/>
               </a:rPr>
-              <a:t>Odds </a:t>
-            </a:r>
-            <a:r>
-              <a:rPr lang="en-US" sz="1200" b="0" strike="noStrike" spc="-1" dirty="0">
-                <a:solidFill>
-                  <a:srgbClr val="000000"/>
-                </a:solidFill>
-                <a:latin typeface="Arial"/>
-                <a:ea typeface="DejaVu Sans"/>
-              </a:rPr>
-              <a:t>ratios and confidence intervals</a:t>
+              <a:t>Odds ratios and confidence intervals</a:t>
             </a:r>
             <a:endParaRPr lang="en-US" sz="1200" b="0" strike="noStrike" spc="-1" dirty="0">
               <a:latin typeface="Arial"/>
@@ -14205,36 +14307,6 @@
           <a:ln>
             <a:noFill/>
           </a:ln>
-        </p:spPr>
-      </p:pic>
-      <p:pic>
-        <p:nvPicPr>
-          <p:cNvPr id="5" name="Picture 4">
-            <a:extLst>
-              <a:ext uri="{FF2B5EF4-FFF2-40B4-BE49-F238E27FC236}">
-                <a16:creationId xmlns:a16="http://schemas.microsoft.com/office/drawing/2014/main" id="{D2D461C5-EE8C-400C-B03E-648CF0942D52}"/>
-              </a:ext>
-            </a:extLst>
-          </p:cNvPr>
-          <p:cNvPicPr>
-            <a:picLocks noChangeAspect="1"/>
-          </p:cNvPicPr>
-          <p:nvPr/>
-        </p:nvPicPr>
-        <p:blipFill>
-          <a:blip r:embed="rId3"/>
-          <a:stretch>
-            <a:fillRect/>
-          </a:stretch>
-        </p:blipFill>
-        <p:spPr>
-          <a:xfrm>
-            <a:off x="10683359" y="8612297"/>
-            <a:ext cx="2306952" cy="1573616"/>
-          </a:xfrm>
-          <a:prstGeom prst="rect">
-            <a:avLst/>
-          </a:prstGeom>
         </p:spPr>
       </p:pic>
       <p:sp>
@@ -14335,7 +14407,7 @@
                 </a:uFill>
                 <a:latin typeface="Source Sans Pro Light"/>
                 <a:ea typeface="Source Sans Pro Light"/>
-                <a:hlinkClick r:id="rId4"/>
+                <a:hlinkClick r:id="rId3"/>
               </a:rPr>
               <a:t>CC BY </a:t>
             </a:r>
@@ -14464,17 +14536,7 @@
                 <a:latin typeface="Source Sans Pro Light"/>
                 <a:ea typeface="Source Sans Pro Light"/>
               </a:rPr>
-              <a:t> &amp; DT Kaplan •  Updated</a:t>
-            </a:r>
-            <a:r>
-              <a:rPr lang="en-US" sz="900" b="0" strike="noStrike" spc="-1">
-                <a:solidFill>
-                  <a:srgbClr val="000000"/>
-                </a:solidFill>
-                <a:latin typeface="Source Sans Pro Light"/>
-                <a:ea typeface="Source Sans Pro Light"/>
-              </a:rPr>
-              <a:t>: 07/18</a:t>
+              <a:t> &amp; DT Kaplan •  Updated: 07/18</a:t>
             </a:r>
             <a:endParaRPr lang="en-US" sz="900" b="0" strike="noStrike" spc="-1" dirty="0">
               <a:latin typeface="Arial"/>
@@ -14491,7 +14553,7 @@
           <p:nvPr/>
         </p:nvPicPr>
         <p:blipFill>
-          <a:blip r:embed="rId5" cstate="print">
+          <a:blip r:embed="rId4" cstate="print">
             <a:extLst>
               <a:ext uri="{28A0092B-C50C-407E-A947-70E740481C1C}">
                 <a14:useLocalDpi xmlns:a14="http://schemas.microsoft.com/office/drawing/2010/main" val="0"/>
@@ -14545,7 +14607,7 @@
           <p:nvPr/>
         </p:nvPicPr>
         <p:blipFill>
-          <a:blip r:embed="rId6" cstate="print">
+          <a:blip r:embed="rId5" cstate="print">
             <a:extLst>
               <a:ext uri="{28A0092B-C50C-407E-A947-70E740481C1C}">
                 <a14:useLocalDpi xmlns:a14="http://schemas.microsoft.com/office/drawing/2010/main" val="0"/>
@@ -14688,21 +14750,21 @@
             <a:r>
               <a:rPr lang="en-US" sz="1200" b="1" spc="-1" dirty="0" err="1">
                 <a:latin typeface="Courier New"/>
-                <a:hlinkClick r:id="rId7"/>
+                <a:hlinkClick r:id="rId6"/>
               </a:rPr>
               <a:t>Tidyverse</a:t>
             </a:r>
             <a:r>
               <a:rPr lang="en-US" sz="1200" b="1" spc="-1" dirty="0">
                 <a:latin typeface="Courier New"/>
-                <a:hlinkClick r:id="rId7"/>
+                <a:hlinkClick r:id="rId6"/>
               </a:rPr>
               <a:t> </a:t>
             </a:r>
             <a:r>
               <a:rPr lang="en-US" sz="1200" b="1" spc="-1" dirty="0" err="1">
                 <a:latin typeface="Courier New"/>
-                <a:hlinkClick r:id="rId7"/>
+                <a:hlinkClick r:id="rId6"/>
               </a:rPr>
               <a:t>cheatsheet</a:t>
             </a:r>
@@ -14976,7 +15038,7 @@
                 <a:latin typeface="Source Sans Pro"/>
                 <a:ea typeface="Source Sans Pro"/>
               </a:rPr>
-              <a:t>Data manipulation</a:t>
+              <a:t>Data wrangling</a:t>
             </a:r>
             <a:endParaRPr lang="en-US" sz="2000" b="0" strike="noStrike" spc="-1" dirty="0">
               <a:latin typeface="Arial"/>
@@ -15863,6 +15925,42 @@
           </a:p>
         </p:txBody>
       </p:sp>
+      <p:pic>
+        <p:nvPicPr>
+          <p:cNvPr id="4" name="Picture 3">
+            <a:extLst>
+              <a:ext uri="{FF2B5EF4-FFF2-40B4-BE49-F238E27FC236}">
+                <a16:creationId xmlns:a16="http://schemas.microsoft.com/office/drawing/2014/main" id="{0EFD9D09-0C5E-4C9D-97F2-2AC682CC1F6C}"/>
+              </a:ext>
+            </a:extLst>
+          </p:cNvPr>
+          <p:cNvPicPr>
+            <a:picLocks noChangeAspect="1"/>
+          </p:cNvPicPr>
+          <p:nvPr/>
+        </p:nvPicPr>
+        <p:blipFill>
+          <a:blip r:embed="rId7">
+            <a:extLst>
+              <a:ext uri="{28A0092B-C50C-407E-A947-70E740481C1C}">
+                <a14:useLocalDpi xmlns:a14="http://schemas.microsoft.com/office/drawing/2010/main" val="0"/>
+              </a:ext>
+            </a:extLst>
+          </a:blip>
+          <a:stretch>
+            <a:fillRect/>
+          </a:stretch>
+        </p:blipFill>
+        <p:spPr>
+          <a:xfrm>
+            <a:off x="10683360" y="8384226"/>
+            <a:ext cx="2269172" cy="1566128"/>
+          </a:xfrm>
+          <a:prstGeom prst="rect">
+            <a:avLst/>
+          </a:prstGeom>
+        </p:spPr>
+      </p:pic>
     </p:spTree>
   </p:cSld>
   <p:clrMapOvr>

--- a/mosaic-cheatsheet-gf.pptx
+++ b/mosaic-cheatsheet-gf.pptx
@@ -3784,66 +3784,6 @@
       </mc:AlternateContent>
       <p:sp>
         <p:nvSpPr>
-          <p:cNvPr id="58" name="CustomShape 16"/>
-          <p:cNvSpPr/>
-          <p:nvPr/>
-        </p:nvSpPr>
-        <p:spPr>
-          <a:xfrm>
-            <a:off x="209082" y="3925791"/>
-            <a:ext cx="3200400" cy="316440"/>
-          </a:xfrm>
-          <a:prstGeom prst="roundRect">
-            <a:avLst>
-              <a:gd name="adj" fmla="val 20098"/>
-            </a:avLst>
-          </a:prstGeom>
-          <a:solidFill>
-            <a:srgbClr val="A6AAA9"/>
-          </a:solidFill>
-          <a:ln w="12600">
-            <a:noFill/>
-          </a:ln>
-        </p:spPr>
-        <p:style>
-          <a:lnRef idx="0">
-            <a:scrgbClr r="0" g="0" b="0"/>
-          </a:lnRef>
-          <a:fillRef idx="0">
-            <a:scrgbClr r="0" g="0" b="0"/>
-          </a:fillRef>
-          <a:effectRef idx="0">
-            <a:scrgbClr r="0" g="0" b="0"/>
-          </a:effectRef>
-          <a:fontRef idx="minor"/>
-        </p:style>
-        <p:txBody>
-          <a:bodyPr lIns="0" tIns="0" rIns="0" bIns="0" anchor="ctr"/>
-          <a:lstStyle/>
-          <a:p>
-            <a:pPr algn="ctr">
-              <a:lnSpc>
-                <a:spcPct val="100000"/>
-              </a:lnSpc>
-            </a:pPr>
-            <a:r>
-              <a:rPr lang="en-US" sz="2000" b="0" strike="noStrike" spc="-1" dirty="0">
-                <a:solidFill>
-                  <a:srgbClr val="FFFFFF"/>
-                </a:solidFill>
-                <a:latin typeface="Source Sans Pro"/>
-                <a:ea typeface="Source Sans Pro"/>
-              </a:rPr>
-              <a:t>Loading packages</a:t>
-            </a:r>
-            <a:endParaRPr lang="en-US" sz="2000" b="0" strike="noStrike" spc="-1" dirty="0">
-              <a:latin typeface="Arial"/>
-            </a:endParaRPr>
-          </a:p>
-        </p:txBody>
-      </p:sp>
-      <p:sp>
-        <p:nvSpPr>
           <p:cNvPr id="59" name="CustomShape 17"/>
           <p:cNvSpPr/>
           <p:nvPr/>
@@ -4754,67 +4694,6 @@
               <a:t>Arithmetic operations</a:t>
             </a:r>
             <a:endParaRPr lang="en-US" sz="2000" b="0" strike="noStrike" spc="-1" dirty="0">
-              <a:latin typeface="Arial"/>
-            </a:endParaRPr>
-          </a:p>
-        </p:txBody>
-      </p:sp>
-      <p:sp>
-        <p:nvSpPr>
-          <p:cNvPr id="62" name="CustomShape 20"/>
-          <p:cNvSpPr/>
-          <p:nvPr/>
-        </p:nvSpPr>
-        <p:spPr>
-          <a:xfrm>
-            <a:off x="209082" y="4287829"/>
-            <a:ext cx="3200400" cy="255020"/>
-          </a:xfrm>
-          <a:prstGeom prst="rect">
-            <a:avLst/>
-          </a:prstGeom>
-          <a:solidFill>
-            <a:srgbClr val="FFFFFF"/>
-          </a:solidFill>
-          <a:ln w="12600">
-            <a:solidFill>
-              <a:srgbClr val="A6AAA9"/>
-            </a:solidFill>
-            <a:miter/>
-          </a:ln>
-        </p:spPr>
-        <p:style>
-          <a:lnRef idx="0">
-            <a:scrgbClr r="0" g="0" b="0"/>
-          </a:lnRef>
-          <a:fillRef idx="0">
-            <a:scrgbClr r="0" g="0" b="0"/>
-          </a:fillRef>
-          <a:effectRef idx="0">
-            <a:scrgbClr r="0" g="0" b="0"/>
-          </a:effectRef>
-          <a:fontRef idx="minor"/>
-        </p:style>
-        <p:txBody>
-          <a:bodyPr lIns="0" tIns="0" rIns="0" bIns="0" anchor="ctr"/>
-          <a:lstStyle/>
-          <a:p>
-            <a:pPr>
-              <a:lnSpc>
-                <a:spcPct val="120000"/>
-              </a:lnSpc>
-            </a:pPr>
-            <a:r>
-              <a:rPr lang="en-US" sz="1200" b="1" strike="noStrike" spc="-1" dirty="0">
-                <a:solidFill>
-                  <a:srgbClr val="000000"/>
-                </a:solidFill>
-                <a:latin typeface="Courier New"/>
-                <a:ea typeface="DejaVu Sans"/>
-              </a:rPr>
-              <a:t>library(mosaic)</a:t>
-            </a:r>
-            <a:endParaRPr lang="en-US" sz="1200" b="0" strike="noStrike" spc="-1" dirty="0">
               <a:latin typeface="Arial"/>
             </a:endParaRPr>
           </a:p>
@@ -4953,15 +4832,8 @@
                 <a:latin typeface="Courier New"/>
                 <a:ea typeface="Menlo"/>
               </a:rPr>
-              <a:t>tally(~ sex, format = </a:t>
-            </a:r>
-          </a:p>
-          <a:p>
-            <a:pPr>
-              <a:lnSpc>
-                <a:spcPct val="100000"/>
-              </a:lnSpc>
-            </a:pPr>
+              <a:t>tally(~ sex, </a:t>
+            </a:r>
             <a:r>
               <a:rPr lang="en-US" sz="1200" b="1" spc="-1" dirty="0">
                 <a:solidFill>
@@ -4970,20 +4842,10 @@
                 <a:latin typeface="Courier New"/>
                 <a:ea typeface="Menlo"/>
               </a:rPr>
-              <a:t>  </a:t>
-            </a:r>
-            <a:r>
-              <a:rPr lang="en-US" sz="1200" b="1" strike="noStrike" spc="-1" dirty="0">
-                <a:solidFill>
-                  <a:srgbClr val="000000"/>
-                </a:solidFill>
-                <a:latin typeface="Courier New"/>
-                <a:ea typeface="Menlo"/>
-              </a:rPr>
-              <a:t>"percent",  data = </a:t>
-            </a:r>
-            <a:r>
-              <a:rPr lang="en-US" sz="1200" b="1" strike="noStrike" spc="-1" dirty="0" err="1">
+              <a:t>data = </a:t>
+            </a:r>
+            <a:r>
+              <a:rPr lang="en-US" sz="1200" b="1" spc="-1" dirty="0" err="1">
                 <a:solidFill>
                   <a:srgbClr val="000000"/>
                 </a:solidFill>
@@ -4993,14 +4855,41 @@
               <a:t>HELPrct</a:t>
             </a:r>
             <a:r>
-              <a:rPr lang="en-US" sz="1200" b="1" strike="noStrike" spc="-1" dirty="0">
-                <a:solidFill>
-                  <a:srgbClr val="000000"/>
-                </a:solidFill>
-                <a:latin typeface="Courier New"/>
-                <a:ea typeface="Menlo"/>
-              </a:rPr>
-              <a:t>)</a:t>
+              <a:rPr lang="en-US" sz="1200" b="1" spc="-1" dirty="0">
+                <a:solidFill>
+                  <a:srgbClr val="000000"/>
+                </a:solidFill>
+                <a:latin typeface="Courier New"/>
+                <a:ea typeface="Menlo"/>
+              </a:rPr>
+              <a:t>,</a:t>
+            </a:r>
+          </a:p>
+          <a:p>
+            <a:pPr>
+              <a:lnSpc>
+                <a:spcPct val="100000"/>
+              </a:lnSpc>
+            </a:pPr>
+            <a:r>
+              <a:rPr lang="en-US" sz="1200" b="1" spc="-1" dirty="0">
+                <a:solidFill>
+                  <a:srgbClr val="000000"/>
+                </a:solidFill>
+                <a:latin typeface="Courier New"/>
+                <a:ea typeface="Menlo"/>
+              </a:rPr>
+              <a:t>  format </a:t>
+            </a:r>
+            <a:r>
+              <a:rPr lang="en-US" sz="1200" b="1" strike="noStrike" spc="-1" dirty="0">
+                <a:solidFill>
+                  <a:srgbClr val="000000"/>
+                </a:solidFill>
+                <a:latin typeface="Courier New"/>
+                <a:ea typeface="Menlo"/>
+              </a:rPr>
+              <a:t>= "percent")</a:t>
             </a:r>
           </a:p>
           <a:p>
@@ -5159,7 +5048,7 @@
         </p:nvSpPr>
         <p:spPr>
           <a:xfrm>
-            <a:off x="209082" y="1324058"/>
+            <a:off x="188620" y="1986433"/>
             <a:ext cx="3200400" cy="337790"/>
           </a:xfrm>
           <a:prstGeom prst="roundRect">
@@ -5219,7 +5108,7 @@
         </p:nvSpPr>
         <p:spPr>
           <a:xfrm>
-            <a:off x="209082" y="1664224"/>
+            <a:off x="188620" y="2326599"/>
             <a:ext cx="3200400" cy="2176796"/>
           </a:xfrm>
           <a:prstGeom prst="rect">
@@ -5259,17 +5148,7 @@
                 <a:latin typeface="Arial"/>
                 <a:ea typeface="DejaVu Sans"/>
               </a:rPr>
-              <a:t>Names in R are </a:t>
-            </a:r>
-            <a:r>
-              <a:rPr lang="en-US" sz="1200" b="0" i="1" strike="noStrike" spc="-1" dirty="0">
-                <a:solidFill>
-                  <a:srgbClr val="000000"/>
-                </a:solidFill>
-                <a:latin typeface="Arial"/>
-                <a:ea typeface="DejaVu Sans"/>
-              </a:rPr>
-              <a:t>case sensitive</a:t>
+              <a:t>Names in R are case sensitive</a:t>
             </a:r>
           </a:p>
           <a:p>
@@ -6052,59 +5931,53 @@
                   <a:srgbClr val="000000"/>
                 </a:solidFill>
                 <a:latin typeface="Courier New"/>
-                <a:ea typeface="DejaVu Sans"/>
-              </a:rPr>
-              <a:t>color</a:t>
-            </a:r>
-            <a:r>
-              <a:rPr lang="en-US" sz="1200" b="1" strike="noStrike" spc="-1" dirty="0">
-                <a:solidFill>
-                  <a:srgbClr val="000000"/>
-                </a:solidFill>
-                <a:latin typeface="Courier New"/>
-                <a:ea typeface="DejaVu Sans"/>
-              </a:rPr>
-              <a:t> = ~ w,</a:t>
-            </a:r>
-            <a:endParaRPr lang="en-US" sz="1200" b="0" strike="noStrike" spc="-1" dirty="0">
-              <a:latin typeface="Arial"/>
-            </a:endParaRPr>
-          </a:p>
-          <a:p>
-            <a:pPr>
-              <a:lnSpc>
-                <a:spcPct val="100000"/>
-              </a:lnSpc>
-            </a:pPr>
-            <a:r>
-              <a:rPr lang="en-US" sz="1200" b="1" strike="noStrike" spc="-1" dirty="0">
-                <a:solidFill>
-                  <a:srgbClr val="000000"/>
-                </a:solidFill>
-                <a:latin typeface="Courier New"/>
-                <a:ea typeface="DejaVu Sans"/>
-              </a:rPr>
-              <a:t>  data = </a:t>
-            </a:r>
-            <a:r>
-              <a:rPr lang="en-US" sz="1200" b="1" strike="noStrike" spc="-1" dirty="0" err="1">
-                <a:solidFill>
-                  <a:srgbClr val="000000"/>
-                </a:solidFill>
-                <a:latin typeface="Courier New"/>
-                <a:ea typeface="DejaVu Sans"/>
+              </a:rPr>
+              <a:t>data = </a:t>
+            </a:r>
+            <a:r>
+              <a:rPr lang="en-US" sz="1200" b="1" spc="-1" dirty="0" err="1">
+                <a:solidFill>
+                  <a:srgbClr val="000000"/>
+                </a:solidFill>
+                <a:latin typeface="Courier New"/>
               </a:rPr>
               <a:t>mydata</a:t>
             </a:r>
             <a:r>
-              <a:rPr lang="en-US" sz="1200" b="1" strike="noStrike" spc="-1" dirty="0">
-                <a:solidFill>
-                  <a:srgbClr val="000000"/>
-                </a:solidFill>
-                <a:latin typeface="Courier New"/>
-                <a:ea typeface="DejaVu Sans"/>
-              </a:rPr>
-              <a:t>)</a:t>
+              <a:rPr lang="en-US" sz="1200" b="1" spc="-1" dirty="0">
+                <a:solidFill>
+                  <a:srgbClr val="000000"/>
+                </a:solidFill>
+                <a:latin typeface="Courier New"/>
+              </a:rPr>
+              <a:t>,  </a:t>
+            </a:r>
+          </a:p>
+          <a:p>
+            <a:pPr>
+              <a:lnSpc>
+                <a:spcPct val="100000"/>
+              </a:lnSpc>
+            </a:pPr>
+            <a:r>
+              <a:rPr lang="en-US" sz="1200" b="1" spc="-1" dirty="0">
+                <a:solidFill>
+                  <a:srgbClr val="000000"/>
+                </a:solidFill>
+                <a:latin typeface="Courier New"/>
+                <a:ea typeface="DejaVu Sans"/>
+              </a:rPr>
+              <a:t>  color</a:t>
+            </a:r>
+            <a:r>
+              <a:rPr lang="en-US" sz="1200" b="1" strike="noStrike" spc="-1" dirty="0">
+                <a:solidFill>
+                  <a:srgbClr val="000000"/>
+                </a:solidFill>
+                <a:latin typeface="Courier New"/>
+                <a:ea typeface="DejaVu Sans"/>
+              </a:rPr>
+              <a:t> = ~ w)</a:t>
             </a:r>
             <a:endParaRPr lang="en-US" sz="1200" b="0" strike="noStrike" spc="-1" dirty="0">
               <a:latin typeface="Arial"/>
@@ -6670,7 +6543,7 @@
                 </a:solidFill>
                 <a:latin typeface="Courier New"/>
               </a:rPr>
-              <a:t>  color = ~ sex, data = CPS85)</a:t>
+              <a:t>  data = CPS85, color = ~ sex)</a:t>
             </a:r>
             <a:endParaRPr lang="en-US" sz="1200" b="0" strike="noStrike" spc="-1" dirty="0">
               <a:latin typeface="Arial"/>
@@ -6686,7 +6559,7 @@
         </p:nvSpPr>
         <p:spPr>
           <a:xfrm>
-            <a:off x="10423440" y="729719"/>
+            <a:off x="10423440" y="666243"/>
             <a:ext cx="3108960" cy="9502209"/>
           </a:xfrm>
           <a:prstGeom prst="rect">
@@ -7862,39 +7735,36 @@
                   <a:srgbClr val="000000"/>
                 </a:solidFill>
                 <a:latin typeface="Courier New"/>
-                <a:ea typeface="DejaVu Sans"/>
-              </a:rPr>
-              <a:t>  </a:t>
-            </a:r>
-            <a:r>
-              <a:rPr lang="en-US" sz="1200" b="1" strike="noStrike" spc="-1" dirty="0">
-                <a:solidFill>
-                  <a:srgbClr val="000000"/>
-                </a:solidFill>
-                <a:latin typeface="Courier New"/>
-                <a:ea typeface="DejaVu Sans"/>
-              </a:rPr>
-              <a:t>mu = 34, data = </a:t>
-            </a:r>
-            <a:r>
-              <a:rPr lang="en-US" sz="1200" b="1" strike="noStrike" spc="-1" dirty="0" err="1">
-                <a:solidFill>
-                  <a:srgbClr val="000000"/>
-                </a:solidFill>
-                <a:latin typeface="Courier New"/>
-                <a:ea typeface="DejaVu Sans"/>
+              </a:rPr>
+              <a:t>  data = </a:t>
+            </a:r>
+            <a:r>
+              <a:rPr lang="en-US" sz="1200" b="1" spc="-1" dirty="0" err="1">
+                <a:solidFill>
+                  <a:srgbClr val="000000"/>
+                </a:solidFill>
+                <a:latin typeface="Courier New"/>
               </a:rPr>
               <a:t>HELPrct</a:t>
             </a:r>
             <a:r>
-              <a:rPr lang="en-US" sz="1200" b="1" strike="noStrike" spc="-1" dirty="0">
-                <a:solidFill>
-                  <a:srgbClr val="000000"/>
-                </a:solidFill>
-                <a:latin typeface="Courier New"/>
-                <a:ea typeface="DejaVu Sans"/>
-              </a:rPr>
-              <a:t>)</a:t>
+              <a:rPr lang="en-US" sz="1200" b="1" spc="-1" dirty="0">
+                <a:solidFill>
+                  <a:srgbClr val="000000"/>
+                </a:solidFill>
+                <a:latin typeface="Courier New"/>
+              </a:rPr>
+              <a:t>, mu </a:t>
+            </a:r>
+            <a:r>
+              <a:rPr lang="en-US" sz="1200" b="1" strike="noStrike" spc="-1" dirty="0">
+                <a:solidFill>
+                  <a:srgbClr val="000000"/>
+                </a:solidFill>
+                <a:latin typeface="Courier New"/>
+                <a:ea typeface="DejaVu Sans"/>
+              </a:rPr>
+              <a:t>= 34)</a:t>
             </a:r>
             <a:endParaRPr lang="en-US" sz="1200" b="0" strike="noStrike" spc="-1" dirty="0">
               <a:latin typeface="Arial"/>
@@ -8458,15 +8328,18 @@
                 <a:latin typeface="Courier New"/>
                 <a:ea typeface="Menlo"/>
               </a:rPr>
-              <a:t>  "homeless"), p = 0.4,</a:t>
-            </a:r>
-          </a:p>
-          <a:p>
-            <a:pPr>
-              <a:lnSpc>
-                <a:spcPct val="100000"/>
-              </a:lnSpc>
-            </a:pPr>
+              <a:t>  "homeless"), data = </a:t>
+            </a:r>
+            <a:r>
+              <a:rPr lang="en-US" sz="1200" b="1" spc="-1" dirty="0" err="1">
+                <a:solidFill>
+                  <a:srgbClr val="000000"/>
+                </a:solidFill>
+                <a:latin typeface="Courier New"/>
+                <a:ea typeface="Menlo"/>
+              </a:rPr>
+              <a:t>HELPrct</a:t>
+            </a:r>
             <a:r>
               <a:rPr lang="en-US" sz="1200" b="1" spc="-1" dirty="0">
                 <a:solidFill>
@@ -8475,7 +8348,7 @@
                 <a:latin typeface="Courier New"/>
                 <a:ea typeface="Menlo"/>
               </a:rPr>
-              <a:t>  alternative = "less", </a:t>
+              <a:t>,</a:t>
             </a:r>
           </a:p>
           <a:p>
@@ -8492,18 +8365,15 @@
                 <a:latin typeface="Courier New"/>
                 <a:ea typeface="Menlo"/>
               </a:rPr>
-              <a:t>  data = </a:t>
-            </a:r>
-            <a:r>
-              <a:rPr lang="en-US" sz="1200" b="1" spc="-1" dirty="0" err="1">
-                <a:solidFill>
-                  <a:srgbClr val="000000"/>
-                </a:solidFill>
-                <a:latin typeface="Courier New"/>
-                <a:ea typeface="Menlo"/>
-              </a:rPr>
-              <a:t>HELPrct</a:t>
-            </a:r>
+              <a:t>  alternative = "less",</a:t>
+            </a:r>
+          </a:p>
+          <a:p>
+            <a:pPr>
+              <a:lnSpc>
+                <a:spcPct val="100000"/>
+              </a:lnSpc>
+            </a:pPr>
             <a:r>
               <a:rPr lang="en-US" sz="1200" b="1" spc="-1" dirty="0">
                 <a:solidFill>
@@ -8512,7 +8382,7 @@
                 <a:latin typeface="Courier New"/>
                 <a:ea typeface="Menlo"/>
               </a:rPr>
-              <a:t>)</a:t>
+              <a:t>  p = 0.4)</a:t>
             </a:r>
           </a:p>
           <a:p>
@@ -8734,7 +8604,7 @@
         </p:blipFill>
         <p:spPr bwMode="auto">
           <a:xfrm>
-            <a:off x="7611205" y="5856270"/>
+            <a:off x="7858821" y="5882760"/>
             <a:ext cx="1500727" cy="1480028"/>
           </a:xfrm>
           <a:prstGeom prst="rect">
@@ -8833,7 +8703,7 @@
         </p:nvSpPr>
         <p:spPr>
           <a:xfrm>
-            <a:off x="6976872" y="729719"/>
+            <a:off x="6976872" y="666243"/>
             <a:ext cx="3200400" cy="2515768"/>
           </a:xfrm>
           <a:prstGeom prst="rect">
@@ -9271,6 +9141,139 @@
           </a:prstGeom>
         </p:spPr>
       </p:pic>
+      <p:sp>
+        <p:nvSpPr>
+          <p:cNvPr id="38" name="CustomShape 16">
+            <a:extLst>
+              <a:ext uri="{FF2B5EF4-FFF2-40B4-BE49-F238E27FC236}">
+                <a16:creationId xmlns:a16="http://schemas.microsoft.com/office/drawing/2014/main" id="{2A8949E4-DB74-4834-892A-F16D1B68283F}"/>
+              </a:ext>
+            </a:extLst>
+          </p:cNvPr>
+          <p:cNvSpPr/>
+          <p:nvPr/>
+        </p:nvSpPr>
+        <p:spPr>
+          <a:xfrm>
+            <a:off x="215800" y="1313182"/>
+            <a:ext cx="3200400" cy="316440"/>
+          </a:xfrm>
+          <a:prstGeom prst="roundRect">
+            <a:avLst>
+              <a:gd name="adj" fmla="val 20098"/>
+            </a:avLst>
+          </a:prstGeom>
+          <a:solidFill>
+            <a:srgbClr val="A6AAA9"/>
+          </a:solidFill>
+          <a:ln w="12600">
+            <a:noFill/>
+          </a:ln>
+        </p:spPr>
+        <p:style>
+          <a:lnRef idx="0">
+            <a:scrgbClr r="0" g="0" b="0"/>
+          </a:lnRef>
+          <a:fillRef idx="0">
+            <a:scrgbClr r="0" g="0" b="0"/>
+          </a:fillRef>
+          <a:effectRef idx="0">
+            <a:scrgbClr r="0" g="0" b="0"/>
+          </a:effectRef>
+          <a:fontRef idx="minor"/>
+        </p:style>
+        <p:txBody>
+          <a:bodyPr lIns="0" tIns="0" rIns="0" bIns="0" anchor="ctr"/>
+          <a:lstStyle/>
+          <a:p>
+            <a:pPr algn="ctr">
+              <a:lnSpc>
+                <a:spcPct val="100000"/>
+              </a:lnSpc>
+            </a:pPr>
+            <a:r>
+              <a:rPr lang="en-US" sz="2000" b="0" strike="noStrike" spc="-1" dirty="0">
+                <a:solidFill>
+                  <a:srgbClr val="FFFFFF"/>
+                </a:solidFill>
+                <a:latin typeface="Source Sans Pro"/>
+                <a:ea typeface="Source Sans Pro"/>
+              </a:rPr>
+              <a:t>Loading packages</a:t>
+            </a:r>
+            <a:endParaRPr lang="en-US" sz="2000" b="0" strike="noStrike" spc="-1" dirty="0">
+              <a:latin typeface="Arial"/>
+            </a:endParaRPr>
+          </a:p>
+        </p:txBody>
+      </p:sp>
+      <p:sp>
+        <p:nvSpPr>
+          <p:cNvPr id="39" name="CustomShape 20">
+            <a:extLst>
+              <a:ext uri="{FF2B5EF4-FFF2-40B4-BE49-F238E27FC236}">
+                <a16:creationId xmlns:a16="http://schemas.microsoft.com/office/drawing/2014/main" id="{152F529C-6EEE-467F-8431-043C60D121FB}"/>
+              </a:ext>
+            </a:extLst>
+          </p:cNvPr>
+          <p:cNvSpPr/>
+          <p:nvPr/>
+        </p:nvSpPr>
+        <p:spPr>
+          <a:xfrm>
+            <a:off x="215800" y="1675220"/>
+            <a:ext cx="3200400" cy="255020"/>
+          </a:xfrm>
+          <a:prstGeom prst="rect">
+            <a:avLst/>
+          </a:prstGeom>
+          <a:solidFill>
+            <a:srgbClr val="FFFFFF"/>
+          </a:solidFill>
+          <a:ln w="12600">
+            <a:solidFill>
+              <a:srgbClr val="A6AAA9"/>
+            </a:solidFill>
+            <a:miter/>
+          </a:ln>
+        </p:spPr>
+        <p:style>
+          <a:lnRef idx="0">
+            <a:scrgbClr r="0" g="0" b="0"/>
+          </a:lnRef>
+          <a:fillRef idx="0">
+            <a:scrgbClr r="0" g="0" b="0"/>
+          </a:fillRef>
+          <a:effectRef idx="0">
+            <a:scrgbClr r="0" g="0" b="0"/>
+          </a:effectRef>
+          <a:fontRef idx="minor"/>
+        </p:style>
+        <p:txBody>
+          <a:bodyPr lIns="0" tIns="0" rIns="0" bIns="0" anchor="ctr"/>
+          <a:lstStyle/>
+          <a:p>
+            <a:pPr>
+              <a:lnSpc>
+                <a:spcPct val="120000"/>
+              </a:lnSpc>
+            </a:pPr>
+            <a:r>
+              <a:rPr lang="en-US" sz="1200" b="1" strike="noStrike" spc="-1" dirty="0">
+                <a:solidFill>
+                  <a:srgbClr val="000000"/>
+                </a:solidFill>
+                <a:latin typeface="Courier New"/>
+                <a:ea typeface="DejaVu Sans"/>
+              </a:rPr>
+              <a:t>library(mosaic)</a:t>
+            </a:r>
+            <a:endParaRPr lang="en-US" sz="1200" b="0" strike="noStrike" spc="-1" dirty="0">
+              <a:latin typeface="Arial"/>
+            </a:endParaRPr>
+          </a:p>
+        </p:txBody>
+      </p:sp>
     </p:spTree>
   </p:cSld>
   <p:clrMapOvr>
@@ -9591,7 +9594,7 @@
         <p:spPr>
           <a:xfrm>
             <a:off x="3577445" y="710049"/>
-            <a:ext cx="3200400" cy="4519860"/>
+            <a:ext cx="3200400" cy="4594654"/>
           </a:xfrm>
           <a:prstGeom prst="rect">
             <a:avLst/>
@@ -9619,13 +9622,16 @@
           <a:fontRef idx="minor"/>
         </p:style>
         <p:txBody>
-          <a:bodyPr lIns="91440" tIns="0" rIns="0" bIns="0" anchor="t" anchorCtr="1"/>
+          <a:bodyPr lIns="91440" tIns="0" rIns="0" bIns="0" anchor="t" anchorCtr="0"/>
           <a:lstStyle/>
           <a:p>
             <a:pPr>
               <a:lnSpc>
                 <a:spcPct val="150000"/>
               </a:lnSpc>
+              <a:spcBef>
+                <a:spcPts val="600"/>
+              </a:spcBef>
             </a:pPr>
             <a:r>
               <a:rPr lang="en-US" sz="1200" b="0" strike="noStrike" spc="-1" dirty="0">
@@ -9675,7 +9681,54 @@
                 <a:latin typeface="Courier New"/>
                 <a:ea typeface="Menlo"/>
               </a:rPr>
-              <a:t> + sex, </a:t>
+              <a:t> + sex,</a:t>
+            </a:r>
+          </a:p>
+          <a:p>
+            <a:pPr>
+              <a:lnSpc>
+                <a:spcPct val="100000"/>
+              </a:lnSpc>
+            </a:pPr>
+            <a:r>
+              <a:rPr lang="en-US" sz="1200" b="1" spc="-1" dirty="0">
+                <a:solidFill>
+                  <a:srgbClr val="000000"/>
+                </a:solidFill>
+                <a:latin typeface="Courier New"/>
+                <a:ea typeface="Menlo"/>
+              </a:rPr>
+              <a:t>  data = </a:t>
+            </a:r>
+            <a:r>
+              <a:rPr lang="en-US" sz="1200" b="1" spc="-1" dirty="0" err="1">
+                <a:solidFill>
+                  <a:srgbClr val="000000"/>
+                </a:solidFill>
+                <a:latin typeface="Courier New"/>
+                <a:ea typeface="Menlo"/>
+              </a:rPr>
+              <a:t>HELPrct</a:t>
+            </a:r>
+            <a:r>
+              <a:rPr lang="en-US" sz="1200" b="1" spc="-1" dirty="0">
+                <a:solidFill>
+                  <a:srgbClr val="000000"/>
+                </a:solidFill>
+                <a:latin typeface="Courier New"/>
+                <a:ea typeface="Menlo"/>
+              </a:rPr>
+              <a:t>, </a:t>
+            </a:r>
+            <a:r>
+              <a:rPr lang="en-US" sz="1200" b="1" strike="noStrike" spc="-1" dirty="0">
+                <a:solidFill>
+                  <a:srgbClr val="000000"/>
+                </a:solidFill>
+                <a:latin typeface="Courier New"/>
+                <a:ea typeface="Menlo"/>
+              </a:rPr>
+              <a:t>margins = TRUE)</a:t>
             </a:r>
             <a:endParaRPr lang="en-US" sz="1200" b="0" strike="noStrike" spc="-1" dirty="0">
               <a:latin typeface="Arial"/>
@@ -9684,18 +9737,38 @@
           <a:p>
             <a:pPr>
               <a:lnSpc>
-                <a:spcPct val="100000"/>
-              </a:lnSpc>
-            </a:pPr>
-            <a:r>
-              <a:rPr lang="en-US" sz="1200" b="1" strike="noStrike" spc="-1" dirty="0">
-                <a:solidFill>
-                  <a:srgbClr val="000000"/>
-                </a:solidFill>
-                <a:latin typeface="Courier New"/>
-                <a:ea typeface="Menlo"/>
-              </a:rPr>
-              <a:t>  margins = TRUE, </a:t>
+                <a:spcPct val="150000"/>
+              </a:lnSpc>
+            </a:pPr>
+            <a:r>
+              <a:rPr lang="en-US" sz="1200" b="0" strike="noStrike" spc="-1" dirty="0">
+                <a:solidFill>
+                  <a:srgbClr val="000000"/>
+                </a:solidFill>
+                <a:latin typeface="Arial"/>
+                <a:ea typeface="Menlo"/>
+              </a:rPr>
+              <a:t>Percentages by column</a:t>
+            </a:r>
+            <a:endParaRPr lang="en-US" sz="1200" b="0" strike="noStrike" spc="-1" dirty="0">
+              <a:latin typeface="Arial"/>
+            </a:endParaRPr>
+          </a:p>
+          <a:p>
+            <a:pPr>
+              <a:lnSpc>
+                <a:spcPct val="100000"/>
+              </a:lnSpc>
+            </a:pPr>
+            <a:r>
+              <a:rPr lang="en-US" sz="1200" b="1" strike="noStrike" spc="-1" dirty="0">
+                <a:solidFill>
+                  <a:srgbClr val="000000"/>
+                </a:solidFill>
+                <a:latin typeface="Courier New"/>
+                <a:ea typeface="Menlo"/>
+              </a:rPr>
+              <a:t>tally(~ sex | substance,</a:t>
             </a:r>
           </a:p>
           <a:p>
@@ -9712,20 +9785,10 @@
                 <a:latin typeface="Courier New"/>
                 <a:ea typeface="Menlo"/>
               </a:rPr>
-              <a:t>  </a:t>
-            </a:r>
-            <a:r>
-              <a:rPr lang="en-US" sz="1200" b="1" strike="noStrike" spc="-1" dirty="0">
-                <a:solidFill>
-                  <a:srgbClr val="000000"/>
-                </a:solidFill>
-                <a:latin typeface="Courier New"/>
-                <a:ea typeface="Menlo"/>
-              </a:rPr>
-              <a:t>data = </a:t>
-            </a:r>
-            <a:r>
-              <a:rPr lang="en-US" sz="1200" b="1" strike="noStrike" spc="-1" dirty="0" err="1">
+              <a:t>  data = </a:t>
+            </a:r>
+            <a:r>
+              <a:rPr lang="en-US" sz="1200" b="1" spc="-1" dirty="0" err="1">
                 <a:solidFill>
                   <a:srgbClr val="000000"/>
                 </a:solidFill>
@@ -9735,239 +9798,160 @@
               <a:t>HELPrct</a:t>
             </a:r>
             <a:r>
-              <a:rPr lang="en-US" sz="1200" b="1" strike="noStrike" spc="-1" dirty="0">
-                <a:solidFill>
-                  <a:srgbClr val="000000"/>
-                </a:solidFill>
-                <a:latin typeface="Courier New"/>
-                <a:ea typeface="Menlo"/>
+              <a:rPr lang="en-US" sz="1200" b="1" spc="-1" dirty="0">
+                <a:solidFill>
+                  <a:srgbClr val="000000"/>
+                </a:solidFill>
+                <a:latin typeface="Courier New"/>
+                <a:ea typeface="Menlo"/>
+              </a:rPr>
+              <a:t>,</a:t>
+            </a:r>
+            <a:endParaRPr lang="en-US" sz="1200" b="0" strike="noStrike" spc="-1" dirty="0">
+              <a:latin typeface="Arial"/>
+            </a:endParaRPr>
+          </a:p>
+          <a:p>
+            <a:pPr>
+              <a:lnSpc>
+                <a:spcPct val="100000"/>
+              </a:lnSpc>
+            </a:pPr>
+            <a:r>
+              <a:rPr lang="en-US" sz="1200" b="1" strike="noStrike" spc="-1" dirty="0">
+                <a:solidFill>
+                  <a:srgbClr val="000000"/>
+                </a:solidFill>
+                <a:latin typeface="Courier New"/>
+                <a:ea typeface="Menlo"/>
+              </a:rPr>
+              <a:t>  format = "percent")</a:t>
+            </a:r>
+            <a:endParaRPr lang="en-US" sz="1200" b="0" strike="noStrike" spc="-1" dirty="0">
+              <a:latin typeface="Arial"/>
+            </a:endParaRPr>
+          </a:p>
+          <a:p>
+            <a:pPr>
+              <a:lnSpc>
+                <a:spcPct val="150000"/>
+              </a:lnSpc>
+            </a:pPr>
+            <a:r>
+              <a:rPr lang="en-US" sz="1200" b="0" strike="noStrike" spc="-1" dirty="0">
+                <a:solidFill>
+                  <a:srgbClr val="000000"/>
+                </a:solidFill>
+                <a:latin typeface="Arial"/>
+                <a:ea typeface="Menlo"/>
+              </a:rPr>
+              <a:t>Mosaic plot</a:t>
+            </a:r>
+            <a:endParaRPr lang="en-US" sz="1200" b="0" strike="noStrike" spc="-1" dirty="0">
+              <a:latin typeface="Arial"/>
+            </a:endParaRPr>
+          </a:p>
+          <a:p>
+            <a:pPr>
+              <a:lnSpc>
+                <a:spcPct val="100000"/>
+              </a:lnSpc>
+            </a:pPr>
+            <a:r>
+              <a:rPr lang="en-US" sz="1200" b="1" spc="-1" dirty="0" err="1">
+                <a:solidFill>
+                  <a:srgbClr val="1A1A1A"/>
+                </a:solidFill>
+                <a:latin typeface="Courier New"/>
+              </a:rPr>
+              <a:t>my_tbl</a:t>
+            </a:r>
+            <a:r>
+              <a:rPr lang="en-US" sz="1200" b="1" spc="-1" dirty="0">
+                <a:solidFill>
+                  <a:srgbClr val="1A1A1A"/>
+                </a:solidFill>
+                <a:latin typeface="Courier New"/>
+              </a:rPr>
+              <a:t> &lt;- tally(sex ~ substance,   </a:t>
+            </a:r>
+          </a:p>
+          <a:p>
+            <a:pPr>
+              <a:lnSpc>
+                <a:spcPct val="100000"/>
+              </a:lnSpc>
+            </a:pPr>
+            <a:r>
+              <a:rPr lang="en-US" sz="1200" b="1" spc="-1" dirty="0">
+                <a:solidFill>
+                  <a:srgbClr val="1A1A1A"/>
+                </a:solidFill>
+                <a:latin typeface="Courier New"/>
+              </a:rPr>
+              <a:t>  data = </a:t>
+            </a:r>
+            <a:r>
+              <a:rPr lang="en-US" sz="1200" b="1" spc="-1" dirty="0" err="1">
+                <a:solidFill>
+                  <a:srgbClr val="1A1A1A"/>
+                </a:solidFill>
+                <a:latin typeface="Courier New"/>
+              </a:rPr>
+              <a:t>HELPrct</a:t>
+            </a:r>
+            <a:r>
+              <a:rPr lang="en-US" sz="1200" b="1" spc="-1" dirty="0">
+                <a:solidFill>
+                  <a:srgbClr val="1A1A1A"/>
+                </a:solidFill>
+                <a:latin typeface="Courier New"/>
               </a:rPr>
               <a:t>)</a:t>
             </a:r>
-            <a:endParaRPr lang="en-US" sz="1200" b="0" strike="noStrike" spc="-1" dirty="0">
-              <a:latin typeface="Arial"/>
-            </a:endParaRPr>
-          </a:p>
-          <a:p>
-            <a:pPr>
-              <a:lnSpc>
-                <a:spcPct val="150000"/>
-              </a:lnSpc>
-            </a:pPr>
-            <a:r>
-              <a:rPr lang="en-US" sz="1200" b="0" strike="noStrike" spc="-1" dirty="0">
-                <a:solidFill>
-                  <a:srgbClr val="000000"/>
-                </a:solidFill>
-                <a:latin typeface="Arial"/>
-                <a:ea typeface="Menlo"/>
-              </a:rPr>
-              <a:t>Percentages by column</a:t>
-            </a:r>
-            <a:endParaRPr lang="en-US" sz="1200" b="0" strike="noStrike" spc="-1" dirty="0">
-              <a:latin typeface="Arial"/>
-            </a:endParaRPr>
-          </a:p>
-          <a:p>
-            <a:pPr>
-              <a:lnSpc>
-                <a:spcPct val="100000"/>
-              </a:lnSpc>
-            </a:pPr>
-            <a:r>
-              <a:rPr lang="en-US" sz="1200" b="1" strike="noStrike" spc="-1" dirty="0">
-                <a:solidFill>
-                  <a:srgbClr val="000000"/>
-                </a:solidFill>
-                <a:latin typeface="Courier New"/>
-                <a:ea typeface="Menlo"/>
-              </a:rPr>
-              <a:t>tally(~ </a:t>
-            </a:r>
-            <a:r>
-              <a:rPr lang="en-US" sz="1200" b="1" strike="noStrike" spc="-1">
-                <a:solidFill>
-                  <a:srgbClr val="000000"/>
-                </a:solidFill>
-                <a:latin typeface="Courier New"/>
-                <a:ea typeface="Menlo"/>
-              </a:rPr>
-              <a:t>sex | substance</a:t>
-            </a:r>
-            <a:r>
-              <a:rPr lang="en-US" sz="1200" b="1" strike="noStrike" spc="-1" dirty="0">
-                <a:solidFill>
-                  <a:srgbClr val="000000"/>
-                </a:solidFill>
-                <a:latin typeface="Courier New"/>
-                <a:ea typeface="Menlo"/>
-              </a:rPr>
-              <a:t>, </a:t>
-            </a:r>
-            <a:endParaRPr lang="en-US" sz="1200" b="0" strike="noStrike" spc="-1" dirty="0">
-              <a:latin typeface="Arial"/>
-            </a:endParaRPr>
-          </a:p>
-          <a:p>
-            <a:pPr>
-              <a:lnSpc>
-                <a:spcPct val="100000"/>
-              </a:lnSpc>
-            </a:pPr>
-            <a:r>
-              <a:rPr lang="en-US" sz="1200" b="1" strike="noStrike" spc="-1" dirty="0">
-                <a:solidFill>
-                  <a:srgbClr val="000000"/>
-                </a:solidFill>
-                <a:latin typeface="Courier New"/>
-                <a:ea typeface="Menlo"/>
-              </a:rPr>
-              <a:t>  format = "percent", </a:t>
-            </a:r>
-          </a:p>
-          <a:p>
-            <a:pPr>
-              <a:lnSpc>
-                <a:spcPct val="100000"/>
-              </a:lnSpc>
-            </a:pPr>
-            <a:r>
-              <a:rPr lang="en-US" sz="1200" b="1" strike="noStrike" spc="-1" dirty="0">
-                <a:solidFill>
-                  <a:srgbClr val="000000"/>
-                </a:solidFill>
-                <a:latin typeface="Courier New"/>
-                <a:ea typeface="Menlo"/>
-              </a:rPr>
-              <a:t>  data = </a:t>
-            </a:r>
-            <a:r>
-              <a:rPr lang="en-US" sz="1200" b="1" strike="noStrike" spc="-1" dirty="0" err="1">
-                <a:solidFill>
-                  <a:srgbClr val="000000"/>
-                </a:solidFill>
-                <a:latin typeface="Courier New"/>
-                <a:ea typeface="Menlo"/>
-              </a:rPr>
-              <a:t>HELPrct</a:t>
-            </a:r>
-            <a:r>
-              <a:rPr lang="en-US" sz="1200" b="1" strike="noStrike" spc="-1" dirty="0">
-                <a:solidFill>
-                  <a:srgbClr val="000000"/>
-                </a:solidFill>
-                <a:latin typeface="Courier New"/>
-                <a:ea typeface="Menlo"/>
-              </a:rPr>
-              <a:t>)</a:t>
-            </a:r>
-            <a:endParaRPr lang="en-US" sz="1200" b="0" strike="noStrike" spc="-1" dirty="0">
-              <a:latin typeface="Arial"/>
-            </a:endParaRPr>
-          </a:p>
-          <a:p>
-            <a:pPr>
-              <a:lnSpc>
-                <a:spcPct val="150000"/>
-              </a:lnSpc>
-            </a:pPr>
-            <a:r>
-              <a:rPr lang="en-US" sz="1200" b="0" strike="noStrike" spc="-1" dirty="0">
-                <a:solidFill>
-                  <a:srgbClr val="000000"/>
-                </a:solidFill>
-                <a:latin typeface="Arial"/>
-                <a:ea typeface="Menlo"/>
-              </a:rPr>
-              <a:t>Mosaic plot</a:t>
-            </a:r>
-            <a:endParaRPr lang="en-US" sz="1200" b="0" strike="noStrike" spc="-1" dirty="0">
-              <a:latin typeface="Arial"/>
-            </a:endParaRPr>
-          </a:p>
-          <a:p>
-            <a:pPr>
-              <a:lnSpc>
-                <a:spcPct val="100000"/>
-              </a:lnSpc>
-            </a:pPr>
-            <a:r>
-              <a:rPr lang="en-US" sz="1200" b="1" strike="noStrike" spc="-1" dirty="0" err="1">
+          </a:p>
+          <a:p>
+            <a:pPr>
+              <a:lnSpc>
+                <a:spcPct val="100000"/>
+              </a:lnSpc>
+            </a:pPr>
+            <a:r>
+              <a:rPr lang="en-US" sz="1200" b="1" spc="-1" dirty="0" err="1">
                 <a:solidFill>
                   <a:srgbClr val="1A1A1A"/>
                 </a:solidFill>
                 <a:latin typeface="Courier New"/>
-                <a:ea typeface="DejaVu Sans"/>
               </a:rPr>
               <a:t>mosaicplot</a:t>
             </a:r>
             <a:r>
-              <a:rPr lang="en-US" sz="1200" b="1" strike="noStrike" spc="-1" dirty="0">
+              <a:rPr lang="en-US" sz="1200" b="1" spc="-1" dirty="0">
                 <a:solidFill>
                   <a:srgbClr val="1A1A1A"/>
                 </a:solidFill>
                 <a:latin typeface="Courier New"/>
-                <a:ea typeface="DejaVu Sans"/>
-              </a:rPr>
-              <a:t>(~ substance + sex,</a:t>
-            </a:r>
-            <a:endParaRPr lang="en-US" sz="1200" b="0" strike="noStrike" spc="-1" dirty="0">
-              <a:latin typeface="Arial"/>
-            </a:endParaRPr>
-          </a:p>
-          <a:p>
-            <a:pPr>
-              <a:lnSpc>
-                <a:spcPct val="100000"/>
-              </a:lnSpc>
-            </a:pPr>
-            <a:r>
-              <a:rPr lang="en-US" sz="1200" b="1" strike="noStrike" spc="-1" dirty="0">
+              </a:rPr>
+              <a:t>(</a:t>
+            </a:r>
+            <a:r>
+              <a:rPr lang="en-US" sz="1200" b="1" spc="-1" dirty="0" err="1">
                 <a:solidFill>
                   <a:srgbClr val="1A1A1A"/>
                 </a:solidFill>
                 <a:latin typeface="Courier New"/>
-                <a:ea typeface="Menlo"/>
-              </a:rPr>
-              <a:t>  color = TRUE, </a:t>
-            </a:r>
-            <a:r>
-              <a:rPr lang="en-US" sz="1200" b="1" strike="noStrike" spc="-1" dirty="0">
-                <a:solidFill>
-                  <a:srgbClr val="000000"/>
-                </a:solidFill>
-                <a:latin typeface="Courier New"/>
-                <a:ea typeface="Menlo"/>
-              </a:rPr>
-              <a:t>data = </a:t>
-            </a:r>
-            <a:r>
-              <a:rPr lang="en-US" sz="1200" b="1" strike="noStrike" spc="-1" dirty="0" err="1">
-                <a:solidFill>
-                  <a:srgbClr val="000000"/>
-                </a:solidFill>
-                <a:latin typeface="Courier New"/>
-                <a:ea typeface="Menlo"/>
-              </a:rPr>
-              <a:t>HELPrct</a:t>
-            </a:r>
-            <a:r>
-              <a:rPr lang="en-US" sz="1200" b="1" strike="noStrike" spc="-1" dirty="0">
-                <a:solidFill>
-                  <a:srgbClr val="000000"/>
-                </a:solidFill>
-                <a:latin typeface="Courier New"/>
-                <a:ea typeface="Menlo"/>
-              </a:rPr>
-              <a:t>)</a:t>
-            </a:r>
-          </a:p>
-          <a:p>
-            <a:pPr>
-              <a:lnSpc>
-                <a:spcPct val="100000"/>
-              </a:lnSpc>
-            </a:pPr>
+              </a:rPr>
+              <a:t>my_tbl</a:t>
+            </a:r>
+            <a:r>
+              <a:rPr lang="en-US" sz="1200" b="1" spc="-1" dirty="0">
+                <a:solidFill>
+                  <a:srgbClr val="1A1A1A"/>
+                </a:solidFill>
+                <a:latin typeface="Courier New"/>
+              </a:rPr>
+              <a:t>, color = TRUE)</a:t>
+            </a:r>
             <a:endParaRPr lang="en-US" sz="1100" b="1" spc="-1" dirty="0">
               <a:solidFill>
                 <a:srgbClr val="000000"/>
@@ -10046,6 +10030,20 @@
             </a:pPr>
             <a:endParaRPr lang="en-US" sz="1100" b="0" strike="noStrike" spc="-1" dirty="0">
               <a:latin typeface="Arial"/>
+            </a:endParaRPr>
+          </a:p>
+          <a:p>
+            <a:pPr>
+              <a:lnSpc>
+                <a:spcPct val="150000"/>
+              </a:lnSpc>
+            </a:pPr>
+            <a:endParaRPr lang="en-US" sz="1200" spc="-1" dirty="0">
+              <a:solidFill>
+                <a:srgbClr val="000000"/>
+              </a:solidFill>
+              <a:latin typeface="Arial"/>
+              <a:ea typeface="Menlo"/>
             </a:endParaRPr>
           </a:p>
           <a:p>
@@ -12593,6 +12591,31 @@
               </a:rPr>
               <a:t>(result)</a:t>
             </a:r>
+          </a:p>
+          <a:p>
+            <a:pPr>
+              <a:lnSpc>
+                <a:spcPct val="100000"/>
+              </a:lnSpc>
+            </a:pPr>
+            <a:r>
+              <a:rPr lang="en-US" sz="1100" b="1" spc="-1" dirty="0" err="1">
+                <a:solidFill>
+                  <a:srgbClr val="000000"/>
+                </a:solidFill>
+                <a:latin typeface="Courier New"/>
+              </a:rPr>
+              <a:t>pval</a:t>
+            </a:r>
+            <a:r>
+              <a:rPr lang="en-US" sz="1100" b="1" spc="-1" dirty="0">
+                <a:solidFill>
+                  <a:srgbClr val="000000"/>
+                </a:solidFill>
+                <a:latin typeface="Courier New"/>
+              </a:rPr>
+              <a:t>(result)</a:t>
+            </a:r>
             <a:endParaRPr lang="en-US" sz="1100" b="0" strike="noStrike" spc="-1" dirty="0">
               <a:latin typeface="Arial"/>
             </a:endParaRPr>
@@ -12907,9 +12930,12 @@
                 <a:spcPct val="120000"/>
               </a:lnSpc>
             </a:pPr>
-            <a:endParaRPr lang="en-US" sz="1100" b="0" strike="noStrike" spc="-1" dirty="0">
-              <a:latin typeface="Arial"/>
-            </a:endParaRPr>
+            <a:r>
+              <a:rPr lang="en-US" sz="1100" b="0" strike="noStrike" spc="-1" dirty="0">
+                <a:latin typeface="Arial"/>
+              </a:rPr>
+              <a:t>`</a:t>
+            </a:r>
           </a:p>
         </p:txBody>
       </p:sp>
@@ -12921,7 +12947,7 @@
         </p:nvSpPr>
         <p:spPr>
           <a:xfrm>
-            <a:off x="3580865" y="5339954"/>
+            <a:off x="3561457" y="5395025"/>
             <a:ext cx="3193560" cy="347040"/>
           </a:xfrm>
           <a:prstGeom prst="roundRect">
@@ -13968,7 +13994,44 @@
                 <a:latin typeface="Courier New"/>
                 <a:ea typeface="Menlo"/>
               </a:rPr>
-              <a:t>(homeless ~ age, </a:t>
+              <a:t>(homeless ~ age,</a:t>
+            </a:r>
+          </a:p>
+          <a:p>
+            <a:pPr>
+              <a:lnSpc>
+                <a:spcPct val="100000"/>
+              </a:lnSpc>
+            </a:pPr>
+            <a:r>
+              <a:rPr lang="en-US" sz="1200" b="1" spc="-1" dirty="0">
+                <a:solidFill>
+                  <a:srgbClr val="000000"/>
+                </a:solidFill>
+                <a:latin typeface="Courier New"/>
+                <a:ea typeface="Menlo"/>
+              </a:rPr>
+              <a:t>  data = </a:t>
+            </a:r>
+            <a:r>
+              <a:rPr lang="en-US" sz="1200" b="1" spc="-1" dirty="0" err="1">
+                <a:solidFill>
+                  <a:srgbClr val="000000"/>
+                </a:solidFill>
+                <a:latin typeface="Courier New"/>
+                <a:ea typeface="Menlo"/>
+              </a:rPr>
+              <a:t>HELPrct</a:t>
+            </a:r>
+            <a:r>
+              <a:rPr lang="en-US" sz="1200" b="1" spc="-1" dirty="0">
+                <a:solidFill>
+                  <a:srgbClr val="000000"/>
+                </a:solidFill>
+                <a:latin typeface="Courier New"/>
+                <a:ea typeface="Menlo"/>
+              </a:rPr>
+              <a:t>, </a:t>
             </a:r>
             <a:endParaRPr lang="en-US" sz="1200" b="0" strike="noStrike" spc="-1" dirty="0">
               <a:latin typeface="Arial"/>
@@ -13988,54 +14051,7 @@
                 <a:latin typeface="Courier New"/>
                 <a:ea typeface="Menlo"/>
               </a:rPr>
-              <a:t>  family = binomial, </a:t>
-            </a:r>
-          </a:p>
-          <a:p>
-            <a:pPr>
-              <a:lnSpc>
-                <a:spcPct val="100000"/>
-              </a:lnSpc>
-            </a:pPr>
-            <a:r>
-              <a:rPr lang="en-US" sz="1200" b="1" spc="-1" dirty="0">
-                <a:solidFill>
-                  <a:srgbClr val="000000"/>
-                </a:solidFill>
-                <a:latin typeface="Courier New"/>
-                <a:ea typeface="Menlo"/>
-              </a:rPr>
-              <a:t>  </a:t>
-            </a:r>
-            <a:r>
-              <a:rPr lang="en-US" sz="1200" b="1" strike="noStrike" spc="-1" dirty="0">
-                <a:solidFill>
-                  <a:srgbClr val="000000"/>
-                </a:solidFill>
-                <a:latin typeface="Courier New"/>
-                <a:ea typeface="Menlo"/>
-              </a:rPr>
-              <a:t>data = </a:t>
-            </a:r>
-            <a:r>
-              <a:rPr lang="en-US" sz="1200" b="1" strike="noStrike" spc="-1" dirty="0" err="1">
-                <a:solidFill>
-                  <a:srgbClr val="000000"/>
-                </a:solidFill>
-                <a:latin typeface="Courier New"/>
-                <a:ea typeface="Menlo"/>
-              </a:rPr>
-              <a:t>HELPrct</a:t>
-            </a:r>
-            <a:r>
-              <a:rPr lang="en-US" sz="1200" b="1" strike="noStrike" spc="-1" dirty="0">
-                <a:solidFill>
-                  <a:srgbClr val="000000"/>
-                </a:solidFill>
-                <a:latin typeface="Courier New"/>
-                <a:ea typeface="Menlo"/>
-              </a:rPr>
-              <a:t>)</a:t>
+              <a:t>  family = binomial)</a:t>
             </a:r>
             <a:endParaRPr lang="en-US" sz="1200" b="0" strike="noStrike" spc="-1" dirty="0">
               <a:latin typeface="Arial"/>
@@ -14289,7 +14305,9 @@
               </a:ext>
             </a:extLst>
           </p:cNvPr>
-          <p:cNvPicPr/>
+          <p:cNvPicPr>
+            <a:picLocks noChangeAspect="1"/>
+          </p:cNvPicPr>
           <p:nvPr/>
         </p:nvPicPr>
         <p:blipFill>
@@ -14298,8 +14316,8 @@
         </p:blipFill>
         <p:spPr>
           <a:xfrm>
-            <a:off x="3725495" y="3061463"/>
-            <a:ext cx="2856960" cy="1371240"/>
+            <a:off x="3748486" y="3134690"/>
+            <a:ext cx="2750728" cy="1264286"/>
           </a:xfrm>
           <a:prstGeom prst="rect">
             <a:avLst/>
@@ -14698,6 +14716,49 @@
           <a:bodyPr lIns="91440" tIns="0" rIns="0" bIns="0" anchor="t" anchorCtr="0"/>
           <a:lstStyle/>
           <a:p>
+            <a:r>
+              <a:rPr lang="en-US" sz="1200" b="0" strike="noStrike" spc="-1" dirty="0">
+                <a:solidFill>
+                  <a:srgbClr val="000000"/>
+                </a:solidFill>
+                <a:latin typeface="Arial"/>
+                <a:ea typeface="DejaVu Sans"/>
+              </a:rPr>
+              <a:t>Drop, rename, or reorder variables</a:t>
+            </a:r>
+          </a:p>
+          <a:p>
+            <a:r>
+              <a:rPr lang="en-US" sz="1200" b="1" spc="-1" dirty="0">
+                <a:latin typeface="Courier New"/>
+              </a:rPr>
+              <a:t>df &lt;- select(</a:t>
+            </a:r>
+            <a:r>
+              <a:rPr lang="en-US" sz="1200" b="1" spc="-1" dirty="0" err="1">
+                <a:latin typeface="Courier New"/>
+              </a:rPr>
+              <a:t>HELPrct</a:t>
+            </a:r>
+            <a:r>
+              <a:rPr lang="en-US" sz="1200" b="1" spc="-1" dirty="0">
+                <a:latin typeface="Courier New"/>
+              </a:rPr>
+              <a:t>, </a:t>
+            </a:r>
+          </a:p>
+          <a:p>
+            <a:r>
+              <a:rPr lang="en-US" sz="1200" b="1" spc="-1" dirty="0">
+                <a:latin typeface="Courier New"/>
+              </a:rPr>
+              <a:t>  c(id, age, sex))</a:t>
+            </a:r>
+            <a:endParaRPr lang="en-US" sz="1200" strike="noStrike" spc="-1" dirty="0">
+              <a:latin typeface="Arial"/>
+            </a:endParaRPr>
+          </a:p>
+          <a:p>
             <a:pPr>
               <a:lnSpc>
                 <a:spcPct val="150000"/>
@@ -14711,41 +14772,326 @@
                 <a:latin typeface="Arial"/>
                 <a:ea typeface="DejaVu Sans"/>
               </a:rPr>
-              <a:t>From </a:t>
-            </a:r>
-            <a:r>
-              <a:rPr lang="en-US" sz="1200" b="0" strike="noStrike" spc="-1" dirty="0" err="1">
-                <a:solidFill>
-                  <a:srgbClr val="000000"/>
-                </a:solidFill>
-                <a:latin typeface="Courier New" panose="02070309020205020404" pitchFamily="49" charset="0"/>
-                <a:ea typeface="DejaVu Sans"/>
+              <a:t>Create new variables from existing ones</a:t>
+            </a:r>
+            <a:endParaRPr lang="en-US" sz="1200" b="0" strike="noStrike" spc="-1" dirty="0">
+              <a:latin typeface="Arial"/>
+            </a:endParaRPr>
+          </a:p>
+          <a:p>
+            <a:pPr>
+              <a:lnSpc>
+                <a:spcPts val="1000"/>
+              </a:lnSpc>
+            </a:pPr>
+            <a:r>
+              <a:rPr lang="en-US" sz="1200" b="1" strike="noStrike" spc="-1" dirty="0" err="1">
+                <a:latin typeface="Courier New"/>
+                <a:ea typeface="DejaVu Sans"/>
+              </a:rPr>
+              <a:t>KidsFeet</a:t>
+            </a:r>
+            <a:r>
+              <a:rPr lang="en-US" sz="1200" b="1" strike="noStrike" spc="-1" dirty="0">
+                <a:latin typeface="Courier New"/>
+                <a:ea typeface="DejaVu Sans"/>
+              </a:rPr>
+              <a:t> &lt;- mutate(</a:t>
+            </a:r>
+            <a:r>
+              <a:rPr lang="en-US" sz="1200" b="1" strike="noStrike" spc="-1" dirty="0" err="1">
+                <a:latin typeface="Courier New"/>
+                <a:ea typeface="DejaVu Sans"/>
+              </a:rPr>
+              <a:t>KidsFeet</a:t>
+            </a:r>
+            <a:r>
+              <a:rPr lang="en-US" sz="1200" b="1" strike="noStrike" spc="-1" dirty="0">
+                <a:latin typeface="Courier New"/>
+                <a:ea typeface="DejaVu Sans"/>
+              </a:rPr>
+              <a:t>,</a:t>
+            </a:r>
+          </a:p>
+          <a:p>
+            <a:r>
+              <a:rPr lang="en-US" sz="1200" b="1" spc="-1" dirty="0">
+                <a:latin typeface="Courier New"/>
+                <a:ea typeface="DejaVu Sans"/>
+              </a:rPr>
+              <a:t>  </a:t>
+            </a:r>
+            <a:r>
+              <a:rPr lang="en-US" sz="1200" b="1" spc="-1" dirty="0" err="1">
+                <a:latin typeface="Courier New"/>
+                <a:ea typeface="DejaVu Sans"/>
+              </a:rPr>
+              <a:t>width_in</a:t>
+            </a:r>
+            <a:r>
+              <a:rPr lang="en-US" sz="1200" b="1" spc="-1" dirty="0">
+                <a:latin typeface="Courier New"/>
+                <a:ea typeface="DejaVu Sans"/>
+              </a:rPr>
+              <a:t> = 0.394 * width</a:t>
+            </a:r>
+            <a:r>
+              <a:rPr lang="en-US" sz="1200" b="1" strike="noStrike" spc="-1" dirty="0">
+                <a:latin typeface="Courier New"/>
+                <a:ea typeface="DejaVu Sans"/>
+              </a:rPr>
+              <a:t>)</a:t>
+            </a:r>
+            <a:endParaRPr lang="en-US" sz="1200" b="1" strike="noStrike" spc="-1" dirty="0">
+              <a:latin typeface="Arial"/>
+            </a:endParaRPr>
+          </a:p>
+          <a:p>
+            <a:pPr>
+              <a:lnSpc>
+                <a:spcPct val="150000"/>
+              </a:lnSpc>
+            </a:pPr>
+            <a:r>
+              <a:rPr lang="en-US" sz="1200" spc="-1" dirty="0">
+                <a:latin typeface="Arial"/>
+                <a:ea typeface="DejaVu Sans"/>
+              </a:rPr>
+              <a:t>Retain</a:t>
+            </a:r>
+            <a:r>
+              <a:rPr lang="en-US" sz="1200" b="0" strike="noStrike" spc="-1" dirty="0">
+                <a:latin typeface="Arial"/>
+                <a:ea typeface="DejaVu Sans"/>
+              </a:rPr>
+              <a:t> specific rows from data </a:t>
+            </a:r>
+            <a:endParaRPr lang="en-US" sz="1200" b="0" strike="noStrike" spc="-1" dirty="0">
+              <a:latin typeface="Arial"/>
+            </a:endParaRPr>
+          </a:p>
+          <a:p>
+            <a:pPr>
+              <a:lnSpc>
+                <a:spcPts val="1000"/>
+              </a:lnSpc>
+            </a:pPr>
+            <a:r>
+              <a:rPr lang="en-US" sz="1200" b="1" strike="noStrike" spc="-1" dirty="0" err="1">
+                <a:latin typeface="Courier New"/>
+                <a:ea typeface="DejaVu Sans"/>
+              </a:rPr>
+              <a:t>girls_feet</a:t>
+            </a:r>
+            <a:r>
+              <a:rPr lang="en-US" sz="1200" b="1" strike="noStrike" spc="-1" dirty="0">
+                <a:latin typeface="Courier New"/>
+                <a:ea typeface="DejaVu Sans"/>
+              </a:rPr>
+              <a:t> &lt;- filter(</a:t>
+            </a:r>
+            <a:r>
+              <a:rPr lang="en-US" sz="1200" b="1" strike="noStrike" spc="-1" dirty="0" err="1">
+                <a:latin typeface="Courier New"/>
+                <a:ea typeface="DejaVu Sans"/>
+              </a:rPr>
+              <a:t>KidsFeet</a:t>
+            </a:r>
+            <a:r>
+              <a:rPr lang="en-US" sz="1200" b="1" strike="noStrike" spc="-1" dirty="0">
+                <a:latin typeface="Courier New"/>
+                <a:ea typeface="DejaVu Sans"/>
+              </a:rPr>
+              <a:t>,</a:t>
+            </a:r>
+          </a:p>
+          <a:p>
+            <a:r>
+              <a:rPr lang="en-US" sz="1200" b="1" spc="-1" dirty="0">
+                <a:latin typeface="Courier New"/>
+                <a:ea typeface="DejaVu Sans"/>
+              </a:rPr>
+              <a:t>  sex == "G"</a:t>
+            </a:r>
+            <a:r>
+              <a:rPr lang="en-US" sz="1200" b="1" strike="noStrike" spc="-1" dirty="0">
+                <a:latin typeface="Courier New"/>
+                <a:ea typeface="DejaVu Sans"/>
+              </a:rPr>
+              <a:t>) </a:t>
+            </a:r>
+            <a:endParaRPr lang="en-US" sz="1200" b="1" strike="noStrike" spc="-1" dirty="0">
+              <a:latin typeface="Arial"/>
+            </a:endParaRPr>
+          </a:p>
+          <a:p>
+            <a:pPr>
+              <a:lnSpc>
+                <a:spcPct val="150000"/>
+              </a:lnSpc>
+            </a:pPr>
+            <a:r>
+              <a:rPr lang="en-US" sz="1200" b="0" strike="noStrike" spc="-1" dirty="0">
+                <a:latin typeface="Arial"/>
+                <a:ea typeface="DejaVu Sans"/>
+              </a:rPr>
+              <a:t>Sort data rows by value in column</a:t>
+            </a:r>
+            <a:endParaRPr lang="en-US" sz="1200" b="0" strike="noStrike" spc="-1" dirty="0">
+              <a:latin typeface="Arial"/>
+            </a:endParaRPr>
+          </a:p>
+          <a:p>
+            <a:pPr>
+              <a:lnSpc>
+                <a:spcPts val="1000"/>
+              </a:lnSpc>
+            </a:pPr>
+            <a:r>
+              <a:rPr lang="en-US" sz="1200" b="1" strike="noStrike" spc="-1" dirty="0">
+                <a:latin typeface="Courier New"/>
+                <a:ea typeface="DejaVu Sans"/>
+              </a:rPr>
+              <a:t>df &lt;- arrange(</a:t>
+            </a:r>
+            <a:r>
+              <a:rPr lang="en-US" sz="1200" b="1" strike="noStrike" spc="-1" dirty="0" err="1">
+                <a:latin typeface="Courier New"/>
+                <a:ea typeface="DejaVu Sans"/>
+              </a:rPr>
+              <a:t>KidsFeet</a:t>
+            </a:r>
+            <a:r>
+              <a:rPr lang="en-US" sz="1200" b="1" strike="noStrike" spc="-1" dirty="0">
+                <a:latin typeface="Courier New"/>
+                <a:ea typeface="DejaVu Sans"/>
+              </a:rPr>
+              <a:t>, length) </a:t>
+            </a:r>
+            <a:endParaRPr lang="en-US" sz="1200" b="1" strike="noStrike" spc="-1" dirty="0">
+              <a:latin typeface="Arial"/>
+            </a:endParaRPr>
+          </a:p>
+          <a:p>
+            <a:pPr>
+              <a:lnSpc>
+                <a:spcPct val="150000"/>
+              </a:lnSpc>
+            </a:pPr>
+            <a:r>
+              <a:rPr lang="en-US" sz="1200" b="0" strike="noStrike" spc="-1" dirty="0">
+                <a:latin typeface="Arial"/>
+                <a:ea typeface="DejaVu Sans"/>
+              </a:rPr>
+              <a:t>Compute summary statistics by group</a:t>
+            </a:r>
+            <a:endParaRPr lang="en-US" sz="1200" b="0" strike="noStrike" spc="-1" dirty="0">
+              <a:latin typeface="Arial"/>
+            </a:endParaRPr>
+          </a:p>
+          <a:p>
+            <a:pPr>
+              <a:lnSpc>
+                <a:spcPts val="1000"/>
+              </a:lnSpc>
+            </a:pPr>
+            <a:r>
+              <a:rPr lang="en-US" sz="1200" b="1" strike="noStrike" spc="-1" dirty="0" err="1">
+                <a:latin typeface="Courier New"/>
+                <a:ea typeface="DejaVu Sans"/>
+              </a:rPr>
+              <a:t>group_by</a:t>
+            </a:r>
+            <a:r>
+              <a:rPr lang="en-US" sz="1200" b="1" strike="noStrike" spc="-1" dirty="0">
+                <a:latin typeface="Courier New"/>
+                <a:ea typeface="DejaVu Sans"/>
+              </a:rPr>
+              <a:t>(</a:t>
+            </a:r>
+            <a:r>
+              <a:rPr lang="en-US" sz="1200" b="1" strike="noStrike" spc="-1" dirty="0" err="1">
+                <a:latin typeface="Courier New"/>
+                <a:ea typeface="DejaVu Sans"/>
+              </a:rPr>
+              <a:t>KidsFeet</a:t>
+            </a:r>
+            <a:r>
+              <a:rPr lang="en-US" sz="1200" b="1" strike="noStrike" spc="-1" dirty="0">
+                <a:latin typeface="Courier New"/>
+                <a:ea typeface="DejaVu Sans"/>
+              </a:rPr>
+              <a:t>, sex) %&gt;%</a:t>
+            </a:r>
+          </a:p>
+          <a:p>
+            <a:pPr>
+              <a:lnSpc>
+                <a:spcPct val="100000"/>
+              </a:lnSpc>
+            </a:pPr>
+            <a:r>
+              <a:rPr lang="en-US" sz="1200" b="1" spc="-1" dirty="0">
+                <a:latin typeface="Courier New"/>
+                <a:ea typeface="DejaVu Sans"/>
+              </a:rPr>
+              <a:t>  </a:t>
+            </a:r>
+            <a:r>
+              <a:rPr lang="en-US" sz="1200" b="1" strike="noStrike" spc="-1" dirty="0">
+                <a:latin typeface="Courier New"/>
+                <a:ea typeface="DejaVu Sans"/>
+              </a:rPr>
+              <a:t>summarize(</a:t>
+            </a:r>
+            <a:r>
+              <a:rPr lang="en-US" sz="1200" b="1" strike="noStrike" spc="-1" dirty="0" err="1">
+                <a:latin typeface="Courier New"/>
+                <a:ea typeface="DejaVu Sans"/>
+              </a:rPr>
+              <a:t>mean_width</a:t>
+            </a:r>
+            <a:r>
+              <a:rPr lang="en-US" sz="1200" b="1" strike="noStrike" spc="-1" dirty="0">
+                <a:latin typeface="Courier New"/>
+                <a:ea typeface="DejaVu Sans"/>
+              </a:rPr>
+              <a:t> =  </a:t>
+            </a:r>
+          </a:p>
+          <a:p>
+            <a:pPr>
+              <a:lnSpc>
+                <a:spcPct val="100000"/>
+              </a:lnSpc>
+              <a:spcAft>
+                <a:spcPts val="300"/>
+              </a:spcAft>
+            </a:pPr>
+            <a:r>
+              <a:rPr lang="en-US" sz="1200" b="1" spc="-1" dirty="0">
+                <a:latin typeface="Courier New"/>
+                <a:ea typeface="DejaVu Sans"/>
+              </a:rPr>
+              <a:t>    </a:t>
+            </a:r>
+            <a:r>
+              <a:rPr lang="en-US" sz="1200" b="1" strike="noStrike" spc="-1" dirty="0">
+                <a:latin typeface="Courier New"/>
+                <a:ea typeface="DejaVu Sans"/>
+              </a:rPr>
+              <a:t>mean(width) </a:t>
+            </a:r>
+          </a:p>
+          <a:p>
+            <a:r>
+              <a:rPr lang="en-US" sz="1200" spc="-1" dirty="0">
+                <a:solidFill>
+                  <a:srgbClr val="000000"/>
+                </a:solidFill>
                 <a:cs typeface="Courier New" panose="02070309020205020404" pitchFamily="49" charset="0"/>
               </a:rPr>
-              <a:t>dplyr</a:t>
-            </a:r>
-            <a:r>
-              <a:rPr lang="en-US" sz="1200" spc="-1" dirty="0">
-                <a:solidFill>
-                  <a:srgbClr val="000000"/>
-                </a:solidFill>
-                <a:ea typeface="DejaVu Sans"/>
-                <a:cs typeface="Courier New" panose="02070309020205020404" pitchFamily="49" charset="0"/>
-              </a:rPr>
-              <a:t> package</a:t>
-            </a:r>
-          </a:p>
-          <a:p>
-            <a:r>
-              <a:rPr lang="en-US" sz="1200" b="0" strike="noStrike" spc="-1" dirty="0">
-                <a:solidFill>
-                  <a:srgbClr val="000000"/>
-                </a:solidFill>
-                <a:latin typeface="Arial"/>
-                <a:ea typeface="DejaVu Sans"/>
-                <a:cs typeface="Courier New" panose="02070309020205020404" pitchFamily="49" charset="0"/>
-              </a:rPr>
-              <a:t>For details, see </a:t>
+              <a:t>For more, see </a:t>
             </a:r>
             <a:r>
               <a:rPr lang="en-US" sz="1200" b="1" spc="-1" dirty="0" err="1">
@@ -14768,215 +15114,33 @@
               </a:rPr>
               <a:t>cheatsheet</a:t>
             </a:r>
-            <a:endParaRPr lang="en-US" sz="1200" b="0" strike="noStrike" spc="-1" dirty="0">
+            <a:endParaRPr lang="en-US" sz="1200" spc="-1" dirty="0">
               <a:solidFill>
                 <a:srgbClr val="000000"/>
               </a:solidFill>
-              <a:latin typeface="Arial"/>
+            </a:endParaRPr>
+          </a:p>
+          <a:p>
+            <a:pPr>
+              <a:lnSpc>
+                <a:spcPct val="100000"/>
+              </a:lnSpc>
+            </a:pPr>
+            <a:endParaRPr lang="en-US" sz="1200" b="1" spc="-1" dirty="0">
+              <a:latin typeface="Courier New"/>
               <a:ea typeface="DejaVu Sans"/>
             </a:endParaRPr>
           </a:p>
           <a:p>
-            <a:endParaRPr lang="en-US" sz="1200" b="0" strike="noStrike" spc="-1" dirty="0">
-              <a:solidFill>
-                <a:srgbClr val="000000"/>
-              </a:solidFill>
-              <a:latin typeface="Arial"/>
+            <a:pPr>
+              <a:lnSpc>
+                <a:spcPct val="100000"/>
+              </a:lnSpc>
+            </a:pPr>
+            <a:endParaRPr lang="en-US" sz="1200" b="1" strike="noStrike" spc="-1" dirty="0">
+              <a:latin typeface="Courier New"/>
               <a:ea typeface="DejaVu Sans"/>
             </a:endParaRPr>
-          </a:p>
-          <a:p>
-            <a:r>
-              <a:rPr lang="en-US" sz="1200" b="0" strike="noStrike" spc="-1" dirty="0">
-                <a:solidFill>
-                  <a:srgbClr val="000000"/>
-                </a:solidFill>
-                <a:latin typeface="Arial"/>
-                <a:ea typeface="DejaVu Sans"/>
-              </a:rPr>
-              <a:t>Drop, rename, or reorder variables</a:t>
-            </a:r>
-            <a:endParaRPr lang="en-US" sz="1200" b="0" strike="noStrike" spc="-1" dirty="0">
-              <a:latin typeface="Arial"/>
-            </a:endParaRPr>
-          </a:p>
-          <a:p>
-            <a:r>
-              <a:rPr lang="en-US" sz="1200" b="1" spc="-1" dirty="0">
-                <a:latin typeface="Courier New"/>
-              </a:rPr>
-              <a:t>select()</a:t>
-            </a:r>
-            <a:endParaRPr lang="en-US" sz="1200" strike="noStrike" spc="-1" dirty="0">
-              <a:latin typeface="Arial"/>
-            </a:endParaRPr>
-          </a:p>
-          <a:p>
-            <a:pPr>
-              <a:lnSpc>
-                <a:spcPct val="150000"/>
-              </a:lnSpc>
-            </a:pPr>
-            <a:r>
-              <a:rPr lang="en-US" sz="1200" b="0" strike="noStrike" spc="-1" dirty="0">
-                <a:solidFill>
-                  <a:srgbClr val="000000"/>
-                </a:solidFill>
-                <a:latin typeface="Arial"/>
-                <a:ea typeface="DejaVu Sans"/>
-              </a:rPr>
-              <a:t>Create new variables from existing ones</a:t>
-            </a:r>
-            <a:endParaRPr lang="en-US" sz="1200" b="0" strike="noStrike" spc="-1" dirty="0">
-              <a:latin typeface="Arial"/>
-            </a:endParaRPr>
-          </a:p>
-          <a:p>
-            <a:pPr>
-              <a:lnSpc>
-                <a:spcPts val="1000"/>
-              </a:lnSpc>
-            </a:pPr>
-            <a:r>
-              <a:rPr lang="en-US" sz="1200" b="1" strike="noStrike" spc="-1" dirty="0">
-                <a:latin typeface="Courier New"/>
-                <a:ea typeface="DejaVu Sans"/>
-              </a:rPr>
-              <a:t>mutate()</a:t>
-            </a:r>
-            <a:endParaRPr lang="en-US" sz="1200" b="1" strike="noStrike" spc="-1" dirty="0">
-              <a:latin typeface="Arial"/>
-            </a:endParaRPr>
-          </a:p>
-          <a:p>
-            <a:pPr>
-              <a:lnSpc>
-                <a:spcPct val="150000"/>
-              </a:lnSpc>
-            </a:pPr>
-            <a:r>
-              <a:rPr lang="en-US" sz="1200" spc="-1" dirty="0">
-                <a:latin typeface="Arial"/>
-                <a:ea typeface="DejaVu Sans"/>
-              </a:rPr>
-              <a:t>Retain</a:t>
-            </a:r>
-            <a:r>
-              <a:rPr lang="en-US" sz="1200" b="0" strike="noStrike" spc="-1" dirty="0">
-                <a:latin typeface="Arial"/>
-                <a:ea typeface="DejaVu Sans"/>
-              </a:rPr>
-              <a:t> specific rows from data </a:t>
-            </a:r>
-            <a:endParaRPr lang="en-US" sz="1200" b="0" strike="noStrike" spc="-1" dirty="0">
-              <a:latin typeface="Arial"/>
-            </a:endParaRPr>
-          </a:p>
-          <a:p>
-            <a:pPr>
-              <a:lnSpc>
-                <a:spcPts val="1000"/>
-              </a:lnSpc>
-            </a:pPr>
-            <a:r>
-              <a:rPr lang="en-US" sz="1200" b="1" strike="noStrike" spc="-1" dirty="0">
-                <a:latin typeface="Courier New"/>
-                <a:ea typeface="DejaVu Sans"/>
-              </a:rPr>
-              <a:t>filter() </a:t>
-            </a:r>
-            <a:endParaRPr lang="en-US" sz="1200" b="1" strike="noStrike" spc="-1" dirty="0">
-              <a:latin typeface="Arial"/>
-            </a:endParaRPr>
-          </a:p>
-          <a:p>
-            <a:pPr>
-              <a:lnSpc>
-                <a:spcPct val="150000"/>
-              </a:lnSpc>
-            </a:pPr>
-            <a:r>
-              <a:rPr lang="en-US" sz="1200" b="0" strike="noStrike" spc="-1" dirty="0">
-                <a:latin typeface="Arial"/>
-                <a:ea typeface="DejaVu Sans"/>
-              </a:rPr>
-              <a:t>Sort data rows</a:t>
-            </a:r>
-            <a:endParaRPr lang="en-US" sz="1200" b="0" strike="noStrike" spc="-1" dirty="0">
-              <a:latin typeface="Arial"/>
-            </a:endParaRPr>
-          </a:p>
-          <a:p>
-            <a:pPr>
-              <a:lnSpc>
-                <a:spcPts val="1000"/>
-              </a:lnSpc>
-            </a:pPr>
-            <a:r>
-              <a:rPr lang="en-US" sz="1200" b="1" strike="noStrike" spc="-1" dirty="0">
-                <a:latin typeface="Courier New"/>
-                <a:ea typeface="DejaVu Sans"/>
-              </a:rPr>
-              <a:t>arrange() </a:t>
-            </a:r>
-            <a:endParaRPr lang="en-US" sz="1200" b="1" strike="noStrike" spc="-1" dirty="0">
-              <a:latin typeface="Arial"/>
-            </a:endParaRPr>
-          </a:p>
-          <a:p>
-            <a:pPr>
-              <a:lnSpc>
-                <a:spcPct val="150000"/>
-              </a:lnSpc>
-            </a:pPr>
-            <a:r>
-              <a:rPr lang="en-US" sz="1200" b="0" strike="noStrike" spc="-1" dirty="0">
-                <a:latin typeface="Arial"/>
-                <a:ea typeface="DejaVu Sans"/>
-              </a:rPr>
-              <a:t>Compute summary statistics by group</a:t>
-            </a:r>
-            <a:endParaRPr lang="en-US" sz="1200" b="0" strike="noStrike" spc="-1" dirty="0">
-              <a:latin typeface="Arial"/>
-            </a:endParaRPr>
-          </a:p>
-          <a:p>
-            <a:pPr>
-              <a:lnSpc>
-                <a:spcPts val="1000"/>
-              </a:lnSpc>
-            </a:pPr>
-            <a:r>
-              <a:rPr lang="en-US" sz="1200" b="1" strike="noStrike" spc="-1" dirty="0" err="1">
-                <a:latin typeface="Courier New"/>
-                <a:ea typeface="DejaVu Sans"/>
-              </a:rPr>
-              <a:t>group_by</a:t>
-            </a:r>
-            <a:r>
-              <a:rPr lang="en-US" sz="1200" b="1" strike="noStrike" spc="-1" dirty="0">
-                <a:latin typeface="Courier New"/>
-                <a:ea typeface="DejaVu Sans"/>
-              </a:rPr>
-              <a:t>() </a:t>
-            </a:r>
-            <a:endParaRPr lang="en-US" sz="1200" b="1" strike="noStrike" spc="-1" dirty="0">
-              <a:latin typeface="Arial"/>
-            </a:endParaRPr>
-          </a:p>
-          <a:p>
-            <a:pPr>
-              <a:lnSpc>
-                <a:spcPct val="100000"/>
-              </a:lnSpc>
-            </a:pPr>
-            <a:r>
-              <a:rPr lang="en-US" sz="1200" b="1" strike="noStrike" spc="-1" dirty="0">
-                <a:latin typeface="Courier New"/>
-                <a:ea typeface="DejaVu Sans"/>
-              </a:rPr>
-              <a:t>summarize() </a:t>
-            </a:r>
           </a:p>
         </p:txBody>
       </p:sp>
@@ -15793,7 +15957,7 @@
               </a:lnSpc>
             </a:pPr>
             <a:r>
-              <a:rPr lang="en-US" sz="1200" b="0" strike="noStrike" spc="-1">
+              <a:rPr lang="en-US" sz="1200" b="0" strike="noStrike" spc="-1" dirty="0">
                 <a:solidFill>
                   <a:srgbClr val="000000"/>
                 </a:solidFill>
@@ -15803,7 +15967,7 @@
               <a:t>Import data from </a:t>
             </a:r>
             <a:r>
-              <a:rPr lang="en-US" sz="1200" spc="-1">
+              <a:rPr lang="en-US" sz="1200" spc="-1" dirty="0">
                 <a:solidFill>
                   <a:srgbClr val="000000"/>
                 </a:solidFill>
@@ -15813,24 +15977,14 @@
               <a:t>file</a:t>
             </a:r>
             <a:r>
-              <a:rPr lang="en-US" sz="1200" b="0" strike="noStrike" spc="-1">
+              <a:rPr lang="en-US" sz="1200" b="0" strike="noStrike" spc="-1" dirty="0">
                 <a:solidFill>
                   <a:srgbClr val="000000"/>
                 </a:solidFill>
                 <a:latin typeface="Arial"/>
                 <a:ea typeface="DejaVu Sans"/>
               </a:rPr>
-              <a:t> </a:t>
-            </a:r>
-            <a:r>
-              <a:rPr lang="en-US" sz="1200" b="0" strike="noStrike" spc="-1" dirty="0">
-                <a:solidFill>
-                  <a:srgbClr val="000000"/>
-                </a:solidFill>
-                <a:latin typeface="Arial"/>
-                <a:ea typeface="DejaVu Sans"/>
-              </a:rPr>
-              <a:t>or URL</a:t>
+              <a:t> or URL</a:t>
             </a:r>
             <a:endParaRPr lang="en-US" sz="1200" b="0" strike="noStrike" spc="-1" dirty="0">
               <a:latin typeface="Arial"/>
@@ -15953,7 +16107,7 @@
         </p:blipFill>
         <p:spPr>
           <a:xfrm>
-            <a:off x="10683360" y="8384226"/>
+            <a:off x="10683360" y="8537384"/>
             <a:ext cx="2269172" cy="1566128"/>
           </a:xfrm>
           <a:prstGeom prst="rect">

--- a/mosaic-cheatsheet-gf.pptx
+++ b/mosaic-cheatsheet-gf.pptx
@@ -15080,8 +15080,19 @@
                 <a:latin typeface="Courier New"/>
                 <a:ea typeface="DejaVu Sans"/>
               </a:rPr>
-              <a:t>mean(width) </a:t>
-            </a:r>
+              <a:t>mean(</a:t>
+            </a:r>
+            <a:r>
+              <a:rPr lang="en-US" sz="1200" b="1" strike="noStrike" spc="-1">
+                <a:latin typeface="Courier New"/>
+                <a:ea typeface="DejaVu Sans"/>
+              </a:rPr>
+              <a:t>width)) </a:t>
+            </a:r>
+            <a:endParaRPr lang="en-US" sz="1200" b="1" strike="noStrike" spc="-1" dirty="0">
+              <a:latin typeface="Courier New"/>
+              <a:ea typeface="DejaVu Sans"/>
+            </a:endParaRPr>
           </a:p>
           <a:p>
             <a:r>

--- a/mosaic-cheatsheet-gf.pptx
+++ b/mosaic-cheatsheet-gf.pptx
@@ -12053,7 +12053,7 @@
                 <a:latin typeface="Courier New"/>
                 <a:ea typeface="Menlo"/>
               </a:rPr>
-              <a:t>) %&gt;%  </a:t>
+              <a:t>) %&gt;% </a:t>
             </a:r>
           </a:p>
           <a:p>
@@ -12080,6 +12080,43 @@
                 <a:latin typeface="Courier New"/>
                 <a:ea typeface="Menlo"/>
               </a:rPr>
+              <a:t>gf_qqline</a:t>
+            </a:r>
+            <a:r>
+              <a:rPr lang="en-US" sz="1100" b="1" spc="-1" dirty="0">
+                <a:solidFill>
+                  <a:srgbClr val="000000"/>
+                </a:solidFill>
+                <a:latin typeface="Courier New"/>
+                <a:ea typeface="Menlo"/>
+              </a:rPr>
+              <a:t>() %&gt;%</a:t>
+            </a:r>
+          </a:p>
+          <a:p>
+            <a:pPr>
+              <a:lnSpc>
+                <a:spcPct val="100000"/>
+              </a:lnSpc>
+            </a:pPr>
+            <a:r>
+              <a:rPr lang="en-US" sz="1100" b="1" spc="-1" dirty="0">
+                <a:solidFill>
+                  <a:srgbClr val="000000"/>
+                </a:solidFill>
+                <a:latin typeface="Courier New"/>
+                <a:ea typeface="Menlo"/>
+              </a:rPr>
+              <a:t>  </a:t>
+            </a:r>
+            <a:r>
+              <a:rPr lang="en-US" sz="1100" b="1" spc="-1" dirty="0" err="1">
+                <a:solidFill>
+                  <a:srgbClr val="000000"/>
+                </a:solidFill>
+                <a:latin typeface="Courier New"/>
+                <a:ea typeface="Menlo"/>
+              </a:rPr>
               <a:t>gf_labs</a:t>
             </a:r>
             <a:r>
@@ -12107,50 +12144,24 @@
                 <a:latin typeface="Courier New"/>
                 <a:ea typeface="Menlo"/>
               </a:rPr>
-              <a:t>          y = "Length (cm)") %&gt;% </a:t>
-            </a:r>
-          </a:p>
-          <a:p>
-            <a:pPr>
-              <a:lnSpc>
-                <a:spcPct val="100000"/>
-              </a:lnSpc>
-            </a:pPr>
-            <a:r>
-              <a:rPr lang="en-US" sz="1100" b="1" spc="-1" dirty="0">
-                <a:solidFill>
-                  <a:srgbClr val="000000"/>
-                </a:solidFill>
-                <a:latin typeface="Courier New"/>
-                <a:ea typeface="Menlo"/>
-              </a:rPr>
-              <a:t>  </a:t>
-            </a:r>
-            <a:r>
-              <a:rPr lang="en-US" sz="1100" b="1" spc="-1" dirty="0" err="1">
-                <a:solidFill>
-                  <a:srgbClr val="000000"/>
-                </a:solidFill>
-                <a:latin typeface="Courier New"/>
-                <a:ea typeface="Menlo"/>
-              </a:rPr>
-              <a:t>gf_qqline</a:t>
-            </a:r>
-            <a:r>
-              <a:rPr lang="en-US" sz="1100" b="1" spc="-1" dirty="0">
-                <a:solidFill>
-                  <a:srgbClr val="000000"/>
-                </a:solidFill>
-                <a:latin typeface="Courier New"/>
-                <a:ea typeface="Menlo"/>
-              </a:rPr>
-              <a:t>()</a:t>
+              <a:t>          y = "Length (</a:t>
+            </a:r>
+            <a:r>
+              <a:rPr lang="en-US" sz="1100" b="1" spc="-1">
+                <a:solidFill>
+                  <a:srgbClr val="000000"/>
+                </a:solidFill>
+                <a:latin typeface="Courier New"/>
+                <a:ea typeface="Menlo"/>
+              </a:rPr>
+              <a:t>cm)")</a:t>
             </a:r>
             <a:endParaRPr lang="en-US" sz="1100" b="1" spc="-1" dirty="0">
               <a:solidFill>
                 <a:srgbClr val="000000"/>
               </a:solidFill>
               <a:latin typeface="Courier New"/>
+              <a:ea typeface="Menlo"/>
             </a:endParaRPr>
           </a:p>
           <a:p>

--- a/mosaic-cheatsheet-gf.pptx
+++ b/mosaic-cheatsheet-gf.pptx
@@ -110,7 +110,7 @@
   </p:defaultTextStyle>
   <p:extLst>
     <p:ext uri="{EFAFB233-063F-42B5-8137-9DF3F51BA10A}">
-      <p15:sldGuideLst xmlns:p15="http://schemas.microsoft.com/office/powerpoint/2012/main">
+      <p15:sldGuideLst xmlns:p15="http://schemas.microsoft.com/office/powerpoint/2012/main" xmlns="">
         <p15:guide id="1" orient="horz" pos="3400">
           <p15:clr>
             <a:srgbClr val="A4A3A4"/>
@@ -3676,7 +3676,7 @@
                             <a:solidFill>
                               <a:srgbClr val="000000"/>
                             </a:solidFill>
-                            <a:latin typeface="Cambria Math" panose="02040503050406030204" pitchFamily="18" charset="0"/>
+                            <a:latin typeface="Cambria Math"/>
                             <a:ea typeface="Menlo"/>
                           </a:rPr>
                         </m:ctrlPr>
@@ -8502,7 +8502,7 @@
           <p:cNvPr id="3" name="Picture 2">
             <a:extLst>
               <a:ext uri="{FF2B5EF4-FFF2-40B4-BE49-F238E27FC236}">
-                <a16:creationId xmlns:a16="http://schemas.microsoft.com/office/drawing/2014/main" id="{F95F3426-C0E9-427D-98D7-76BA920BF8C3}"/>
+                <a16:creationId xmlns:a16="http://schemas.microsoft.com/office/drawing/2014/main" xmlns="" id="{F95F3426-C0E9-427D-98D7-76BA920BF8C3}"/>
               </a:ext>
             </a:extLst>
           </p:cNvPr>
@@ -9086,7 +9086,7 @@
           <p:cNvPr id="2" name="Picture 1">
             <a:extLst>
               <a:ext uri="{FF2B5EF4-FFF2-40B4-BE49-F238E27FC236}">
-                <a16:creationId xmlns:a16="http://schemas.microsoft.com/office/drawing/2014/main" id="{E14C93C7-58D0-4334-B953-92B8FAB5D41E}"/>
+                <a16:creationId xmlns:a16="http://schemas.microsoft.com/office/drawing/2014/main" xmlns="" id="{E14C93C7-58D0-4334-B953-92B8FAB5D41E}"/>
               </a:ext>
             </a:extLst>
           </p:cNvPr>
@@ -9116,7 +9116,7 @@
           <p:cNvPr id="5" name="Picture 4">
             <a:extLst>
               <a:ext uri="{FF2B5EF4-FFF2-40B4-BE49-F238E27FC236}">
-                <a16:creationId xmlns:a16="http://schemas.microsoft.com/office/drawing/2014/main" id="{2F59B7DE-7EC0-4060-BE69-7FCCAF2C9092}"/>
+                <a16:creationId xmlns:a16="http://schemas.microsoft.com/office/drawing/2014/main" xmlns="" id="{2F59B7DE-7EC0-4060-BE69-7FCCAF2C9092}"/>
               </a:ext>
             </a:extLst>
           </p:cNvPr>
@@ -9146,7 +9146,7 @@
           <p:cNvPr id="38" name="CustomShape 16">
             <a:extLst>
               <a:ext uri="{FF2B5EF4-FFF2-40B4-BE49-F238E27FC236}">
-                <a16:creationId xmlns:a16="http://schemas.microsoft.com/office/drawing/2014/main" id="{2A8949E4-DB74-4834-892A-F16D1B68283F}"/>
+                <a16:creationId xmlns:a16="http://schemas.microsoft.com/office/drawing/2014/main" xmlns="" id="{2A8949E4-DB74-4834-892A-F16D1B68283F}"/>
               </a:ext>
             </a:extLst>
           </p:cNvPr>
@@ -9212,7 +9212,7 @@
           <p:cNvPr id="39" name="CustomShape 20">
             <a:extLst>
               <a:ext uri="{FF2B5EF4-FFF2-40B4-BE49-F238E27FC236}">
-                <a16:creationId xmlns:a16="http://schemas.microsoft.com/office/drawing/2014/main" id="{152F529C-6EEE-467F-8431-043C60D121FB}"/>
+                <a16:creationId xmlns:a16="http://schemas.microsoft.com/office/drawing/2014/main" xmlns="" id="{152F529C-6EEE-467F-8431-043C60D121FB}"/>
               </a:ext>
             </a:extLst>
           </p:cNvPr>
@@ -11257,7 +11257,7 @@
               <a:t>(~</a:t>
             </a:r>
             <a:r>
-              <a:rPr lang="en-US" sz="1200" b="1" strike="noStrike" spc="-1" dirty="0" err="1">
+              <a:rPr lang="en-US" sz="1200" b="1" strike="noStrike" spc="-1" err="1">
                 <a:solidFill>
                   <a:srgbClr val="000000"/>
                 </a:solidFill>
@@ -11267,7 +11267,7 @@
               <a:t>resid</a:t>
             </a:r>
             <a:r>
-              <a:rPr lang="en-US" sz="1200" b="1" strike="noStrike" spc="-1" dirty="0">
+              <a:rPr lang="en-US" sz="1200" b="1" strike="noStrike" spc="-1">
                 <a:solidFill>
                   <a:srgbClr val="000000"/>
                 </a:solidFill>
@@ -11277,7 +11277,7 @@
               <a:t>(</a:t>
             </a:r>
             <a:r>
-              <a:rPr lang="en-US" sz="1200" b="1" strike="noStrike" spc="-1" dirty="0" err="1">
+              <a:rPr lang="en-US" sz="1200" b="1" strike="noStrike" spc="-1" err="1">
                 <a:solidFill>
                   <a:srgbClr val="000000"/>
                 </a:solidFill>
@@ -11287,14 +11287,14 @@
               <a:t>cesdmodel</a:t>
             </a:r>
             <a:r>
-              <a:rPr lang="en-US" sz="1200" b="1" strike="noStrike" spc="-1" dirty="0">
-                <a:solidFill>
-                  <a:srgbClr val="000000"/>
-                </a:solidFill>
-                <a:latin typeface="Courier New"/>
-                <a:ea typeface="DejaVu Sans"/>
-              </a:rPr>
-              <a:t>)</a:t>
+              <a:rPr lang="en-US" sz="1200" b="1" strike="noStrike" spc="-1" smtClean="0">
+                <a:solidFill>
+                  <a:srgbClr val="000000"/>
+                </a:solidFill>
+                <a:latin typeface="Courier New"/>
+                <a:ea typeface="DejaVu Sans"/>
+              </a:rPr>
+              <a:t>))</a:t>
             </a:r>
             <a:endParaRPr lang="en-US" sz="1200" b="0" strike="noStrike" spc="-1" dirty="0">
               <a:latin typeface="Arial"/>
@@ -14312,7 +14312,7 @@
           <p:cNvPr id="22" name="Picture 7">
             <a:extLst>
               <a:ext uri="{FF2B5EF4-FFF2-40B4-BE49-F238E27FC236}">
-                <a16:creationId xmlns:a16="http://schemas.microsoft.com/office/drawing/2014/main" id="{ABEA9727-35A0-42F8-B33C-2A392664FA00}"/>
+                <a16:creationId xmlns:a16="http://schemas.microsoft.com/office/drawing/2014/main" xmlns="" id="{ABEA9727-35A0-42F8-B33C-2A392664FA00}"/>
               </a:ext>
             </a:extLst>
           </p:cNvPr>
@@ -14343,7 +14343,7 @@
           <p:cNvPr id="29" name="CustomShape 4">
             <a:extLst>
               <a:ext uri="{FF2B5EF4-FFF2-40B4-BE49-F238E27FC236}">
-                <a16:creationId xmlns:a16="http://schemas.microsoft.com/office/drawing/2014/main" id="{FA44E67C-3FF1-4558-AB14-26AE8A22A162}"/>
+                <a16:creationId xmlns:a16="http://schemas.microsoft.com/office/drawing/2014/main" xmlns="" id="{FA44E67C-3FF1-4558-AB14-26AE8A22A162}"/>
               </a:ext>
             </a:extLst>
           </p:cNvPr>
@@ -14476,7 +14476,7 @@
           <p:cNvPr id="30" name="CustomShape 5">
             <a:extLst>
               <a:ext uri="{FF2B5EF4-FFF2-40B4-BE49-F238E27FC236}">
-                <a16:creationId xmlns:a16="http://schemas.microsoft.com/office/drawing/2014/main" id="{C98A7EA2-6B6B-4EBA-BFFD-9DB57EF48BEA}"/>
+                <a16:creationId xmlns:a16="http://schemas.microsoft.com/office/drawing/2014/main" xmlns="" id="{C98A7EA2-6B6B-4EBA-BFFD-9DB57EF48BEA}"/>
               </a:ext>
             </a:extLst>
           </p:cNvPr>
@@ -14686,7 +14686,7 @@
           <p:cNvPr id="32" name="CustomShape 11">
             <a:extLst>
               <a:ext uri="{FF2B5EF4-FFF2-40B4-BE49-F238E27FC236}">
-                <a16:creationId xmlns:a16="http://schemas.microsoft.com/office/drawing/2014/main" id="{7DD4CB21-5494-4EEF-8F4C-00425B92FBE6}"/>
+                <a16:creationId xmlns:a16="http://schemas.microsoft.com/office/drawing/2014/main" xmlns="" id="{7DD4CB21-5494-4EEF-8F4C-00425B92FBE6}"/>
               </a:ext>
             </a:extLst>
           </p:cNvPr>
@@ -15171,7 +15171,7 @@
           <p:cNvPr id="33" name="CustomShape 12">
             <a:extLst>
               <a:ext uri="{FF2B5EF4-FFF2-40B4-BE49-F238E27FC236}">
-                <a16:creationId xmlns:a16="http://schemas.microsoft.com/office/drawing/2014/main" id="{136D446F-62AC-4126-B127-FB18EB3AF018}"/>
+                <a16:creationId xmlns:a16="http://schemas.microsoft.com/office/drawing/2014/main" xmlns="" id="{136D446F-62AC-4126-B127-FB18EB3AF018}"/>
               </a:ext>
             </a:extLst>
           </p:cNvPr>
@@ -15237,7 +15237,7 @@
           <p:cNvPr id="34" name="CustomShape 13">
             <a:extLst>
               <a:ext uri="{FF2B5EF4-FFF2-40B4-BE49-F238E27FC236}">
-                <a16:creationId xmlns:a16="http://schemas.microsoft.com/office/drawing/2014/main" id="{50726162-5B28-4131-ACFF-63BA1E8C88EE}"/>
+                <a16:creationId xmlns:a16="http://schemas.microsoft.com/office/drawing/2014/main" xmlns="" id="{50726162-5B28-4131-ACFF-63BA1E8C88EE}"/>
               </a:ext>
             </a:extLst>
           </p:cNvPr>
@@ -15780,7 +15780,7 @@
           <p:cNvPr id="35" name="CustomShape 14">
             <a:extLst>
               <a:ext uri="{FF2B5EF4-FFF2-40B4-BE49-F238E27FC236}">
-                <a16:creationId xmlns:a16="http://schemas.microsoft.com/office/drawing/2014/main" id="{54FB45DF-FF93-4AF3-B1A8-71CD2943E523}"/>
+                <a16:creationId xmlns:a16="http://schemas.microsoft.com/office/drawing/2014/main" xmlns="" id="{54FB45DF-FF93-4AF3-B1A8-71CD2943E523}"/>
               </a:ext>
             </a:extLst>
           </p:cNvPr>
@@ -15866,7 +15866,7 @@
           <p:cNvPr id="36" name="CustomShape 18">
             <a:extLst>
               <a:ext uri="{FF2B5EF4-FFF2-40B4-BE49-F238E27FC236}">
-                <a16:creationId xmlns:a16="http://schemas.microsoft.com/office/drawing/2014/main" id="{1822A551-1DC0-4CA0-BE33-D13C157AE72B}"/>
+                <a16:creationId xmlns:a16="http://schemas.microsoft.com/office/drawing/2014/main" xmlns="" id="{1822A551-1DC0-4CA0-BE33-D13C157AE72B}"/>
               </a:ext>
             </a:extLst>
           </p:cNvPr>
@@ -15932,7 +15932,7 @@
           <p:cNvPr id="37" name="CustomShape 11">
             <a:extLst>
               <a:ext uri="{FF2B5EF4-FFF2-40B4-BE49-F238E27FC236}">
-                <a16:creationId xmlns:a16="http://schemas.microsoft.com/office/drawing/2014/main" id="{209F34DB-99E0-4FC1-B232-61460803BE76}"/>
+                <a16:creationId xmlns:a16="http://schemas.microsoft.com/office/drawing/2014/main" xmlns="" id="{209F34DB-99E0-4FC1-B232-61460803BE76}"/>
               </a:ext>
             </a:extLst>
           </p:cNvPr>
@@ -16106,7 +16106,7 @@
           <p:cNvPr id="4" name="Picture 3">
             <a:extLst>
               <a:ext uri="{FF2B5EF4-FFF2-40B4-BE49-F238E27FC236}">
-                <a16:creationId xmlns:a16="http://schemas.microsoft.com/office/drawing/2014/main" id="{0EFD9D09-0C5E-4C9D-97F2-2AC682CC1F6C}"/>
+                <a16:creationId xmlns:a16="http://schemas.microsoft.com/office/drawing/2014/main" xmlns="" id="{0EFD9D09-0C5E-4C9D-97F2-2AC682CC1F6C}"/>
               </a:ext>
             </a:extLst>
           </p:cNvPr>

--- a/mosaic-cheatsheet-gf.pptx
+++ b/mosaic-cheatsheet-gf.pptx
@@ -110,7 +110,7 @@
   </p:defaultTextStyle>
   <p:extLst>
     <p:ext uri="{EFAFB233-063F-42B5-8137-9DF3F51BA10A}">
-      <p15:sldGuideLst xmlns:p15="http://schemas.microsoft.com/office/powerpoint/2012/main" xmlns="">
+      <p15:sldGuideLst xmlns="" xmlns:p15="http://schemas.microsoft.com/office/powerpoint/2012/main">
         <p15:guide id="1" orient="horz" pos="3400">
           <p15:clr>
             <a:srgbClr val="A4A3A4"/>
@@ -8502,7 +8502,7 @@
           <p:cNvPr id="3" name="Picture 2">
             <a:extLst>
               <a:ext uri="{FF2B5EF4-FFF2-40B4-BE49-F238E27FC236}">
-                <a16:creationId xmlns:a16="http://schemas.microsoft.com/office/drawing/2014/main" xmlns="" id="{F95F3426-C0E9-427D-98D7-76BA920BF8C3}"/>
+                <a16:creationId xmlns="" xmlns:a16="http://schemas.microsoft.com/office/drawing/2014/main" id="{F95F3426-C0E9-427D-98D7-76BA920BF8C3}"/>
               </a:ext>
             </a:extLst>
           </p:cNvPr>
@@ -9086,7 +9086,7 @@
           <p:cNvPr id="2" name="Picture 1">
             <a:extLst>
               <a:ext uri="{FF2B5EF4-FFF2-40B4-BE49-F238E27FC236}">
-                <a16:creationId xmlns:a16="http://schemas.microsoft.com/office/drawing/2014/main" xmlns="" id="{E14C93C7-58D0-4334-B953-92B8FAB5D41E}"/>
+                <a16:creationId xmlns="" xmlns:a16="http://schemas.microsoft.com/office/drawing/2014/main" id="{E14C93C7-58D0-4334-B953-92B8FAB5D41E}"/>
               </a:ext>
             </a:extLst>
           </p:cNvPr>
@@ -9116,7 +9116,7 @@
           <p:cNvPr id="5" name="Picture 4">
             <a:extLst>
               <a:ext uri="{FF2B5EF4-FFF2-40B4-BE49-F238E27FC236}">
-                <a16:creationId xmlns:a16="http://schemas.microsoft.com/office/drawing/2014/main" xmlns="" id="{2F59B7DE-7EC0-4060-BE69-7FCCAF2C9092}"/>
+                <a16:creationId xmlns="" xmlns:a16="http://schemas.microsoft.com/office/drawing/2014/main" id="{2F59B7DE-7EC0-4060-BE69-7FCCAF2C9092}"/>
               </a:ext>
             </a:extLst>
           </p:cNvPr>
@@ -9146,7 +9146,7 @@
           <p:cNvPr id="38" name="CustomShape 16">
             <a:extLst>
               <a:ext uri="{FF2B5EF4-FFF2-40B4-BE49-F238E27FC236}">
-                <a16:creationId xmlns:a16="http://schemas.microsoft.com/office/drawing/2014/main" xmlns="" id="{2A8949E4-DB74-4834-892A-F16D1B68283F}"/>
+                <a16:creationId xmlns="" xmlns:a16="http://schemas.microsoft.com/office/drawing/2014/main" id="{2A8949E4-DB74-4834-892A-F16D1B68283F}"/>
               </a:ext>
             </a:extLst>
           </p:cNvPr>
@@ -9212,7 +9212,7 @@
           <p:cNvPr id="39" name="CustomShape 20">
             <a:extLst>
               <a:ext uri="{FF2B5EF4-FFF2-40B4-BE49-F238E27FC236}">
-                <a16:creationId xmlns:a16="http://schemas.microsoft.com/office/drawing/2014/main" xmlns="" id="{152F529C-6EEE-467F-8431-043C60D121FB}"/>
+                <a16:creationId xmlns="" xmlns:a16="http://schemas.microsoft.com/office/drawing/2014/main" id="{152F529C-6EEE-467F-8431-043C60D121FB}"/>
               </a:ext>
             </a:extLst>
           </p:cNvPr>
@@ -12316,102 +12316,11 @@
           <a:p>
             <a:pPr>
               <a:lnSpc>
-                <a:spcPct val="100000"/>
-              </a:lnSpc>
-            </a:pPr>
-            <a:r>
-              <a:rPr lang="en-US" sz="1200" b="1" spc="-1" dirty="0" err="1">
-                <a:solidFill>
-                  <a:srgbClr val="000000"/>
-                </a:solidFill>
-                <a:latin typeface="Courier New"/>
-                <a:ea typeface="Menlo"/>
-              </a:rPr>
-              <a:t>gf_boxplot</a:t>
-            </a:r>
-            <a:r>
-              <a:rPr lang="en-US" sz="1200" b="1" spc="-1" dirty="0">
-                <a:solidFill>
-                  <a:srgbClr val="000000"/>
-                </a:solidFill>
-                <a:latin typeface="Courier New"/>
-                <a:ea typeface="Menlo"/>
-              </a:rPr>
-              <a:t>(</a:t>
-            </a:r>
-            <a:r>
-              <a:rPr lang="en-US" sz="1200" b="1" spc="-1" dirty="0" err="1">
-                <a:solidFill>
-                  <a:srgbClr val="000000"/>
-                </a:solidFill>
-                <a:latin typeface="Courier New"/>
-                <a:ea typeface="Menlo"/>
-              </a:rPr>
-              <a:t>cesd</a:t>
-            </a:r>
-            <a:r>
-              <a:rPr lang="en-US" sz="1200" b="1" spc="-1" dirty="0">
-                <a:solidFill>
-                  <a:srgbClr val="000000"/>
-                </a:solidFill>
-                <a:latin typeface="Courier New"/>
-                <a:ea typeface="Menlo"/>
-              </a:rPr>
-              <a:t> ~ substance, </a:t>
-            </a:r>
-          </a:p>
-          <a:p>
-            <a:pPr>
-              <a:lnSpc>
-                <a:spcPct val="100000"/>
-              </a:lnSpc>
-            </a:pPr>
-            <a:r>
-              <a:rPr lang="en-US" sz="1200" b="1" spc="-1" dirty="0">
-                <a:solidFill>
-                  <a:srgbClr val="000000"/>
-                </a:solidFill>
-                <a:latin typeface="Courier New"/>
-                <a:ea typeface="Menlo"/>
-              </a:rPr>
-              <a:t>  data = </a:t>
-            </a:r>
-            <a:r>
-              <a:rPr lang="en-US" sz="1200" b="1" spc="-1" dirty="0" err="1">
-                <a:solidFill>
-                  <a:srgbClr val="000000"/>
-                </a:solidFill>
-                <a:latin typeface="Courier New"/>
-                <a:ea typeface="Menlo"/>
-              </a:rPr>
-              <a:t>HELPrct</a:t>
-            </a:r>
-            <a:r>
-              <a:rPr lang="en-US" sz="1200" b="1" spc="-1" dirty="0">
-                <a:solidFill>
-                  <a:srgbClr val="000000"/>
-                </a:solidFill>
-                <a:latin typeface="Courier New"/>
-                <a:ea typeface="Menlo"/>
-              </a:rPr>
-              <a:t>)</a:t>
-            </a:r>
-            <a:endParaRPr lang="en-US" sz="1200" spc="-1" dirty="0">
-              <a:solidFill>
-                <a:srgbClr val="000000"/>
-              </a:solidFill>
-              <a:latin typeface="Arial"/>
-              <a:ea typeface="Menlo"/>
-            </a:endParaRPr>
-          </a:p>
-          <a:p>
-            <a:pPr>
-              <a:lnSpc>
                 <a:spcPct val="150000"/>
               </a:lnSpc>
             </a:pPr>
             <a:r>
-              <a:rPr lang="en-US" sz="1200" b="0" strike="noStrike" spc="-1" dirty="0">
+              <a:rPr lang="en-US" sz="1200" b="0" strike="noStrike" spc="-1" smtClean="0">
                 <a:solidFill>
                   <a:srgbClr val="000000"/>
                 </a:solidFill>
@@ -12658,14 +12567,24 @@
               </a:lnSpc>
             </a:pPr>
             <a:r>
-              <a:rPr lang="en-US" sz="1200" b="0" strike="noStrike" spc="-1" dirty="0">
+              <a:rPr lang="en-US" sz="1200" b="0" strike="noStrike" spc="-1">
                 <a:solidFill>
                   <a:srgbClr val="000000"/>
                 </a:solidFill>
                 <a:latin typeface="Arial"/>
                 <a:ea typeface="DejaVu Sans"/>
               </a:rPr>
-              <a:t>Numeric summaries</a:t>
+              <a:t>Numeric </a:t>
+            </a:r>
+            <a:r>
+              <a:rPr lang="en-US" sz="1200" b="0" strike="noStrike" spc="-1" smtClean="0">
+                <a:solidFill>
+                  <a:srgbClr val="000000"/>
+                </a:solidFill>
+                <a:latin typeface="Arial"/>
+                <a:ea typeface="DejaVu Sans"/>
+              </a:rPr>
+              <a:t>and graphic summaries</a:t>
             </a:r>
             <a:endParaRPr lang="en-US" sz="1200" b="0" strike="noStrike" spc="-1" dirty="0">
               <a:latin typeface="Arial"/>
@@ -12738,7 +12657,7 @@
               <a:t>  data = </a:t>
             </a:r>
             <a:r>
-              <a:rPr lang="en-US" sz="1100" b="1" strike="noStrike" spc="-1" dirty="0" err="1">
+              <a:rPr lang="en-US" sz="1100" b="1" strike="noStrike" spc="-1" err="1">
                 <a:solidFill>
                   <a:srgbClr val="000000"/>
                 </a:solidFill>
@@ -12748,7 +12667,61 @@
               <a:t>HELPrct</a:t>
             </a:r>
             <a:r>
-              <a:rPr lang="en-US" sz="1100" b="1" strike="noStrike" spc="-1" dirty="0">
+              <a:rPr lang="en-US" sz="1100" b="1" strike="noStrike" spc="-1" smtClean="0">
+                <a:solidFill>
+                  <a:srgbClr val="000000"/>
+                </a:solidFill>
+                <a:latin typeface="Courier New"/>
+                <a:ea typeface="Menlo"/>
+              </a:rPr>
+              <a:t>)</a:t>
+            </a:r>
+          </a:p>
+          <a:p>
+            <a:pPr>
+              <a:lnSpc>
+                <a:spcPct val="100000"/>
+              </a:lnSpc>
+            </a:pPr>
+            <a:r>
+              <a:rPr lang="en-US" sz="1100" b="1" spc="-1">
+                <a:solidFill>
+                  <a:srgbClr val="000000"/>
+                </a:solidFill>
+                <a:latin typeface="Courier New"/>
+                <a:ea typeface="Menlo"/>
+              </a:rPr>
+              <a:t>gf_boxplot(cesd ~ substance, </a:t>
+            </a:r>
+          </a:p>
+          <a:p>
+            <a:pPr>
+              <a:lnSpc>
+                <a:spcPct val="100000"/>
+              </a:lnSpc>
+            </a:pPr>
+            <a:r>
+              <a:rPr lang="en-US" sz="1100" b="1" spc="-1">
+                <a:solidFill>
+                  <a:srgbClr val="000000"/>
+                </a:solidFill>
+                <a:latin typeface="Courier New"/>
+                <a:ea typeface="Menlo"/>
+              </a:rPr>
+              <a:t>  data = </a:t>
+            </a:r>
+            <a:r>
+              <a:rPr lang="en-US" sz="1100" b="1" spc="-1">
+                <a:solidFill>
+                  <a:srgbClr val="000000"/>
+                </a:solidFill>
+                <a:latin typeface="Courier New"/>
+                <a:ea typeface="Menlo"/>
+              </a:rPr>
+              <a:t>HELPrct</a:t>
+            </a:r>
+            <a:r>
+              <a:rPr lang="en-US" sz="1100" b="1" spc="-1" smtClean="0">
                 <a:solidFill>
                   <a:srgbClr val="000000"/>
                 </a:solidFill>
@@ -14312,7 +14285,7 @@
           <p:cNvPr id="22" name="Picture 7">
             <a:extLst>
               <a:ext uri="{FF2B5EF4-FFF2-40B4-BE49-F238E27FC236}">
-                <a16:creationId xmlns:a16="http://schemas.microsoft.com/office/drawing/2014/main" xmlns="" id="{ABEA9727-35A0-42F8-B33C-2A392664FA00}"/>
+                <a16:creationId xmlns="" xmlns:a16="http://schemas.microsoft.com/office/drawing/2014/main" id="{ABEA9727-35A0-42F8-B33C-2A392664FA00}"/>
               </a:ext>
             </a:extLst>
           </p:cNvPr>
@@ -14343,7 +14316,7 @@
           <p:cNvPr id="29" name="CustomShape 4">
             <a:extLst>
               <a:ext uri="{FF2B5EF4-FFF2-40B4-BE49-F238E27FC236}">
-                <a16:creationId xmlns:a16="http://schemas.microsoft.com/office/drawing/2014/main" xmlns="" id="{FA44E67C-3FF1-4558-AB14-26AE8A22A162}"/>
+                <a16:creationId xmlns="" xmlns:a16="http://schemas.microsoft.com/office/drawing/2014/main" id="{FA44E67C-3FF1-4558-AB14-26AE8A22A162}"/>
               </a:ext>
             </a:extLst>
           </p:cNvPr>
@@ -14476,7 +14449,7 @@
           <p:cNvPr id="30" name="CustomShape 5">
             <a:extLst>
               <a:ext uri="{FF2B5EF4-FFF2-40B4-BE49-F238E27FC236}">
-                <a16:creationId xmlns:a16="http://schemas.microsoft.com/office/drawing/2014/main" xmlns="" id="{C98A7EA2-6B6B-4EBA-BFFD-9DB57EF48BEA}"/>
+                <a16:creationId xmlns="" xmlns:a16="http://schemas.microsoft.com/office/drawing/2014/main" id="{C98A7EA2-6B6B-4EBA-BFFD-9DB57EF48BEA}"/>
               </a:ext>
             </a:extLst>
           </p:cNvPr>
@@ -14575,7 +14548,7 @@
       </p:sp>
       <p:pic>
         <p:nvPicPr>
-          <p:cNvPr id="2050" name="Picture 2"/>
+          <p:cNvPr id="1026" name="Picture 2"/>
           <p:cNvPicPr>
             <a:picLocks noChangeAspect="1" noChangeArrowheads="1"/>
           </p:cNvPicPr>
@@ -14583,60 +14556,6 @@
         </p:nvPicPr>
         <p:blipFill>
           <a:blip r:embed="rId4" cstate="print">
-            <a:extLst>
-              <a:ext uri="{28A0092B-C50C-407E-A947-70E740481C1C}">
-                <a14:useLocalDpi xmlns:a14="http://schemas.microsoft.com/office/drawing/2010/main" val="0"/>
-              </a:ext>
-            </a:extLst>
-          </a:blip>
-          <a:srcRect/>
-          <a:stretch>
-            <a:fillRect/>
-          </a:stretch>
-        </p:blipFill>
-        <p:spPr bwMode="auto">
-          <a:xfrm>
-            <a:off x="7734841" y="2338033"/>
-            <a:ext cx="1390313" cy="1371600"/>
-          </a:xfrm>
-          <a:prstGeom prst="rect">
-            <a:avLst/>
-          </a:prstGeom>
-          <a:noFill/>
-          <a:ln>
-            <a:noFill/>
-          </a:ln>
-          <a:extLst>
-            <a:ext uri="{909E8E84-426E-40DD-AFC4-6F175D3DCCD1}">
-              <a14:hiddenFill xmlns:a14="http://schemas.microsoft.com/office/drawing/2010/main">
-                <a:solidFill>
-                  <a:schemeClr val="accent1"/>
-                </a:solidFill>
-              </a14:hiddenFill>
-            </a:ext>
-            <a:ext uri="{91240B29-F687-4F45-9708-019B960494DF}">
-              <a14:hiddenLine xmlns:a14="http://schemas.microsoft.com/office/drawing/2010/main" w="9525">
-                <a:solidFill>
-                  <a:schemeClr val="tx1"/>
-                </a:solidFill>
-                <a:miter lim="800000"/>
-                <a:headEnd/>
-                <a:tailEnd/>
-              </a14:hiddenLine>
-            </a:ext>
-          </a:extLst>
-        </p:spPr>
-      </p:pic>
-      <p:pic>
-        <p:nvPicPr>
-          <p:cNvPr id="1026" name="Picture 2"/>
-          <p:cNvPicPr>
-            <a:picLocks noChangeAspect="1" noChangeArrowheads="1"/>
-          </p:cNvPicPr>
-          <p:nvPr/>
-        </p:nvPicPr>
-        <p:blipFill>
-          <a:blip r:embed="rId5" cstate="print">
             <a:extLst>
               <a:ext uri="{28A0092B-C50C-407E-A947-70E740481C1C}">
                 <a14:useLocalDpi xmlns:a14="http://schemas.microsoft.com/office/drawing/2010/main" val="0"/>
@@ -14686,7 +14605,7 @@
           <p:cNvPr id="32" name="CustomShape 11">
             <a:extLst>
               <a:ext uri="{FF2B5EF4-FFF2-40B4-BE49-F238E27FC236}">
-                <a16:creationId xmlns:a16="http://schemas.microsoft.com/office/drawing/2014/main" xmlns="" id="{7DD4CB21-5494-4EEF-8F4C-00425B92FBE6}"/>
+                <a16:creationId xmlns="" xmlns:a16="http://schemas.microsoft.com/office/drawing/2014/main" id="{7DD4CB21-5494-4EEF-8F4C-00425B92FBE6}"/>
               </a:ext>
             </a:extLst>
           </p:cNvPr>
@@ -15118,21 +15037,21 @@
             <a:r>
               <a:rPr lang="en-US" sz="1200" b="1" spc="-1" dirty="0" err="1">
                 <a:latin typeface="Courier New"/>
-                <a:hlinkClick r:id="rId6"/>
+                <a:hlinkClick r:id="rId5"/>
               </a:rPr>
               <a:t>Tidyverse</a:t>
             </a:r>
             <a:r>
               <a:rPr lang="en-US" sz="1200" b="1" spc="-1" dirty="0">
                 <a:latin typeface="Courier New"/>
-                <a:hlinkClick r:id="rId6"/>
+                <a:hlinkClick r:id="rId5"/>
               </a:rPr>
               <a:t> </a:t>
             </a:r>
             <a:r>
               <a:rPr lang="en-US" sz="1200" b="1" spc="-1" dirty="0" err="1">
                 <a:latin typeface="Courier New"/>
-                <a:hlinkClick r:id="rId6"/>
+                <a:hlinkClick r:id="rId5"/>
               </a:rPr>
               <a:t>cheatsheet</a:t>
             </a:r>
@@ -15171,7 +15090,7 @@
           <p:cNvPr id="33" name="CustomShape 12">
             <a:extLst>
               <a:ext uri="{FF2B5EF4-FFF2-40B4-BE49-F238E27FC236}">
-                <a16:creationId xmlns:a16="http://schemas.microsoft.com/office/drawing/2014/main" xmlns="" id="{136D446F-62AC-4126-B127-FB18EB3AF018}"/>
+                <a16:creationId xmlns="" xmlns:a16="http://schemas.microsoft.com/office/drawing/2014/main" id="{136D446F-62AC-4126-B127-FB18EB3AF018}"/>
               </a:ext>
             </a:extLst>
           </p:cNvPr>
@@ -15237,7 +15156,7 @@
           <p:cNvPr id="34" name="CustomShape 13">
             <a:extLst>
               <a:ext uri="{FF2B5EF4-FFF2-40B4-BE49-F238E27FC236}">
-                <a16:creationId xmlns:a16="http://schemas.microsoft.com/office/drawing/2014/main" xmlns="" id="{50726162-5B28-4131-ACFF-63BA1E8C88EE}"/>
+                <a16:creationId xmlns="" xmlns:a16="http://schemas.microsoft.com/office/drawing/2014/main" id="{50726162-5B28-4131-ACFF-63BA1E8C88EE}"/>
               </a:ext>
             </a:extLst>
           </p:cNvPr>
@@ -15780,7 +15699,7 @@
           <p:cNvPr id="35" name="CustomShape 14">
             <a:extLst>
               <a:ext uri="{FF2B5EF4-FFF2-40B4-BE49-F238E27FC236}">
-                <a16:creationId xmlns:a16="http://schemas.microsoft.com/office/drawing/2014/main" xmlns="" id="{54FB45DF-FF93-4AF3-B1A8-71CD2943E523}"/>
+                <a16:creationId xmlns="" xmlns:a16="http://schemas.microsoft.com/office/drawing/2014/main" id="{54FB45DF-FF93-4AF3-B1A8-71CD2943E523}"/>
               </a:ext>
             </a:extLst>
           </p:cNvPr>
@@ -15866,7 +15785,7 @@
           <p:cNvPr id="36" name="CustomShape 18">
             <a:extLst>
               <a:ext uri="{FF2B5EF4-FFF2-40B4-BE49-F238E27FC236}">
-                <a16:creationId xmlns:a16="http://schemas.microsoft.com/office/drawing/2014/main" xmlns="" id="{1822A551-1DC0-4CA0-BE33-D13C157AE72B}"/>
+                <a16:creationId xmlns="" xmlns:a16="http://schemas.microsoft.com/office/drawing/2014/main" id="{1822A551-1DC0-4CA0-BE33-D13C157AE72B}"/>
               </a:ext>
             </a:extLst>
           </p:cNvPr>
@@ -15932,7 +15851,7 @@
           <p:cNvPr id="37" name="CustomShape 11">
             <a:extLst>
               <a:ext uri="{FF2B5EF4-FFF2-40B4-BE49-F238E27FC236}">
-                <a16:creationId xmlns:a16="http://schemas.microsoft.com/office/drawing/2014/main" xmlns="" id="{209F34DB-99E0-4FC1-B232-61460803BE76}"/>
+                <a16:creationId xmlns="" xmlns:a16="http://schemas.microsoft.com/office/drawing/2014/main" id="{209F34DB-99E0-4FC1-B232-61460803BE76}"/>
               </a:ext>
             </a:extLst>
           </p:cNvPr>
@@ -16106,7 +16025,7 @@
           <p:cNvPr id="4" name="Picture 3">
             <a:extLst>
               <a:ext uri="{FF2B5EF4-FFF2-40B4-BE49-F238E27FC236}">
-                <a16:creationId xmlns:a16="http://schemas.microsoft.com/office/drawing/2014/main" xmlns="" id="{0EFD9D09-0C5E-4C9D-97F2-2AC682CC1F6C}"/>
+                <a16:creationId xmlns="" xmlns:a16="http://schemas.microsoft.com/office/drawing/2014/main" id="{0EFD9D09-0C5E-4C9D-97F2-2AC682CC1F6C}"/>
               </a:ext>
             </a:extLst>
           </p:cNvPr>
@@ -16116,7 +16035,7 @@
           <p:nvPr/>
         </p:nvPicPr>
         <p:blipFill>
-          <a:blip r:embed="rId7">
+          <a:blip r:embed="rId6">
             <a:extLst>
               <a:ext uri="{28A0092B-C50C-407E-A947-70E740481C1C}">
                 <a14:useLocalDpi xmlns:a14="http://schemas.microsoft.com/office/drawing/2010/main" val="0"/>
@@ -16135,6 +16054,60 @@
           <a:prstGeom prst="rect">
             <a:avLst/>
           </a:prstGeom>
+        </p:spPr>
+      </p:pic>
+      <p:pic>
+        <p:nvPicPr>
+          <p:cNvPr id="2" name="Picture 2"/>
+          <p:cNvPicPr>
+            <a:picLocks noChangeAspect="1" noChangeArrowheads="1"/>
+          </p:cNvPicPr>
+          <p:nvPr/>
+        </p:nvPicPr>
+        <p:blipFill>
+          <a:blip r:embed="rId7" cstate="print">
+            <a:extLst>
+              <a:ext uri="{28A0092B-C50C-407E-A947-70E740481C1C}">
+                <a14:useLocalDpi xmlns:a14="http://schemas.microsoft.com/office/drawing/2010/main" val="0"/>
+              </a:ext>
+            </a:extLst>
+          </a:blip>
+          <a:srcRect/>
+          <a:stretch>
+            <a:fillRect/>
+          </a:stretch>
+        </p:blipFill>
+        <p:spPr bwMode="auto">
+          <a:xfrm>
+            <a:off x="7772400" y="2286000"/>
+            <a:ext cx="1384000" cy="1373333"/>
+          </a:xfrm>
+          <a:prstGeom prst="rect">
+            <a:avLst/>
+          </a:prstGeom>
+          <a:noFill/>
+          <a:ln>
+            <a:noFill/>
+          </a:ln>
+          <a:extLst>
+            <a:ext uri="{909E8E84-426E-40DD-AFC4-6F175D3DCCD1}">
+              <a14:hiddenFill xmlns:a14="http://schemas.microsoft.com/office/drawing/2010/main">
+                <a:solidFill>
+                  <a:schemeClr val="accent1"/>
+                </a:solidFill>
+              </a14:hiddenFill>
+            </a:ext>
+            <a:ext uri="{91240B29-F687-4F45-9708-019B960494DF}">
+              <a14:hiddenLine xmlns:a14="http://schemas.microsoft.com/office/drawing/2010/main" w="9525">
+                <a:solidFill>
+                  <a:schemeClr val="tx1"/>
+                </a:solidFill>
+                <a:miter lim="800000"/>
+                <a:headEnd/>
+                <a:tailEnd/>
+              </a14:hiddenLine>
+            </a:ext>
+          </a:extLst>
         </p:spPr>
       </p:pic>
     </p:spTree>

--- a/mosaic-cheatsheet-gf.pptx
+++ b/mosaic-cheatsheet-gf.pptx
@@ -110,7 +110,7 @@
   </p:defaultTextStyle>
   <p:extLst>
     <p:ext uri="{EFAFB233-063F-42B5-8137-9DF3F51BA10A}">
-      <p15:sldGuideLst xmlns="" xmlns:p15="http://schemas.microsoft.com/office/powerpoint/2012/main">
+      <p15:sldGuideLst xmlns:p15="http://schemas.microsoft.com/office/powerpoint/2012/main">
         <p15:guide id="1" orient="horz" pos="3400">
           <p15:clr>
             <a:srgbClr val="A4A3A4"/>
@@ -3676,7 +3676,7 @@
                             <a:solidFill>
                               <a:srgbClr val="000000"/>
                             </a:solidFill>
-                            <a:latin typeface="Cambria Math"/>
+                            <a:latin typeface="Cambria Math" panose="02040503050406030204" pitchFamily="18" charset="0"/>
                             <a:ea typeface="Menlo"/>
                           </a:rPr>
                         </m:ctrlPr>
@@ -8502,7 +8502,7 @@
           <p:cNvPr id="3" name="Picture 2">
             <a:extLst>
               <a:ext uri="{FF2B5EF4-FFF2-40B4-BE49-F238E27FC236}">
-                <a16:creationId xmlns="" xmlns:a16="http://schemas.microsoft.com/office/drawing/2014/main" id="{F95F3426-C0E9-427D-98D7-76BA920BF8C3}"/>
+                <a16:creationId xmlns:a16="http://schemas.microsoft.com/office/drawing/2014/main" id="{F95F3426-C0E9-427D-98D7-76BA920BF8C3}"/>
               </a:ext>
             </a:extLst>
           </p:cNvPr>
@@ -9086,7 +9086,7 @@
           <p:cNvPr id="2" name="Picture 1">
             <a:extLst>
               <a:ext uri="{FF2B5EF4-FFF2-40B4-BE49-F238E27FC236}">
-                <a16:creationId xmlns="" xmlns:a16="http://schemas.microsoft.com/office/drawing/2014/main" id="{E14C93C7-58D0-4334-B953-92B8FAB5D41E}"/>
+                <a16:creationId xmlns:a16="http://schemas.microsoft.com/office/drawing/2014/main" id="{E14C93C7-58D0-4334-B953-92B8FAB5D41E}"/>
               </a:ext>
             </a:extLst>
           </p:cNvPr>
@@ -9116,7 +9116,7 @@
           <p:cNvPr id="5" name="Picture 4">
             <a:extLst>
               <a:ext uri="{FF2B5EF4-FFF2-40B4-BE49-F238E27FC236}">
-                <a16:creationId xmlns="" xmlns:a16="http://schemas.microsoft.com/office/drawing/2014/main" id="{2F59B7DE-7EC0-4060-BE69-7FCCAF2C9092}"/>
+                <a16:creationId xmlns:a16="http://schemas.microsoft.com/office/drawing/2014/main" id="{2F59B7DE-7EC0-4060-BE69-7FCCAF2C9092}"/>
               </a:ext>
             </a:extLst>
           </p:cNvPr>
@@ -9146,7 +9146,7 @@
           <p:cNvPr id="38" name="CustomShape 16">
             <a:extLst>
               <a:ext uri="{FF2B5EF4-FFF2-40B4-BE49-F238E27FC236}">
-                <a16:creationId xmlns="" xmlns:a16="http://schemas.microsoft.com/office/drawing/2014/main" id="{2A8949E4-DB74-4834-892A-F16D1B68283F}"/>
+                <a16:creationId xmlns:a16="http://schemas.microsoft.com/office/drawing/2014/main" id="{2A8949E4-DB74-4834-892A-F16D1B68283F}"/>
               </a:ext>
             </a:extLst>
           </p:cNvPr>
@@ -9212,7 +9212,7 @@
           <p:cNvPr id="39" name="CustomShape 20">
             <a:extLst>
               <a:ext uri="{FF2B5EF4-FFF2-40B4-BE49-F238E27FC236}">
-                <a16:creationId xmlns="" xmlns:a16="http://schemas.microsoft.com/office/drawing/2014/main" id="{152F529C-6EEE-467F-8431-043C60D121FB}"/>
+                <a16:creationId xmlns:a16="http://schemas.microsoft.com/office/drawing/2014/main" id="{152F529C-6EEE-467F-8431-043C60D121FB}"/>
               </a:ext>
             </a:extLst>
           </p:cNvPr>
@@ -9917,22 +9917,13 @@
               </a:lnSpc>
             </a:pPr>
             <a:r>
-              <a:rPr lang="en-US" sz="1200" b="1" spc="-1" dirty="0" err="1">
+              <a:rPr lang="en-US" sz="1200" b="1" spc="-1" dirty="0">
                 <a:solidFill>
                   <a:srgbClr val="1A1A1A"/>
                 </a:solidFill>
                 <a:latin typeface="Courier New"/>
               </a:rPr>
-              <a:t>mosaicplot</a:t>
-            </a:r>
-            <a:r>
-              <a:rPr lang="en-US" sz="1200" b="1" spc="-1" dirty="0">
-                <a:solidFill>
-                  <a:srgbClr val="1A1A1A"/>
-                </a:solidFill>
-                <a:latin typeface="Courier New"/>
-              </a:rPr>
-              <a:t>(</a:t>
+              <a:t>mosaicplot(</a:t>
             </a:r>
             <a:r>
               <a:rPr lang="en-US" sz="1200" b="1" spc="-1" dirty="0" err="1">
@@ -10033,16 +10024,10 @@
             </a:endParaRPr>
           </a:p>
           <a:p>
-            <a:pPr>
-              <a:lnSpc>
-                <a:spcPct val="150000"/>
-              </a:lnSpc>
-            </a:pPr>
             <a:endParaRPr lang="en-US" sz="1200" spc="-1" dirty="0">
               <a:solidFill>
                 <a:srgbClr val="000000"/>
               </a:solidFill>
-              <a:latin typeface="Arial"/>
               <a:ea typeface="Menlo"/>
             </a:endParaRPr>
           </a:p>
@@ -10053,14 +10038,13 @@
               </a:lnSpc>
             </a:pPr>
             <a:r>
-              <a:rPr lang="en-US" sz="1200" b="0" strike="noStrike" spc="-1" dirty="0">
-                <a:solidFill>
-                  <a:srgbClr val="000000"/>
-                </a:solidFill>
-                <a:latin typeface="Arial"/>
-                <a:ea typeface="Menlo"/>
-              </a:rPr>
-              <a:t>Chi-square test</a:t>
+              <a:rPr lang="en-US" sz="1200" spc="-1" dirty="0">
+                <a:solidFill>
+                  <a:srgbClr val="000000"/>
+                </a:solidFill>
+                <a:ea typeface="Menlo"/>
+              </a:rPr>
+              <a:t>Test for proportions (approximate)</a:t>
             </a:r>
             <a:endParaRPr lang="en-US" sz="1200" b="0" strike="noStrike" spc="-1" dirty="0">
               <a:latin typeface="Arial"/>
@@ -10073,14 +10057,13 @@
               </a:lnSpc>
             </a:pPr>
             <a:r>
-              <a:rPr lang="en-US" sz="1200" b="1" strike="noStrike" spc="-1" dirty="0">
-                <a:solidFill>
-                  <a:srgbClr val="000000"/>
-                </a:solidFill>
-                <a:latin typeface="Courier New"/>
-                <a:ea typeface="DejaVu Sans"/>
-              </a:rPr>
-              <a:t>xchisq.test(~ </a:t>
+              <a:rPr lang="en-US" sz="1200" b="1" spc="-1" dirty="0" err="1">
+                <a:solidFill>
+                  <a:srgbClr val="000000"/>
+                </a:solidFill>
+                <a:latin typeface="Courier New"/>
+              </a:rPr>
+              <a:t>prop.test</a:t>
             </a:r>
             <a:r>
               <a:rPr lang="en-US" sz="1200" b="1" spc="-1" dirty="0">
@@ -10088,107 +10071,59 @@
                   <a:srgbClr val="000000"/>
                 </a:solidFill>
                 <a:latin typeface="Courier New"/>
-                <a:ea typeface="DejaVu Sans"/>
-              </a:rPr>
-              <a:t>substance</a:t>
-            </a:r>
-            <a:r>
-              <a:rPr lang="en-US" sz="1200" b="1" strike="noStrike" spc="-1" dirty="0">
-                <a:solidFill>
-                  <a:srgbClr val="000000"/>
-                </a:solidFill>
-                <a:latin typeface="Courier New"/>
-                <a:ea typeface="DejaVu Sans"/>
-              </a:rPr>
-              <a:t> + sex,</a:t>
-            </a:r>
-            <a:endParaRPr lang="en-US" sz="1200" b="0" strike="noStrike" spc="-1" dirty="0">
-              <a:latin typeface="Arial"/>
-            </a:endParaRPr>
-          </a:p>
-          <a:p>
-            <a:pPr>
-              <a:lnSpc>
-                <a:spcPct val="100000"/>
-              </a:lnSpc>
-            </a:pPr>
-            <a:r>
-              <a:rPr lang="en-US" sz="1200" b="1" strike="noStrike" spc="-1" dirty="0">
-                <a:solidFill>
-                  <a:srgbClr val="000000"/>
-                </a:solidFill>
-                <a:latin typeface="Courier New"/>
-                <a:ea typeface="DejaVu Sans"/>
+              </a:rPr>
+              <a:t>(homeless ~ sex, </a:t>
+            </a:r>
+          </a:p>
+          <a:p>
+            <a:pPr>
+              <a:lnSpc>
+                <a:spcPct val="100000"/>
+              </a:lnSpc>
+            </a:pPr>
+            <a:r>
+              <a:rPr lang="en-US" sz="1200" b="1" spc="-1" dirty="0">
+                <a:solidFill>
+                  <a:srgbClr val="000000"/>
+                </a:solidFill>
+                <a:latin typeface="Courier New"/>
+              </a:rPr>
+              <a:t>  success = "homeless", </a:t>
+            </a:r>
+          </a:p>
+          <a:p>
+            <a:pPr>
+              <a:lnSpc>
+                <a:spcPct val="100000"/>
+              </a:lnSpc>
+            </a:pPr>
+            <a:r>
+              <a:rPr lang="en-US" sz="1200" b="1" spc="-1" dirty="0">
+                <a:solidFill>
+                  <a:srgbClr val="000000"/>
+                </a:solidFill>
+                <a:latin typeface="Courier New"/>
               </a:rPr>
               <a:t>  data = </a:t>
             </a:r>
             <a:r>
-              <a:rPr lang="en-US" sz="1200" b="1" strike="noStrike" spc="-1" dirty="0" err="1">
-                <a:solidFill>
-                  <a:srgbClr val="000000"/>
-                </a:solidFill>
-                <a:latin typeface="Courier New"/>
-                <a:ea typeface="DejaVu Sans"/>
+              <a:rPr lang="en-US" sz="1200" b="1" spc="-1" dirty="0" err="1">
+                <a:solidFill>
+                  <a:srgbClr val="000000"/>
+                </a:solidFill>
+                <a:latin typeface="Courier New"/>
               </a:rPr>
               <a:t>HELPrct</a:t>
             </a:r>
             <a:r>
-              <a:rPr lang="en-US" sz="1200" b="1" strike="noStrike" spc="-1" dirty="0">
-                <a:solidFill>
-                  <a:srgbClr val="000000"/>
-                </a:solidFill>
-                <a:latin typeface="Courier New"/>
-                <a:ea typeface="DejaVu Sans"/>
-              </a:rPr>
-              <a:t>, </a:t>
-            </a:r>
-          </a:p>
-          <a:p>
-            <a:pPr>
-              <a:lnSpc>
-                <a:spcPct val="100000"/>
-              </a:lnSpc>
-            </a:pPr>
-            <a:r>
               <a:rPr lang="en-US" sz="1200" b="1" spc="-1" dirty="0">
                 <a:solidFill>
                   <a:srgbClr val="000000"/>
                 </a:solidFill>
                 <a:latin typeface="Courier New"/>
-                <a:ea typeface="DejaVu Sans"/>
-              </a:rPr>
-              <a:t>  </a:t>
-            </a:r>
-            <a:r>
-              <a:rPr lang="en-US" sz="1200" b="1" strike="noStrike" spc="-1" dirty="0">
-                <a:solidFill>
-                  <a:srgbClr val="000000"/>
-                </a:solidFill>
-                <a:latin typeface="Courier New"/>
-                <a:ea typeface="DejaVu Sans"/>
-              </a:rPr>
-              <a:t>correct = FALSE</a:t>
-            </a:r>
-            <a:r>
-              <a:rPr lang="en-US" sz="1200" b="0" strike="noStrike" spc="-1" dirty="0">
-                <a:solidFill>
-                  <a:srgbClr val="000000"/>
-                </a:solidFill>
-                <a:latin typeface="Courier New"/>
-                <a:ea typeface="DejaVu Sans"/>
               </a:rPr>
               <a:t>)</a:t>
             </a:r>
-            <a:endParaRPr lang="en-US" sz="1200" b="0" strike="noStrike" spc="-1" dirty="0">
-              <a:latin typeface="Arial"/>
-            </a:endParaRPr>
-          </a:p>
-          <a:p>
-            <a:pPr>
-              <a:lnSpc>
-                <a:spcPct val="100000"/>
-              </a:lnSpc>
-            </a:pPr>
             <a:endParaRPr lang="en-US" sz="1100" b="0" strike="noStrike" spc="-1" dirty="0">
               <a:latin typeface="Arial"/>
             </a:endParaRPr>
@@ -11257,7 +11192,7 @@
               <a:t>(~</a:t>
             </a:r>
             <a:r>
-              <a:rPr lang="en-US" sz="1200" b="1" strike="noStrike" spc="-1" err="1">
+              <a:rPr lang="en-US" sz="1200" b="1" strike="noStrike" spc="-1" dirty="0" err="1">
                 <a:solidFill>
                   <a:srgbClr val="000000"/>
                 </a:solidFill>
@@ -11267,7 +11202,7 @@
               <a:t>resid</a:t>
             </a:r>
             <a:r>
-              <a:rPr lang="en-US" sz="1200" b="1" strike="noStrike" spc="-1">
+              <a:rPr lang="en-US" sz="1200" b="1" strike="noStrike" spc="-1" dirty="0">
                 <a:solidFill>
                   <a:srgbClr val="000000"/>
                 </a:solidFill>
@@ -11277,7 +11212,7 @@
               <a:t>(</a:t>
             </a:r>
             <a:r>
-              <a:rPr lang="en-US" sz="1200" b="1" strike="noStrike" spc="-1" err="1">
+              <a:rPr lang="en-US" sz="1200" b="1" strike="noStrike" spc="-1" dirty="0" err="1">
                 <a:solidFill>
                   <a:srgbClr val="000000"/>
                 </a:solidFill>
@@ -11287,7 +11222,7 @@
               <a:t>cesdmodel</a:t>
             </a:r>
             <a:r>
-              <a:rPr lang="en-US" sz="1200" b="1" strike="noStrike" spc="-1" smtClean="0">
+              <a:rPr lang="en-US" sz="1200" b="1" strike="noStrike" spc="-1" dirty="0">
                 <a:solidFill>
                   <a:srgbClr val="000000"/>
                 </a:solidFill>
@@ -12320,7 +12255,7 @@
               </a:lnSpc>
             </a:pPr>
             <a:r>
-              <a:rPr lang="en-US" sz="1200" b="0" strike="noStrike" spc="-1" smtClean="0">
+              <a:rPr lang="en-US" sz="1200" b="0" strike="noStrike" spc="-1">
                 <a:solidFill>
                   <a:srgbClr val="000000"/>
                 </a:solidFill>
@@ -12574,17 +12509,7 @@
                 <a:latin typeface="Arial"/>
                 <a:ea typeface="DejaVu Sans"/>
               </a:rPr>
-              <a:t>Numeric </a:t>
-            </a:r>
-            <a:r>
-              <a:rPr lang="en-US" sz="1200" b="0" strike="noStrike" spc="-1" smtClean="0">
-                <a:solidFill>
-                  <a:srgbClr val="000000"/>
-                </a:solidFill>
-                <a:latin typeface="Arial"/>
-                <a:ea typeface="DejaVu Sans"/>
-              </a:rPr>
-              <a:t>and graphic summaries</a:t>
+              <a:t>Numeric and graphic summaries</a:t>
             </a:r>
             <a:endParaRPr lang="en-US" sz="1200" b="0" strike="noStrike" spc="-1" dirty="0">
               <a:latin typeface="Arial"/>
@@ -12667,7 +12592,7 @@
               <a:t>HELPrct</a:t>
             </a:r>
             <a:r>
-              <a:rPr lang="en-US" sz="1100" b="1" strike="noStrike" spc="-1" smtClean="0">
+              <a:rPr lang="en-US" sz="1100" b="1" strike="noStrike" spc="-1">
                 <a:solidFill>
                   <a:srgbClr val="000000"/>
                 </a:solidFill>
@@ -12708,27 +12633,7 @@
                 <a:latin typeface="Courier New"/>
                 <a:ea typeface="Menlo"/>
               </a:rPr>
-              <a:t>  data = </a:t>
-            </a:r>
-            <a:r>
-              <a:rPr lang="en-US" sz="1100" b="1" spc="-1">
-                <a:solidFill>
-                  <a:srgbClr val="000000"/>
-                </a:solidFill>
-                <a:latin typeface="Courier New"/>
-                <a:ea typeface="Menlo"/>
-              </a:rPr>
-              <a:t>HELPrct</a:t>
-            </a:r>
-            <a:r>
-              <a:rPr lang="en-US" sz="1100" b="1" spc="-1" smtClean="0">
-                <a:solidFill>
-                  <a:srgbClr val="000000"/>
-                </a:solidFill>
-                <a:latin typeface="Courier New"/>
-                <a:ea typeface="Menlo"/>
-              </a:rPr>
-              <a:t>)</a:t>
+              <a:t>  data = HELPrct)</a:t>
             </a:r>
             <a:endParaRPr lang="en-US" sz="1100" b="0" strike="noStrike" spc="-1" dirty="0">
               <a:latin typeface="Arial"/>
@@ -14285,7 +14190,7 @@
           <p:cNvPr id="22" name="Picture 7">
             <a:extLst>
               <a:ext uri="{FF2B5EF4-FFF2-40B4-BE49-F238E27FC236}">
-                <a16:creationId xmlns="" xmlns:a16="http://schemas.microsoft.com/office/drawing/2014/main" id="{ABEA9727-35A0-42F8-B33C-2A392664FA00}"/>
+                <a16:creationId xmlns:a16="http://schemas.microsoft.com/office/drawing/2014/main" id="{ABEA9727-35A0-42F8-B33C-2A392664FA00}"/>
               </a:ext>
             </a:extLst>
           </p:cNvPr>
@@ -14300,7 +14205,7 @@
         </p:blipFill>
         <p:spPr>
           <a:xfrm>
-            <a:off x="3748486" y="3134690"/>
+            <a:off x="3748486" y="3024164"/>
             <a:ext cx="2750728" cy="1264286"/>
           </a:xfrm>
           <a:prstGeom prst="rect">
@@ -14316,7 +14221,7 @@
           <p:cNvPr id="29" name="CustomShape 4">
             <a:extLst>
               <a:ext uri="{FF2B5EF4-FFF2-40B4-BE49-F238E27FC236}">
-                <a16:creationId xmlns="" xmlns:a16="http://schemas.microsoft.com/office/drawing/2014/main" id="{FA44E67C-3FF1-4558-AB14-26AE8A22A162}"/>
+                <a16:creationId xmlns:a16="http://schemas.microsoft.com/office/drawing/2014/main" id="{FA44E67C-3FF1-4558-AB14-26AE8A22A162}"/>
               </a:ext>
             </a:extLst>
           </p:cNvPr>
@@ -14449,7 +14354,7 @@
           <p:cNvPr id="30" name="CustomShape 5">
             <a:extLst>
               <a:ext uri="{FF2B5EF4-FFF2-40B4-BE49-F238E27FC236}">
-                <a16:creationId xmlns="" xmlns:a16="http://schemas.microsoft.com/office/drawing/2014/main" id="{C98A7EA2-6B6B-4EBA-BFFD-9DB57EF48BEA}"/>
+                <a16:creationId xmlns:a16="http://schemas.microsoft.com/office/drawing/2014/main" id="{C98A7EA2-6B6B-4EBA-BFFD-9DB57EF48BEA}"/>
               </a:ext>
             </a:extLst>
           </p:cNvPr>
@@ -14605,7 +14510,7 @@
           <p:cNvPr id="32" name="CustomShape 11">
             <a:extLst>
               <a:ext uri="{FF2B5EF4-FFF2-40B4-BE49-F238E27FC236}">
-                <a16:creationId xmlns="" xmlns:a16="http://schemas.microsoft.com/office/drawing/2014/main" id="{7DD4CB21-5494-4EEF-8F4C-00425B92FBE6}"/>
+                <a16:creationId xmlns:a16="http://schemas.microsoft.com/office/drawing/2014/main" id="{7DD4CB21-5494-4EEF-8F4C-00425B92FBE6}"/>
               </a:ext>
             </a:extLst>
           </p:cNvPr>
@@ -15090,7 +14995,7 @@
           <p:cNvPr id="33" name="CustomShape 12">
             <a:extLst>
               <a:ext uri="{FF2B5EF4-FFF2-40B4-BE49-F238E27FC236}">
-                <a16:creationId xmlns="" xmlns:a16="http://schemas.microsoft.com/office/drawing/2014/main" id="{136D446F-62AC-4126-B127-FB18EB3AF018}"/>
+                <a16:creationId xmlns:a16="http://schemas.microsoft.com/office/drawing/2014/main" id="{136D446F-62AC-4126-B127-FB18EB3AF018}"/>
               </a:ext>
             </a:extLst>
           </p:cNvPr>
@@ -15156,7 +15061,7 @@
           <p:cNvPr id="34" name="CustomShape 13">
             <a:extLst>
               <a:ext uri="{FF2B5EF4-FFF2-40B4-BE49-F238E27FC236}">
-                <a16:creationId xmlns="" xmlns:a16="http://schemas.microsoft.com/office/drawing/2014/main" id="{50726162-5B28-4131-ACFF-63BA1E8C88EE}"/>
+                <a16:creationId xmlns:a16="http://schemas.microsoft.com/office/drawing/2014/main" id="{50726162-5B28-4131-ACFF-63BA1E8C88EE}"/>
               </a:ext>
             </a:extLst>
           </p:cNvPr>
@@ -15699,7 +15604,7 @@
           <p:cNvPr id="35" name="CustomShape 14">
             <a:extLst>
               <a:ext uri="{FF2B5EF4-FFF2-40B4-BE49-F238E27FC236}">
-                <a16:creationId xmlns="" xmlns:a16="http://schemas.microsoft.com/office/drawing/2014/main" id="{54FB45DF-FF93-4AF3-B1A8-71CD2943E523}"/>
+                <a16:creationId xmlns:a16="http://schemas.microsoft.com/office/drawing/2014/main" id="{54FB45DF-FF93-4AF3-B1A8-71CD2943E523}"/>
               </a:ext>
             </a:extLst>
           </p:cNvPr>
@@ -15785,7 +15690,7 @@
           <p:cNvPr id="36" name="CustomShape 18">
             <a:extLst>
               <a:ext uri="{FF2B5EF4-FFF2-40B4-BE49-F238E27FC236}">
-                <a16:creationId xmlns="" xmlns:a16="http://schemas.microsoft.com/office/drawing/2014/main" id="{1822A551-1DC0-4CA0-BE33-D13C157AE72B}"/>
+                <a16:creationId xmlns:a16="http://schemas.microsoft.com/office/drawing/2014/main" id="{1822A551-1DC0-4CA0-BE33-D13C157AE72B}"/>
               </a:ext>
             </a:extLst>
           </p:cNvPr>
@@ -15851,7 +15756,7 @@
           <p:cNvPr id="37" name="CustomShape 11">
             <a:extLst>
               <a:ext uri="{FF2B5EF4-FFF2-40B4-BE49-F238E27FC236}">
-                <a16:creationId xmlns="" xmlns:a16="http://schemas.microsoft.com/office/drawing/2014/main" id="{209F34DB-99E0-4FC1-B232-61460803BE76}"/>
+                <a16:creationId xmlns:a16="http://schemas.microsoft.com/office/drawing/2014/main" id="{209F34DB-99E0-4FC1-B232-61460803BE76}"/>
               </a:ext>
             </a:extLst>
           </p:cNvPr>
@@ -16025,7 +15930,7 @@
           <p:cNvPr id="4" name="Picture 3">
             <a:extLst>
               <a:ext uri="{FF2B5EF4-FFF2-40B4-BE49-F238E27FC236}">
-                <a16:creationId xmlns="" xmlns:a16="http://schemas.microsoft.com/office/drawing/2014/main" id="{0EFD9D09-0C5E-4C9D-97F2-2AC682CC1F6C}"/>
+                <a16:creationId xmlns:a16="http://schemas.microsoft.com/office/drawing/2014/main" id="{0EFD9D09-0C5E-4C9D-97F2-2AC682CC1F6C}"/>
               </a:ext>
             </a:extLst>
           </p:cNvPr>

--- a/mosaic-cheatsheet-gf.pptx
+++ b/mosaic-cheatsheet-gf.pptx
@@ -2889,7 +2889,7 @@
                 <a:latin typeface="Source Sans Pro Light"/>
                 <a:ea typeface="Source Sans Pro Light"/>
               </a:rPr>
-              <a:t>07/</a:t>
+              <a:t>08/</a:t>
             </a:r>
             <a:r>
               <a:rPr lang="en-US" sz="900" b="0" strike="noStrike" spc="-1" dirty="0">
@@ -9873,7 +9873,7 @@
                 </a:solidFill>
                 <a:latin typeface="Courier New"/>
               </a:rPr>
-              <a:t> &lt;- tally(sex ~ substance,   </a:t>
+              <a:t> &lt;- tally(substance ~ sex,   </a:t>
             </a:r>
           </a:p>
           <a:p>
@@ -10517,11 +10517,6 @@
             </a:r>
           </a:p>
           <a:p>
-            <a:pPr>
-              <a:lnSpc>
-                <a:spcPct val="100000"/>
-              </a:lnSpc>
-            </a:pPr>
             <a:r>
               <a:rPr lang="en-US" sz="1100" b="1" spc="-1" dirty="0">
                 <a:solidFill>
@@ -10538,7 +10533,7 @@
                 </a:solidFill>
                 <a:latin typeface="Courier New"/>
               </a:rPr>
-              <a:t>gf_smooth</a:t>
+              <a:t>gf_lm</a:t>
             </a:r>
             <a:r>
               <a:rPr lang="en-US" sz="1100" b="1" spc="-1" dirty="0">
@@ -10547,90 +10542,112 @@
                 </a:solidFill>
                 <a:latin typeface="Courier New"/>
               </a:rPr>
-              <a:t>(</a:t>
-            </a:r>
-            <a:r>
-              <a:rPr lang="en-US" sz="1100" b="1" spc="-1" dirty="0" err="1">
-                <a:solidFill>
-                  <a:srgbClr val="000000"/>
-                </a:solidFill>
-                <a:latin typeface="Courier New"/>
-              </a:rPr>
-              <a:t>linetype</a:t>
-            </a:r>
-            <a:r>
-              <a:rPr lang="en-US" sz="1100" b="1" spc="-1" dirty="0">
-                <a:solidFill>
-                  <a:srgbClr val="000000"/>
-                </a:solidFill>
-                <a:latin typeface="Courier New"/>
-              </a:rPr>
-              <a:t> = "dashed",</a:t>
-            </a:r>
-          </a:p>
-          <a:p>
-            <a:pPr>
-              <a:lnSpc>
-                <a:spcPct val="100000"/>
-              </a:lnSpc>
-            </a:pPr>
-            <a:r>
-              <a:rPr lang="en-US" sz="1100" b="1" spc="-1" dirty="0">
-                <a:solidFill>
-                  <a:srgbClr val="000000"/>
-                </a:solidFill>
-                <a:latin typeface="Courier New"/>
-              </a:rPr>
-              <a:t>            color = "red") %&gt;% </a:t>
-            </a:r>
-          </a:p>
-          <a:p>
-            <a:pPr>
-              <a:lnSpc>
-                <a:spcPct val="100000"/>
-              </a:lnSpc>
-            </a:pPr>
-            <a:r>
-              <a:rPr lang="en-US" sz="1100" b="1" spc="-1" dirty="0">
-                <a:solidFill>
-                  <a:srgbClr val="000000"/>
-                </a:solidFill>
-                <a:latin typeface="Courier New"/>
-              </a:rPr>
-              <a:t>  </a:t>
-            </a:r>
-            <a:r>
-              <a:rPr lang="en-US" sz="1100" b="1" spc="-1" dirty="0" err="1">
-                <a:solidFill>
-                  <a:srgbClr val="000000"/>
-                </a:solidFill>
-                <a:latin typeface="Courier New"/>
-              </a:rPr>
-              <a:t>gf_lm</a:t>
-            </a:r>
-            <a:r>
-              <a:rPr lang="en-US" sz="1100" b="1" spc="-1" dirty="0">
-                <a:solidFill>
-                  <a:srgbClr val="000000"/>
-                </a:solidFill>
-                <a:latin typeface="Courier New"/>
-              </a:rPr>
-              <a:t>(size = 1.5)</a:t>
-            </a:r>
-            <a:endParaRPr lang="en-US" sz="1200" b="0" strike="noStrike" spc="-1" dirty="0">
+              <a:t>(size = 1.5) %&gt;%</a:t>
+            </a:r>
+            <a:endParaRPr lang="en-US" sz="1200" spc="-1" dirty="0">
               <a:solidFill>
                 <a:srgbClr val="000000"/>
               </a:solidFill>
-              <a:latin typeface="Arial"/>
-              <a:ea typeface="DejaVu Sans"/>
-            </a:endParaRPr>
-          </a:p>
-          <a:p>
-            <a:pPr>
-              <a:lnSpc>
-                <a:spcPct val="150000"/>
-              </a:lnSpc>
-            </a:pPr>
+            </a:endParaRPr>
+          </a:p>
+          <a:p>
+            <a:pPr>
+              <a:lnSpc>
+                <a:spcPct val="100000"/>
+              </a:lnSpc>
+            </a:pPr>
+            <a:r>
+              <a:rPr lang="en-US" sz="1100" b="1" spc="-1" dirty="0">
+                <a:solidFill>
+                  <a:srgbClr val="000000"/>
+                </a:solidFill>
+                <a:latin typeface="Courier New"/>
+              </a:rPr>
+              <a:t>  </a:t>
+            </a:r>
+            <a:r>
+              <a:rPr lang="en-US" sz="1100" b="1" spc="-1" dirty="0" err="1">
+                <a:solidFill>
+                  <a:srgbClr val="000000"/>
+                </a:solidFill>
+                <a:latin typeface="Courier New"/>
+              </a:rPr>
+              <a:t>gf_smooth</a:t>
+            </a:r>
+            <a:r>
+              <a:rPr lang="en-US" sz="1100" b="1" spc="-1" dirty="0">
+                <a:solidFill>
+                  <a:srgbClr val="000000"/>
+                </a:solidFill>
+                <a:latin typeface="Courier New"/>
+              </a:rPr>
+              <a:t>(</a:t>
+            </a:r>
+            <a:r>
+              <a:rPr lang="en-US" sz="1100" b="1" spc="-1" dirty="0" err="1">
+                <a:solidFill>
+                  <a:srgbClr val="000000"/>
+                </a:solidFill>
+                <a:latin typeface="Courier New"/>
+              </a:rPr>
+              <a:t>linetype</a:t>
+            </a:r>
+            <a:r>
+              <a:rPr lang="en-US" sz="1100" b="1" spc="-1" dirty="0">
+                <a:solidFill>
+                  <a:srgbClr val="000000"/>
+                </a:solidFill>
+                <a:latin typeface="Courier New"/>
+              </a:rPr>
+              <a:t> = "dashed",</a:t>
+            </a:r>
+          </a:p>
+          <a:p>
+            <a:pPr>
+              <a:lnSpc>
+                <a:spcPct val="100000"/>
+              </a:lnSpc>
+            </a:pPr>
+            <a:r>
+              <a:rPr lang="en-US" sz="1100" b="1" spc="-1" dirty="0">
+                <a:solidFill>
+                  <a:srgbClr val="000000"/>
+                </a:solidFill>
+                <a:latin typeface="Courier New"/>
+              </a:rPr>
+              <a:t>            color = "red</a:t>
+            </a:r>
+            <a:r>
+              <a:rPr lang="en-US" sz="1100" b="1" spc="-1">
+                <a:solidFill>
+                  <a:srgbClr val="000000"/>
+                </a:solidFill>
+                <a:latin typeface="Courier New"/>
+              </a:rPr>
+              <a:t>") </a:t>
+            </a:r>
+            <a:endParaRPr lang="en-US" sz="1100" b="1" spc="-1" dirty="0">
+              <a:solidFill>
+                <a:srgbClr val="000000"/>
+              </a:solidFill>
+              <a:latin typeface="Courier New"/>
+            </a:endParaRPr>
+          </a:p>
+          <a:p>
+            <a:pPr>
+              <a:lnSpc>
+                <a:spcPct val="100000"/>
+              </a:lnSpc>
+            </a:pPr>
+            <a:r>
+              <a:rPr lang="en-US" sz="1100" b="1" spc="-1" dirty="0">
+                <a:solidFill>
+                  <a:srgbClr val="000000"/>
+                </a:solidFill>
+                <a:latin typeface="Courier New"/>
+              </a:rPr>
+              <a:t>  </a:t>
+            </a:r>
             <a:endParaRPr lang="en-US" sz="1200" b="0" strike="noStrike" spc="-1" dirty="0">
               <a:solidFill>
                 <a:srgbClr val="000000"/>
@@ -14443,7 +14460,7 @@
                 <a:latin typeface="Source Sans Pro Light"/>
                 <a:ea typeface="Source Sans Pro Light"/>
               </a:rPr>
-              <a:t> &amp; DT Kaplan •  Updated: 07/18</a:t>
+              <a:t> &amp; DT Kaplan •  Updated: 08/18</a:t>
             </a:r>
             <a:endParaRPr lang="en-US" sz="900" b="0" strike="noStrike" spc="-1" dirty="0">
               <a:latin typeface="Arial"/>

--- a/mosaic-cheatsheet-gf.pptx
+++ b/mosaic-cheatsheet-gf.pptx
@@ -110,7 +110,7 @@
   </p:defaultTextStyle>
   <p:extLst>
     <p:ext uri="{EFAFB233-063F-42B5-8137-9DF3F51BA10A}">
-      <p15:sldGuideLst xmlns:p15="http://schemas.microsoft.com/office/powerpoint/2012/main">
+      <p15:sldGuideLst xmlns="" xmlns:p15="http://schemas.microsoft.com/office/powerpoint/2012/main">
         <p15:guide id="1" orient="horz" pos="3400">
           <p15:clr>
             <a:srgbClr val="A4A3A4"/>
@@ -3676,7 +3676,7 @@
                             <a:solidFill>
                               <a:srgbClr val="000000"/>
                             </a:solidFill>
-                            <a:latin typeface="Cambria Math" panose="02040503050406030204" pitchFamily="18" charset="0"/>
+                            <a:latin typeface="Cambria Math"/>
                             <a:ea typeface="Menlo"/>
                           </a:rPr>
                         </m:ctrlPr>
@@ -8502,7 +8502,7 @@
           <p:cNvPr id="3" name="Picture 2">
             <a:extLst>
               <a:ext uri="{FF2B5EF4-FFF2-40B4-BE49-F238E27FC236}">
-                <a16:creationId xmlns:a16="http://schemas.microsoft.com/office/drawing/2014/main" id="{F95F3426-C0E9-427D-98D7-76BA920BF8C3}"/>
+                <a16:creationId xmlns="" xmlns:a16="http://schemas.microsoft.com/office/drawing/2014/main" id="{F95F3426-C0E9-427D-98D7-76BA920BF8C3}"/>
               </a:ext>
             </a:extLst>
           </p:cNvPr>
@@ -9086,7 +9086,7 @@
           <p:cNvPr id="2" name="Picture 1">
             <a:extLst>
               <a:ext uri="{FF2B5EF4-FFF2-40B4-BE49-F238E27FC236}">
-                <a16:creationId xmlns:a16="http://schemas.microsoft.com/office/drawing/2014/main" id="{E14C93C7-58D0-4334-B953-92B8FAB5D41E}"/>
+                <a16:creationId xmlns="" xmlns:a16="http://schemas.microsoft.com/office/drawing/2014/main" id="{E14C93C7-58D0-4334-B953-92B8FAB5D41E}"/>
               </a:ext>
             </a:extLst>
           </p:cNvPr>
@@ -9116,7 +9116,7 @@
           <p:cNvPr id="5" name="Picture 4">
             <a:extLst>
               <a:ext uri="{FF2B5EF4-FFF2-40B4-BE49-F238E27FC236}">
-                <a16:creationId xmlns:a16="http://schemas.microsoft.com/office/drawing/2014/main" id="{2F59B7DE-7EC0-4060-BE69-7FCCAF2C9092}"/>
+                <a16:creationId xmlns="" xmlns:a16="http://schemas.microsoft.com/office/drawing/2014/main" id="{2F59B7DE-7EC0-4060-BE69-7FCCAF2C9092}"/>
               </a:ext>
             </a:extLst>
           </p:cNvPr>
@@ -9146,7 +9146,7 @@
           <p:cNvPr id="38" name="CustomShape 16">
             <a:extLst>
               <a:ext uri="{FF2B5EF4-FFF2-40B4-BE49-F238E27FC236}">
-                <a16:creationId xmlns:a16="http://schemas.microsoft.com/office/drawing/2014/main" id="{2A8949E4-DB74-4834-892A-F16D1B68283F}"/>
+                <a16:creationId xmlns="" xmlns:a16="http://schemas.microsoft.com/office/drawing/2014/main" id="{2A8949E4-DB74-4834-892A-F16D1B68283F}"/>
               </a:ext>
             </a:extLst>
           </p:cNvPr>
@@ -9212,7 +9212,7 @@
           <p:cNvPr id="39" name="CustomShape 20">
             <a:extLst>
               <a:ext uri="{FF2B5EF4-FFF2-40B4-BE49-F238E27FC236}">
-                <a16:creationId xmlns:a16="http://schemas.microsoft.com/office/drawing/2014/main" id="{152F529C-6EEE-467F-8431-043C60D121FB}"/>
+                <a16:creationId xmlns="" xmlns:a16="http://schemas.microsoft.com/office/drawing/2014/main" id="{152F529C-6EEE-467F-8431-043C60D121FB}"/>
               </a:ext>
             </a:extLst>
           </p:cNvPr>
@@ -10542,7 +10542,72 @@
                 </a:solidFill>
                 <a:latin typeface="Courier New"/>
               </a:rPr>
-              <a:t>(size = 1.5) %&gt;%</a:t>
+              <a:t>(size </a:t>
+            </a:r>
+            <a:r>
+              <a:rPr lang="en-US" sz="1100" b="1" spc="-1">
+                <a:solidFill>
+                  <a:srgbClr val="000000"/>
+                </a:solidFill>
+                <a:latin typeface="Courier New"/>
+              </a:rPr>
+              <a:t>= 1.5, linetype = </a:t>
+            </a:r>
+            <a:r>
+              <a:rPr lang="en-US" sz="1100" b="1" spc="-1" smtClean="0">
+                <a:solidFill>
+                  <a:srgbClr val="000000"/>
+                </a:solidFill>
+                <a:latin typeface="Courier New"/>
+              </a:rPr>
+              <a:t>    </a:t>
+            </a:r>
+          </a:p>
+          <a:p>
+            <a:r>
+              <a:rPr lang="en-US" sz="1100" b="1" spc="-1">
+                <a:solidFill>
+                  <a:srgbClr val="000000"/>
+                </a:solidFill>
+                <a:latin typeface="Courier New"/>
+              </a:rPr>
+              <a:t> </a:t>
+            </a:r>
+            <a:r>
+              <a:rPr lang="en-US" sz="1100" b="1" spc="-1" smtClean="0">
+                <a:solidFill>
+                  <a:srgbClr val="000000"/>
+                </a:solidFill>
+                <a:latin typeface="Courier New"/>
+              </a:rPr>
+              <a:t>   "</a:t>
+            </a:r>
+            <a:r>
+              <a:rPr lang="en-US" sz="1100" b="1" spc="-1">
+                <a:solidFill>
+                  <a:srgbClr val="000000"/>
+                </a:solidFill>
+                <a:latin typeface="Courier New"/>
+              </a:rPr>
+              <a:t>dashed</a:t>
+            </a:r>
+            <a:r>
+              <a:rPr lang="en-US" sz="1100" b="1" spc="-1" smtClean="0">
+                <a:solidFill>
+                  <a:srgbClr val="000000"/>
+                </a:solidFill>
+                <a:latin typeface="Courier New"/>
+              </a:rPr>
+              <a:t>") </a:t>
+            </a:r>
+            <a:r>
+              <a:rPr lang="en-US" sz="1100" b="1" spc="-1" dirty="0">
+                <a:solidFill>
+                  <a:srgbClr val="000000"/>
+                </a:solidFill>
+                <a:latin typeface="Courier New"/>
+              </a:rPr>
+              <a:t>%&gt;%</a:t>
             </a:r>
             <a:endParaRPr lang="en-US" sz="1200" spc="-1" dirty="0">
               <a:solidFill>
@@ -10557,65 +10622,31 @@
               </a:lnSpc>
             </a:pPr>
             <a:r>
+              <a:rPr lang="en-US" sz="1100" b="1" spc="-1">
+                <a:solidFill>
+                  <a:srgbClr val="000000"/>
+                </a:solidFill>
+                <a:latin typeface="Courier New"/>
+              </a:rPr>
+              <a:t>  </a:t>
+            </a:r>
+            <a:r>
+              <a:rPr lang="en-US" sz="1100" b="1" spc="-1" smtClean="0">
+                <a:solidFill>
+                  <a:srgbClr val="000000"/>
+                </a:solidFill>
+                <a:latin typeface="Courier New"/>
+              </a:rPr>
+              <a:t>gf_smooth(color </a:t>
+            </a:r>
+            <a:r>
               <a:rPr lang="en-US" sz="1100" b="1" spc="-1" dirty="0">
                 <a:solidFill>
                   <a:srgbClr val="000000"/>
                 </a:solidFill>
                 <a:latin typeface="Courier New"/>
               </a:rPr>
-              <a:t>  </a:t>
-            </a:r>
-            <a:r>
-              <a:rPr lang="en-US" sz="1100" b="1" spc="-1" dirty="0" err="1">
-                <a:solidFill>
-                  <a:srgbClr val="000000"/>
-                </a:solidFill>
-                <a:latin typeface="Courier New"/>
-              </a:rPr>
-              <a:t>gf_smooth</a:t>
-            </a:r>
-            <a:r>
-              <a:rPr lang="en-US" sz="1100" b="1" spc="-1" dirty="0">
-                <a:solidFill>
-                  <a:srgbClr val="000000"/>
-                </a:solidFill>
-                <a:latin typeface="Courier New"/>
-              </a:rPr>
-              <a:t>(</a:t>
-            </a:r>
-            <a:r>
-              <a:rPr lang="en-US" sz="1100" b="1" spc="-1" dirty="0" err="1">
-                <a:solidFill>
-                  <a:srgbClr val="000000"/>
-                </a:solidFill>
-                <a:latin typeface="Courier New"/>
-              </a:rPr>
-              <a:t>linetype</a:t>
-            </a:r>
-            <a:r>
-              <a:rPr lang="en-US" sz="1100" b="1" spc="-1" dirty="0">
-                <a:solidFill>
-                  <a:srgbClr val="000000"/>
-                </a:solidFill>
-                <a:latin typeface="Courier New"/>
-              </a:rPr>
-              <a:t> = "dashed",</a:t>
-            </a:r>
-          </a:p>
-          <a:p>
-            <a:pPr>
-              <a:lnSpc>
-                <a:spcPct val="100000"/>
-              </a:lnSpc>
-            </a:pPr>
-            <a:r>
-              <a:rPr lang="en-US" sz="1100" b="1" spc="-1" dirty="0">
-                <a:solidFill>
-                  <a:srgbClr val="000000"/>
-                </a:solidFill>
-                <a:latin typeface="Courier New"/>
-              </a:rPr>
-              <a:t>            color = "red</a:t>
+              <a:t>= "red</a:t>
             </a:r>
             <a:r>
               <a:rPr lang="en-US" sz="1100" b="1" spc="-1">
@@ -10718,6 +10749,30 @@
                 <a:spcPts val="600"/>
               </a:spcBef>
             </a:pPr>
+            <a:endParaRPr lang="en-US" sz="1200" spc="-1">
+              <a:solidFill>
+                <a:srgbClr val="000000"/>
+              </a:solidFill>
+              <a:latin typeface="Arial"/>
+              <a:ea typeface="DejaVu Sans"/>
+            </a:endParaRPr>
+          </a:p>
+          <a:p>
+            <a:pPr>
+              <a:spcBef>
+                <a:spcPts val="600"/>
+              </a:spcBef>
+            </a:pPr>
+            <a:r>
+              <a:rPr lang="en-US" sz="1200" b="0" strike="noStrike" spc="-1" smtClean="0">
+                <a:solidFill>
+                  <a:srgbClr val="000000"/>
+                </a:solidFill>
+                <a:latin typeface="Arial"/>
+                <a:ea typeface="DejaVu Sans"/>
+              </a:rPr>
+              <a:t>Simple </a:t>
+            </a:r>
             <a:r>
               <a:rPr lang="en-US" sz="1200" b="0" strike="noStrike" spc="-1" dirty="0">
                 <a:solidFill>
@@ -10726,7 +10781,7 @@
                 <a:latin typeface="Arial"/>
                 <a:ea typeface="DejaVu Sans"/>
               </a:rPr>
-              <a:t>Simple linear regression</a:t>
+              <a:t>linear regression</a:t>
             </a:r>
             <a:endParaRPr lang="en-US" sz="1200" b="0" strike="noStrike" spc="-1" dirty="0">
               <a:latin typeface="Arial"/>
@@ -14207,7 +14262,7 @@
           <p:cNvPr id="22" name="Picture 7">
             <a:extLst>
               <a:ext uri="{FF2B5EF4-FFF2-40B4-BE49-F238E27FC236}">
-                <a16:creationId xmlns:a16="http://schemas.microsoft.com/office/drawing/2014/main" id="{ABEA9727-35A0-42F8-B33C-2A392664FA00}"/>
+                <a16:creationId xmlns="" xmlns:a16="http://schemas.microsoft.com/office/drawing/2014/main" id="{ABEA9727-35A0-42F8-B33C-2A392664FA00}"/>
               </a:ext>
             </a:extLst>
           </p:cNvPr>
@@ -14238,7 +14293,7 @@
           <p:cNvPr id="29" name="CustomShape 4">
             <a:extLst>
               <a:ext uri="{FF2B5EF4-FFF2-40B4-BE49-F238E27FC236}">
-                <a16:creationId xmlns:a16="http://schemas.microsoft.com/office/drawing/2014/main" id="{FA44E67C-3FF1-4558-AB14-26AE8A22A162}"/>
+                <a16:creationId xmlns="" xmlns:a16="http://schemas.microsoft.com/office/drawing/2014/main" id="{FA44E67C-3FF1-4558-AB14-26AE8A22A162}"/>
               </a:ext>
             </a:extLst>
           </p:cNvPr>
@@ -14371,7 +14426,7 @@
           <p:cNvPr id="30" name="CustomShape 5">
             <a:extLst>
               <a:ext uri="{FF2B5EF4-FFF2-40B4-BE49-F238E27FC236}">
-                <a16:creationId xmlns:a16="http://schemas.microsoft.com/office/drawing/2014/main" id="{C98A7EA2-6B6B-4EBA-BFFD-9DB57EF48BEA}"/>
+                <a16:creationId xmlns="" xmlns:a16="http://schemas.microsoft.com/office/drawing/2014/main" id="{C98A7EA2-6B6B-4EBA-BFFD-9DB57EF48BEA}"/>
               </a:ext>
             </a:extLst>
           </p:cNvPr>
@@ -14527,7 +14582,7 @@
           <p:cNvPr id="32" name="CustomShape 11">
             <a:extLst>
               <a:ext uri="{FF2B5EF4-FFF2-40B4-BE49-F238E27FC236}">
-                <a16:creationId xmlns:a16="http://schemas.microsoft.com/office/drawing/2014/main" id="{7DD4CB21-5494-4EEF-8F4C-00425B92FBE6}"/>
+                <a16:creationId xmlns="" xmlns:a16="http://schemas.microsoft.com/office/drawing/2014/main" id="{7DD4CB21-5494-4EEF-8F4C-00425B92FBE6}"/>
               </a:ext>
             </a:extLst>
           </p:cNvPr>
@@ -14604,7 +14659,25 @@
               <a:rPr lang="en-US" sz="1200" b="1" spc="-1" dirty="0">
                 <a:latin typeface="Courier New"/>
               </a:rPr>
-              <a:t>  c(id, age, sex))</a:t>
+              <a:t>  c(id, age</a:t>
+            </a:r>
+            <a:r>
+              <a:rPr lang="en-US" sz="1200" b="1" spc="-1">
+                <a:latin typeface="Courier New"/>
+              </a:rPr>
+              <a:t>, </a:t>
+            </a:r>
+            <a:r>
+              <a:rPr lang="en-US" sz="1200" b="1" spc="-1" smtClean="0">
+                <a:latin typeface="Courier New"/>
+              </a:rPr>
+              <a:t>gender = sex</a:t>
+            </a:r>
+            <a:r>
+              <a:rPr lang="en-US" sz="1200" b="1" spc="-1" dirty="0">
+                <a:latin typeface="Courier New"/>
+              </a:rPr>
+              <a:t>))</a:t>
             </a:r>
             <a:endParaRPr lang="en-US" sz="1200" strike="noStrike" spc="-1" dirty="0">
               <a:latin typeface="Arial"/>
@@ -15012,7 +15085,7 @@
           <p:cNvPr id="33" name="CustomShape 12">
             <a:extLst>
               <a:ext uri="{FF2B5EF4-FFF2-40B4-BE49-F238E27FC236}">
-                <a16:creationId xmlns:a16="http://schemas.microsoft.com/office/drawing/2014/main" id="{136D446F-62AC-4126-B127-FB18EB3AF018}"/>
+                <a16:creationId xmlns="" xmlns:a16="http://schemas.microsoft.com/office/drawing/2014/main" id="{136D446F-62AC-4126-B127-FB18EB3AF018}"/>
               </a:ext>
             </a:extLst>
           </p:cNvPr>
@@ -15078,7 +15151,7 @@
           <p:cNvPr id="34" name="CustomShape 13">
             <a:extLst>
               <a:ext uri="{FF2B5EF4-FFF2-40B4-BE49-F238E27FC236}">
-                <a16:creationId xmlns:a16="http://schemas.microsoft.com/office/drawing/2014/main" id="{50726162-5B28-4131-ACFF-63BA1E8C88EE}"/>
+                <a16:creationId xmlns="" xmlns:a16="http://schemas.microsoft.com/office/drawing/2014/main" id="{50726162-5B28-4131-ACFF-63BA1E8C88EE}"/>
               </a:ext>
             </a:extLst>
           </p:cNvPr>
@@ -15621,7 +15694,7 @@
           <p:cNvPr id="35" name="CustomShape 14">
             <a:extLst>
               <a:ext uri="{FF2B5EF4-FFF2-40B4-BE49-F238E27FC236}">
-                <a16:creationId xmlns:a16="http://schemas.microsoft.com/office/drawing/2014/main" id="{54FB45DF-FF93-4AF3-B1A8-71CD2943E523}"/>
+                <a16:creationId xmlns="" xmlns:a16="http://schemas.microsoft.com/office/drawing/2014/main" id="{54FB45DF-FF93-4AF3-B1A8-71CD2943E523}"/>
               </a:ext>
             </a:extLst>
           </p:cNvPr>
@@ -15707,7 +15780,7 @@
           <p:cNvPr id="36" name="CustomShape 18">
             <a:extLst>
               <a:ext uri="{FF2B5EF4-FFF2-40B4-BE49-F238E27FC236}">
-                <a16:creationId xmlns:a16="http://schemas.microsoft.com/office/drawing/2014/main" id="{1822A551-1DC0-4CA0-BE33-D13C157AE72B}"/>
+                <a16:creationId xmlns="" xmlns:a16="http://schemas.microsoft.com/office/drawing/2014/main" id="{1822A551-1DC0-4CA0-BE33-D13C157AE72B}"/>
               </a:ext>
             </a:extLst>
           </p:cNvPr>
@@ -15773,7 +15846,7 @@
           <p:cNvPr id="37" name="CustomShape 11">
             <a:extLst>
               <a:ext uri="{FF2B5EF4-FFF2-40B4-BE49-F238E27FC236}">
-                <a16:creationId xmlns:a16="http://schemas.microsoft.com/office/drawing/2014/main" id="{209F34DB-99E0-4FC1-B232-61460803BE76}"/>
+                <a16:creationId xmlns="" xmlns:a16="http://schemas.microsoft.com/office/drawing/2014/main" id="{209F34DB-99E0-4FC1-B232-61460803BE76}"/>
               </a:ext>
             </a:extLst>
           </p:cNvPr>
@@ -15947,7 +16020,7 @@
           <p:cNvPr id="4" name="Picture 3">
             <a:extLst>
               <a:ext uri="{FF2B5EF4-FFF2-40B4-BE49-F238E27FC236}">
-                <a16:creationId xmlns:a16="http://schemas.microsoft.com/office/drawing/2014/main" id="{0EFD9D09-0C5E-4C9D-97F2-2AC682CC1F6C}"/>
+                <a16:creationId xmlns="" xmlns:a16="http://schemas.microsoft.com/office/drawing/2014/main" id="{0EFD9D09-0C5E-4C9D-97F2-2AC682CC1F6C}"/>
               </a:ext>
             </a:extLst>
           </p:cNvPr>
@@ -15980,7 +16053,7 @@
       </p:pic>
       <p:pic>
         <p:nvPicPr>
-          <p:cNvPr id="2" name="Picture 2"/>
+          <p:cNvPr id="3" name="Picture 2"/>
           <p:cNvPicPr>
             <a:picLocks noChangeAspect="1" noChangeArrowheads="1"/>
           </p:cNvPicPr>
@@ -16001,8 +16074,8 @@
         </p:blipFill>
         <p:spPr bwMode="auto">
           <a:xfrm>
-            <a:off x="7772400" y="2286000"/>
-            <a:ext cx="1384000" cy="1373333"/>
+            <a:off x="7589520" y="2295592"/>
+            <a:ext cx="1600000" cy="1457143"/>
           </a:xfrm>
           <a:prstGeom prst="rect">
             <a:avLst/>

--- a/mosaic-cheatsheet-gf.pptx
+++ b/mosaic-cheatsheet-gf.pptx
@@ -10241,7 +10241,7 @@
         <p:spPr>
           <a:xfrm>
             <a:off x="6902412" y="710049"/>
-            <a:ext cx="3108960" cy="6858000"/>
+            <a:ext cx="3108960" cy="7014726"/>
           </a:xfrm>
           <a:prstGeom prst="rect">
             <a:avLst/>
@@ -11726,7 +11726,7 @@
         </p:nvSpPr>
         <p:spPr>
           <a:xfrm>
-            <a:off x="6895964" y="7636376"/>
+            <a:off x="6895964" y="7772400"/>
             <a:ext cx="3200400" cy="694440"/>
           </a:xfrm>
           <a:prstGeom prst="roundRect">
@@ -13855,8 +13855,8 @@
         </p:nvSpPr>
         <p:spPr>
           <a:xfrm>
-            <a:off x="6895964" y="8395615"/>
-            <a:ext cx="3200400" cy="1877418"/>
+            <a:off x="6895964" y="8537383"/>
+            <a:ext cx="3200400" cy="1735649"/>
           </a:xfrm>
           <a:prstGeom prst="rect">
             <a:avLst/>
@@ -13884,9 +13884,24 @@
           <a:fontRef idx="minor"/>
         </p:style>
         <p:txBody>
-          <a:bodyPr lIns="45720" tIns="91440" rIns="0" bIns="0" anchor="t" anchorCtr="0"/>
+          <a:bodyPr lIns="45720" tIns="45720" rIns="0" bIns="0" anchor="t" anchorCtr="0"/>
           <a:lstStyle/>
           <a:p>
+            <a:pPr>
+              <a:lnSpc>
+                <a:spcPct val="150000"/>
+              </a:lnSpc>
+            </a:pPr>
+            <a:r>
+              <a:rPr lang="en-US" sz="1200" b="0" strike="noStrike" spc="-1" smtClean="0">
+                <a:solidFill>
+                  <a:srgbClr val="000000"/>
+                </a:solidFill>
+                <a:latin typeface="Arial"/>
+                <a:ea typeface="DejaVu Sans"/>
+              </a:rPr>
+              <a:t>Logistic </a:t>
+            </a:r>
             <a:r>
               <a:rPr lang="en-US" sz="1200" b="0" strike="noStrike" spc="-1" dirty="0">
                 <a:solidFill>
@@ -13895,7 +13910,7 @@
                 <a:latin typeface="Arial"/>
                 <a:ea typeface="DejaVu Sans"/>
               </a:rPr>
-              <a:t>Logistic regression</a:t>
+              <a:t>regression</a:t>
             </a:r>
             <a:endParaRPr lang="en-US" sz="1200" b="0" strike="noStrike" spc="-1" dirty="0">
               <a:latin typeface="Arial"/>

--- a/mosaic-cheatsheet-gf.pptx
+++ b/mosaic-cheatsheet-gf.pptx
@@ -506,6 +506,109 @@
         </p:txBody>
       </p:sp>
     </p:spTree>
+  </p:cSld>
+  <p:clrMapOvr>
+    <a:masterClrMapping/>
+  </p:clrMapOvr>
+</p:notes>
+</file>
+
+<file path=ppt/notesSlides/notesSlide2.xml><?xml version="1.0" encoding="utf-8"?>
+<p:notes xmlns:a="http://schemas.openxmlformats.org/drawingml/2006/main" xmlns:r="http://schemas.openxmlformats.org/officeDocument/2006/relationships" xmlns:p="http://schemas.openxmlformats.org/presentationml/2006/main">
+  <p:cSld>
+    <p:spTree>
+      <p:nvGrpSpPr>
+        <p:cNvPr id="1" name=""/>
+        <p:cNvGrpSpPr/>
+        <p:nvPr/>
+      </p:nvGrpSpPr>
+      <p:grpSpPr>
+        <a:xfrm>
+          <a:off x="0" y="0"/>
+          <a:ext cx="0" cy="0"/>
+          <a:chOff x="0" y="0"/>
+          <a:chExt cx="0" cy="0"/>
+        </a:xfrm>
+      </p:grpSpPr>
+      <p:sp>
+        <p:nvSpPr>
+          <p:cNvPr id="2" name="Slide Image Placeholder 1"/>
+          <p:cNvSpPr>
+            <a:spLocks noGrp="1" noRot="1" noChangeAspect="1"/>
+          </p:cNvSpPr>
+          <p:nvPr>
+            <p:ph type="sldImg"/>
+          </p:nvPr>
+        </p:nvSpPr>
+        <p:spPr>
+          <a:xfrm>
+            <a:off x="1327150" y="720725"/>
+            <a:ext cx="4660900" cy="3600450"/>
+          </a:xfrm>
+          <a:prstGeom prst="rect">
+            <a:avLst/>
+          </a:prstGeom>
+          <a:noFill/>
+          <a:ln w="12700">
+            <a:solidFill>
+              <a:prstClr val="black"/>
+            </a:solidFill>
+          </a:ln>
+        </p:spPr>
+      </p:sp>
+      <p:sp>
+        <p:nvSpPr>
+          <p:cNvPr id="3" name="Notes Placeholder 2"/>
+          <p:cNvSpPr>
+            <a:spLocks noGrp="1"/>
+          </p:cNvSpPr>
+          <p:nvPr>
+            <p:ph type="body" idx="1"/>
+          </p:nvPr>
+        </p:nvSpPr>
+        <p:spPr/>
+        <p:txBody>
+          <a:bodyPr/>
+          <a:lstStyle/>
+          <a:p>
+            <a:endParaRPr lang="en-US"/>
+          </a:p>
+        </p:txBody>
+      </p:sp>
+      <p:sp>
+        <p:nvSpPr>
+          <p:cNvPr id="4" name="Slide Number Placeholder 3"/>
+          <p:cNvSpPr>
+            <a:spLocks noGrp="1"/>
+          </p:cNvSpPr>
+          <p:nvPr>
+            <p:ph type="sldNum" idx="10"/>
+          </p:nvPr>
+        </p:nvSpPr>
+        <p:spPr/>
+        <p:txBody>
+          <a:bodyPr/>
+          <a:lstStyle/>
+          <a:p>
+            <a:pPr algn="r"/>
+            <a:fld id="{8B024F13-E312-4CC4-8A89-C5A8C069122A}" type="slidenum">
+              <a:rPr lang="en-US" sz="1500" b="0" strike="noStrike" spc="-1" smtClean="0">
+                <a:latin typeface="Times New Roman"/>
+              </a:rPr>
+              <a:t>2</a:t>
+            </a:fld>
+            <a:endParaRPr lang="en-US" sz="1500" b="0" strike="noStrike" spc="-1">
+              <a:latin typeface="Times New Roman"/>
+            </a:endParaRPr>
+          </a:p>
+        </p:txBody>
+      </p:sp>
+    </p:spTree>
+    <p:extLst>
+      <p:ext uri="{BB962C8B-B14F-4D97-AF65-F5344CB8AC3E}">
+        <p14:creationId xmlns:p14="http://schemas.microsoft.com/office/powerpoint/2010/main" val="4144968176"/>
+      </p:ext>
+    </p:extLst>
   </p:cSld>
   <p:clrMapOvr>
     <a:masterClrMapping/>
@@ -14287,7 +14390,7 @@
           <p:nvPr/>
         </p:nvPicPr>
         <p:blipFill>
-          <a:blip r:embed="rId2"/>
+          <a:blip r:embed="rId3"/>
           <a:stretch/>
         </p:blipFill>
         <p:spPr>
@@ -14401,7 +14504,7 @@
                 </a:uFill>
                 <a:latin typeface="Source Sans Pro Light"/>
                 <a:ea typeface="Source Sans Pro Light"/>
-                <a:hlinkClick r:id="rId3"/>
+                <a:hlinkClick r:id="rId4"/>
               </a:rPr>
               <a:t>CC BY </a:t>
             </a:r>
@@ -14547,7 +14650,7 @@
           <p:nvPr/>
         </p:nvPicPr>
         <p:blipFill>
-          <a:blip r:embed="rId4" cstate="print">
+          <a:blip r:embed="rId5" cstate="print">
             <a:extLst>
               <a:ext uri="{28A0092B-C50C-407E-A947-70E740481C1C}">
                 <a14:useLocalDpi xmlns:a14="http://schemas.microsoft.com/office/drawing/2010/main" val="0"/>
@@ -15047,21 +15150,21 @@
             <a:r>
               <a:rPr lang="en-US" sz="1200" b="1" spc="-1" dirty="0" err="1">
                 <a:latin typeface="Courier New"/>
-                <a:hlinkClick r:id="rId5"/>
+                <a:hlinkClick r:id="rId6"/>
               </a:rPr>
               <a:t>Tidyverse</a:t>
             </a:r>
             <a:r>
               <a:rPr lang="en-US" sz="1200" b="1" spc="-1" dirty="0">
                 <a:latin typeface="Courier New"/>
-                <a:hlinkClick r:id="rId5"/>
+                <a:hlinkClick r:id="rId6"/>
               </a:rPr>
               <a:t> </a:t>
             </a:r>
             <a:r>
               <a:rPr lang="en-US" sz="1200" b="1" spc="-1" dirty="0" err="1">
                 <a:latin typeface="Courier New"/>
-                <a:hlinkClick r:id="rId5"/>
+                <a:hlinkClick r:id="rId6"/>
               </a:rPr>
               <a:t>cheatsheet</a:t>
             </a:r>
@@ -15175,8 +15278,8 @@
         </p:nvSpPr>
         <p:spPr>
           <a:xfrm>
-            <a:off x="215281" y="6528614"/>
-            <a:ext cx="3200400" cy="3744419"/>
+            <a:off x="215281" y="6583680"/>
+            <a:ext cx="3200400" cy="3703320"/>
           </a:xfrm>
           <a:prstGeom prst="rect">
             <a:avLst/>
@@ -15718,7 +15821,7 @@
         </p:nvSpPr>
         <p:spPr>
           <a:xfrm>
-            <a:off x="215281" y="5705710"/>
+            <a:off x="215281" y="5806440"/>
             <a:ext cx="3200400" cy="711302"/>
           </a:xfrm>
           <a:prstGeom prst="roundRect">
@@ -15870,8 +15973,8 @@
         </p:nvSpPr>
         <p:spPr>
           <a:xfrm>
-            <a:off x="215281" y="4288450"/>
-            <a:ext cx="3200400" cy="1363445"/>
+            <a:off x="215281" y="4288449"/>
+            <a:ext cx="3200400" cy="1463040"/>
           </a:xfrm>
           <a:prstGeom prst="rect">
             <a:avLst/>
@@ -15980,23 +16083,56 @@
               </a:lnSpc>
             </a:pPr>
             <a:r>
-              <a:rPr lang="en-US" sz="1100" b="1" spc="-1" dirty="0">
-                <a:latin typeface="Courier New"/>
-              </a:rPr>
-              <a:t># NOTE: R uses forward slashes!</a:t>
-            </a:r>
-          </a:p>
-          <a:p>
-            <a:pPr>
-              <a:lnSpc>
-                <a:spcPct val="100000"/>
-              </a:lnSpc>
-            </a:pPr>
+              <a:rPr lang="en-US" sz="1200" spc="-1" smtClean="0">
+                <a:latin typeface="Arial" panose="020B0604020202020204" pitchFamily="34" charset="0"/>
+              </a:rPr>
+              <a:t>Note: </a:t>
+            </a:r>
+            <a:r>
+              <a:rPr lang="en-US" sz="1200" spc="-1" dirty="0">
+                <a:latin typeface="Arial" panose="020B0604020202020204" pitchFamily="34" charset="0"/>
+              </a:rPr>
+              <a:t>R uses</a:t>
+            </a:r>
+            <a:r>
+              <a:rPr lang="en-US" sz="1200" i="1" spc="-1" dirty="0">
+                <a:latin typeface="Arial" panose="020B0604020202020204" pitchFamily="34" charset="0"/>
+              </a:rPr>
+              <a:t> </a:t>
+            </a:r>
+            <a:r>
+              <a:rPr lang="en-US" sz="1200" i="1" spc="-1">
+                <a:latin typeface="Arial" panose="020B0604020202020204" pitchFamily="34" charset="0"/>
+              </a:rPr>
+              <a:t>forward </a:t>
+            </a:r>
+            <a:r>
+              <a:rPr lang="en-US" sz="1200" spc="-1" smtClean="0">
+                <a:latin typeface="Arial" panose="020B0604020202020204" pitchFamily="34" charset="0"/>
+              </a:rPr>
+              <a:t>slashes</a:t>
+            </a:r>
+            <a:endParaRPr lang="en-US" sz="1200" spc="-1" dirty="0">
+              <a:latin typeface="Arial" panose="020B0604020202020204" pitchFamily="34" charset="0"/>
+            </a:endParaRPr>
+          </a:p>
+          <a:p>
+            <a:pPr>
+              <a:lnSpc>
+                <a:spcPct val="150000"/>
+              </a:lnSpc>
+            </a:pPr>
+            <a:r>
+              <a:rPr lang="it-IT" sz="1100" b="1" spc="-1" smtClean="0">
+                <a:latin typeface="Courier New" panose="02070309020205020404" pitchFamily="49" charset="0"/>
+              </a:rPr>
+              <a:t>kidsfeet </a:t>
+            </a:r>
             <a:r>
               <a:rPr lang="it-IT" sz="1100" b="1" spc="-1" dirty="0">
                 <a:latin typeface="Courier New" panose="02070309020205020404" pitchFamily="49" charset="0"/>
               </a:rPr>
-              <a:t>Dome &lt;-</a:t>
+              <a:t>&lt;-</a:t>
             </a:r>
           </a:p>
           <a:p>
@@ -16019,10 +16155,22 @@
               </a:lnSpc>
             </a:pPr>
             <a:r>
+              <a:rPr lang="it-IT" sz="1100" b="1" spc="-1">
+                <a:latin typeface="Courier New" panose="02070309020205020404" pitchFamily="49" charset="0"/>
+              </a:rPr>
+              <a:t>  </a:t>
+            </a:r>
+            <a:r>
+              <a:rPr lang="it-IT" sz="1100" b="1" spc="-1" smtClean="0">
+                <a:latin typeface="Courier New" panose="02070309020205020404" pitchFamily="49" charset="0"/>
+              </a:rPr>
+              <a:t>web.org/go/datasets/kidsfeet.csv</a:t>
+            </a:r>
+            <a:r>
               <a:rPr lang="it-IT" sz="1100" b="1" spc="-1" dirty="0">
                 <a:latin typeface="Courier New" panose="02070309020205020404" pitchFamily="49" charset="0"/>
               </a:rPr>
-              <a:t>  web.org/go/datasets/Dome.csv")</a:t>
+              <a:t>")</a:t>
             </a:r>
             <a:endParaRPr lang="en-US" sz="1100" b="1" strike="noStrike" spc="-1" dirty="0">
               <a:latin typeface="Courier New" panose="02070309020205020404" pitchFamily="49" charset="0"/>
@@ -16045,7 +16193,7 @@
           <p:nvPr/>
         </p:nvPicPr>
         <p:blipFill>
-          <a:blip r:embed="rId6">
+          <a:blip r:embed="rId7">
             <a:extLst>
               <a:ext uri="{28A0092B-C50C-407E-A947-70E740481C1C}">
                 <a14:useLocalDpi xmlns:a14="http://schemas.microsoft.com/office/drawing/2010/main" val="0"/>
@@ -16075,7 +16223,7 @@
           <p:nvPr/>
         </p:nvPicPr>
         <p:blipFill>
-          <a:blip r:embed="rId7" cstate="print">
+          <a:blip r:embed="rId8" cstate="print">
             <a:extLst>
               <a:ext uri="{28A0092B-C50C-407E-A947-70E740481C1C}">
                 <a14:useLocalDpi xmlns:a14="http://schemas.microsoft.com/office/drawing/2010/main" val="0"/>

--- a/mosaic-cheatsheet-gf.pptx
+++ b/mosaic-cheatsheet-gf.pptx
@@ -110,7 +110,7 @@
   </p:defaultTextStyle>
   <p:extLst>
     <p:ext uri="{EFAFB233-063F-42B5-8137-9DF3F51BA10A}">
-      <p15:sldGuideLst xmlns="" xmlns:p15="http://schemas.microsoft.com/office/powerpoint/2012/main">
+      <p15:sldGuideLst xmlns:p15="http://schemas.microsoft.com/office/powerpoint/2012/main" xmlns="">
         <p15:guide id="1" orient="horz" pos="3400">
           <p15:clr>
             <a:srgbClr val="A4A3A4"/>
@@ -4261,19 +4261,160 @@
                 <a:ea typeface="Menlo"/>
                 <a:cs typeface="Courier New" panose="02070309020205020404" pitchFamily="49" charset="0"/>
               </a:rPr>
-              <a:t> B</a:t>
+              <a:t> </a:t>
+            </a:r>
+            <a:r>
+              <a:rPr lang="en-US" sz="1200" b="1" strike="noStrike" spc="-1">
+                <a:solidFill>
+                  <a:srgbClr val="000000"/>
+                </a:solidFill>
+                <a:latin typeface="Courier New" panose="02070309020205020404" pitchFamily="49" charset="0"/>
+                <a:ea typeface="Menlo"/>
+                <a:cs typeface="Courier New" panose="02070309020205020404" pitchFamily="49" charset="0"/>
+              </a:rPr>
+              <a:t>B</a:t>
+            </a:r>
+            <a:r>
+              <a:rPr lang="en-US" sz="1200" b="1" strike="noStrike" spc="-1">
+                <a:solidFill>
+                  <a:srgbClr val="000000"/>
+                </a:solidFill>
+                <a:ea typeface="Menlo"/>
+                <a:cs typeface="Courier New" panose="02070309020205020404" pitchFamily="49" charset="0"/>
+              </a:rPr>
+              <a:t> </a:t>
+            </a:r>
+            <a:r>
+              <a:rPr lang="en-US" sz="1200" spc="-1" smtClean="0">
+                <a:solidFill>
+                  <a:srgbClr val="000000"/>
+                </a:solidFill>
+                <a:ea typeface="Menlo"/>
+                <a:cs typeface="Courier New" panose="02070309020205020404" pitchFamily="49" charset="0"/>
+              </a:rPr>
+              <a:t>(</a:t>
+            </a:r>
+            <a:r>
+              <a:rPr lang="en-US" sz="1200" spc="-1" smtClean="0">
+                <a:solidFill>
+                  <a:srgbClr val="000000"/>
+                </a:solidFill>
+                <a:latin typeface="Arial" panose="020B0604020202020204" pitchFamily="34" charset="0"/>
+                <a:ea typeface="Menlo"/>
+                <a:cs typeface="Arial" panose="020B0604020202020204" pitchFamily="34" charset="0"/>
+              </a:rPr>
+              <a:t>"A and B") </a:t>
+            </a:r>
+            <a:r>
+              <a:rPr lang="en-US" sz="1200" strike="noStrike" spc="-1" smtClean="0">
+                <a:solidFill>
+                  <a:srgbClr val="000000"/>
+                </a:solidFill>
+                <a:latin typeface="Arial" panose="020B0604020202020204" pitchFamily="34" charset="0"/>
+                <a:ea typeface="Menlo"/>
+                <a:cs typeface="Arial" panose="020B0604020202020204" pitchFamily="34" charset="0"/>
+              </a:rPr>
+              <a:t>is </a:t>
             </a:r>
             <a:r>
               <a:rPr lang="en-US" sz="1200" b="1" strike="noStrike" spc="-1" dirty="0">
                 <a:solidFill>
                   <a:srgbClr val="000000"/>
                 </a:solidFill>
+                <a:latin typeface="Courier New" panose="02070309020205020404" pitchFamily="49" charset="0"/>
                 <a:ea typeface="Menlo"/>
                 <a:cs typeface="Courier New" panose="02070309020205020404" pitchFamily="49" charset="0"/>
               </a:rPr>
+              <a:t>TRUE</a:t>
+            </a:r>
+            <a:r>
+              <a:rPr lang="en-US" sz="1200" strike="noStrike" spc="-1" dirty="0">
+                <a:solidFill>
+                  <a:srgbClr val="000000"/>
+                </a:solidFill>
+                <a:latin typeface="Arial"/>
+                <a:ea typeface="Menlo"/>
+              </a:rPr>
               <a:t> </a:t>
             </a:r>
             <a:r>
+              <a:rPr lang="en-US" sz="1200" spc="-1" dirty="0">
+                <a:solidFill>
+                  <a:srgbClr val="000000"/>
+                </a:solidFill>
+                <a:latin typeface="Arial"/>
+                <a:ea typeface="Menlo"/>
+              </a:rPr>
+              <a:t>if </a:t>
+            </a:r>
+            <a:r>
+              <a:rPr lang="en-US" sz="1200" spc="-1">
+                <a:solidFill>
+                  <a:srgbClr val="000000"/>
+                </a:solidFill>
+                <a:latin typeface="Arial"/>
+                <a:ea typeface="Menlo"/>
+              </a:rPr>
+              <a:t>both </a:t>
+            </a:r>
+            <a:endParaRPr lang="en-US" sz="1200" spc="-1" smtClean="0">
+              <a:solidFill>
+                <a:srgbClr val="000000"/>
+              </a:solidFill>
+              <a:latin typeface="Arial"/>
+              <a:ea typeface="Menlo"/>
+            </a:endParaRPr>
+          </a:p>
+          <a:p>
+            <a:pPr>
+              <a:lnSpc>
+                <a:spcPct val="120000"/>
+              </a:lnSpc>
+            </a:pPr>
+            <a:r>
+              <a:rPr lang="en-US" sz="1200" b="1" spc="-1">
+                <a:solidFill>
+                  <a:srgbClr val="000000"/>
+                </a:solidFill>
+                <a:latin typeface="Arial"/>
+                <a:ea typeface="Menlo"/>
+                <a:cs typeface="Courier New" panose="02070309020205020404" pitchFamily="49" charset="0"/>
+              </a:rPr>
+              <a:t> </a:t>
+            </a:r>
+            <a:r>
+              <a:rPr lang="en-US" sz="1200" b="1" spc="-1" smtClean="0">
+                <a:solidFill>
+                  <a:srgbClr val="000000"/>
+                </a:solidFill>
+                <a:latin typeface="Arial"/>
+                <a:ea typeface="Menlo"/>
+                <a:cs typeface="Courier New" panose="02070309020205020404" pitchFamily="49" charset="0"/>
+              </a:rPr>
+              <a:t>           </a:t>
+            </a:r>
+            <a:r>
+              <a:rPr lang="en-US" sz="1200" b="1" spc="-1" smtClean="0">
+                <a:solidFill>
+                  <a:srgbClr val="000000"/>
+                </a:solidFill>
+                <a:latin typeface="Courier New" panose="02070309020205020404" pitchFamily="49" charset="0"/>
+                <a:ea typeface="Menlo"/>
+                <a:cs typeface="Courier New" panose="02070309020205020404" pitchFamily="49" charset="0"/>
+              </a:rPr>
+              <a:t>A</a:t>
+            </a:r>
+            <a:r>
+              <a:rPr lang="en-US" sz="1200" spc="-1" smtClean="0">
+                <a:solidFill>
+                  <a:srgbClr val="000000"/>
+                </a:solidFill>
+                <a:latin typeface="Arial"/>
+                <a:ea typeface="Menlo"/>
+              </a:rPr>
+              <a:t> </a:t>
+            </a:r>
+            <a:r>
               <a:rPr lang="en-US" sz="1200" strike="noStrike" spc="-1" dirty="0">
                 <a:solidFill>
                   <a:srgbClr val="000000"/>
@@ -4281,10 +4422,10 @@
                 <a:latin typeface="Arial"/>
                 <a:ea typeface="Menlo"/>
               </a:rPr>
-              <a:t>is </a:t>
-            </a:r>
-            <a:r>
-              <a:rPr lang="en-US" sz="1200" b="1" strike="noStrike" spc="-1" dirty="0">
+              <a:t>and </a:t>
+            </a:r>
+            <a:r>
+              <a:rPr lang="en-US" sz="1200" b="1" spc="-1" dirty="0">
                 <a:solidFill>
                   <a:srgbClr val="000000"/>
                 </a:solidFill>
@@ -4292,7 +4433,7 @@
                 <a:ea typeface="Menlo"/>
                 <a:cs typeface="Courier New" panose="02070309020205020404" pitchFamily="49" charset="0"/>
               </a:rPr>
-              <a:t>TRUE</a:t>
+              <a:t>B</a:t>
             </a:r>
             <a:r>
               <a:rPr lang="en-US" sz="1200" strike="noStrike" spc="-1" dirty="0">
@@ -4305,86 +4446,17 @@
               <a:t> </a:t>
             </a:r>
             <a:r>
-              <a:rPr lang="en-US" sz="1200" spc="-1" dirty="0">
+              <a:rPr lang="en-US" sz="1200" strike="noStrike" spc="-1">
                 <a:solidFill>
                   <a:srgbClr val="000000"/>
                 </a:solidFill>
                 <a:latin typeface="Arial"/>
                 <a:ea typeface="Menlo"/>
               </a:rPr>
-              <a:t>if both </a:t>
-            </a:r>
-            <a:r>
-              <a:rPr lang="en-US" sz="1200" b="1" spc="-1" dirty="0">
-                <a:solidFill>
-                  <a:srgbClr val="000000"/>
-                </a:solidFill>
-                <a:latin typeface="Courier New" panose="02070309020205020404" pitchFamily="49" charset="0"/>
-                <a:ea typeface="Menlo"/>
-                <a:cs typeface="Courier New" panose="02070309020205020404" pitchFamily="49" charset="0"/>
-              </a:rPr>
-              <a:t>A</a:t>
-            </a:r>
-            <a:r>
-              <a:rPr lang="en-US" sz="1200" spc="-1" dirty="0">
-                <a:solidFill>
-                  <a:srgbClr val="000000"/>
-                </a:solidFill>
-                <a:latin typeface="Arial"/>
-                <a:ea typeface="Menlo"/>
-              </a:rPr>
-              <a:t> </a:t>
-            </a:r>
-            <a:r>
-              <a:rPr lang="en-US" sz="1200" strike="noStrike" spc="-1" dirty="0">
-                <a:solidFill>
-                  <a:srgbClr val="000000"/>
-                </a:solidFill>
-                <a:latin typeface="Arial"/>
-                <a:ea typeface="Menlo"/>
-              </a:rPr>
-              <a:t>and </a:t>
-            </a:r>
-            <a:r>
-              <a:rPr lang="en-US" sz="1200" b="1" spc="-1" dirty="0">
-                <a:solidFill>
-                  <a:srgbClr val="000000"/>
-                </a:solidFill>
-                <a:latin typeface="Courier New" panose="02070309020205020404" pitchFamily="49" charset="0"/>
-                <a:ea typeface="Menlo"/>
-                <a:cs typeface="Courier New" panose="02070309020205020404" pitchFamily="49" charset="0"/>
-              </a:rPr>
-              <a:t>B</a:t>
-            </a:r>
-            <a:r>
-              <a:rPr lang="en-US" sz="1200" strike="noStrike" spc="-1" dirty="0">
-                <a:solidFill>
-                  <a:srgbClr val="000000"/>
-                </a:solidFill>
-                <a:latin typeface="Arial"/>
-                <a:ea typeface="Menlo"/>
-              </a:rPr>
-              <a:t> are </a:t>
-            </a:r>
-          </a:p>
-          <a:p>
-            <a:pPr>
-              <a:lnSpc>
-                <a:spcPct val="120000"/>
-              </a:lnSpc>
-            </a:pPr>
-            <a:r>
-              <a:rPr lang="en-US" sz="1200" spc="-1" dirty="0">
-                <a:solidFill>
-                  <a:srgbClr val="000000"/>
-                </a:solidFill>
-                <a:latin typeface="Arial"/>
-                <a:ea typeface="Menlo"/>
-              </a:rPr>
-              <a:t>             </a:t>
-            </a:r>
-            <a:r>
-              <a:rPr lang="en-US" sz="1200" b="1" strike="noStrike" spc="-1" dirty="0">
+              <a:t>are </a:t>
+            </a:r>
+            <a:r>
+              <a:rPr lang="en-US" sz="1200" b="1" strike="noStrike" spc="-1" smtClean="0">
                 <a:solidFill>
                   <a:srgbClr val="000000"/>
                 </a:solidFill>
@@ -4444,16 +4516,122 @@
                 <a:ea typeface="Menlo"/>
                 <a:cs typeface="Courier New" panose="02070309020205020404" pitchFamily="49" charset="0"/>
               </a:rPr>
-              <a:t>A | B</a:t>
+              <a:t>A </a:t>
+            </a:r>
+            <a:r>
+              <a:rPr lang="en-US" sz="1200" b="1" spc="-1">
+                <a:solidFill>
+                  <a:srgbClr val="000000"/>
+                </a:solidFill>
+                <a:latin typeface="Courier New" panose="02070309020205020404" pitchFamily="49" charset="0"/>
+                <a:ea typeface="Menlo"/>
+                <a:cs typeface="Courier New" panose="02070309020205020404" pitchFamily="49" charset="0"/>
+              </a:rPr>
+              <a:t>| </a:t>
+            </a:r>
+            <a:r>
+              <a:rPr lang="en-US" sz="1200" b="1" spc="-1" smtClean="0">
+                <a:solidFill>
+                  <a:srgbClr val="000000"/>
+                </a:solidFill>
+                <a:latin typeface="Courier New" panose="02070309020205020404" pitchFamily="49" charset="0"/>
+                <a:ea typeface="Menlo"/>
+                <a:cs typeface="Courier New" panose="02070309020205020404" pitchFamily="49" charset="0"/>
+              </a:rPr>
+              <a:t>B </a:t>
+            </a:r>
+            <a:r>
+              <a:rPr lang="en-US" sz="1200" spc="-1">
+                <a:solidFill>
+                  <a:srgbClr val="000000"/>
+                </a:solidFill>
+                <a:ea typeface="Menlo"/>
+                <a:cs typeface="Courier New" panose="02070309020205020404" pitchFamily="49" charset="0"/>
+              </a:rPr>
+              <a:t>(</a:t>
+            </a:r>
+            <a:r>
+              <a:rPr lang="en-US" sz="1200" spc="-1">
+                <a:solidFill>
+                  <a:srgbClr val="000000"/>
+                </a:solidFill>
+                <a:latin typeface="Arial" panose="020B0604020202020204" pitchFamily="34" charset="0"/>
+                <a:ea typeface="Menlo"/>
+                <a:cs typeface="Arial" panose="020B0604020202020204" pitchFamily="34" charset="0"/>
+              </a:rPr>
+              <a:t>"</a:t>
+            </a:r>
+            <a:r>
+              <a:rPr lang="en-US" sz="1200" spc="-1">
+                <a:solidFill>
+                  <a:srgbClr val="000000"/>
+                </a:solidFill>
+                <a:latin typeface="Arial" panose="020B0604020202020204" pitchFamily="34" charset="0"/>
+                <a:ea typeface="Menlo"/>
+                <a:cs typeface="Arial" panose="020B0604020202020204" pitchFamily="34" charset="0"/>
+              </a:rPr>
+              <a:t>A </a:t>
+            </a:r>
+            <a:r>
+              <a:rPr lang="en-US" sz="1200" spc="-1" smtClean="0">
+                <a:solidFill>
+                  <a:srgbClr val="000000"/>
+                </a:solidFill>
+                <a:latin typeface="Arial" panose="020B0604020202020204" pitchFamily="34" charset="0"/>
+                <a:ea typeface="Menlo"/>
+                <a:cs typeface="Arial" panose="020B0604020202020204" pitchFamily="34" charset="0"/>
+              </a:rPr>
+              <a:t>or </a:t>
+            </a:r>
+            <a:r>
+              <a:rPr lang="en-US" sz="1200" spc="-1">
+                <a:solidFill>
+                  <a:srgbClr val="000000"/>
+                </a:solidFill>
+                <a:latin typeface="Arial" panose="020B0604020202020204" pitchFamily="34" charset="0"/>
+                <a:ea typeface="Menlo"/>
+                <a:cs typeface="Arial" panose="020B0604020202020204" pitchFamily="34" charset="0"/>
+              </a:rPr>
+              <a:t>B")</a:t>
+            </a:r>
+            <a:r>
+              <a:rPr lang="en-US" sz="1200" b="1" spc="-1" smtClean="0">
+                <a:solidFill>
+                  <a:srgbClr val="000000"/>
+                </a:solidFill>
+                <a:ea typeface="Menlo"/>
+                <a:cs typeface="Courier New" panose="02070309020205020404" pitchFamily="49" charset="0"/>
+              </a:rPr>
+              <a:t> </a:t>
+            </a:r>
+            <a:r>
+              <a:rPr lang="en-US" sz="1200" spc="-1" dirty="0">
+                <a:solidFill>
+                  <a:srgbClr val="000000"/>
+                </a:solidFill>
+                <a:ea typeface="Menlo"/>
+              </a:rPr>
+              <a:t>is </a:t>
             </a:r>
             <a:r>
               <a:rPr lang="en-US" sz="1200" b="1" spc="-1" dirty="0">
                 <a:solidFill>
                   <a:srgbClr val="000000"/>
                 </a:solidFill>
+                <a:latin typeface="Courier New" panose="02070309020205020404" pitchFamily="49" charset="0"/>
                 <a:ea typeface="Menlo"/>
                 <a:cs typeface="Courier New" panose="02070309020205020404" pitchFamily="49" charset="0"/>
               </a:rPr>
+              <a:t>TRUE</a:t>
+            </a:r>
+            <a:r>
+              <a:rPr lang="en-US" sz="1200" b="1" spc="-1" dirty="0">
+                <a:solidFill>
+                  <a:srgbClr val="000000"/>
+                </a:solidFill>
+                <a:ea typeface="Menlo"/>
+                <a:cs typeface="Courier New" panose="02070309020205020404" pitchFamily="49" charset="0"/>
+              </a:rPr>
               <a:t> </a:t>
             </a:r>
             <a:r>
@@ -4463,10 +4641,62 @@
                 </a:solidFill>
                 <a:ea typeface="Menlo"/>
               </a:rPr>
-              <a:t>is </a:t>
-            </a:r>
-            <a:r>
-              <a:rPr lang="en-US" sz="1200" b="1" spc="-1" dirty="0">
+              <a:t>if one or </a:t>
+            </a:r>
+            <a:r>
+              <a:rPr lang="en-US" sz="1200" spc="-1">
+                <a:solidFill>
+                  <a:srgbClr val="000000"/>
+                </a:solidFill>
+                <a:ea typeface="Menlo"/>
+              </a:rPr>
+              <a:t>both </a:t>
+            </a:r>
+            <a:r>
+              <a:rPr lang="en-US" sz="1200" spc="-1" smtClean="0">
+                <a:solidFill>
+                  <a:srgbClr val="000000"/>
+                </a:solidFill>
+                <a:ea typeface="Menlo"/>
+              </a:rPr>
+              <a:t> </a:t>
+            </a:r>
+          </a:p>
+          <a:p>
+            <a:pPr>
+              <a:lnSpc>
+                <a:spcPct val="120000"/>
+              </a:lnSpc>
+            </a:pPr>
+            <a:r>
+              <a:rPr lang="en-US" sz="1200" spc="-1">
+                <a:solidFill>
+                  <a:srgbClr val="000000"/>
+                </a:solidFill>
+                <a:ea typeface="Menlo"/>
+              </a:rPr>
+              <a:t> </a:t>
+            </a:r>
+            <a:r>
+              <a:rPr lang="en-US" sz="1200" spc="-1" smtClean="0">
+                <a:solidFill>
+                  <a:srgbClr val="000000"/>
+                </a:solidFill>
+                <a:ea typeface="Menlo"/>
+              </a:rPr>
+              <a:t>          </a:t>
+            </a:r>
+            <a:r>
+              <a:rPr lang="en-US" sz="1200" spc="-1" smtClean="0">
+                <a:solidFill>
+                  <a:srgbClr val="000000"/>
+                </a:solidFill>
+                <a:ea typeface="Menlo"/>
+              </a:rPr>
+              <a:t>of </a:t>
+            </a:r>
+            <a:r>
+              <a:rPr lang="en-US" sz="1200" b="1" spc="-1">
                 <a:solidFill>
                   <a:srgbClr val="000000"/>
                 </a:solidFill>
@@ -4474,16 +4704,44 @@
                 <a:ea typeface="Menlo"/>
                 <a:cs typeface="Courier New" panose="02070309020205020404" pitchFamily="49" charset="0"/>
               </a:rPr>
-              <a:t>TRUE</a:t>
-            </a:r>
-            <a:r>
-              <a:rPr lang="en-US" sz="1200" b="1" spc="-1" dirty="0">
-                <a:solidFill>
-                  <a:srgbClr val="000000"/>
-                </a:solidFill>
+              <a:t>A</a:t>
+            </a:r>
+            <a:r>
+              <a:rPr lang="en-US" sz="1200" spc="-1">
+                <a:solidFill>
+                  <a:srgbClr val="000000"/>
+                </a:solidFill>
+                <a:ea typeface="Menlo"/>
+              </a:rPr>
+              <a:t> </a:t>
+            </a:r>
+            <a:r>
+              <a:rPr lang="en-US" sz="1200" spc="-1" smtClean="0">
+                <a:solidFill>
+                  <a:srgbClr val="000000"/>
+                </a:solidFill>
+                <a:ea typeface="Menlo"/>
+              </a:rPr>
+              <a:t>and </a:t>
+            </a:r>
+            <a:r>
+              <a:rPr lang="en-US" sz="1200" b="1" spc="-1" smtClean="0">
+                <a:solidFill>
+                  <a:srgbClr val="000000"/>
+                </a:solidFill>
+                <a:latin typeface="Courier New" panose="02070309020205020404" pitchFamily="49" charset="0"/>
                 <a:ea typeface="Menlo"/>
                 <a:cs typeface="Courier New" panose="02070309020205020404" pitchFamily="49" charset="0"/>
               </a:rPr>
+              <a:t>B</a:t>
+            </a:r>
+            <a:r>
+              <a:rPr lang="en-US" sz="1200" spc="-1" smtClean="0">
+                <a:solidFill>
+                  <a:srgbClr val="000000"/>
+                </a:solidFill>
+                <a:ea typeface="Menlo"/>
+              </a:rPr>
               <a:t> </a:t>
             </a:r>
             <a:r>
@@ -4493,63 +4751,7 @@
                 </a:solidFill>
                 <a:ea typeface="Menlo"/>
               </a:rPr>
-              <a:t>if one or both of </a:t>
-            </a:r>
-            <a:r>
-              <a:rPr lang="en-US" sz="1200" b="1" spc="-1" dirty="0">
-                <a:solidFill>
-                  <a:srgbClr val="000000"/>
-                </a:solidFill>
-                <a:latin typeface="Courier New" panose="02070309020205020404" pitchFamily="49" charset="0"/>
-                <a:ea typeface="Menlo"/>
-                <a:cs typeface="Courier New" panose="02070309020205020404" pitchFamily="49" charset="0"/>
-              </a:rPr>
-              <a:t>A</a:t>
-            </a:r>
-            <a:r>
-              <a:rPr lang="en-US" sz="1200" spc="-1" dirty="0">
-                <a:solidFill>
-                  <a:srgbClr val="000000"/>
-                </a:solidFill>
-                <a:ea typeface="Menlo"/>
-              </a:rPr>
-              <a:t> and</a:t>
-            </a:r>
-          </a:p>
-          <a:p>
-            <a:pPr>
-              <a:lnSpc>
-                <a:spcPct val="120000"/>
-              </a:lnSpc>
-            </a:pPr>
-            <a:r>
-              <a:rPr lang="en-US" sz="1200" spc="-1" dirty="0">
-                <a:solidFill>
-                  <a:srgbClr val="000000"/>
-                </a:solidFill>
-                <a:ea typeface="Menlo"/>
-              </a:rPr>
-              <a:t>             </a:t>
-            </a:r>
-            <a:r>
-              <a:rPr lang="en-US" sz="1200" b="1" spc="-1" dirty="0">
-                <a:solidFill>
-                  <a:srgbClr val="000000"/>
-                </a:solidFill>
-                <a:latin typeface="Courier New" panose="02070309020205020404" pitchFamily="49" charset="0"/>
-                <a:ea typeface="Menlo"/>
-                <a:cs typeface="Courier New" panose="02070309020205020404" pitchFamily="49" charset="0"/>
-              </a:rPr>
-              <a:t>B</a:t>
-            </a:r>
-            <a:r>
-              <a:rPr lang="en-US" sz="1200" spc="-1" dirty="0">
-                <a:solidFill>
-                  <a:srgbClr val="000000"/>
-                </a:solidFill>
-                <a:ea typeface="Menlo"/>
-              </a:rPr>
-              <a:t> are </a:t>
+              <a:t>are </a:t>
             </a:r>
             <a:r>
               <a:rPr lang="en-US" sz="1200" b="1" spc="-1" dirty="0">
@@ -8605,7 +8807,7 @@
           <p:cNvPr id="3" name="Picture 2">
             <a:extLst>
               <a:ext uri="{FF2B5EF4-FFF2-40B4-BE49-F238E27FC236}">
-                <a16:creationId xmlns="" xmlns:a16="http://schemas.microsoft.com/office/drawing/2014/main" id="{F95F3426-C0E9-427D-98D7-76BA920BF8C3}"/>
+                <a16:creationId xmlns:a16="http://schemas.microsoft.com/office/drawing/2014/main" xmlns="" id="{F95F3426-C0E9-427D-98D7-76BA920BF8C3}"/>
               </a:ext>
             </a:extLst>
           </p:cNvPr>
@@ -9189,7 +9391,7 @@
           <p:cNvPr id="2" name="Picture 1">
             <a:extLst>
               <a:ext uri="{FF2B5EF4-FFF2-40B4-BE49-F238E27FC236}">
-                <a16:creationId xmlns="" xmlns:a16="http://schemas.microsoft.com/office/drawing/2014/main" id="{E14C93C7-58D0-4334-B953-92B8FAB5D41E}"/>
+                <a16:creationId xmlns:a16="http://schemas.microsoft.com/office/drawing/2014/main" xmlns="" id="{E14C93C7-58D0-4334-B953-92B8FAB5D41E}"/>
               </a:ext>
             </a:extLst>
           </p:cNvPr>
@@ -9219,7 +9421,7 @@
           <p:cNvPr id="5" name="Picture 4">
             <a:extLst>
               <a:ext uri="{FF2B5EF4-FFF2-40B4-BE49-F238E27FC236}">
-                <a16:creationId xmlns="" xmlns:a16="http://schemas.microsoft.com/office/drawing/2014/main" id="{2F59B7DE-7EC0-4060-BE69-7FCCAF2C9092}"/>
+                <a16:creationId xmlns:a16="http://schemas.microsoft.com/office/drawing/2014/main" xmlns="" id="{2F59B7DE-7EC0-4060-BE69-7FCCAF2C9092}"/>
               </a:ext>
             </a:extLst>
           </p:cNvPr>
@@ -9249,7 +9451,7 @@
           <p:cNvPr id="38" name="CustomShape 16">
             <a:extLst>
               <a:ext uri="{FF2B5EF4-FFF2-40B4-BE49-F238E27FC236}">
-                <a16:creationId xmlns="" xmlns:a16="http://schemas.microsoft.com/office/drawing/2014/main" id="{2A8949E4-DB74-4834-892A-F16D1B68283F}"/>
+                <a16:creationId xmlns:a16="http://schemas.microsoft.com/office/drawing/2014/main" xmlns="" id="{2A8949E4-DB74-4834-892A-F16D1B68283F}"/>
               </a:ext>
             </a:extLst>
           </p:cNvPr>
@@ -9315,7 +9517,7 @@
           <p:cNvPr id="39" name="CustomShape 20">
             <a:extLst>
               <a:ext uri="{FF2B5EF4-FFF2-40B4-BE49-F238E27FC236}">
-                <a16:creationId xmlns="" xmlns:a16="http://schemas.microsoft.com/office/drawing/2014/main" id="{152F529C-6EEE-467F-8431-043C60D121FB}"/>
+                <a16:creationId xmlns:a16="http://schemas.microsoft.com/office/drawing/2014/main" xmlns="" id="{152F529C-6EEE-467F-8431-043C60D121FB}"/>
               </a:ext>
             </a:extLst>
           </p:cNvPr>
@@ -14380,7 +14582,7 @@
           <p:cNvPr id="22" name="Picture 7">
             <a:extLst>
               <a:ext uri="{FF2B5EF4-FFF2-40B4-BE49-F238E27FC236}">
-                <a16:creationId xmlns="" xmlns:a16="http://schemas.microsoft.com/office/drawing/2014/main" id="{ABEA9727-35A0-42F8-B33C-2A392664FA00}"/>
+                <a16:creationId xmlns:a16="http://schemas.microsoft.com/office/drawing/2014/main" xmlns="" id="{ABEA9727-35A0-42F8-B33C-2A392664FA00}"/>
               </a:ext>
             </a:extLst>
           </p:cNvPr>
@@ -14411,7 +14613,7 @@
           <p:cNvPr id="29" name="CustomShape 4">
             <a:extLst>
               <a:ext uri="{FF2B5EF4-FFF2-40B4-BE49-F238E27FC236}">
-                <a16:creationId xmlns="" xmlns:a16="http://schemas.microsoft.com/office/drawing/2014/main" id="{FA44E67C-3FF1-4558-AB14-26AE8A22A162}"/>
+                <a16:creationId xmlns:a16="http://schemas.microsoft.com/office/drawing/2014/main" xmlns="" id="{FA44E67C-3FF1-4558-AB14-26AE8A22A162}"/>
               </a:ext>
             </a:extLst>
           </p:cNvPr>
@@ -14544,7 +14746,7 @@
           <p:cNvPr id="30" name="CustomShape 5">
             <a:extLst>
               <a:ext uri="{FF2B5EF4-FFF2-40B4-BE49-F238E27FC236}">
-                <a16:creationId xmlns="" xmlns:a16="http://schemas.microsoft.com/office/drawing/2014/main" id="{C98A7EA2-6B6B-4EBA-BFFD-9DB57EF48BEA}"/>
+                <a16:creationId xmlns:a16="http://schemas.microsoft.com/office/drawing/2014/main" xmlns="" id="{C98A7EA2-6B6B-4EBA-BFFD-9DB57EF48BEA}"/>
               </a:ext>
             </a:extLst>
           </p:cNvPr>
@@ -14700,7 +14902,7 @@
           <p:cNvPr id="32" name="CustomShape 11">
             <a:extLst>
               <a:ext uri="{FF2B5EF4-FFF2-40B4-BE49-F238E27FC236}">
-                <a16:creationId xmlns="" xmlns:a16="http://schemas.microsoft.com/office/drawing/2014/main" id="{7DD4CB21-5494-4EEF-8F4C-00425B92FBE6}"/>
+                <a16:creationId xmlns:a16="http://schemas.microsoft.com/office/drawing/2014/main" xmlns="" id="{7DD4CB21-5494-4EEF-8F4C-00425B92FBE6}"/>
               </a:ext>
             </a:extLst>
           </p:cNvPr>
@@ -15203,7 +15405,7 @@
           <p:cNvPr id="33" name="CustomShape 12">
             <a:extLst>
               <a:ext uri="{FF2B5EF4-FFF2-40B4-BE49-F238E27FC236}">
-                <a16:creationId xmlns="" xmlns:a16="http://schemas.microsoft.com/office/drawing/2014/main" id="{136D446F-62AC-4126-B127-FB18EB3AF018}"/>
+                <a16:creationId xmlns:a16="http://schemas.microsoft.com/office/drawing/2014/main" xmlns="" id="{136D446F-62AC-4126-B127-FB18EB3AF018}"/>
               </a:ext>
             </a:extLst>
           </p:cNvPr>
@@ -15269,7 +15471,7 @@
           <p:cNvPr id="34" name="CustomShape 13">
             <a:extLst>
               <a:ext uri="{FF2B5EF4-FFF2-40B4-BE49-F238E27FC236}">
-                <a16:creationId xmlns="" xmlns:a16="http://schemas.microsoft.com/office/drawing/2014/main" id="{50726162-5B28-4131-ACFF-63BA1E8C88EE}"/>
+                <a16:creationId xmlns:a16="http://schemas.microsoft.com/office/drawing/2014/main" xmlns="" id="{50726162-5B28-4131-ACFF-63BA1E8C88EE}"/>
               </a:ext>
             </a:extLst>
           </p:cNvPr>
@@ -15812,7 +16014,7 @@
           <p:cNvPr id="35" name="CustomShape 14">
             <a:extLst>
               <a:ext uri="{FF2B5EF4-FFF2-40B4-BE49-F238E27FC236}">
-                <a16:creationId xmlns="" xmlns:a16="http://schemas.microsoft.com/office/drawing/2014/main" id="{54FB45DF-FF93-4AF3-B1A8-71CD2943E523}"/>
+                <a16:creationId xmlns:a16="http://schemas.microsoft.com/office/drawing/2014/main" xmlns="" id="{54FB45DF-FF93-4AF3-B1A8-71CD2943E523}"/>
               </a:ext>
             </a:extLst>
           </p:cNvPr>
@@ -15898,7 +16100,7 @@
           <p:cNvPr id="36" name="CustomShape 18">
             <a:extLst>
               <a:ext uri="{FF2B5EF4-FFF2-40B4-BE49-F238E27FC236}">
-                <a16:creationId xmlns="" xmlns:a16="http://schemas.microsoft.com/office/drawing/2014/main" id="{1822A551-1DC0-4CA0-BE33-D13C157AE72B}"/>
+                <a16:creationId xmlns:a16="http://schemas.microsoft.com/office/drawing/2014/main" xmlns="" id="{1822A551-1DC0-4CA0-BE33-D13C157AE72B}"/>
               </a:ext>
             </a:extLst>
           </p:cNvPr>
@@ -15964,7 +16166,7 @@
           <p:cNvPr id="37" name="CustomShape 11">
             <a:extLst>
               <a:ext uri="{FF2B5EF4-FFF2-40B4-BE49-F238E27FC236}">
-                <a16:creationId xmlns="" xmlns:a16="http://schemas.microsoft.com/office/drawing/2014/main" id="{209F34DB-99E0-4FC1-B232-61460803BE76}"/>
+                <a16:creationId xmlns:a16="http://schemas.microsoft.com/office/drawing/2014/main" xmlns="" id="{209F34DB-99E0-4FC1-B232-61460803BE76}"/>
               </a:ext>
             </a:extLst>
           </p:cNvPr>
@@ -16183,7 +16385,7 @@
           <p:cNvPr id="4" name="Picture 3">
             <a:extLst>
               <a:ext uri="{FF2B5EF4-FFF2-40B4-BE49-F238E27FC236}">
-                <a16:creationId xmlns="" xmlns:a16="http://schemas.microsoft.com/office/drawing/2014/main" id="{0EFD9D09-0C5E-4C9D-97F2-2AC682CC1F6C}"/>
+                <a16:creationId xmlns:a16="http://schemas.microsoft.com/office/drawing/2014/main" xmlns="" id="{0EFD9D09-0C5E-4C9D-97F2-2AC682CC1F6C}"/>
               </a:ext>
             </a:extLst>
           </p:cNvPr>

--- a/mosaic-cheatsheet-gf.pptx
+++ b/mosaic-cheatsheet-gf.pptx
@@ -110,7 +110,7 @@
   </p:defaultTextStyle>
   <p:extLst>
     <p:ext uri="{EFAFB233-063F-42B5-8137-9DF3F51BA10A}">
-      <p15:sldGuideLst xmlns:p15="http://schemas.microsoft.com/office/powerpoint/2012/main" xmlns="">
+      <p15:sldGuideLst xmlns:p15="http://schemas.microsoft.com/office/powerpoint/2012/main">
         <p15:guide id="1" orient="horz" pos="3400">
           <p15:clr>
             <a:srgbClr val="A4A3A4"/>
@@ -3779,7 +3779,7 @@
                             <a:solidFill>
                               <a:srgbClr val="000000"/>
                             </a:solidFill>
-                            <a:latin typeface="Cambria Math"/>
+                            <a:latin typeface="Cambria Math" panose="02040503050406030204" pitchFamily="18" charset="0"/>
                             <a:ea typeface="Menlo"/>
                           </a:rPr>
                         </m:ctrlPr>
@@ -4559,7 +4559,18 @@
                 <a:ea typeface="Menlo"/>
                 <a:cs typeface="Arial" panose="020B0604020202020204" pitchFamily="34" charset="0"/>
               </a:rPr>
-              <a:t>"</a:t>
+              <a:t>"A </a:t>
+            </a:r>
+            <a:r>
+              <a:rPr lang="en-US" sz="1200" spc="-1" smtClean="0">
+                <a:solidFill>
+                  <a:srgbClr val="000000"/>
+                </a:solidFill>
+                <a:latin typeface="Arial" panose="020B0604020202020204" pitchFamily="34" charset="0"/>
+                <a:ea typeface="Menlo"/>
+                <a:cs typeface="Arial" panose="020B0604020202020204" pitchFamily="34" charset="0"/>
+              </a:rPr>
+              <a:t>or </a:t>
             </a:r>
             <a:r>
               <a:rPr lang="en-US" sz="1200" spc="-1">
@@ -4570,130 +4581,99 @@
                 <a:ea typeface="Menlo"/>
                 <a:cs typeface="Arial" panose="020B0604020202020204" pitchFamily="34" charset="0"/>
               </a:rPr>
-              <a:t>A </a:t>
+              <a:t>B")</a:t>
+            </a:r>
+            <a:r>
+              <a:rPr lang="en-US" sz="1200" b="1" spc="-1" smtClean="0">
+                <a:solidFill>
+                  <a:srgbClr val="000000"/>
+                </a:solidFill>
+                <a:ea typeface="Menlo"/>
+                <a:cs typeface="Courier New" panose="02070309020205020404" pitchFamily="49" charset="0"/>
+              </a:rPr>
+              <a:t> </a:t>
+            </a:r>
+            <a:r>
+              <a:rPr lang="en-US" sz="1200" spc="-1" dirty="0">
+                <a:solidFill>
+                  <a:srgbClr val="000000"/>
+                </a:solidFill>
+                <a:ea typeface="Menlo"/>
+              </a:rPr>
+              <a:t>is </a:t>
+            </a:r>
+            <a:r>
+              <a:rPr lang="en-US" sz="1200" b="1" spc="-1" dirty="0">
+                <a:solidFill>
+                  <a:srgbClr val="000000"/>
+                </a:solidFill>
+                <a:latin typeface="Courier New" panose="02070309020205020404" pitchFamily="49" charset="0"/>
+                <a:ea typeface="Menlo"/>
+                <a:cs typeface="Courier New" panose="02070309020205020404" pitchFamily="49" charset="0"/>
+              </a:rPr>
+              <a:t>TRUE</a:t>
+            </a:r>
+            <a:r>
+              <a:rPr lang="en-US" sz="1200" b="1" spc="-1" dirty="0">
+                <a:solidFill>
+                  <a:srgbClr val="000000"/>
+                </a:solidFill>
+                <a:ea typeface="Menlo"/>
+                <a:cs typeface="Courier New" panose="02070309020205020404" pitchFamily="49" charset="0"/>
+              </a:rPr>
+              <a:t> </a:t>
+            </a:r>
+            <a:r>
+              <a:rPr lang="en-US" sz="1200" spc="-1" dirty="0">
+                <a:solidFill>
+                  <a:srgbClr val="000000"/>
+                </a:solidFill>
+                <a:ea typeface="Menlo"/>
+              </a:rPr>
+              <a:t>if one or </a:t>
+            </a:r>
+            <a:r>
+              <a:rPr lang="en-US" sz="1200" spc="-1">
+                <a:solidFill>
+                  <a:srgbClr val="000000"/>
+                </a:solidFill>
+                <a:ea typeface="Menlo"/>
+              </a:rPr>
+              <a:t>both </a:t>
             </a:r>
             <a:r>
               <a:rPr lang="en-US" sz="1200" spc="-1" smtClean="0">
                 <a:solidFill>
                   <a:srgbClr val="000000"/>
                 </a:solidFill>
-                <a:latin typeface="Arial" panose="020B0604020202020204" pitchFamily="34" charset="0"/>
-                <a:ea typeface="Menlo"/>
-                <a:cs typeface="Arial" panose="020B0604020202020204" pitchFamily="34" charset="0"/>
-              </a:rPr>
-              <a:t>or </a:t>
-            </a:r>
+                <a:ea typeface="Menlo"/>
+              </a:rPr>
+              <a:t> </a:t>
+            </a:r>
+          </a:p>
+          <a:p>
+            <a:pPr>
+              <a:lnSpc>
+                <a:spcPct val="120000"/>
+              </a:lnSpc>
+            </a:pPr>
             <a:r>
               <a:rPr lang="en-US" sz="1200" spc="-1">
                 <a:solidFill>
                   <a:srgbClr val="000000"/>
                 </a:solidFill>
-                <a:latin typeface="Arial" panose="020B0604020202020204" pitchFamily="34" charset="0"/>
-                <a:ea typeface="Menlo"/>
-                <a:cs typeface="Arial" panose="020B0604020202020204" pitchFamily="34" charset="0"/>
-              </a:rPr>
-              <a:t>B")</a:t>
-            </a:r>
-            <a:r>
-              <a:rPr lang="en-US" sz="1200" b="1" spc="-1" smtClean="0">
-                <a:solidFill>
-                  <a:srgbClr val="000000"/>
-                </a:solidFill>
-                <a:ea typeface="Menlo"/>
-                <a:cs typeface="Courier New" panose="02070309020205020404" pitchFamily="49" charset="0"/>
+                <a:ea typeface="Menlo"/>
               </a:rPr>
               <a:t> </a:t>
             </a:r>
             <a:r>
-              <a:rPr lang="en-US" sz="1200" spc="-1" dirty="0">
-                <a:solidFill>
-                  <a:srgbClr val="000000"/>
-                </a:solidFill>
-                <a:ea typeface="Menlo"/>
-              </a:rPr>
-              <a:t>is </a:t>
-            </a:r>
-            <a:r>
-              <a:rPr lang="en-US" sz="1200" b="1" spc="-1" dirty="0">
-                <a:solidFill>
-                  <a:srgbClr val="000000"/>
-                </a:solidFill>
-                <a:latin typeface="Courier New" panose="02070309020205020404" pitchFamily="49" charset="0"/>
-                <a:ea typeface="Menlo"/>
-                <a:cs typeface="Courier New" panose="02070309020205020404" pitchFamily="49" charset="0"/>
-              </a:rPr>
-              <a:t>TRUE</a:t>
-            </a:r>
-            <a:r>
-              <a:rPr lang="en-US" sz="1200" b="1" spc="-1" dirty="0">
-                <a:solidFill>
-                  <a:srgbClr val="000000"/>
-                </a:solidFill>
-                <a:ea typeface="Menlo"/>
-                <a:cs typeface="Courier New" panose="02070309020205020404" pitchFamily="49" charset="0"/>
-              </a:rPr>
-              <a:t> </a:t>
-            </a:r>
-            <a:r>
-              <a:rPr lang="en-US" sz="1200" spc="-1" dirty="0">
-                <a:solidFill>
-                  <a:srgbClr val="000000"/>
-                </a:solidFill>
-                <a:ea typeface="Menlo"/>
-              </a:rPr>
-              <a:t>if one or </a:t>
-            </a:r>
-            <a:r>
-              <a:rPr lang="en-US" sz="1200" spc="-1">
-                <a:solidFill>
-                  <a:srgbClr val="000000"/>
-                </a:solidFill>
-                <a:ea typeface="Menlo"/>
-              </a:rPr>
-              <a:t>both </a:t>
-            </a:r>
-            <a:r>
               <a:rPr lang="en-US" sz="1200" spc="-1" smtClean="0">
                 <a:solidFill>
                   <a:srgbClr val="000000"/>
                 </a:solidFill>
                 <a:ea typeface="Menlo"/>
               </a:rPr>
-              <a:t> </a:t>
-            </a:r>
-          </a:p>
-          <a:p>
-            <a:pPr>
-              <a:lnSpc>
-                <a:spcPct val="120000"/>
-              </a:lnSpc>
-            </a:pPr>
-            <a:r>
-              <a:rPr lang="en-US" sz="1200" spc="-1">
-                <a:solidFill>
-                  <a:srgbClr val="000000"/>
-                </a:solidFill>
-                <a:ea typeface="Menlo"/>
-              </a:rPr>
-              <a:t> </a:t>
-            </a:r>
-            <a:r>
-              <a:rPr lang="en-US" sz="1200" spc="-1" smtClean="0">
-                <a:solidFill>
-                  <a:srgbClr val="000000"/>
-                </a:solidFill>
-                <a:ea typeface="Menlo"/>
-              </a:rPr>
-              <a:t>          </a:t>
-            </a:r>
-            <a:r>
-              <a:rPr lang="en-US" sz="1200" spc="-1" smtClean="0">
-                <a:solidFill>
-                  <a:srgbClr val="000000"/>
-                </a:solidFill>
-                <a:ea typeface="Menlo"/>
-              </a:rPr>
-              <a:t>of </a:t>
+              <a:t>          of </a:t>
             </a:r>
             <a:r>
               <a:rPr lang="en-US" sz="1200" b="1" spc="-1">
@@ -8807,7 +8787,7 @@
           <p:cNvPr id="3" name="Picture 2">
             <a:extLst>
               <a:ext uri="{FF2B5EF4-FFF2-40B4-BE49-F238E27FC236}">
-                <a16:creationId xmlns:a16="http://schemas.microsoft.com/office/drawing/2014/main" xmlns="" id="{F95F3426-C0E9-427D-98D7-76BA920BF8C3}"/>
+                <a16:creationId xmlns:a16="http://schemas.microsoft.com/office/drawing/2014/main" id="{F95F3426-C0E9-427D-98D7-76BA920BF8C3}"/>
               </a:ext>
             </a:extLst>
           </p:cNvPr>
@@ -9391,7 +9371,7 @@
           <p:cNvPr id="2" name="Picture 1">
             <a:extLst>
               <a:ext uri="{FF2B5EF4-FFF2-40B4-BE49-F238E27FC236}">
-                <a16:creationId xmlns:a16="http://schemas.microsoft.com/office/drawing/2014/main" xmlns="" id="{E14C93C7-58D0-4334-B953-92B8FAB5D41E}"/>
+                <a16:creationId xmlns:a16="http://schemas.microsoft.com/office/drawing/2014/main" id="{E14C93C7-58D0-4334-B953-92B8FAB5D41E}"/>
               </a:ext>
             </a:extLst>
           </p:cNvPr>
@@ -9421,7 +9401,7 @@
           <p:cNvPr id="5" name="Picture 4">
             <a:extLst>
               <a:ext uri="{FF2B5EF4-FFF2-40B4-BE49-F238E27FC236}">
-                <a16:creationId xmlns:a16="http://schemas.microsoft.com/office/drawing/2014/main" xmlns="" id="{2F59B7DE-7EC0-4060-BE69-7FCCAF2C9092}"/>
+                <a16:creationId xmlns:a16="http://schemas.microsoft.com/office/drawing/2014/main" id="{2F59B7DE-7EC0-4060-BE69-7FCCAF2C9092}"/>
               </a:ext>
             </a:extLst>
           </p:cNvPr>
@@ -9451,7 +9431,7 @@
           <p:cNvPr id="38" name="CustomShape 16">
             <a:extLst>
               <a:ext uri="{FF2B5EF4-FFF2-40B4-BE49-F238E27FC236}">
-                <a16:creationId xmlns:a16="http://schemas.microsoft.com/office/drawing/2014/main" xmlns="" id="{2A8949E4-DB74-4834-892A-F16D1B68283F}"/>
+                <a16:creationId xmlns:a16="http://schemas.microsoft.com/office/drawing/2014/main" id="{2A8949E4-DB74-4834-892A-F16D1B68283F}"/>
               </a:ext>
             </a:extLst>
           </p:cNvPr>
@@ -9517,7 +9497,7 @@
           <p:cNvPr id="39" name="CustomShape 20">
             <a:extLst>
               <a:ext uri="{FF2B5EF4-FFF2-40B4-BE49-F238E27FC236}">
-                <a16:creationId xmlns:a16="http://schemas.microsoft.com/office/drawing/2014/main" xmlns="" id="{152F529C-6EEE-467F-8431-043C60D121FB}"/>
+                <a16:creationId xmlns:a16="http://schemas.microsoft.com/office/drawing/2014/main" id="{152F529C-6EEE-467F-8431-043C60D121FB}"/>
               </a:ext>
             </a:extLst>
           </p:cNvPr>
@@ -14582,7 +14562,7 @@
           <p:cNvPr id="22" name="Picture 7">
             <a:extLst>
               <a:ext uri="{FF2B5EF4-FFF2-40B4-BE49-F238E27FC236}">
-                <a16:creationId xmlns:a16="http://schemas.microsoft.com/office/drawing/2014/main" xmlns="" id="{ABEA9727-35A0-42F8-B33C-2A392664FA00}"/>
+                <a16:creationId xmlns:a16="http://schemas.microsoft.com/office/drawing/2014/main" id="{ABEA9727-35A0-42F8-B33C-2A392664FA00}"/>
               </a:ext>
             </a:extLst>
           </p:cNvPr>
@@ -14613,7 +14593,7 @@
           <p:cNvPr id="29" name="CustomShape 4">
             <a:extLst>
               <a:ext uri="{FF2B5EF4-FFF2-40B4-BE49-F238E27FC236}">
-                <a16:creationId xmlns:a16="http://schemas.microsoft.com/office/drawing/2014/main" xmlns="" id="{FA44E67C-3FF1-4558-AB14-26AE8A22A162}"/>
+                <a16:creationId xmlns:a16="http://schemas.microsoft.com/office/drawing/2014/main" id="{FA44E67C-3FF1-4558-AB14-26AE8A22A162}"/>
               </a:ext>
             </a:extLst>
           </p:cNvPr>
@@ -14746,7 +14726,7 @@
           <p:cNvPr id="30" name="CustomShape 5">
             <a:extLst>
               <a:ext uri="{FF2B5EF4-FFF2-40B4-BE49-F238E27FC236}">
-                <a16:creationId xmlns:a16="http://schemas.microsoft.com/office/drawing/2014/main" xmlns="" id="{C98A7EA2-6B6B-4EBA-BFFD-9DB57EF48BEA}"/>
+                <a16:creationId xmlns:a16="http://schemas.microsoft.com/office/drawing/2014/main" id="{C98A7EA2-6B6B-4EBA-BFFD-9DB57EF48BEA}"/>
               </a:ext>
             </a:extLst>
           </p:cNvPr>
@@ -14902,7 +14882,7 @@
           <p:cNvPr id="32" name="CustomShape 11">
             <a:extLst>
               <a:ext uri="{FF2B5EF4-FFF2-40B4-BE49-F238E27FC236}">
-                <a16:creationId xmlns:a16="http://schemas.microsoft.com/office/drawing/2014/main" xmlns="" id="{7DD4CB21-5494-4EEF-8F4C-00425B92FBE6}"/>
+                <a16:creationId xmlns:a16="http://schemas.microsoft.com/office/drawing/2014/main" id="{7DD4CB21-5494-4EEF-8F4C-00425B92FBE6}"/>
               </a:ext>
             </a:extLst>
           </p:cNvPr>
@@ -14979,16 +14959,10 @@
               <a:rPr lang="en-US" sz="1200" b="1" spc="-1" dirty="0">
                 <a:latin typeface="Courier New"/>
               </a:rPr>
-              <a:t>  c(id, age</a:t>
-            </a:r>
-            <a:r>
-              <a:rPr lang="en-US" sz="1200" b="1" spc="-1">
-                <a:latin typeface="Courier New"/>
-              </a:rPr>
-              <a:t>, </a:t>
-            </a:r>
-            <a:r>
-              <a:rPr lang="en-US" sz="1200" b="1" spc="-1" smtClean="0">
+              <a:t>  c(id, age, </a:t>
+            </a:r>
+            <a:r>
+              <a:rPr lang="en-US" sz="1200" b="1" spc="-1" dirty="0" smtClean="0">
                 <a:latin typeface="Courier New"/>
               </a:rPr>
               <a:t>gender = sex</a:t>
@@ -15098,18 +15072,25 @@
               </a:lnSpc>
             </a:pPr>
             <a:r>
-              <a:rPr lang="en-US" sz="1200" spc="-1" dirty="0">
+              <a:rPr lang="en-US" sz="1200" spc="-1" smtClean="0">
                 <a:latin typeface="Arial"/>
                 <a:ea typeface="DejaVu Sans"/>
               </a:rPr>
-              <a:t>Retain</a:t>
+              <a:t>Extract</a:t>
+            </a:r>
+            <a:r>
+              <a:rPr lang="en-US" sz="1200" b="0" strike="noStrike" spc="-1" smtClean="0">
+                <a:latin typeface="Arial"/>
+                <a:ea typeface="DejaVu Sans"/>
+              </a:rPr>
+              <a:t> </a:t>
             </a:r>
             <a:r>
               <a:rPr lang="en-US" sz="1200" b="0" strike="noStrike" spc="-1" dirty="0">
                 <a:latin typeface="Arial"/>
                 <a:ea typeface="DejaVu Sans"/>
               </a:rPr>
-              <a:t> specific rows from data </a:t>
+              <a:t>specific rows from data </a:t>
             </a:r>
             <a:endParaRPr lang="en-US" sz="1200" b="0" strike="noStrike" spc="-1" dirty="0">
               <a:latin typeface="Arial"/>
@@ -15325,19 +15306,8 @@
                 <a:latin typeface="Courier New"/>
                 <a:ea typeface="DejaVu Sans"/>
               </a:rPr>
-              <a:t>mean(</a:t>
-            </a:r>
-            <a:r>
-              <a:rPr lang="en-US" sz="1200" b="1" strike="noStrike" spc="-1">
-                <a:latin typeface="Courier New"/>
-                <a:ea typeface="DejaVu Sans"/>
-              </a:rPr>
-              <a:t>width)) </a:t>
-            </a:r>
-            <a:endParaRPr lang="en-US" sz="1200" b="1" strike="noStrike" spc="-1" dirty="0">
-              <a:latin typeface="Courier New"/>
-              <a:ea typeface="DejaVu Sans"/>
-            </a:endParaRPr>
+              <a:t>mean(width)) </a:t>
+            </a:r>
           </a:p>
           <a:p>
             <a:r>
@@ -15405,7 +15375,7 @@
           <p:cNvPr id="33" name="CustomShape 12">
             <a:extLst>
               <a:ext uri="{FF2B5EF4-FFF2-40B4-BE49-F238E27FC236}">
-                <a16:creationId xmlns:a16="http://schemas.microsoft.com/office/drawing/2014/main" xmlns="" id="{136D446F-62AC-4126-B127-FB18EB3AF018}"/>
+                <a16:creationId xmlns:a16="http://schemas.microsoft.com/office/drawing/2014/main" id="{136D446F-62AC-4126-B127-FB18EB3AF018}"/>
               </a:ext>
             </a:extLst>
           </p:cNvPr>
@@ -15471,7 +15441,7 @@
           <p:cNvPr id="34" name="CustomShape 13">
             <a:extLst>
               <a:ext uri="{FF2B5EF4-FFF2-40B4-BE49-F238E27FC236}">
-                <a16:creationId xmlns:a16="http://schemas.microsoft.com/office/drawing/2014/main" xmlns="" id="{50726162-5B28-4131-ACFF-63BA1E8C88EE}"/>
+                <a16:creationId xmlns:a16="http://schemas.microsoft.com/office/drawing/2014/main" id="{50726162-5B28-4131-ACFF-63BA1E8C88EE}"/>
               </a:ext>
             </a:extLst>
           </p:cNvPr>
@@ -16014,7 +15984,7 @@
           <p:cNvPr id="35" name="CustomShape 14">
             <a:extLst>
               <a:ext uri="{FF2B5EF4-FFF2-40B4-BE49-F238E27FC236}">
-                <a16:creationId xmlns:a16="http://schemas.microsoft.com/office/drawing/2014/main" xmlns="" id="{54FB45DF-FF93-4AF3-B1A8-71CD2943E523}"/>
+                <a16:creationId xmlns:a16="http://schemas.microsoft.com/office/drawing/2014/main" id="{54FB45DF-FF93-4AF3-B1A8-71CD2943E523}"/>
               </a:ext>
             </a:extLst>
           </p:cNvPr>
@@ -16100,7 +16070,7 @@
           <p:cNvPr id="36" name="CustomShape 18">
             <a:extLst>
               <a:ext uri="{FF2B5EF4-FFF2-40B4-BE49-F238E27FC236}">
-                <a16:creationId xmlns:a16="http://schemas.microsoft.com/office/drawing/2014/main" xmlns="" id="{1822A551-1DC0-4CA0-BE33-D13C157AE72B}"/>
+                <a16:creationId xmlns:a16="http://schemas.microsoft.com/office/drawing/2014/main" id="{1822A551-1DC0-4CA0-BE33-D13C157AE72B}"/>
               </a:ext>
             </a:extLst>
           </p:cNvPr>
@@ -16166,7 +16136,7 @@
           <p:cNvPr id="37" name="CustomShape 11">
             <a:extLst>
               <a:ext uri="{FF2B5EF4-FFF2-40B4-BE49-F238E27FC236}">
-                <a16:creationId xmlns:a16="http://schemas.microsoft.com/office/drawing/2014/main" xmlns="" id="{209F34DB-99E0-4FC1-B232-61460803BE76}"/>
+                <a16:creationId xmlns:a16="http://schemas.microsoft.com/office/drawing/2014/main" id="{209F34DB-99E0-4FC1-B232-61460803BE76}"/>
               </a:ext>
             </a:extLst>
           </p:cNvPr>
@@ -16285,7 +16255,7 @@
               </a:lnSpc>
             </a:pPr>
             <a:r>
-              <a:rPr lang="en-US" sz="1200" spc="-1" smtClean="0">
+              <a:rPr lang="en-US" sz="1200" spc="-1" dirty="0" smtClean="0">
                 <a:latin typeface="Arial" panose="020B0604020202020204" pitchFamily="34" charset="0"/>
               </a:rPr>
               <a:t>Note: </a:t>
@@ -16300,19 +16270,25 @@
               <a:rPr lang="en-US" sz="1200" i="1" spc="-1" dirty="0">
                 <a:latin typeface="Arial" panose="020B0604020202020204" pitchFamily="34" charset="0"/>
               </a:rPr>
-              <a:t> </a:t>
-            </a:r>
-            <a:r>
-              <a:rPr lang="en-US" sz="1200" i="1" spc="-1">
+              <a:t> forward </a:t>
+            </a:r>
+            <a:r>
+              <a:rPr lang="en-US" sz="1200" spc="-1" dirty="0" smtClean="0">
                 <a:latin typeface="Arial" panose="020B0604020202020204" pitchFamily="34" charset="0"/>
               </a:rPr>
-              <a:t>forward </a:t>
-            </a:r>
-            <a:r>
-              <a:rPr lang="en-US" sz="1200" spc="-1" smtClean="0">
+              <a:t>slashes in </a:t>
+            </a:r>
+            <a:r>
+              <a:rPr lang="en-US" sz="1200" spc="-1" dirty="0" smtClean="0">
                 <a:latin typeface="Arial" panose="020B0604020202020204" pitchFamily="34" charset="0"/>
               </a:rPr>
-              <a:t>slashes</a:t>
+              <a:t>file </a:t>
+            </a:r>
+            <a:r>
+              <a:rPr lang="en-US" sz="1200" spc="-1" dirty="0" smtClean="0">
+                <a:latin typeface="Arial" panose="020B0604020202020204" pitchFamily="34" charset="0"/>
+              </a:rPr>
+              <a:t>paths</a:t>
             </a:r>
             <a:endParaRPr lang="en-US" sz="1200" spc="-1" dirty="0">
               <a:latin typeface="Arial" panose="020B0604020202020204" pitchFamily="34" charset="0"/>
@@ -16325,7 +16301,7 @@
               </a:lnSpc>
             </a:pPr>
             <a:r>
-              <a:rPr lang="it-IT" sz="1100" b="1" spc="-1" smtClean="0">
+              <a:rPr lang="it-IT" sz="1100" b="1" spc="-1" dirty="0" smtClean="0">
                 <a:latin typeface="Courier New" panose="02070309020205020404" pitchFamily="49" charset="0"/>
               </a:rPr>
               <a:t>kidsfeet </a:t>
@@ -16357,13 +16333,13 @@
               </a:lnSpc>
             </a:pPr>
             <a:r>
-              <a:rPr lang="it-IT" sz="1100" b="1" spc="-1">
+              <a:rPr lang="it-IT" sz="1100" b="1" spc="-1" dirty="0">
                 <a:latin typeface="Courier New" panose="02070309020205020404" pitchFamily="49" charset="0"/>
               </a:rPr>
               <a:t>  </a:t>
             </a:r>
             <a:r>
-              <a:rPr lang="it-IT" sz="1100" b="1" spc="-1" smtClean="0">
+              <a:rPr lang="it-IT" sz="1100" b="1" spc="-1" dirty="0" smtClean="0">
                 <a:latin typeface="Courier New" panose="02070309020205020404" pitchFamily="49" charset="0"/>
               </a:rPr>
               <a:t>web.org/go/datasets/kidsfeet.csv</a:t>
@@ -16385,7 +16361,7 @@
           <p:cNvPr id="4" name="Picture 3">
             <a:extLst>
               <a:ext uri="{FF2B5EF4-FFF2-40B4-BE49-F238E27FC236}">
-                <a16:creationId xmlns:a16="http://schemas.microsoft.com/office/drawing/2014/main" xmlns="" id="{0EFD9D09-0C5E-4C9D-97F2-2AC682CC1F6C}"/>
+                <a16:creationId xmlns:a16="http://schemas.microsoft.com/office/drawing/2014/main" id="{0EFD9D09-0C5E-4C9D-97F2-2AC682CC1F6C}"/>
               </a:ext>
             </a:extLst>
           </p:cNvPr>

--- a/mosaic-cheatsheet-gf.pptx
+++ b/mosaic-cheatsheet-gf.pptx
@@ -8479,7 +8479,27 @@
                 <a:latin typeface="Courier New"/>
                 <a:ea typeface="Menlo"/>
               </a:rPr>
-              <a:t>(~ (homeless ==   </a:t>
+              <a:t>(~ </a:t>
+            </a:r>
+            <a:r>
+              <a:rPr lang="en-US" sz="1200" b="1" strike="noStrike" spc="-1" dirty="0" smtClean="0">
+                <a:solidFill>
+                  <a:srgbClr val="000000"/>
+                </a:solidFill>
+                <a:latin typeface="Courier New"/>
+                <a:ea typeface="Menlo"/>
+              </a:rPr>
+              <a:t>homeless </a:t>
+            </a:r>
+            <a:r>
+              <a:rPr lang="en-US" sz="1200" b="1" strike="noStrike" spc="-1" dirty="0">
+                <a:solidFill>
+                  <a:srgbClr val="000000"/>
+                </a:solidFill>
+                <a:latin typeface="Courier New"/>
+                <a:ea typeface="Menlo"/>
+              </a:rPr>
+              <a:t>==   </a:t>
             </a:r>
             <a:endParaRPr lang="en-US" sz="1200" b="0" strike="noStrike" spc="-1" dirty="0">
               <a:latin typeface="Arial"/>
@@ -8499,7 +8519,27 @@
                 <a:latin typeface="Courier New"/>
                 <a:ea typeface="Menlo"/>
               </a:rPr>
-              <a:t>  "homeless"), data = </a:t>
+              <a:t>  "homeless</a:t>
+            </a:r>
+            <a:r>
+              <a:rPr lang="en-US" sz="1200" b="1" strike="noStrike" spc="-1" dirty="0" smtClean="0">
+                <a:solidFill>
+                  <a:srgbClr val="000000"/>
+                </a:solidFill>
+                <a:latin typeface="Courier New"/>
+                <a:ea typeface="Menlo"/>
+              </a:rPr>
+              <a:t>", </a:t>
+            </a:r>
+            <a:r>
+              <a:rPr lang="en-US" sz="1200" b="1" strike="noStrike" spc="-1" dirty="0">
+                <a:solidFill>
+                  <a:srgbClr val="000000"/>
+                </a:solidFill>
+                <a:latin typeface="Courier New"/>
+                <a:ea typeface="Menlo"/>
+              </a:rPr>
+              <a:t>data = </a:t>
             </a:r>
             <a:r>
               <a:rPr lang="en-US" sz="1200" b="1" strike="noStrike" spc="-1" dirty="0" err="1">
@@ -8596,15 +8636,18 @@
                 <a:latin typeface="Courier New"/>
                 <a:ea typeface="Menlo"/>
               </a:rPr>
-              <a:t>(~ (homeless == </a:t>
-            </a:r>
-          </a:p>
-          <a:p>
-            <a:pPr>
-              <a:lnSpc>
-                <a:spcPct val="100000"/>
-              </a:lnSpc>
-            </a:pPr>
+              <a:t>(~ </a:t>
+            </a:r>
+            <a:r>
+              <a:rPr lang="en-US" sz="1200" b="1" spc="-1" dirty="0" smtClean="0">
+                <a:solidFill>
+                  <a:srgbClr val="000000"/>
+                </a:solidFill>
+                <a:latin typeface="Courier New"/>
+                <a:ea typeface="Menlo"/>
+              </a:rPr>
+              <a:t>homeless </a:t>
+            </a:r>
             <a:r>
               <a:rPr lang="en-US" sz="1200" b="1" spc="-1" dirty="0">
                 <a:solidFill>
@@ -8613,7 +8656,44 @@
                 <a:latin typeface="Courier New"/>
                 <a:ea typeface="Menlo"/>
               </a:rPr>
-              <a:t>  "homeless"), data = </a:t>
+              <a:t>== </a:t>
+            </a:r>
+          </a:p>
+          <a:p>
+            <a:pPr>
+              <a:lnSpc>
+                <a:spcPct val="100000"/>
+              </a:lnSpc>
+            </a:pPr>
+            <a:r>
+              <a:rPr lang="en-US" sz="1200" b="1" spc="-1" dirty="0">
+                <a:solidFill>
+                  <a:srgbClr val="000000"/>
+                </a:solidFill>
+                <a:latin typeface="Courier New"/>
+                <a:ea typeface="Menlo"/>
+              </a:rPr>
+              <a:t>  "homeless</a:t>
+            </a:r>
+            <a:r>
+              <a:rPr lang="en-US" sz="1200" b="1" spc="-1" dirty="0" smtClean="0">
+                <a:solidFill>
+                  <a:srgbClr val="000000"/>
+                </a:solidFill>
+                <a:latin typeface="Courier New"/>
+                <a:ea typeface="Menlo"/>
+              </a:rPr>
+              <a:t>", </a:t>
+            </a:r>
+            <a:r>
+              <a:rPr lang="en-US" sz="1200" b="1" spc="-1" dirty="0">
+                <a:solidFill>
+                  <a:srgbClr val="000000"/>
+                </a:solidFill>
+                <a:latin typeface="Courier New"/>
+                <a:ea typeface="Menlo"/>
+              </a:rPr>
+              <a:t>data = </a:t>
             </a:r>
             <a:r>
               <a:rPr lang="en-US" sz="1200" b="1" spc="-1" dirty="0" err="1">
@@ -15072,14 +15152,14 @@
               </a:lnSpc>
             </a:pPr>
             <a:r>
-              <a:rPr lang="en-US" sz="1200" spc="-1" smtClean="0">
+              <a:rPr lang="en-US" sz="1200" spc="-1" dirty="0" smtClean="0">
                 <a:latin typeface="Arial"/>
                 <a:ea typeface="DejaVu Sans"/>
               </a:rPr>
               <a:t>Extract</a:t>
             </a:r>
             <a:r>
-              <a:rPr lang="en-US" sz="1200" b="0" strike="noStrike" spc="-1" smtClean="0">
+              <a:rPr lang="en-US" sz="1200" b="0" strike="noStrike" spc="-1" dirty="0" smtClean="0">
                 <a:latin typeface="Arial"/>
                 <a:ea typeface="DejaVu Sans"/>
               </a:rPr>
@@ -15222,18 +15302,11 @@
               </a:lnSpc>
             </a:pPr>
             <a:r>
-              <a:rPr lang="en-US" sz="1200" b="1" strike="noStrike" spc="-1" dirty="0" err="1">
-                <a:latin typeface="Courier New"/>
-                <a:ea typeface="DejaVu Sans"/>
-              </a:rPr>
-              <a:t>group_by</a:t>
-            </a:r>
-            <a:r>
               <a:rPr lang="en-US" sz="1200" b="1" strike="noStrike" spc="-1" dirty="0">
                 <a:latin typeface="Courier New"/>
                 <a:ea typeface="DejaVu Sans"/>
               </a:rPr>
-              <a:t>(</a:t>
+              <a:t>group_by(</a:t>
             </a:r>
             <a:r>
               <a:rPr lang="en-US" sz="1200" b="1" strike="noStrike" spc="-1" dirty="0" err="1">
@@ -16276,19 +16349,7 @@
               <a:rPr lang="en-US" sz="1200" spc="-1" dirty="0" smtClean="0">
                 <a:latin typeface="Arial" panose="020B0604020202020204" pitchFamily="34" charset="0"/>
               </a:rPr>
-              <a:t>slashes in </a:t>
-            </a:r>
-            <a:r>
-              <a:rPr lang="en-US" sz="1200" spc="-1" dirty="0" smtClean="0">
-                <a:latin typeface="Arial" panose="020B0604020202020204" pitchFamily="34" charset="0"/>
-              </a:rPr>
-              <a:t>file </a:t>
-            </a:r>
-            <a:r>
-              <a:rPr lang="en-US" sz="1200" spc="-1" dirty="0" smtClean="0">
-                <a:latin typeface="Arial" panose="020B0604020202020204" pitchFamily="34" charset="0"/>
-              </a:rPr>
-              <a:t>paths</a:t>
+              <a:t>slashes in file paths</a:t>
             </a:r>
             <a:endParaRPr lang="en-US" sz="1200" spc="-1" dirty="0">
               <a:latin typeface="Arial" panose="020B0604020202020204" pitchFamily="34" charset="0"/>

--- a/mosaic-cheatsheet-gf.pptx
+++ b/mosaic-cheatsheet-gf.pptx
@@ -2828,7 +2828,7 @@
               <a:t>® is a trademark of </a:t>
             </a:r>
             <a:r>
-              <a:rPr lang="en-US" sz="900" b="0" strike="noStrike" spc="-1" dirty="0" err="1">
+              <a:rPr lang="en-US" sz="900" b="0" strike="noStrike" spc="-1" dirty="0" err="1" smtClean="0">
                 <a:solidFill>
                   <a:srgbClr val="000000"/>
                 </a:solidFill>
@@ -2838,14 +2838,44 @@
               <a:t>RStudio</a:t>
             </a:r>
             <a:r>
-              <a:rPr lang="en-US" sz="900" b="0" strike="noStrike" spc="-1" dirty="0">
+              <a:rPr lang="en-US" sz="900" b="0" strike="noStrike" spc="-1" dirty="0" smtClean="0">
                 <a:solidFill>
                   <a:srgbClr val="000000"/>
                 </a:solidFill>
                 <a:latin typeface="Source Sans Pro Light"/>
                 <a:ea typeface="Source Sans Pro Light"/>
               </a:rPr>
-              <a:t>, Inc.  •  </a:t>
+              <a:t>, </a:t>
+            </a:r>
+            <a:r>
+              <a:rPr lang="en-US" sz="900" spc="-1" dirty="0" smtClean="0">
+                <a:solidFill>
+                  <a:srgbClr val="000000"/>
+                </a:solidFill>
+                <a:latin typeface="Source Sans Pro Light"/>
+                <a:ea typeface="Source Sans Pro Light"/>
+              </a:rPr>
+              <a:t>PBC</a:t>
+            </a:r>
+            <a:r>
+              <a:rPr lang="en-US" sz="900" b="0" strike="noStrike" spc="-1" dirty="0" smtClean="0">
+                <a:solidFill>
+                  <a:srgbClr val="000000"/>
+                </a:solidFill>
+                <a:latin typeface="Source Sans Pro Light"/>
+                <a:ea typeface="Source Sans Pro Light"/>
+              </a:rPr>
+              <a:t>  </a:t>
+            </a:r>
+            <a:r>
+              <a:rPr lang="en-US" sz="900" b="0" strike="noStrike" spc="-1" dirty="0">
+                <a:solidFill>
+                  <a:srgbClr val="000000"/>
+                </a:solidFill>
+                <a:latin typeface="Source Sans Pro Light"/>
+                <a:ea typeface="Source Sans Pro Light"/>
+              </a:rPr>
+              <a:t>•  </a:t>
             </a:r>
             <a:r>
               <a:rPr lang="en-US" sz="900" b="0" u="sng" strike="noStrike" spc="-1" dirty="0">
@@ -14735,7 +14765,7 @@
               <a:t>® is a trademark of </a:t>
             </a:r>
             <a:r>
-              <a:rPr lang="en-US" sz="900" b="0" strike="noStrike" spc="-1" dirty="0" err="1">
+              <a:rPr lang="en-US" sz="900" b="0" strike="noStrike" spc="-1" dirty="0" err="1" smtClean="0">
                 <a:solidFill>
                   <a:srgbClr val="000000"/>
                 </a:solidFill>
@@ -14745,14 +14775,24 @@
               <a:t>RStudio</a:t>
             </a:r>
             <a:r>
-              <a:rPr lang="en-US" sz="900" b="0" strike="noStrike" spc="-1" dirty="0">
+              <a:rPr lang="en-US" sz="900" b="0" strike="noStrike" spc="-1" smtClean="0">
                 <a:solidFill>
                   <a:srgbClr val="000000"/>
                 </a:solidFill>
                 <a:latin typeface="Source Sans Pro Light"/>
                 <a:ea typeface="Source Sans Pro Light"/>
               </a:rPr>
-              <a:t>, Inc.  •  </a:t>
+              <a:t>, PBC  </a:t>
+            </a:r>
+            <a:r>
+              <a:rPr lang="en-US" sz="900" b="0" strike="noStrike" spc="-1" dirty="0">
+                <a:solidFill>
+                  <a:srgbClr val="000000"/>
+                </a:solidFill>
+                <a:latin typeface="Source Sans Pro Light"/>
+                <a:ea typeface="Source Sans Pro Light"/>
+              </a:rPr>
+              <a:t>•  </a:t>
             </a:r>
             <a:r>
               <a:rPr lang="en-US" sz="900" b="0" u="sng" strike="noStrike" spc="-1" dirty="0">

--- a/mosaic-cheatsheet-gf.pptx
+++ b/mosaic-cheatsheet-gf.pptx
@@ -3015,24 +3015,14 @@
               <a:t> &amp; DT Kaplan •  Updated: </a:t>
             </a:r>
             <a:r>
-              <a:rPr lang="en-US" sz="900" spc="-1" dirty="0">
+              <a:rPr lang="en-US" sz="900" spc="-1" dirty="0" smtClean="0">
                 <a:solidFill>
                   <a:srgbClr val="000000"/>
                 </a:solidFill>
                 <a:latin typeface="Source Sans Pro Light"/>
                 <a:ea typeface="Source Sans Pro Light"/>
               </a:rPr>
-              <a:t>08/</a:t>
-            </a:r>
-            <a:r>
-              <a:rPr lang="en-US" sz="900" b="0" strike="noStrike" spc="-1" dirty="0">
-                <a:solidFill>
-                  <a:srgbClr val="000000"/>
-                </a:solidFill>
-                <a:latin typeface="Source Sans Pro Light"/>
-                <a:ea typeface="Source Sans Pro Light"/>
-              </a:rPr>
-              <a:t>18</a:t>
+              <a:t>06/20</a:t>
             </a:r>
             <a:endParaRPr lang="en-US" sz="900" b="0" strike="noStrike" spc="-1" dirty="0">
               <a:latin typeface="Arial"/>
@@ -6926,11 +6916,6 @@
             </a:endParaRPr>
           </a:p>
           <a:p>
-            <a:pPr>
-              <a:lnSpc>
-                <a:spcPct val="120000"/>
-              </a:lnSpc>
-            </a:pPr>
             <a:r>
               <a:rPr lang="en-US" sz="1200" b="1" strike="noStrike" spc="-1" dirty="0">
                 <a:solidFill>
@@ -10636,7 +10621,7 @@
         <p:spPr>
           <a:xfrm>
             <a:off x="6902412" y="710049"/>
-            <a:ext cx="3108960" cy="7014726"/>
+            <a:ext cx="3108960" cy="6821051"/>
           </a:xfrm>
           <a:prstGeom prst="rect">
             <a:avLst/>
@@ -10671,118 +10656,21 @@
               <a:lnSpc>
                 <a:spcPct val="150000"/>
               </a:lnSpc>
-            </a:pPr>
-            <a:r>
-              <a:rPr lang="en-US" sz="1200" b="0" strike="noStrike" spc="-1" dirty="0">
-                <a:solidFill>
-                  <a:srgbClr val="000000"/>
-                </a:solidFill>
-                <a:latin typeface="Arial"/>
-                <a:ea typeface="DejaVu Sans"/>
-              </a:rPr>
-              <a:t>Correlation coefficient</a:t>
-            </a:r>
-            <a:endParaRPr lang="en-US" sz="1200" b="0" strike="noStrike" spc="-1" dirty="0">
-              <a:latin typeface="Arial"/>
-            </a:endParaRPr>
-          </a:p>
-          <a:p>
-            <a:pPr>
-              <a:lnSpc>
-                <a:spcPct val="100000"/>
-              </a:lnSpc>
-            </a:pPr>
-            <a:r>
-              <a:rPr lang="en-US" sz="1200" b="1" strike="noStrike" spc="-1" dirty="0" err="1">
-                <a:solidFill>
-                  <a:srgbClr val="000000"/>
-                </a:solidFill>
-                <a:latin typeface="Courier New"/>
-                <a:ea typeface="DejaVu Sans"/>
-              </a:rPr>
-              <a:t>cor</a:t>
-            </a:r>
-            <a:r>
-              <a:rPr lang="en-US" sz="1200" b="1" strike="noStrike" spc="-1" dirty="0">
-                <a:solidFill>
-                  <a:srgbClr val="000000"/>
-                </a:solidFill>
-                <a:latin typeface="Courier New"/>
-                <a:ea typeface="DejaVu Sans"/>
-              </a:rPr>
-              <a:t>(</a:t>
-            </a:r>
-            <a:r>
-              <a:rPr lang="en-US" sz="1200" b="1" strike="noStrike" spc="-1" dirty="0" err="1">
-                <a:solidFill>
-                  <a:srgbClr val="000000"/>
-                </a:solidFill>
-                <a:latin typeface="Courier New"/>
-                <a:ea typeface="DejaVu Sans"/>
-              </a:rPr>
-              <a:t>cesd</a:t>
-            </a:r>
-            <a:r>
-              <a:rPr lang="en-US" sz="1200" b="1" strike="noStrike" spc="-1" dirty="0">
-                <a:solidFill>
-                  <a:srgbClr val="000000"/>
-                </a:solidFill>
-                <a:latin typeface="Courier New"/>
-                <a:ea typeface="DejaVu Sans"/>
-              </a:rPr>
-              <a:t> ~ </a:t>
-            </a:r>
-            <a:r>
-              <a:rPr lang="en-US" sz="1200" b="1" strike="noStrike" spc="-1" dirty="0" err="1">
-                <a:solidFill>
-                  <a:srgbClr val="000000"/>
-                </a:solidFill>
-                <a:latin typeface="Courier New"/>
-                <a:ea typeface="DejaVu Sans"/>
-              </a:rPr>
-              <a:t>mcs</a:t>
-            </a:r>
-            <a:r>
-              <a:rPr lang="en-US" sz="1200" b="1" strike="noStrike" spc="-1" dirty="0">
-                <a:solidFill>
-                  <a:srgbClr val="000000"/>
-                </a:solidFill>
-                <a:latin typeface="Courier New"/>
-                <a:ea typeface="DejaVu Sans"/>
-              </a:rPr>
-              <a:t>, data = </a:t>
-            </a:r>
-            <a:r>
-              <a:rPr lang="en-US" sz="1200" b="1" strike="noStrike" spc="-1" dirty="0" err="1">
-                <a:solidFill>
-                  <a:srgbClr val="000000"/>
-                </a:solidFill>
-                <a:latin typeface="Courier New"/>
-                <a:ea typeface="DejaVu Sans"/>
-              </a:rPr>
-              <a:t>HELPrct</a:t>
-            </a:r>
-            <a:r>
-              <a:rPr lang="en-US" sz="1200" b="1" strike="noStrike" spc="-1" dirty="0">
-                <a:solidFill>
-                  <a:srgbClr val="000000"/>
-                </a:solidFill>
-                <a:latin typeface="Courier New"/>
-                <a:ea typeface="DejaVu Sans"/>
-              </a:rPr>
-              <a:t>)</a:t>
-            </a:r>
-            <a:endParaRPr lang="en-US" sz="1200" b="0" strike="noStrike" spc="-1" dirty="0">
-              <a:latin typeface="Arial"/>
-            </a:endParaRPr>
-          </a:p>
-          <a:p>
-            <a:pPr>
               <a:spcBef>
                 <a:spcPts val="600"/>
               </a:spcBef>
             </a:pPr>
             <a:r>
+              <a:rPr lang="en-US" sz="1200" b="0" strike="noStrike" spc="-1" dirty="0" smtClean="0">
+                <a:solidFill>
+                  <a:srgbClr val="000000"/>
+                </a:solidFill>
+                <a:latin typeface="Arial"/>
+                <a:ea typeface="DejaVu Sans"/>
+              </a:rPr>
+              <a:t>Correlation </a:t>
+            </a:r>
+            <a:r>
               <a:rPr lang="en-US" sz="1200" b="0" strike="noStrike" spc="-1" dirty="0">
                 <a:solidFill>
                   <a:srgbClr val="000000"/>
@@ -10790,7 +10678,92 @@
                 <a:latin typeface="Arial"/>
                 <a:ea typeface="DejaVu Sans"/>
               </a:rPr>
-              <a:t>Scatterplot with </a:t>
+              <a:t>coefficient</a:t>
+            </a:r>
+            <a:endParaRPr lang="en-US" sz="1200" b="0" strike="noStrike" spc="-1" dirty="0">
+              <a:latin typeface="Arial"/>
+            </a:endParaRPr>
+          </a:p>
+          <a:p>
+            <a:r>
+              <a:rPr lang="en-US" sz="1200" b="1" strike="noStrike" spc="-1" dirty="0">
+                <a:solidFill>
+                  <a:srgbClr val="000000"/>
+                </a:solidFill>
+                <a:latin typeface="Courier New"/>
+                <a:ea typeface="DejaVu Sans"/>
+              </a:rPr>
+              <a:t>cor(</a:t>
+            </a:r>
+            <a:r>
+              <a:rPr lang="en-US" sz="1200" b="1" strike="noStrike" spc="-1" dirty="0" err="1">
+                <a:solidFill>
+                  <a:srgbClr val="000000"/>
+                </a:solidFill>
+                <a:latin typeface="Courier New"/>
+                <a:ea typeface="DejaVu Sans"/>
+              </a:rPr>
+              <a:t>cesd</a:t>
+            </a:r>
+            <a:r>
+              <a:rPr lang="en-US" sz="1200" b="1" strike="noStrike" spc="-1" dirty="0">
+                <a:solidFill>
+                  <a:srgbClr val="000000"/>
+                </a:solidFill>
+                <a:latin typeface="Courier New"/>
+                <a:ea typeface="DejaVu Sans"/>
+              </a:rPr>
+              <a:t> ~ mcs, data = </a:t>
+            </a:r>
+            <a:r>
+              <a:rPr lang="en-US" sz="1200" b="1" strike="noStrike" spc="-1" dirty="0" err="1" smtClean="0">
+                <a:solidFill>
+                  <a:srgbClr val="000000"/>
+                </a:solidFill>
+                <a:latin typeface="Courier New"/>
+                <a:ea typeface="DejaVu Sans"/>
+              </a:rPr>
+              <a:t>HELPrct</a:t>
+            </a:r>
+            <a:r>
+              <a:rPr lang="en-US" sz="1200" b="1" strike="noStrike" spc="-1" dirty="0" smtClean="0">
+                <a:solidFill>
+                  <a:srgbClr val="000000"/>
+                </a:solidFill>
+                <a:latin typeface="Courier New"/>
+                <a:ea typeface="DejaVu Sans"/>
+              </a:rPr>
+              <a:t>)</a:t>
+            </a:r>
+            <a:endParaRPr lang="en-US" sz="1200" spc="-1" dirty="0">
+              <a:latin typeface="Arial"/>
+            </a:endParaRPr>
+          </a:p>
+          <a:p>
+            <a:pPr>
+              <a:spcBef>
+                <a:spcPts val="600"/>
+              </a:spcBef>
+            </a:pPr>
+            <a:r>
+              <a:rPr lang="en-US" sz="1200" b="0" strike="noStrike" spc="-1" dirty="0" smtClean="0">
+                <a:solidFill>
+                  <a:srgbClr val="000000"/>
+                </a:solidFill>
+                <a:latin typeface="Arial"/>
+                <a:ea typeface="DejaVu Sans"/>
+              </a:rPr>
+              <a:t>Scatterplot </a:t>
+            </a:r>
+            <a:r>
+              <a:rPr lang="en-US" sz="1200" b="0" strike="noStrike" spc="-1" dirty="0">
+                <a:solidFill>
+                  <a:srgbClr val="000000"/>
+                </a:solidFill>
+                <a:latin typeface="Arial"/>
+                <a:ea typeface="DejaVu Sans"/>
+              </a:rPr>
+              <a:t>with </a:t>
             </a:r>
             <a:r>
               <a:rPr lang="en-US" sz="1200" spc="-1" dirty="0">
@@ -10823,13 +10796,22 @@
               </a:lnSpc>
             </a:pPr>
             <a:r>
+              <a:rPr lang="en-US" sz="1100" b="1" spc="-1" dirty="0">
+                <a:solidFill>
+                  <a:srgbClr val="000000"/>
+                </a:solidFill>
+                <a:latin typeface="Courier New"/>
+              </a:rPr>
+              <a:t>gf_point(</a:t>
+            </a:r>
+            <a:r>
               <a:rPr lang="en-US" sz="1100" b="1" spc="-1" dirty="0" err="1">
                 <a:solidFill>
                   <a:srgbClr val="000000"/>
                 </a:solidFill>
                 <a:latin typeface="Courier New"/>
               </a:rPr>
-              <a:t>gf_point</a:t>
+              <a:t>cesd</a:t>
             </a:r>
             <a:r>
               <a:rPr lang="en-US" sz="1100" b="1" spc="-1" dirty="0">
@@ -10838,7 +10820,23 @@
                 </a:solidFill>
                 <a:latin typeface="Courier New"/>
               </a:rPr>
-              <a:t>(</a:t>
+              <a:t> ~ mcs, </a:t>
+            </a:r>
+          </a:p>
+          <a:p>
+            <a:pPr>
+              <a:lnSpc>
+                <a:spcPct val="100000"/>
+              </a:lnSpc>
+            </a:pPr>
+            <a:r>
+              <a:rPr lang="en-US" sz="1100" b="1" spc="-1" dirty="0">
+                <a:solidFill>
+                  <a:srgbClr val="000000"/>
+                </a:solidFill>
+                <a:latin typeface="Courier New"/>
+              </a:rPr>
+              <a:t>         data = </a:t>
             </a:r>
             <a:r>
               <a:rPr lang="en-US" sz="1100" b="1" spc="-1" dirty="0" err="1">
@@ -10847,7 +10845,7 @@
                 </a:solidFill>
                 <a:latin typeface="Courier New"/>
               </a:rPr>
-              <a:t>cesd</a:t>
+              <a:t>HELPrct</a:t>
             </a:r>
             <a:r>
               <a:rPr lang="en-US" sz="1100" b="1" spc="-1" dirty="0">
@@ -10856,7 +10854,18 @@
                 </a:solidFill>
                 <a:latin typeface="Courier New"/>
               </a:rPr>
-              <a:t> ~ </a:t>
+              <a:t>) %&gt;% </a:t>
+            </a:r>
+          </a:p>
+          <a:p>
+            <a:r>
+              <a:rPr lang="en-US" sz="1100" b="1" spc="-1" dirty="0">
+                <a:solidFill>
+                  <a:srgbClr val="000000"/>
+                </a:solidFill>
+                <a:latin typeface="Courier New"/>
+              </a:rPr>
+              <a:t>  </a:t>
             </a:r>
             <a:r>
               <a:rPr lang="en-US" sz="1100" b="1" spc="-1" dirty="0" err="1">
@@ -10865,7 +10874,7 @@
                 </a:solidFill>
                 <a:latin typeface="Courier New"/>
               </a:rPr>
-              <a:t>mcs</a:t>
+              <a:t>gf_lm</a:t>
             </a:r>
             <a:r>
               <a:rPr lang="en-US" sz="1100" b="1" spc="-1" dirty="0">
@@ -10874,15 +10883,17 @@
                 </a:solidFill>
                 <a:latin typeface="Courier New"/>
               </a:rPr>
-              <a:t>, </a:t>
-            </a:r>
-          </a:p>
-          <a:p>
-            <a:pPr>
-              <a:lnSpc>
-                <a:spcPct val="100000"/>
-              </a:lnSpc>
-            </a:pPr>
+              <a:t>(size = 1.5, </a:t>
+            </a:r>
+            <a:r>
+              <a:rPr lang="en-US" sz="1100" b="1" spc="-1" dirty="0" err="1">
+                <a:solidFill>
+                  <a:srgbClr val="000000"/>
+                </a:solidFill>
+                <a:latin typeface="Courier New"/>
+              </a:rPr>
+              <a:t>linetype</a:t>
+            </a:r>
             <a:r>
               <a:rPr lang="en-US" sz="1100" b="1" spc="-1" dirty="0">
                 <a:solidFill>
@@ -10890,17 +10901,19 @@
                 </a:solidFill>
                 <a:latin typeface="Courier New"/>
               </a:rPr>
-              <a:t>         data = </a:t>
-            </a:r>
-            <a:r>
-              <a:rPr lang="en-US" sz="1100" b="1" spc="-1" dirty="0" err="1">
-                <a:solidFill>
-                  <a:srgbClr val="000000"/>
-                </a:solidFill>
-                <a:latin typeface="Courier New"/>
-              </a:rPr>
-              <a:t>HELPrct</a:t>
-            </a:r>
+              <a:t> = </a:t>
+            </a:r>
+            <a:r>
+              <a:rPr lang="en-US" sz="1100" b="1" spc="-1" dirty="0" smtClean="0">
+                <a:solidFill>
+                  <a:srgbClr val="000000"/>
+                </a:solidFill>
+                <a:latin typeface="Courier New"/>
+              </a:rPr>
+              <a:t>    </a:t>
+            </a:r>
+          </a:p>
+          <a:p>
             <a:r>
               <a:rPr lang="en-US" sz="1100" b="1" spc="-1" dirty="0">
                 <a:solidFill>
@@ -10908,10 +10921,17 @@
                 </a:solidFill>
                 <a:latin typeface="Courier New"/>
               </a:rPr>
-              <a:t>) %&gt;% </a:t>
-            </a:r>
-          </a:p>
-          <a:p>
+              <a:t> </a:t>
+            </a:r>
+            <a:r>
+              <a:rPr lang="en-US" sz="1100" b="1" spc="-1" dirty="0" smtClean="0">
+                <a:solidFill>
+                  <a:srgbClr val="000000"/>
+                </a:solidFill>
+                <a:latin typeface="Courier New"/>
+              </a:rPr>
+              <a:t>   "</a:t>
+            </a:r>
             <a:r>
               <a:rPr lang="en-US" sz="1100" b="1" spc="-1" dirty="0">
                 <a:solidFill>
@@ -10919,75 +10939,10 @@
                 </a:solidFill>
                 <a:latin typeface="Courier New"/>
               </a:rPr>
-              <a:t>  </a:t>
-            </a:r>
-            <a:r>
-              <a:rPr lang="en-US" sz="1100" b="1" spc="-1" dirty="0" err="1">
-                <a:solidFill>
-                  <a:srgbClr val="000000"/>
-                </a:solidFill>
-                <a:latin typeface="Courier New"/>
-              </a:rPr>
-              <a:t>gf_lm</a:t>
-            </a:r>
-            <a:r>
-              <a:rPr lang="en-US" sz="1100" b="1" spc="-1" dirty="0">
-                <a:solidFill>
-                  <a:srgbClr val="000000"/>
-                </a:solidFill>
-                <a:latin typeface="Courier New"/>
-              </a:rPr>
-              <a:t>(size </a:t>
-            </a:r>
-            <a:r>
-              <a:rPr lang="en-US" sz="1100" b="1" spc="-1">
-                <a:solidFill>
-                  <a:srgbClr val="000000"/>
-                </a:solidFill>
-                <a:latin typeface="Courier New"/>
-              </a:rPr>
-              <a:t>= 1.5, linetype = </a:t>
-            </a:r>
-            <a:r>
-              <a:rPr lang="en-US" sz="1100" b="1" spc="-1" smtClean="0">
-                <a:solidFill>
-                  <a:srgbClr val="000000"/>
-                </a:solidFill>
-                <a:latin typeface="Courier New"/>
-              </a:rPr>
-              <a:t>    </a:t>
-            </a:r>
-          </a:p>
-          <a:p>
-            <a:r>
-              <a:rPr lang="en-US" sz="1100" b="1" spc="-1">
-                <a:solidFill>
-                  <a:srgbClr val="000000"/>
-                </a:solidFill>
-                <a:latin typeface="Courier New"/>
-              </a:rPr>
-              <a:t> </a:t>
-            </a:r>
-            <a:r>
-              <a:rPr lang="en-US" sz="1100" b="1" spc="-1" smtClean="0">
-                <a:solidFill>
-                  <a:srgbClr val="000000"/>
-                </a:solidFill>
-                <a:latin typeface="Courier New"/>
-              </a:rPr>
-              <a:t>   "</a:t>
-            </a:r>
-            <a:r>
-              <a:rPr lang="en-US" sz="1100" b="1" spc="-1">
-                <a:solidFill>
-                  <a:srgbClr val="000000"/>
-                </a:solidFill>
-                <a:latin typeface="Courier New"/>
-              </a:rPr>
               <a:t>dashed</a:t>
             </a:r>
             <a:r>
-              <a:rPr lang="en-US" sz="1100" b="1" spc="-1" smtClean="0">
+              <a:rPr lang="en-US" sz="1100" b="1" spc="-1" dirty="0" smtClean="0">
                 <a:solidFill>
                   <a:srgbClr val="000000"/>
                 </a:solidFill>
@@ -11017,7 +10972,7 @@
               </a:lnSpc>
             </a:pPr>
             <a:r>
-              <a:rPr lang="en-US" sz="1100" b="1" spc="-1">
+              <a:rPr lang="en-US" sz="1100" b="1" spc="-1" dirty="0">
                 <a:solidFill>
                   <a:srgbClr val="000000"/>
                 </a:solidFill>
@@ -11026,13 +10981,22 @@
               <a:t>  </a:t>
             </a:r>
             <a:r>
-              <a:rPr lang="en-US" sz="1100" b="1" spc="-1" smtClean="0">
-                <a:solidFill>
-                  <a:srgbClr val="000000"/>
-                </a:solidFill>
-                <a:latin typeface="Courier New"/>
-              </a:rPr>
-              <a:t>gf_smooth(color </a:t>
+              <a:rPr lang="en-US" sz="1100" b="1" spc="-1" dirty="0" err="1" smtClean="0">
+                <a:solidFill>
+                  <a:srgbClr val="000000"/>
+                </a:solidFill>
+                <a:latin typeface="Courier New"/>
+              </a:rPr>
+              <a:t>gf_smooth</a:t>
+            </a:r>
+            <a:r>
+              <a:rPr lang="en-US" sz="1100" b="1" spc="-1" dirty="0" smtClean="0">
+                <a:solidFill>
+                  <a:srgbClr val="000000"/>
+                </a:solidFill>
+                <a:latin typeface="Courier New"/>
+              </a:rPr>
+              <a:t>(color </a:t>
             </a:r>
             <a:r>
               <a:rPr lang="en-US" sz="1100" b="1" spc="-1" dirty="0">
@@ -11041,23 +11005,8 @@
                 </a:solidFill>
                 <a:latin typeface="Courier New"/>
               </a:rPr>
-              <a:t>= "red</a:t>
-            </a:r>
-            <a:r>
-              <a:rPr lang="en-US" sz="1100" b="1" spc="-1">
-                <a:solidFill>
-                  <a:srgbClr val="000000"/>
-                </a:solidFill>
-                <a:latin typeface="Courier New"/>
-              </a:rPr>
-              <a:t>") </a:t>
-            </a:r>
-            <a:endParaRPr lang="en-US" sz="1100" b="1" spc="-1" dirty="0">
-              <a:solidFill>
-                <a:srgbClr val="000000"/>
-              </a:solidFill>
-              <a:latin typeface="Courier New"/>
-            </a:endParaRPr>
+              <a:t>= "red") </a:t>
+            </a:r>
           </a:p>
           <a:p>
             <a:pPr>
@@ -11144,7 +11093,7 @@
                 <a:spcPts val="600"/>
               </a:spcBef>
             </a:pPr>
-            <a:endParaRPr lang="en-US" sz="1200" spc="-1">
+            <a:endParaRPr lang="en-US" sz="1200" spc="-1" dirty="0">
               <a:solidFill>
                 <a:srgbClr val="000000"/>
               </a:solidFill>
@@ -11159,7 +11108,7 @@
               </a:spcBef>
             </a:pPr>
             <a:r>
-              <a:rPr lang="en-US" sz="1200" b="0" strike="noStrike" spc="-1" smtClean="0">
+              <a:rPr lang="en-US" sz="1200" b="0" strike="noStrike" spc="-1" dirty="0" smtClean="0">
                 <a:solidFill>
                   <a:srgbClr val="000000"/>
                 </a:solidFill>
@@ -11196,7 +11145,7 @@
                 <a:latin typeface="Courier New"/>
                 <a:ea typeface="DejaVu Sans"/>
               </a:rPr>
-              <a:t>cesdmodel &lt;- </a:t>
+              <a:t>cesdmodel &lt;- lm(</a:t>
             </a:r>
             <a:r>
               <a:rPr lang="en-US" sz="1200" b="1" strike="noStrike" spc="-1" dirty="0" err="1">
@@ -11206,7 +11155,7 @@
                 <a:latin typeface="Courier New"/>
                 <a:ea typeface="DejaVu Sans"/>
               </a:rPr>
-              <a:t>lm</a:t>
+              <a:t>cesd</a:t>
             </a:r>
             <a:r>
               <a:rPr lang="en-US" sz="1200" b="1" strike="noStrike" spc="-1" dirty="0">
@@ -11216,6 +11165,196 @@
                 <a:latin typeface="Courier New"/>
                 <a:ea typeface="DejaVu Sans"/>
               </a:rPr>
+              <a:t> ~ mcs, </a:t>
+            </a:r>
+            <a:endParaRPr lang="en-US" sz="1200" b="0" strike="noStrike" spc="-1" dirty="0">
+              <a:latin typeface="Arial"/>
+            </a:endParaRPr>
+          </a:p>
+          <a:p>
+            <a:pPr>
+              <a:lnSpc>
+                <a:spcPct val="100000"/>
+              </a:lnSpc>
+            </a:pPr>
+            <a:r>
+              <a:rPr lang="en-US" sz="1200" b="1" strike="noStrike" spc="-1" dirty="0">
+                <a:solidFill>
+                  <a:srgbClr val="000000"/>
+                </a:solidFill>
+                <a:latin typeface="Courier New"/>
+                <a:ea typeface="DejaVu Sans"/>
+              </a:rPr>
+              <a:t>  data = </a:t>
+            </a:r>
+            <a:r>
+              <a:rPr lang="en-US" sz="1200" b="1" strike="noStrike" spc="-1" dirty="0" err="1">
+                <a:solidFill>
+                  <a:srgbClr val="000000"/>
+                </a:solidFill>
+                <a:latin typeface="Courier New"/>
+                <a:ea typeface="DejaVu Sans"/>
+              </a:rPr>
+              <a:t>HELPrct</a:t>
+            </a:r>
+            <a:r>
+              <a:rPr lang="en-US" sz="1200" b="1" strike="noStrike" spc="-1" dirty="0">
+                <a:solidFill>
+                  <a:srgbClr val="000000"/>
+                </a:solidFill>
+                <a:latin typeface="Courier New"/>
+                <a:ea typeface="DejaVu Sans"/>
+              </a:rPr>
+              <a:t>)</a:t>
+            </a:r>
+            <a:endParaRPr lang="en-US" sz="1200" b="0" strike="noStrike" spc="-1" dirty="0">
+              <a:latin typeface="Arial"/>
+            </a:endParaRPr>
+          </a:p>
+          <a:p>
+            <a:pPr>
+              <a:lnSpc>
+                <a:spcPct val="100000"/>
+              </a:lnSpc>
+            </a:pPr>
+            <a:r>
+              <a:rPr lang="en-US" sz="1200" b="1" strike="noStrike" spc="-1" dirty="0" err="1">
+                <a:solidFill>
+                  <a:srgbClr val="000000"/>
+                </a:solidFill>
+                <a:latin typeface="Courier New"/>
+                <a:ea typeface="DejaVu Sans"/>
+              </a:rPr>
+              <a:t>msummary</a:t>
+            </a:r>
+            <a:r>
+              <a:rPr lang="en-US" sz="1200" b="1" strike="noStrike" spc="-1" dirty="0">
+                <a:solidFill>
+                  <a:srgbClr val="000000"/>
+                </a:solidFill>
+                <a:latin typeface="Courier New"/>
+                <a:ea typeface="DejaVu Sans"/>
+              </a:rPr>
+              <a:t>(cesdmodel)</a:t>
+            </a:r>
+            <a:endParaRPr lang="en-US" sz="1200" b="0" strike="noStrike" spc="-1" dirty="0">
+              <a:latin typeface="Arial"/>
+            </a:endParaRPr>
+          </a:p>
+          <a:p>
+            <a:pPr>
+              <a:lnSpc>
+                <a:spcPct val="150000"/>
+              </a:lnSpc>
+            </a:pPr>
+            <a:r>
+              <a:rPr lang="en-US" sz="1200" b="0" strike="noStrike" spc="-1" dirty="0">
+                <a:solidFill>
+                  <a:srgbClr val="000000"/>
+                </a:solidFill>
+                <a:latin typeface="Arial"/>
+                <a:ea typeface="DejaVu Sans"/>
+              </a:rPr>
+              <a:t>Prediction</a:t>
+            </a:r>
+            <a:endParaRPr lang="en-US" sz="1200" b="0" strike="noStrike" spc="-1" dirty="0">
+              <a:latin typeface="Arial"/>
+            </a:endParaRPr>
+          </a:p>
+          <a:p>
+            <a:pPr>
+              <a:lnSpc>
+                <a:spcPct val="100000"/>
+              </a:lnSpc>
+            </a:pPr>
+            <a:r>
+              <a:rPr lang="en-US" sz="1200" b="1" spc="-1" dirty="0" err="1">
+                <a:solidFill>
+                  <a:srgbClr val="000000"/>
+                </a:solidFill>
+                <a:latin typeface="Courier New"/>
+                <a:ea typeface="DejaVu Sans"/>
+              </a:rPr>
+              <a:t>l</a:t>
+            </a:r>
+            <a:r>
+              <a:rPr lang="en-US" sz="1200" b="1" strike="noStrike" spc="-1" dirty="0" err="1">
+                <a:solidFill>
+                  <a:srgbClr val="000000"/>
+                </a:solidFill>
+                <a:latin typeface="Courier New"/>
+                <a:ea typeface="DejaVu Sans"/>
+              </a:rPr>
+              <a:t>m_fun</a:t>
+            </a:r>
+            <a:r>
+              <a:rPr lang="en-US" sz="1200" b="1" strike="noStrike" spc="-1" dirty="0">
+                <a:solidFill>
+                  <a:srgbClr val="000000"/>
+                </a:solidFill>
+                <a:latin typeface="Courier New"/>
+                <a:ea typeface="DejaVu Sans"/>
+              </a:rPr>
+              <a:t> &lt;- </a:t>
+            </a:r>
+            <a:r>
+              <a:rPr lang="en-US" sz="1200" b="1" strike="noStrike" spc="-1" dirty="0" err="1">
+                <a:solidFill>
+                  <a:srgbClr val="000000"/>
+                </a:solidFill>
+                <a:latin typeface="Courier New"/>
+                <a:ea typeface="DejaVu Sans"/>
+              </a:rPr>
+              <a:t>makeFun</a:t>
+            </a:r>
+            <a:r>
+              <a:rPr lang="en-US" sz="1200" b="1" strike="noStrike" spc="-1" dirty="0">
+                <a:solidFill>
+                  <a:srgbClr val="000000"/>
+                </a:solidFill>
+                <a:latin typeface="Courier New"/>
+                <a:ea typeface="DejaVu Sans"/>
+              </a:rPr>
+              <a:t>(cesdmodel)</a:t>
+            </a:r>
+            <a:endParaRPr lang="en-US" sz="1200" b="0" strike="noStrike" spc="-1" dirty="0">
+              <a:latin typeface="Arial"/>
+            </a:endParaRPr>
+          </a:p>
+          <a:p>
+            <a:pPr>
+              <a:lnSpc>
+                <a:spcPct val="100000"/>
+              </a:lnSpc>
+            </a:pPr>
+            <a:r>
+              <a:rPr lang="en-US" sz="1200" b="1" spc="-1" dirty="0" err="1">
+                <a:solidFill>
+                  <a:srgbClr val="000000"/>
+                </a:solidFill>
+                <a:latin typeface="Courier New"/>
+                <a:ea typeface="DejaVu Sans"/>
+              </a:rPr>
+              <a:t>l</a:t>
+            </a:r>
+            <a:r>
+              <a:rPr lang="en-US" sz="1200" b="1" strike="noStrike" spc="-1" dirty="0" err="1">
+                <a:solidFill>
+                  <a:srgbClr val="000000"/>
+                </a:solidFill>
+                <a:latin typeface="Courier New"/>
+                <a:ea typeface="DejaVu Sans"/>
+              </a:rPr>
+              <a:t>m_fun</a:t>
+            </a:r>
+            <a:r>
+              <a:rPr lang="en-US" sz="1200" b="1" strike="noStrike" spc="-1" dirty="0">
+                <a:solidFill>
+                  <a:srgbClr val="000000"/>
+                </a:solidFill>
+                <a:latin typeface="Courier New"/>
+                <a:ea typeface="DejaVu Sans"/>
+              </a:rPr>
               <a:t>(</a:t>
             </a:r>
             <a:r>
@@ -11226,7 +11365,7 @@
                 <a:latin typeface="Courier New"/>
                 <a:ea typeface="DejaVu Sans"/>
               </a:rPr>
-              <a:t>cesd</a:t>
+              <a:t>mcs</a:t>
             </a:r>
             <a:r>
               <a:rPr lang="en-US" sz="1200" b="1" strike="noStrike" spc="-1" dirty="0">
@@ -11236,8 +11375,38 @@
                 <a:latin typeface="Courier New"/>
                 <a:ea typeface="DejaVu Sans"/>
               </a:rPr>
-              <a:t> ~ </a:t>
-            </a:r>
+              <a:t> = 35)</a:t>
+            </a:r>
+            <a:endParaRPr lang="en-US" sz="1200" b="0" strike="noStrike" spc="-1" dirty="0">
+              <a:latin typeface="Arial"/>
+            </a:endParaRPr>
+          </a:p>
+          <a:p>
+            <a:pPr>
+              <a:lnSpc>
+                <a:spcPct val="150000"/>
+              </a:lnSpc>
+            </a:pPr>
+            <a:r>
+              <a:rPr lang="en-US" sz="1200" b="0" strike="noStrike" spc="-1" dirty="0">
+                <a:solidFill>
+                  <a:srgbClr val="000000"/>
+                </a:solidFill>
+                <a:latin typeface="Arial"/>
+                <a:ea typeface="DejaVu Sans"/>
+              </a:rPr>
+              <a:t>Extract useful quantities</a:t>
+            </a:r>
+            <a:endParaRPr lang="en-US" sz="1200" b="0" strike="noStrike" spc="-1" dirty="0">
+              <a:latin typeface="Arial"/>
+            </a:endParaRPr>
+          </a:p>
+          <a:p>
+            <a:pPr>
+              <a:lnSpc>
+                <a:spcPct val="100000"/>
+              </a:lnSpc>
+            </a:pPr>
             <a:r>
               <a:rPr lang="en-US" sz="1200" b="1" strike="noStrike" spc="-1" dirty="0" err="1">
                 <a:solidFill>
@@ -11246,7 +11415,7 @@
                 <a:latin typeface="Courier New"/>
                 <a:ea typeface="DejaVu Sans"/>
               </a:rPr>
-              <a:t>mcs</a:t>
+              <a:t>anova</a:t>
             </a:r>
             <a:r>
               <a:rPr lang="en-US" sz="1200" b="1" strike="noStrike" spc="-1" dirty="0">
@@ -11256,7 +11425,7 @@
                 <a:latin typeface="Courier New"/>
                 <a:ea typeface="DejaVu Sans"/>
               </a:rPr>
-              <a:t>, </a:t>
+              <a:t>(cesdmodel)</a:t>
             </a:r>
             <a:endParaRPr lang="en-US" sz="1200" b="0" strike="noStrike" spc="-1" dirty="0">
               <a:latin typeface="Arial"/>
@@ -11269,6 +11438,16 @@
               </a:lnSpc>
             </a:pPr>
             <a:r>
+              <a:rPr lang="en-US" sz="1200" b="1" strike="noStrike" spc="-1" dirty="0" err="1">
+                <a:solidFill>
+                  <a:srgbClr val="000000"/>
+                </a:solidFill>
+                <a:latin typeface="Courier New"/>
+                <a:ea typeface="DejaVu Sans"/>
+              </a:rPr>
+              <a:t>coef</a:t>
+            </a:r>
+            <a:r>
               <a:rPr lang="en-US" sz="1200" b="1" strike="noStrike" spc="-1" dirty="0">
                 <a:solidFill>
                   <a:srgbClr val="000000"/>
@@ -11276,8 +11455,18 @@
                 <a:latin typeface="Courier New"/>
                 <a:ea typeface="DejaVu Sans"/>
               </a:rPr>
-              <a:t>  data = </a:t>
-            </a:r>
+              <a:t>(cesdmodel)</a:t>
+            </a:r>
+            <a:endParaRPr lang="en-US" sz="1200" b="0" strike="noStrike" spc="-1" dirty="0">
+              <a:latin typeface="Arial"/>
+            </a:endParaRPr>
+          </a:p>
+          <a:p>
+            <a:pPr>
+              <a:lnSpc>
+                <a:spcPct val="100000"/>
+              </a:lnSpc>
+            </a:pPr>
             <a:r>
               <a:rPr lang="en-US" sz="1200" b="1" strike="noStrike" spc="-1" dirty="0" err="1">
                 <a:solidFill>
@@ -11286,7 +11475,7 @@
                 <a:latin typeface="Courier New"/>
                 <a:ea typeface="DejaVu Sans"/>
               </a:rPr>
-              <a:t>HELPrct</a:t>
+              <a:t>confint</a:t>
             </a:r>
             <a:r>
               <a:rPr lang="en-US" sz="1200" b="1" strike="noStrike" spc="-1" dirty="0">
@@ -11296,7 +11485,7 @@
                 <a:latin typeface="Courier New"/>
                 <a:ea typeface="DejaVu Sans"/>
               </a:rPr>
-              <a:t>)</a:t>
+              <a:t>(cesdmodel)</a:t>
             </a:r>
             <a:endParaRPr lang="en-US" sz="1200" b="0" strike="noStrike" spc="-1" dirty="0">
               <a:latin typeface="Arial"/>
@@ -11316,7 +11505,7 @@
                 <a:latin typeface="Courier New"/>
                 <a:ea typeface="DejaVu Sans"/>
               </a:rPr>
-              <a:t>msummary</a:t>
+              <a:t>rsquared</a:t>
             </a:r>
             <a:r>
               <a:rPr lang="en-US" sz="1200" b="1" strike="noStrike" spc="-1" dirty="0">
@@ -11346,7 +11535,7 @@
                 <a:latin typeface="Arial"/>
                 <a:ea typeface="DejaVu Sans"/>
               </a:rPr>
-              <a:t>Prediction</a:t>
+              <a:t>Diagnostics; plot residuals</a:t>
             </a:r>
             <a:endParaRPr lang="en-US" sz="1200" b="0" strike="noStrike" spc="-1" dirty="0">
               <a:latin typeface="Arial"/>
@@ -11359,6 +11548,76 @@
               </a:lnSpc>
             </a:pPr>
             <a:r>
+              <a:rPr lang="en-US" sz="1200" b="1" strike="noStrike" spc="-1" dirty="0" err="1">
+                <a:solidFill>
+                  <a:srgbClr val="000000"/>
+                </a:solidFill>
+                <a:latin typeface="Courier New"/>
+                <a:ea typeface="DejaVu Sans"/>
+              </a:rPr>
+              <a:t>gf_dhistogram</a:t>
+            </a:r>
+            <a:r>
+              <a:rPr lang="en-US" sz="1200" b="1" strike="noStrike" spc="-1" dirty="0">
+                <a:solidFill>
+                  <a:srgbClr val="000000"/>
+                </a:solidFill>
+                <a:latin typeface="Courier New"/>
+                <a:ea typeface="DejaVu Sans"/>
+              </a:rPr>
+              <a:t>(~</a:t>
+            </a:r>
+            <a:r>
+              <a:rPr lang="en-US" sz="1200" b="1" strike="noStrike" spc="-1" dirty="0" err="1">
+                <a:solidFill>
+                  <a:srgbClr val="000000"/>
+                </a:solidFill>
+                <a:latin typeface="Courier New"/>
+                <a:ea typeface="DejaVu Sans"/>
+              </a:rPr>
+              <a:t>resid</a:t>
+            </a:r>
+            <a:r>
+              <a:rPr lang="en-US" sz="1200" b="1" strike="noStrike" spc="-1" dirty="0">
+                <a:solidFill>
+                  <a:srgbClr val="000000"/>
+                </a:solidFill>
+                <a:latin typeface="Courier New"/>
+                <a:ea typeface="DejaVu Sans"/>
+              </a:rPr>
+              <a:t>(</a:t>
+            </a:r>
+            <a:r>
+              <a:rPr lang="en-US" sz="1200" b="1" strike="noStrike" spc="-1" dirty="0" err="1">
+                <a:solidFill>
+                  <a:srgbClr val="000000"/>
+                </a:solidFill>
+                <a:latin typeface="Courier New"/>
+                <a:ea typeface="DejaVu Sans"/>
+              </a:rPr>
+              <a:t>cesdmodel</a:t>
+            </a:r>
+            <a:r>
+              <a:rPr lang="en-US" sz="1200" b="1" strike="noStrike" spc="-1" dirty="0">
+                <a:solidFill>
+                  <a:srgbClr val="000000"/>
+                </a:solidFill>
+                <a:latin typeface="Courier New"/>
+                <a:ea typeface="DejaVu Sans"/>
+              </a:rPr>
+              <a:t>))</a:t>
+            </a:r>
+            <a:endParaRPr lang="en-US" sz="1200" b="0" strike="noStrike" spc="-1" dirty="0">
+              <a:latin typeface="Arial"/>
+            </a:endParaRPr>
+          </a:p>
+          <a:p>
+            <a:pPr>
+              <a:lnSpc>
+                <a:spcPct val="100000"/>
+              </a:lnSpc>
+            </a:pPr>
+            <a:r>
               <a:rPr lang="en-US" sz="1200" b="1" spc="-1" dirty="0" err="1">
                 <a:solidFill>
                   <a:srgbClr val="000000"/>
@@ -11366,7 +11625,7 @@
                 <a:latin typeface="Courier New"/>
                 <a:ea typeface="DejaVu Sans"/>
               </a:rPr>
-              <a:t>l</a:t>
+              <a:t>g</a:t>
             </a:r>
             <a:r>
               <a:rPr lang="en-US" sz="1200" b="1" strike="noStrike" spc="-1" dirty="0" err="1">
@@ -11376,7 +11635,7 @@
                 <a:latin typeface="Courier New"/>
                 <a:ea typeface="DejaVu Sans"/>
               </a:rPr>
-              <a:t>m_fun</a:t>
+              <a:t>f_qq</a:t>
             </a:r>
             <a:r>
               <a:rPr lang="en-US" sz="1200" b="1" strike="noStrike" spc="-1" dirty="0">
@@ -11386,7 +11645,7 @@
                 <a:latin typeface="Courier New"/>
                 <a:ea typeface="DejaVu Sans"/>
               </a:rPr>
-              <a:t> &lt;- </a:t>
+              <a:t>(~</a:t>
             </a:r>
             <a:r>
               <a:rPr lang="en-US" sz="1200" b="1" strike="noStrike" spc="-1" dirty="0" err="1">
@@ -11396,7 +11655,7 @@
                 <a:latin typeface="Courier New"/>
                 <a:ea typeface="DejaVu Sans"/>
               </a:rPr>
-              <a:t>makeFun</a:t>
+              <a:t>resid</a:t>
             </a:r>
             <a:r>
               <a:rPr lang="en-US" sz="1200" b="1" strike="noStrike" spc="-1" dirty="0">
@@ -11406,7 +11665,7 @@
                 <a:latin typeface="Courier New"/>
                 <a:ea typeface="DejaVu Sans"/>
               </a:rPr>
-              <a:t>(cesdmodel)</a:t>
+              <a:t>(cesdmodel))</a:t>
             </a:r>
             <a:endParaRPr lang="en-US" sz="1200" b="0" strike="noStrike" spc="-1" dirty="0">
               <a:latin typeface="Arial"/>
@@ -11415,6 +11674,26 @@
           <a:p>
             <a:pPr>
               <a:lnSpc>
+                <a:spcPct val="150000"/>
+              </a:lnSpc>
+            </a:pPr>
+            <a:r>
+              <a:rPr lang="en-US" sz="1200" b="0" strike="noStrike" spc="-1" dirty="0">
+                <a:solidFill>
+                  <a:srgbClr val="000000"/>
+                </a:solidFill>
+                <a:latin typeface="Arial"/>
+                <a:ea typeface="DejaVu Sans"/>
+              </a:rPr>
+              <a:t>Diagnostics; plot residuals vs. fitted</a:t>
+            </a:r>
+            <a:endParaRPr lang="en-US" sz="1200" b="0" strike="noStrike" spc="-1" dirty="0">
+              <a:latin typeface="Arial"/>
+            </a:endParaRPr>
+          </a:p>
+          <a:p>
+            <a:pPr>
+              <a:lnSpc>
                 <a:spcPct val="100000"/>
               </a:lnSpc>
             </a:pPr>
@@ -11424,499 +11703,97 @@
                   <a:srgbClr val="000000"/>
                 </a:solidFill>
                 <a:latin typeface="Courier New"/>
-                <a:ea typeface="DejaVu Sans"/>
-              </a:rPr>
-              <a:t>l</a:t>
-            </a:r>
-            <a:r>
-              <a:rPr lang="en-US" sz="1200" b="1" strike="noStrike" spc="-1" dirty="0" err="1">
-                <a:solidFill>
-                  <a:srgbClr val="000000"/>
-                </a:solidFill>
-                <a:latin typeface="Courier New"/>
-                <a:ea typeface="DejaVu Sans"/>
-              </a:rPr>
-              <a:t>m_fun</a:t>
-            </a:r>
-            <a:r>
-              <a:rPr lang="en-US" sz="1200" b="1" strike="noStrike" spc="-1" dirty="0">
-                <a:solidFill>
-                  <a:srgbClr val="000000"/>
-                </a:solidFill>
-                <a:latin typeface="Courier New"/>
-                <a:ea typeface="DejaVu Sans"/>
+              </a:rPr>
+              <a:t>gf_point</a:t>
+            </a:r>
+            <a:r>
+              <a:rPr lang="en-US" sz="1200" b="1" spc="-1" dirty="0">
+                <a:solidFill>
+                  <a:srgbClr val="000000"/>
+                </a:solidFill>
+                <a:latin typeface="Courier New"/>
               </a:rPr>
               <a:t>(</a:t>
             </a:r>
             <a:r>
-              <a:rPr lang="en-US" sz="1200" b="1" strike="noStrike" spc="-1" dirty="0" err="1">
-                <a:solidFill>
-                  <a:srgbClr val="000000"/>
-                </a:solidFill>
-                <a:latin typeface="Courier New"/>
-                <a:ea typeface="DejaVu Sans"/>
-              </a:rPr>
-              <a:t>mcs</a:t>
-            </a:r>
-            <a:r>
-              <a:rPr lang="en-US" sz="1200" b="1" strike="noStrike" spc="-1" dirty="0">
-                <a:solidFill>
-                  <a:srgbClr val="000000"/>
-                </a:solidFill>
-                <a:latin typeface="Courier New"/>
-                <a:ea typeface="DejaVu Sans"/>
-              </a:rPr>
-              <a:t> = 35)</a:t>
-            </a:r>
-            <a:endParaRPr lang="en-US" sz="1200" b="0" strike="noStrike" spc="-1" dirty="0">
-              <a:latin typeface="Arial"/>
-            </a:endParaRPr>
-          </a:p>
-          <a:p>
-            <a:pPr>
-              <a:lnSpc>
-                <a:spcPct val="150000"/>
-              </a:lnSpc>
-            </a:pPr>
-            <a:r>
-              <a:rPr lang="en-US" sz="1200" b="0" strike="noStrike" spc="-1" dirty="0">
-                <a:solidFill>
-                  <a:srgbClr val="000000"/>
-                </a:solidFill>
-                <a:latin typeface="Arial"/>
-                <a:ea typeface="DejaVu Sans"/>
-              </a:rPr>
-              <a:t>Extract useful quantities</a:t>
-            </a:r>
-            <a:endParaRPr lang="en-US" sz="1200" b="0" strike="noStrike" spc="-1" dirty="0">
-              <a:latin typeface="Arial"/>
-            </a:endParaRPr>
-          </a:p>
-          <a:p>
-            <a:pPr>
-              <a:lnSpc>
-                <a:spcPct val="100000"/>
-              </a:lnSpc>
-            </a:pPr>
-            <a:r>
-              <a:rPr lang="en-US" sz="1200" b="1" strike="noStrike" spc="-1" dirty="0" err="1">
-                <a:solidFill>
-                  <a:srgbClr val="000000"/>
-                </a:solidFill>
-                <a:latin typeface="Courier New"/>
-                <a:ea typeface="DejaVu Sans"/>
-              </a:rPr>
-              <a:t>anova</a:t>
-            </a:r>
-            <a:r>
-              <a:rPr lang="en-US" sz="1200" b="1" strike="noStrike" spc="-1" dirty="0">
-                <a:solidFill>
-                  <a:srgbClr val="000000"/>
-                </a:solidFill>
-                <a:latin typeface="Courier New"/>
-                <a:ea typeface="DejaVu Sans"/>
-              </a:rPr>
-              <a:t>(cesdmodel)</a:t>
-            </a:r>
-            <a:endParaRPr lang="en-US" sz="1200" b="0" strike="noStrike" spc="-1" dirty="0">
-              <a:latin typeface="Arial"/>
-            </a:endParaRPr>
-          </a:p>
-          <a:p>
-            <a:pPr>
-              <a:lnSpc>
-                <a:spcPct val="100000"/>
-              </a:lnSpc>
-            </a:pPr>
-            <a:r>
-              <a:rPr lang="en-US" sz="1200" b="1" strike="noStrike" spc="-1" dirty="0" err="1">
-                <a:solidFill>
-                  <a:srgbClr val="000000"/>
-                </a:solidFill>
-                <a:latin typeface="Courier New"/>
-                <a:ea typeface="DejaVu Sans"/>
-              </a:rPr>
-              <a:t>coef</a:t>
-            </a:r>
-            <a:r>
-              <a:rPr lang="en-US" sz="1200" b="1" strike="noStrike" spc="-1" dirty="0">
-                <a:solidFill>
-                  <a:srgbClr val="000000"/>
-                </a:solidFill>
-                <a:latin typeface="Courier New"/>
-                <a:ea typeface="DejaVu Sans"/>
-              </a:rPr>
-              <a:t>(cesdmodel)</a:t>
-            </a:r>
-            <a:endParaRPr lang="en-US" sz="1200" b="0" strike="noStrike" spc="-1" dirty="0">
-              <a:latin typeface="Arial"/>
-            </a:endParaRPr>
-          </a:p>
-          <a:p>
-            <a:pPr>
-              <a:lnSpc>
-                <a:spcPct val="100000"/>
-              </a:lnSpc>
-            </a:pPr>
-            <a:r>
-              <a:rPr lang="en-US" sz="1200" b="1" strike="noStrike" spc="-1" dirty="0" err="1">
-                <a:solidFill>
-                  <a:srgbClr val="000000"/>
-                </a:solidFill>
-                <a:latin typeface="Courier New"/>
-                <a:ea typeface="DejaVu Sans"/>
-              </a:rPr>
-              <a:t>confint</a:t>
-            </a:r>
-            <a:r>
-              <a:rPr lang="en-US" sz="1200" b="1" strike="noStrike" spc="-1" dirty="0">
-                <a:solidFill>
-                  <a:srgbClr val="000000"/>
-                </a:solidFill>
-                <a:latin typeface="Courier New"/>
-                <a:ea typeface="DejaVu Sans"/>
-              </a:rPr>
-              <a:t>(cesdmodel)</a:t>
-            </a:r>
-            <a:endParaRPr lang="en-US" sz="1200" b="0" strike="noStrike" spc="-1" dirty="0">
-              <a:latin typeface="Arial"/>
-            </a:endParaRPr>
-          </a:p>
-          <a:p>
-            <a:pPr>
-              <a:lnSpc>
-                <a:spcPct val="100000"/>
-              </a:lnSpc>
-            </a:pPr>
-            <a:r>
-              <a:rPr lang="en-US" sz="1200" b="1" strike="noStrike" spc="-1" dirty="0" err="1">
-                <a:solidFill>
-                  <a:srgbClr val="000000"/>
-                </a:solidFill>
-                <a:latin typeface="Courier New"/>
-                <a:ea typeface="DejaVu Sans"/>
-              </a:rPr>
-              <a:t>rsquared</a:t>
-            </a:r>
-            <a:r>
-              <a:rPr lang="en-US" sz="1200" b="1" strike="noStrike" spc="-1" dirty="0">
-                <a:solidFill>
-                  <a:srgbClr val="000000"/>
-                </a:solidFill>
-                <a:latin typeface="Courier New"/>
-                <a:ea typeface="DejaVu Sans"/>
-              </a:rPr>
-              <a:t>(cesdmodel)</a:t>
-            </a:r>
-            <a:endParaRPr lang="en-US" sz="1200" b="0" strike="noStrike" spc="-1" dirty="0">
-              <a:latin typeface="Arial"/>
-            </a:endParaRPr>
-          </a:p>
-          <a:p>
-            <a:pPr>
-              <a:lnSpc>
-                <a:spcPct val="150000"/>
-              </a:lnSpc>
-            </a:pPr>
-            <a:r>
-              <a:rPr lang="en-US" sz="1200" b="0" strike="noStrike" spc="-1" dirty="0">
-                <a:solidFill>
-                  <a:srgbClr val="000000"/>
-                </a:solidFill>
-                <a:latin typeface="Arial"/>
-                <a:ea typeface="DejaVu Sans"/>
-              </a:rPr>
-              <a:t>Diagnostics; plot residuals</a:t>
-            </a:r>
-            <a:endParaRPr lang="en-US" sz="1200" b="0" strike="noStrike" spc="-1" dirty="0">
-              <a:latin typeface="Arial"/>
-            </a:endParaRPr>
-          </a:p>
-          <a:p>
-            <a:pPr>
-              <a:lnSpc>
-                <a:spcPct val="100000"/>
-              </a:lnSpc>
-            </a:pPr>
-            <a:r>
-              <a:rPr lang="en-US" sz="1200" b="1" strike="noStrike" spc="-1" dirty="0" err="1">
-                <a:solidFill>
-                  <a:srgbClr val="000000"/>
-                </a:solidFill>
-                <a:latin typeface="Courier New"/>
-                <a:ea typeface="DejaVu Sans"/>
-              </a:rPr>
-              <a:t>gf_dhistogram</a:t>
-            </a:r>
-            <a:r>
-              <a:rPr lang="en-US" sz="1200" b="1" strike="noStrike" spc="-1" dirty="0">
-                <a:solidFill>
-                  <a:srgbClr val="000000"/>
-                </a:solidFill>
-                <a:latin typeface="Courier New"/>
-                <a:ea typeface="DejaVu Sans"/>
-              </a:rPr>
-              <a:t>(~</a:t>
-            </a:r>
-            <a:r>
-              <a:rPr lang="en-US" sz="1200" b="1" strike="noStrike" spc="-1" dirty="0" err="1">
-                <a:solidFill>
-                  <a:srgbClr val="000000"/>
-                </a:solidFill>
-                <a:latin typeface="Courier New"/>
-                <a:ea typeface="DejaVu Sans"/>
+              <a:rPr lang="en-US" sz="1200" b="1" spc="-1" dirty="0" err="1">
+                <a:solidFill>
+                  <a:srgbClr val="000000"/>
+                </a:solidFill>
+                <a:latin typeface="Courier New"/>
               </a:rPr>
               <a:t>resid</a:t>
             </a:r>
             <a:r>
-              <a:rPr lang="en-US" sz="1200" b="1" strike="noStrike" spc="-1" dirty="0">
-                <a:solidFill>
-                  <a:srgbClr val="000000"/>
-                </a:solidFill>
-                <a:latin typeface="Courier New"/>
-                <a:ea typeface="DejaVu Sans"/>
+              <a:rPr lang="en-US" sz="1200" b="1" spc="-1" dirty="0">
+                <a:solidFill>
+                  <a:srgbClr val="000000"/>
+                </a:solidFill>
+                <a:latin typeface="Courier New"/>
               </a:rPr>
               <a:t>(</a:t>
             </a:r>
             <a:r>
-              <a:rPr lang="en-US" sz="1200" b="1" strike="noStrike" spc="-1" dirty="0" err="1">
-                <a:solidFill>
-                  <a:srgbClr val="000000"/>
-                </a:solidFill>
-                <a:latin typeface="Courier New"/>
-                <a:ea typeface="DejaVu Sans"/>
+              <a:rPr lang="en-US" sz="1200" b="1" spc="-1" dirty="0" err="1">
+                <a:solidFill>
+                  <a:srgbClr val="000000"/>
+                </a:solidFill>
+                <a:latin typeface="Courier New"/>
               </a:rPr>
               <a:t>cesdmodel</a:t>
             </a:r>
             <a:r>
-              <a:rPr lang="en-US" sz="1200" b="1" strike="noStrike" spc="-1" dirty="0">
-                <a:solidFill>
-                  <a:srgbClr val="000000"/>
-                </a:solidFill>
-                <a:latin typeface="Courier New"/>
-                <a:ea typeface="DejaVu Sans"/>
+              <a:rPr lang="en-US" sz="1200" b="1" spc="-1" dirty="0">
+                <a:solidFill>
+                  <a:srgbClr val="000000"/>
+                </a:solidFill>
+                <a:latin typeface="Courier New"/>
+              </a:rPr>
+              <a:t>) ~   </a:t>
+            </a:r>
+          </a:p>
+          <a:p>
+            <a:pPr>
+              <a:lnSpc>
+                <a:spcPct val="100000"/>
+              </a:lnSpc>
+            </a:pPr>
+            <a:r>
+              <a:rPr lang="en-US" sz="1200" b="1" spc="-1" dirty="0">
+                <a:solidFill>
+                  <a:srgbClr val="000000"/>
+                </a:solidFill>
+                <a:latin typeface="Courier New"/>
+              </a:rPr>
+              <a:t>    </a:t>
+            </a:r>
+            <a:r>
+              <a:rPr lang="en-US" sz="1200" b="1" spc="-1" dirty="0" smtClean="0">
+                <a:solidFill>
+                  <a:srgbClr val="000000"/>
+                </a:solidFill>
+                <a:latin typeface="Courier New"/>
+              </a:rPr>
+              <a:t>fitted(</a:t>
+            </a:r>
+            <a:r>
+              <a:rPr lang="en-US" sz="1200" b="1" spc="-1" dirty="0" err="1" smtClean="0">
+                <a:solidFill>
+                  <a:srgbClr val="000000"/>
+                </a:solidFill>
+                <a:latin typeface="Courier New"/>
+              </a:rPr>
+              <a:t>cesdmodel</a:t>
+            </a:r>
+            <a:r>
+              <a:rPr lang="en-US" sz="1200" b="1" spc="-1" dirty="0" smtClean="0">
+                <a:solidFill>
+                  <a:srgbClr val="000000"/>
+                </a:solidFill>
+                <a:latin typeface="Courier New"/>
               </a:rPr>
               <a:t>))</a:t>
             </a:r>
-            <a:endParaRPr lang="en-US" sz="1200" b="0" strike="noStrike" spc="-1" dirty="0">
-              <a:latin typeface="Arial"/>
-            </a:endParaRPr>
-          </a:p>
-          <a:p>
-            <a:pPr>
-              <a:lnSpc>
-                <a:spcPct val="100000"/>
-              </a:lnSpc>
-            </a:pPr>
-            <a:r>
-              <a:rPr lang="en-US" sz="1200" b="1" spc="-1" dirty="0" err="1">
-                <a:solidFill>
-                  <a:srgbClr val="000000"/>
-                </a:solidFill>
-                <a:latin typeface="Courier New"/>
-                <a:ea typeface="DejaVu Sans"/>
-              </a:rPr>
-              <a:t>g</a:t>
-            </a:r>
-            <a:r>
-              <a:rPr lang="en-US" sz="1200" b="1" strike="noStrike" spc="-1" dirty="0" err="1">
-                <a:solidFill>
-                  <a:srgbClr val="000000"/>
-                </a:solidFill>
-                <a:latin typeface="Courier New"/>
-                <a:ea typeface="DejaVu Sans"/>
-              </a:rPr>
-              <a:t>f_qq</a:t>
-            </a:r>
-            <a:r>
-              <a:rPr lang="en-US" sz="1200" b="1" strike="noStrike" spc="-1" dirty="0">
-                <a:solidFill>
-                  <a:srgbClr val="000000"/>
-                </a:solidFill>
-                <a:latin typeface="Courier New"/>
-                <a:ea typeface="DejaVu Sans"/>
-              </a:rPr>
-              <a:t>(~</a:t>
-            </a:r>
-            <a:r>
-              <a:rPr lang="en-US" sz="1200" b="1" strike="noStrike" spc="-1" dirty="0" err="1">
-                <a:solidFill>
-                  <a:srgbClr val="000000"/>
-                </a:solidFill>
-                <a:latin typeface="Courier New"/>
-                <a:ea typeface="DejaVu Sans"/>
-              </a:rPr>
-              <a:t>resid</a:t>
-            </a:r>
-            <a:r>
-              <a:rPr lang="en-US" sz="1200" b="1" strike="noStrike" spc="-1" dirty="0">
-                <a:solidFill>
-                  <a:srgbClr val="000000"/>
-                </a:solidFill>
-                <a:latin typeface="Courier New"/>
-                <a:ea typeface="DejaVu Sans"/>
-              </a:rPr>
-              <a:t>(cesdmodel))</a:t>
-            </a:r>
-            <a:endParaRPr lang="en-US" sz="1200" b="0" strike="noStrike" spc="-1" dirty="0">
-              <a:latin typeface="Arial"/>
-            </a:endParaRPr>
-          </a:p>
-          <a:p>
-            <a:pPr>
-              <a:lnSpc>
-                <a:spcPct val="150000"/>
-              </a:lnSpc>
-            </a:pPr>
-            <a:r>
-              <a:rPr lang="en-US" sz="1200" b="0" strike="noStrike" spc="-1" dirty="0">
-                <a:solidFill>
-                  <a:srgbClr val="000000"/>
-                </a:solidFill>
-                <a:latin typeface="Arial"/>
-                <a:ea typeface="DejaVu Sans"/>
-              </a:rPr>
-              <a:t>Diagnostics; plot residuals vs. fitted</a:t>
-            </a:r>
-            <a:endParaRPr lang="en-US" sz="1200" b="0" strike="noStrike" spc="-1" dirty="0">
-              <a:latin typeface="Arial"/>
-            </a:endParaRPr>
-          </a:p>
-          <a:p>
-            <a:pPr>
-              <a:lnSpc>
-                <a:spcPct val="100000"/>
-              </a:lnSpc>
-            </a:pPr>
-            <a:r>
-              <a:rPr lang="en-US" sz="1200" b="1" spc="-1" dirty="0" err="1">
-                <a:solidFill>
-                  <a:srgbClr val="000000"/>
-                </a:solidFill>
-                <a:latin typeface="Courier New"/>
-              </a:rPr>
-              <a:t>gf_point</a:t>
-            </a:r>
-            <a:r>
-              <a:rPr lang="en-US" sz="1200" b="1" spc="-1" dirty="0">
-                <a:solidFill>
-                  <a:srgbClr val="000000"/>
-                </a:solidFill>
-                <a:latin typeface="Courier New"/>
-              </a:rPr>
-              <a:t>(</a:t>
-            </a:r>
-            <a:r>
-              <a:rPr lang="en-US" sz="1200" b="1" spc="-1" dirty="0" err="1">
-                <a:solidFill>
-                  <a:srgbClr val="000000"/>
-                </a:solidFill>
-                <a:latin typeface="Courier New"/>
-              </a:rPr>
-              <a:t>resid</a:t>
-            </a:r>
-            <a:r>
-              <a:rPr lang="en-US" sz="1200" b="1" spc="-1" dirty="0">
-                <a:solidFill>
-                  <a:srgbClr val="000000"/>
-                </a:solidFill>
-                <a:latin typeface="Courier New"/>
-              </a:rPr>
-              <a:t>(</a:t>
-            </a:r>
-            <a:r>
-              <a:rPr lang="en-US" sz="1200" b="1" spc="-1" dirty="0" err="1">
-                <a:solidFill>
-                  <a:srgbClr val="000000"/>
-                </a:solidFill>
-                <a:latin typeface="Courier New"/>
-              </a:rPr>
-              <a:t>cesdmodel</a:t>
-            </a:r>
-            <a:r>
-              <a:rPr lang="en-US" sz="1200" b="1" spc="-1" dirty="0">
-                <a:solidFill>
-                  <a:srgbClr val="000000"/>
-                </a:solidFill>
-                <a:latin typeface="Courier New"/>
-              </a:rPr>
-              <a:t>) ~   </a:t>
-            </a:r>
-          </a:p>
-          <a:p>
-            <a:pPr>
-              <a:lnSpc>
-                <a:spcPct val="100000"/>
-              </a:lnSpc>
-            </a:pPr>
-            <a:r>
-              <a:rPr lang="en-US" sz="1200" b="1" spc="-1" dirty="0">
-                <a:solidFill>
-                  <a:srgbClr val="000000"/>
-                </a:solidFill>
-                <a:latin typeface="Courier New"/>
-              </a:rPr>
-              <a:t>    fitted(</a:t>
-            </a:r>
-            <a:r>
-              <a:rPr lang="en-US" sz="1200" b="1" spc="-1" dirty="0" err="1">
-                <a:solidFill>
-                  <a:srgbClr val="000000"/>
-                </a:solidFill>
-                <a:latin typeface="Courier New"/>
-              </a:rPr>
-              <a:t>cesdmodel</a:t>
-            </a:r>
-            <a:r>
-              <a:rPr lang="en-US" sz="1200" b="1" spc="-1" dirty="0">
-                <a:solidFill>
-                  <a:srgbClr val="000000"/>
-                </a:solidFill>
-                <a:latin typeface="Courier New"/>
-              </a:rPr>
-              <a:t>)) %&gt;%</a:t>
-            </a:r>
-          </a:p>
-          <a:p>
-            <a:pPr>
-              <a:lnSpc>
-                <a:spcPct val="100000"/>
-              </a:lnSpc>
-            </a:pPr>
-            <a:r>
-              <a:rPr lang="en-US" sz="1200" b="1" spc="-1" dirty="0">
-                <a:solidFill>
-                  <a:srgbClr val="000000"/>
-                </a:solidFill>
-                <a:latin typeface="Courier New"/>
-              </a:rPr>
-              <a:t>  </a:t>
-            </a:r>
-            <a:r>
-              <a:rPr lang="en-US" sz="1200" b="1" spc="-1" dirty="0" err="1">
-                <a:solidFill>
-                  <a:srgbClr val="000000"/>
-                </a:solidFill>
-                <a:latin typeface="Courier New"/>
-              </a:rPr>
-              <a:t>gf_lm</a:t>
-            </a:r>
-            <a:r>
-              <a:rPr lang="en-US" sz="1200" b="1" spc="-1" dirty="0">
-                <a:solidFill>
-                  <a:srgbClr val="000000"/>
-                </a:solidFill>
-                <a:latin typeface="Courier New"/>
-              </a:rPr>
-              <a:t>(size = 2) </a:t>
-            </a:r>
-          </a:p>
-          <a:p>
-            <a:pPr>
-              <a:lnSpc>
-                <a:spcPct val="100000"/>
-              </a:lnSpc>
-            </a:pPr>
             <a:endParaRPr lang="en-US" sz="1200" b="0" strike="noStrike" spc="-1" dirty="0">
               <a:latin typeface="Arial"/>
             </a:endParaRPr>
@@ -12121,7 +11998,7 @@
         </p:nvSpPr>
         <p:spPr>
           <a:xfrm>
-            <a:off x="6895964" y="7772400"/>
+            <a:off x="6920200" y="7584758"/>
             <a:ext cx="3200400" cy="694440"/>
           </a:xfrm>
           <a:prstGeom prst="roundRect">
@@ -14250,8 +14127,8 @@
         </p:nvSpPr>
         <p:spPr>
           <a:xfrm>
-            <a:off x="6895964" y="8537383"/>
-            <a:ext cx="3200400" cy="1735649"/>
+            <a:off x="6895964" y="8332857"/>
+            <a:ext cx="3200400" cy="1940176"/>
           </a:xfrm>
           <a:prstGeom prst="rect">
             <a:avLst/>
@@ -14288,7 +14165,7 @@
               </a:lnSpc>
             </a:pPr>
             <a:r>
-              <a:rPr lang="en-US" sz="1200" b="0" strike="noStrike" spc="-1" smtClean="0">
+              <a:rPr lang="en-US" sz="1200" b="0" strike="noStrike" spc="-1" dirty="0" smtClean="0">
                 <a:solidFill>
                   <a:srgbClr val="000000"/>
                 </a:solidFill>
@@ -14435,6 +14312,16 @@
               </a:lnSpc>
             </a:pPr>
             <a:r>
+              <a:rPr lang="en-US" sz="1200" b="1" strike="noStrike" spc="-1" dirty="0">
+                <a:solidFill>
+                  <a:srgbClr val="000000"/>
+                </a:solidFill>
+                <a:latin typeface="Courier New"/>
+                <a:ea typeface="Menlo"/>
+              </a:rPr>
+              <a:t>msummary(</a:t>
+            </a:r>
+            <a:r>
               <a:rPr lang="en-US" sz="1200" b="1" strike="noStrike" spc="-1" dirty="0" err="1">
                 <a:solidFill>
                   <a:srgbClr val="000000"/>
@@ -14442,7 +14329,7 @@
                 <a:latin typeface="Courier New"/>
                 <a:ea typeface="Menlo"/>
               </a:rPr>
-              <a:t>msummary</a:t>
+              <a:t>logit_mod</a:t>
             </a:r>
             <a:r>
               <a:rPr lang="en-US" sz="1200" b="1" strike="noStrike" spc="-1" dirty="0">
@@ -14452,10 +14339,66 @@
                 <a:latin typeface="Courier New"/>
                 <a:ea typeface="Menlo"/>
               </a:rPr>
+              <a:t>)</a:t>
+            </a:r>
+          </a:p>
+          <a:p>
+            <a:pPr>
+              <a:lnSpc>
+                <a:spcPct val="150000"/>
+              </a:lnSpc>
+            </a:pPr>
+            <a:r>
+              <a:rPr lang="en-US" sz="1200" b="0" strike="noStrike" spc="-1" dirty="0" smtClean="0">
+                <a:solidFill>
+                  <a:srgbClr val="000000"/>
+                </a:solidFill>
+                <a:latin typeface="Arial"/>
+                <a:ea typeface="DejaVu Sans"/>
+              </a:rPr>
+              <a:t>Odds ratios and confidence intervals</a:t>
+            </a:r>
+          </a:p>
+          <a:p>
+            <a:r>
+              <a:rPr lang="en-US" sz="1200" b="1" spc="-1" dirty="0" smtClean="0">
+                <a:latin typeface="Courier New" panose="02070309020205020404" pitchFamily="49" charset="0"/>
+                <a:cs typeface="Courier New" panose="02070309020205020404" pitchFamily="49" charset="0"/>
+              </a:rPr>
+              <a:t>library(broom)</a:t>
+            </a:r>
+            <a:endParaRPr lang="en-US" sz="1200" b="0" strike="noStrike" spc="-1" dirty="0">
+              <a:latin typeface="Arial"/>
+            </a:endParaRPr>
+          </a:p>
+          <a:p>
+            <a:pPr>
+              <a:lnSpc>
+                <a:spcPct val="100000"/>
+              </a:lnSpc>
+            </a:pPr>
+            <a:r>
+              <a:rPr lang="en-US" sz="1200" b="1" spc="-1" dirty="0" smtClean="0">
+                <a:solidFill>
+                  <a:srgbClr val="000000"/>
+                </a:solidFill>
+                <a:latin typeface="Courier New"/>
+                <a:ea typeface="Menlo"/>
+              </a:rPr>
+              <a:t>tidy</a:t>
+            </a:r>
+            <a:r>
+              <a:rPr lang="en-US" sz="1200" b="1" strike="noStrike" spc="-1" dirty="0" smtClean="0">
+                <a:solidFill>
+                  <a:srgbClr val="000000"/>
+                </a:solidFill>
+                <a:latin typeface="Courier New"/>
+                <a:ea typeface="Menlo"/>
+              </a:rPr>
               <a:t>(</a:t>
             </a:r>
             <a:r>
-              <a:rPr lang="en-US" sz="1200" b="1" strike="noStrike" spc="-1" dirty="0" err="1">
+              <a:rPr lang="en-US" sz="1200" b="1" strike="noStrike" spc="-1" dirty="0" err="1" smtClean="0">
                 <a:solidFill>
                   <a:srgbClr val="000000"/>
                 </a:solidFill>
@@ -14465,171 +14408,71 @@
               <a:t>logit_mod</a:t>
             </a:r>
             <a:r>
-              <a:rPr lang="en-US" sz="1200" b="1" strike="noStrike" spc="-1" dirty="0">
-                <a:solidFill>
-                  <a:srgbClr val="000000"/>
-                </a:solidFill>
-                <a:latin typeface="Courier New"/>
-                <a:ea typeface="Menlo"/>
-              </a:rPr>
-              <a:t>)</a:t>
-            </a:r>
-          </a:p>
-          <a:p>
-            <a:pPr>
-              <a:lnSpc>
-                <a:spcPct val="150000"/>
-              </a:lnSpc>
-            </a:pPr>
-            <a:r>
-              <a:rPr lang="en-US" sz="1200" b="0" strike="noStrike" spc="-1" dirty="0">
-                <a:solidFill>
-                  <a:srgbClr val="000000"/>
-                </a:solidFill>
-                <a:latin typeface="Arial"/>
-                <a:ea typeface="DejaVu Sans"/>
-              </a:rPr>
-              <a:t>Odds ratios and confidence intervals</a:t>
-            </a:r>
-            <a:endParaRPr lang="en-US" sz="1200" b="0" strike="noStrike" spc="-1" dirty="0">
-              <a:latin typeface="Arial"/>
-            </a:endParaRPr>
-          </a:p>
-          <a:p>
-            <a:pPr>
-              <a:lnSpc>
-                <a:spcPct val="100000"/>
-              </a:lnSpc>
-            </a:pPr>
-            <a:r>
-              <a:rPr lang="en-US" sz="1200" b="1" strike="noStrike" spc="-1" dirty="0" err="1">
-                <a:solidFill>
-                  <a:srgbClr val="000000"/>
-                </a:solidFill>
-                <a:latin typeface="Courier New"/>
-                <a:ea typeface="Menlo"/>
-              </a:rPr>
-              <a:t>exp</a:t>
-            </a:r>
-            <a:r>
-              <a:rPr lang="en-US" sz="1200" b="1" strike="noStrike" spc="-1" dirty="0">
-                <a:solidFill>
-                  <a:srgbClr val="000000"/>
-                </a:solidFill>
-                <a:latin typeface="Courier New"/>
-                <a:ea typeface="Menlo"/>
-              </a:rPr>
-              <a:t>(</a:t>
-            </a:r>
-            <a:r>
-              <a:rPr lang="en-US" sz="1200" b="1" strike="noStrike" spc="-1" dirty="0" err="1">
-                <a:solidFill>
-                  <a:srgbClr val="000000"/>
-                </a:solidFill>
-                <a:latin typeface="Courier New"/>
-                <a:ea typeface="Menlo"/>
-              </a:rPr>
-              <a:t>coef</a:t>
-            </a:r>
-            <a:r>
-              <a:rPr lang="en-US" sz="1200" b="1" strike="noStrike" spc="-1" dirty="0">
-                <a:solidFill>
-                  <a:srgbClr val="000000"/>
-                </a:solidFill>
-                <a:latin typeface="Courier New"/>
-                <a:ea typeface="Menlo"/>
-              </a:rPr>
-              <a:t>(</a:t>
-            </a:r>
-            <a:r>
-              <a:rPr lang="en-US" sz="1200" b="1" strike="noStrike" spc="-1" dirty="0" err="1">
-                <a:solidFill>
-                  <a:srgbClr val="000000"/>
-                </a:solidFill>
-                <a:latin typeface="Courier New"/>
-                <a:ea typeface="Menlo"/>
-              </a:rPr>
-              <a:t>logit_mod</a:t>
-            </a:r>
-            <a:r>
-              <a:rPr lang="en-US" sz="1200" b="1" strike="noStrike" spc="-1" dirty="0">
-                <a:solidFill>
-                  <a:srgbClr val="000000"/>
-                </a:solidFill>
-                <a:latin typeface="Courier New"/>
-                <a:ea typeface="Menlo"/>
-              </a:rPr>
-              <a:t>))</a:t>
-            </a:r>
-            <a:endParaRPr lang="en-US" sz="1200" b="0" strike="noStrike" spc="-1" dirty="0">
-              <a:latin typeface="Arial"/>
-            </a:endParaRPr>
-          </a:p>
-          <a:p>
-            <a:pPr>
-              <a:lnSpc>
-                <a:spcPct val="100000"/>
-              </a:lnSpc>
-            </a:pPr>
-            <a:r>
-              <a:rPr lang="en-US" sz="1200" b="1" strike="noStrike" spc="-1" dirty="0" err="1">
-                <a:solidFill>
-                  <a:srgbClr val="000000"/>
-                </a:solidFill>
-                <a:latin typeface="Courier New"/>
-                <a:ea typeface="Menlo"/>
-              </a:rPr>
-              <a:t>exp</a:t>
-            </a:r>
-            <a:r>
-              <a:rPr lang="en-US" sz="1200" b="1" strike="noStrike" spc="-1" dirty="0">
-                <a:solidFill>
-                  <a:srgbClr val="000000"/>
-                </a:solidFill>
-                <a:latin typeface="Courier New"/>
-                <a:ea typeface="Menlo"/>
-              </a:rPr>
-              <a:t>(</a:t>
-            </a:r>
-            <a:r>
-              <a:rPr lang="en-US" sz="1200" b="1" strike="noStrike" spc="-1" dirty="0" err="1">
-                <a:solidFill>
-                  <a:srgbClr val="000000"/>
-                </a:solidFill>
-                <a:latin typeface="Courier New"/>
-                <a:ea typeface="Menlo"/>
-              </a:rPr>
-              <a:t>confint</a:t>
-            </a:r>
-            <a:r>
-              <a:rPr lang="en-US" sz="1200" b="1" strike="noStrike" spc="-1" dirty="0">
-                <a:solidFill>
-                  <a:srgbClr val="000000"/>
-                </a:solidFill>
-                <a:latin typeface="Courier New"/>
-                <a:ea typeface="Menlo"/>
-              </a:rPr>
-              <a:t>(</a:t>
-            </a:r>
-            <a:r>
-              <a:rPr lang="en-US" sz="1200" b="1" strike="noStrike" spc="-1" dirty="0" err="1">
-                <a:solidFill>
-                  <a:srgbClr val="000000"/>
-                </a:solidFill>
-                <a:latin typeface="Courier New"/>
-                <a:ea typeface="Menlo"/>
-              </a:rPr>
-              <a:t>logit_mod</a:t>
-            </a:r>
-            <a:r>
-              <a:rPr lang="en-US" sz="1200" b="1" strike="noStrike" spc="-1" dirty="0">
-                <a:solidFill>
-                  <a:srgbClr val="000000"/>
-                </a:solidFill>
-                <a:latin typeface="Courier New"/>
-                <a:ea typeface="Menlo"/>
-              </a:rPr>
-              <a:t>))</a:t>
+              <a:rPr lang="en-US" sz="1200" b="1" strike="noStrike" spc="-1" smtClean="0">
+                <a:solidFill>
+                  <a:srgbClr val="000000"/>
+                </a:solidFill>
+                <a:latin typeface="Courier New"/>
+                <a:ea typeface="Menlo"/>
+              </a:rPr>
+              <a:t>, </a:t>
+            </a:r>
+            <a:r>
+              <a:rPr lang="en-US" sz="1200" b="1" strike="noStrike" spc="-1" smtClean="0">
+                <a:solidFill>
+                  <a:srgbClr val="000000"/>
+                </a:solidFill>
+                <a:latin typeface="Courier New"/>
+                <a:ea typeface="Menlo"/>
+              </a:rPr>
+              <a:t>conf.int </a:t>
+            </a:r>
+            <a:r>
+              <a:rPr lang="en-US" sz="1200" b="1" strike="noStrike" spc="-1" dirty="0" smtClean="0">
+                <a:solidFill>
+                  <a:srgbClr val="000000"/>
+                </a:solidFill>
+                <a:latin typeface="Courier New"/>
+                <a:ea typeface="Menlo"/>
+              </a:rPr>
+              <a:t>= TRUE,</a:t>
+            </a:r>
+          </a:p>
+          <a:p>
+            <a:pPr>
+              <a:lnSpc>
+                <a:spcPct val="100000"/>
+              </a:lnSpc>
+            </a:pPr>
+            <a:r>
+              <a:rPr lang="en-US" sz="1200" b="1" strike="noStrike" spc="-1" dirty="0" smtClean="0">
+                <a:solidFill>
+                  <a:srgbClr val="000000"/>
+                </a:solidFill>
+                <a:latin typeface="Courier New"/>
+                <a:ea typeface="Menlo"/>
+              </a:rPr>
+              <a:t>  </a:t>
+            </a:r>
+            <a:r>
+              <a:rPr lang="en-US" sz="1200" b="1" strike="noStrike" spc="-1" dirty="0" err="1" smtClean="0">
+                <a:solidFill>
+                  <a:srgbClr val="000000"/>
+                </a:solidFill>
+                <a:latin typeface="Courier New"/>
+                <a:ea typeface="Menlo"/>
+              </a:rPr>
+              <a:t>exponentiate</a:t>
+            </a:r>
+            <a:r>
+              <a:rPr lang="en-US" sz="1200" b="1" strike="noStrike" spc="-1" dirty="0" smtClean="0">
+                <a:solidFill>
+                  <a:srgbClr val="000000"/>
+                </a:solidFill>
+                <a:latin typeface="Courier New"/>
+                <a:ea typeface="Menlo"/>
+              </a:rPr>
+              <a:t> = TRUE)</a:t>
             </a:r>
             <a:endParaRPr lang="en-US" sz="1200" b="0" strike="noStrike" spc="-1" dirty="0">
               <a:latin typeface="Arial"/>
@@ -14935,7 +14778,17 @@
                 <a:latin typeface="Source Sans Pro Light"/>
                 <a:ea typeface="Source Sans Pro Light"/>
               </a:rPr>
-              <a:t> &amp; DT Kaplan •  Updated: 08/18</a:t>
+              <a:t> &amp; DT Kaplan •  Updated: </a:t>
+            </a:r>
+            <a:r>
+              <a:rPr lang="en-US" sz="900" b="0" strike="noStrike" spc="-1" dirty="0" smtClean="0">
+                <a:solidFill>
+                  <a:srgbClr val="000000"/>
+                </a:solidFill>
+                <a:latin typeface="Source Sans Pro Light"/>
+                <a:ea typeface="Source Sans Pro Light"/>
+              </a:rPr>
+              <a:t>06/20</a:t>
             </a:r>
             <a:endParaRPr lang="en-US" sz="900" b="0" strike="noStrike" spc="-1" dirty="0">
               <a:latin typeface="Arial"/>
